--- a/Presentations/ADBIS 2016/Presentation_ADBIS 2016.pptx
+++ b/Presentations/ADBIS 2016/Presentation_ADBIS 2016.pptx
@@ -726,7 +726,7 @@
               <a:t> morning, I am </a:t>
             </a:r>
             <a:r>
-              <a:rPr lang="es-ES_tradnl" sz="1200" kern="1200" dirty="0" err="1" smtClean="0">
+              <a:rPr lang="es-ES_tradnl" sz="1200" kern="1200" dirty="0" smtClean="0">
                 <a:solidFill>
                   <a:schemeClr val="tx1"/>
                 </a:solidFill>
@@ -734,10 +734,10 @@
                 <a:ea typeface="+mn-ea"/>
                 <a:cs typeface="+mn-cs"/>
               </a:rPr>
-              <a:t>Sebastien</a:t>
-            </a:r>
-            <a:r>
-              <a:rPr lang="es-ES_tradnl" sz="1200" kern="1200" dirty="0" smtClean="0">
+              <a:t>Daniel Aguiar </a:t>
+            </a:r>
+            <a:r>
+              <a:rPr lang="es-ES_tradnl" sz="1200" kern="1200" dirty="0" err="1" smtClean="0">
                 <a:solidFill>
                   <a:schemeClr val="tx1"/>
                 </a:solidFill>
@@ -745,10 +745,10 @@
                 <a:ea typeface="+mn-ea"/>
                 <a:cs typeface="+mn-cs"/>
               </a:rPr>
-              <a:t> </a:t>
-            </a:r>
-            <a:r>
-              <a:rPr lang="es-ES_tradnl" sz="1200" kern="1200" dirty="0" err="1" smtClean="0">
+              <a:t>from</a:t>
+            </a:r>
+            <a:r>
+              <a:rPr lang="es-ES_tradnl" sz="1200" kern="1200" baseline="0" dirty="0" smtClean="0">
                 <a:solidFill>
                   <a:schemeClr val="tx1"/>
                 </a:solidFill>
@@ -756,10 +756,10 @@
                 <a:ea typeface="+mn-ea"/>
                 <a:cs typeface="+mn-cs"/>
               </a:rPr>
-              <a:t>Dufromentel</a:t>
-            </a:r>
-            <a:r>
-              <a:rPr lang="es-ES_tradnl" sz="1200" kern="1200" dirty="0" smtClean="0">
+              <a:t> </a:t>
+            </a:r>
+            <a:r>
+              <a:rPr lang="es-ES_tradnl" sz="1200" kern="1200" baseline="0" dirty="0" err="1" smtClean="0">
                 <a:solidFill>
                   <a:schemeClr val="tx1"/>
                 </a:solidFill>
@@ -767,10 +767,10 @@
                 <a:ea typeface="+mn-ea"/>
                 <a:cs typeface="+mn-cs"/>
               </a:rPr>
-              <a:t> </a:t>
-            </a:r>
-            <a:r>
-              <a:rPr lang="es-ES_tradnl" sz="1200" kern="1200" dirty="0" err="1" smtClean="0">
+              <a:t>the</a:t>
+            </a:r>
+            <a:r>
+              <a:rPr lang="es-ES_tradnl" sz="1200" kern="1200" baseline="0" dirty="0" smtClean="0">
                 <a:solidFill>
                   <a:schemeClr val="tx1"/>
                 </a:solidFill>
@@ -778,10 +778,10 @@
                 <a:ea typeface="+mn-ea"/>
                 <a:cs typeface="+mn-cs"/>
               </a:rPr>
-              <a:t>from</a:t>
-            </a:r>
-            <a:r>
-              <a:rPr lang="es-ES_tradnl" sz="1200" kern="1200" baseline="0" dirty="0" smtClean="0">
+              <a:t> Jean </a:t>
+            </a:r>
+            <a:r>
+              <a:rPr lang="es-ES_tradnl" sz="1200" kern="1200" baseline="0" dirty="0" err="1" smtClean="0">
                 <a:solidFill>
                   <a:schemeClr val="tx1"/>
                 </a:solidFill>
@@ -789,10 +789,10 @@
                 <a:ea typeface="+mn-ea"/>
                 <a:cs typeface="+mn-cs"/>
               </a:rPr>
-              <a:t> INSA Lyon in France and </a:t>
-            </a:r>
-            <a:r>
-              <a:rPr lang="es-ES_tradnl" sz="1200" kern="1200" baseline="0" dirty="0" err="1" smtClean="0">
+              <a:t>Moulin</a:t>
+            </a:r>
+            <a:r>
+              <a:rPr lang="es-ES_tradnl" sz="1200" kern="1200" baseline="0" dirty="0" smtClean="0">
                 <a:solidFill>
                   <a:schemeClr val="tx1"/>
                 </a:solidFill>
@@ -800,10 +800,10 @@
                 <a:ea typeface="+mn-ea"/>
                 <a:cs typeface="+mn-cs"/>
               </a:rPr>
-              <a:t>today</a:t>
-            </a:r>
-            <a:r>
-              <a:rPr lang="es-ES_tradnl" sz="1200" kern="1200" baseline="0" dirty="0" smtClean="0">
+              <a:t> </a:t>
+            </a:r>
+            <a:r>
+              <a:rPr lang="es-ES_tradnl" sz="1200" kern="1200" baseline="0" dirty="0" err="1" smtClean="0">
                 <a:solidFill>
                   <a:schemeClr val="tx1"/>
                 </a:solidFill>
@@ -811,10 +811,10 @@
                 <a:ea typeface="+mn-ea"/>
                 <a:cs typeface="+mn-cs"/>
               </a:rPr>
-              <a:t> I am </a:t>
-            </a:r>
-            <a:r>
-              <a:rPr lang="es-ES_tradnl" sz="1200" kern="1200" baseline="0" dirty="0" err="1" smtClean="0">
+              <a:t>University</a:t>
+            </a:r>
+            <a:r>
+              <a:rPr lang="es-ES_tradnl" sz="1200" kern="1200" baseline="0" dirty="0" smtClean="0">
                 <a:solidFill>
                   <a:schemeClr val="tx1"/>
                 </a:solidFill>
@@ -822,436 +822,7 @@
                 <a:ea typeface="+mn-ea"/>
                 <a:cs typeface="+mn-cs"/>
               </a:rPr>
-              <a:t>presenting</a:t>
-            </a:r>
-            <a:r>
-              <a:rPr lang="es-ES_tradnl" sz="1200" kern="1200" baseline="0" dirty="0" smtClean="0">
-                <a:solidFill>
-                  <a:schemeClr val="tx1"/>
-                </a:solidFill>
-                <a:latin typeface="+mn-lt"/>
-                <a:ea typeface="+mn-ea"/>
-                <a:cs typeface="+mn-cs"/>
-              </a:rPr>
-              <a:t> </a:t>
-            </a:r>
-            <a:r>
-              <a:rPr lang="es-ES_tradnl" sz="1200" kern="1200" baseline="0" dirty="0" err="1" smtClean="0">
-                <a:solidFill>
-                  <a:schemeClr val="tx1"/>
-                </a:solidFill>
-                <a:latin typeface="+mn-lt"/>
-                <a:ea typeface="+mn-ea"/>
-                <a:cs typeface="+mn-cs"/>
-              </a:rPr>
-              <a:t>on</a:t>
-            </a:r>
-            <a:r>
-              <a:rPr lang="es-ES_tradnl" sz="1200" kern="1200" baseline="0" dirty="0" smtClean="0">
-                <a:solidFill>
-                  <a:schemeClr val="tx1"/>
-                </a:solidFill>
-                <a:latin typeface="+mn-lt"/>
-                <a:ea typeface="+mn-ea"/>
-                <a:cs typeface="+mn-cs"/>
-              </a:rPr>
-              <a:t> </a:t>
-            </a:r>
-            <a:r>
-              <a:rPr lang="es-ES_tradnl" sz="1200" kern="1200" baseline="0" dirty="0" err="1" smtClean="0">
-                <a:solidFill>
-                  <a:schemeClr val="tx1"/>
-                </a:solidFill>
-                <a:latin typeface="+mn-lt"/>
-                <a:ea typeface="+mn-ea"/>
-                <a:cs typeface="+mn-cs"/>
-              </a:rPr>
-              <a:t>behalf</a:t>
-            </a:r>
-            <a:r>
-              <a:rPr lang="es-ES_tradnl" sz="1200" kern="1200" baseline="0" dirty="0" smtClean="0">
-                <a:solidFill>
-                  <a:schemeClr val="tx1"/>
-                </a:solidFill>
-                <a:latin typeface="+mn-lt"/>
-                <a:ea typeface="+mn-ea"/>
-                <a:cs typeface="+mn-cs"/>
-              </a:rPr>
-              <a:t> of </a:t>
-            </a:r>
-            <a:r>
-              <a:rPr lang="es-ES_tradnl" sz="1200" kern="1200" baseline="0" dirty="0" err="1" smtClean="0">
-                <a:solidFill>
-                  <a:schemeClr val="tx1"/>
-                </a:solidFill>
-                <a:latin typeface="+mn-lt"/>
-                <a:ea typeface="+mn-ea"/>
-                <a:cs typeface="+mn-cs"/>
-              </a:rPr>
-              <a:t>my</a:t>
-            </a:r>
-            <a:r>
-              <a:rPr lang="es-ES_tradnl" sz="1200" kern="1200" baseline="0" dirty="0" smtClean="0">
-                <a:solidFill>
-                  <a:schemeClr val="tx1"/>
-                </a:solidFill>
-                <a:latin typeface="+mn-lt"/>
-                <a:ea typeface="+mn-ea"/>
-                <a:cs typeface="+mn-cs"/>
-              </a:rPr>
-              <a:t> </a:t>
-            </a:r>
-            <a:r>
-              <a:rPr lang="es-ES_tradnl" sz="1200" kern="1200" baseline="0" dirty="0" err="1" smtClean="0">
-                <a:solidFill>
-                  <a:schemeClr val="tx1"/>
-                </a:solidFill>
-                <a:latin typeface="+mn-lt"/>
-                <a:ea typeface="+mn-ea"/>
-                <a:cs typeface="+mn-cs"/>
-              </a:rPr>
-              <a:t>colleagues</a:t>
-            </a:r>
-            <a:r>
-              <a:rPr lang="es-ES_tradnl" sz="1200" kern="1200" baseline="0" dirty="0" smtClean="0">
-                <a:solidFill>
-                  <a:schemeClr val="tx1"/>
-                </a:solidFill>
-                <a:latin typeface="+mn-lt"/>
-                <a:ea typeface="+mn-ea"/>
-                <a:cs typeface="+mn-cs"/>
-              </a:rPr>
-              <a:t> </a:t>
-            </a:r>
-            <a:r>
-              <a:rPr lang="es-ES_tradnl" sz="1200" kern="1200" baseline="0" dirty="0" err="1" smtClean="0">
-                <a:solidFill>
-                  <a:schemeClr val="tx1"/>
-                </a:solidFill>
-                <a:latin typeface="+mn-lt"/>
-                <a:ea typeface="+mn-ea"/>
-                <a:cs typeface="+mn-cs"/>
-              </a:rPr>
-              <a:t>that</a:t>
-            </a:r>
-            <a:r>
-              <a:rPr lang="es-ES_tradnl" sz="1200" kern="1200" baseline="0" dirty="0" smtClean="0">
-                <a:solidFill>
-                  <a:schemeClr val="tx1"/>
-                </a:solidFill>
-                <a:latin typeface="+mn-lt"/>
-                <a:ea typeface="+mn-ea"/>
-                <a:cs typeface="+mn-cs"/>
-              </a:rPr>
-              <a:t> </a:t>
-            </a:r>
-            <a:r>
-              <a:rPr lang="es-ES_tradnl" sz="1200" kern="1200" baseline="0" dirty="0" err="1" smtClean="0">
-                <a:solidFill>
-                  <a:schemeClr val="tx1"/>
-                </a:solidFill>
-                <a:latin typeface="+mn-lt"/>
-                <a:ea typeface="+mn-ea"/>
-                <a:cs typeface="+mn-cs"/>
-              </a:rPr>
-              <a:t>could</a:t>
-            </a:r>
-            <a:r>
-              <a:rPr lang="es-ES_tradnl" sz="1200" kern="1200" baseline="0" dirty="0" smtClean="0">
-                <a:solidFill>
-                  <a:schemeClr val="tx1"/>
-                </a:solidFill>
-                <a:latin typeface="+mn-lt"/>
-                <a:ea typeface="+mn-ea"/>
-                <a:cs typeface="+mn-cs"/>
-              </a:rPr>
-              <a:t> </a:t>
-            </a:r>
-            <a:r>
-              <a:rPr lang="es-ES_tradnl" sz="1200" kern="1200" baseline="0" dirty="0" err="1" smtClean="0">
-                <a:solidFill>
-                  <a:schemeClr val="tx1"/>
-                </a:solidFill>
-                <a:latin typeface="+mn-lt"/>
-                <a:ea typeface="+mn-ea"/>
-                <a:cs typeface="+mn-cs"/>
-              </a:rPr>
-              <a:t>not</a:t>
-            </a:r>
-            <a:r>
-              <a:rPr lang="es-ES_tradnl" sz="1200" kern="1200" baseline="0" dirty="0" smtClean="0">
-                <a:solidFill>
-                  <a:schemeClr val="tx1"/>
-                </a:solidFill>
-                <a:latin typeface="+mn-lt"/>
-                <a:ea typeface="+mn-ea"/>
-                <a:cs typeface="+mn-cs"/>
-              </a:rPr>
-              <a:t> </a:t>
-            </a:r>
-            <a:r>
-              <a:rPr lang="es-ES_tradnl" sz="1200" kern="1200" baseline="0" dirty="0" err="1" smtClean="0">
-                <a:solidFill>
-                  <a:schemeClr val="tx1"/>
-                </a:solidFill>
-                <a:latin typeface="+mn-lt"/>
-                <a:ea typeface="+mn-ea"/>
-                <a:cs typeface="+mn-cs"/>
-              </a:rPr>
-              <a:t>make</a:t>
-            </a:r>
-            <a:r>
-              <a:rPr lang="es-ES_tradnl" sz="1200" kern="1200" baseline="0" dirty="0" smtClean="0">
-                <a:solidFill>
-                  <a:schemeClr val="tx1"/>
-                </a:solidFill>
-                <a:latin typeface="+mn-lt"/>
-                <a:ea typeface="+mn-ea"/>
-                <a:cs typeface="+mn-cs"/>
-              </a:rPr>
-              <a:t> </a:t>
-            </a:r>
-            <a:r>
-              <a:rPr lang="es-ES_tradnl" sz="1200" kern="1200" baseline="0" dirty="0" err="1" smtClean="0">
-                <a:solidFill>
-                  <a:schemeClr val="tx1"/>
-                </a:solidFill>
-                <a:latin typeface="+mn-lt"/>
-                <a:ea typeface="+mn-ea"/>
-                <a:cs typeface="+mn-cs"/>
-              </a:rPr>
-              <a:t>it</a:t>
-            </a:r>
-            <a:r>
-              <a:rPr lang="es-ES_tradnl" sz="1200" kern="1200" baseline="0" dirty="0" smtClean="0">
-                <a:solidFill>
-                  <a:schemeClr val="tx1"/>
-                </a:solidFill>
-                <a:latin typeface="+mn-lt"/>
-                <a:ea typeface="+mn-ea"/>
-                <a:cs typeface="+mn-cs"/>
-              </a:rPr>
-              <a:t> to </a:t>
-            </a:r>
-            <a:r>
-              <a:rPr lang="es-ES_tradnl" sz="1200" kern="1200" baseline="0" dirty="0" err="1" smtClean="0">
-                <a:solidFill>
-                  <a:schemeClr val="tx1"/>
-                </a:solidFill>
-                <a:latin typeface="+mn-lt"/>
-                <a:ea typeface="+mn-ea"/>
-                <a:cs typeface="+mn-cs"/>
-              </a:rPr>
-              <a:t>the</a:t>
-            </a:r>
-            <a:r>
-              <a:rPr lang="es-ES_tradnl" sz="1200" kern="1200" baseline="0" dirty="0" smtClean="0">
-                <a:solidFill>
-                  <a:schemeClr val="tx1"/>
-                </a:solidFill>
-                <a:latin typeface="+mn-lt"/>
-                <a:ea typeface="+mn-ea"/>
-                <a:cs typeface="+mn-cs"/>
-              </a:rPr>
-              <a:t> </a:t>
-            </a:r>
-            <a:r>
-              <a:rPr lang="es-ES_tradnl" sz="1200" kern="1200" baseline="0" dirty="0" err="1" smtClean="0">
-                <a:solidFill>
-                  <a:schemeClr val="tx1"/>
-                </a:solidFill>
-                <a:latin typeface="+mn-lt"/>
-                <a:ea typeface="+mn-ea"/>
-                <a:cs typeface="+mn-cs"/>
-              </a:rPr>
-              <a:t>conference</a:t>
-            </a:r>
-            <a:r>
-              <a:rPr lang="es-ES_tradnl" sz="1200" kern="1200" baseline="0" dirty="0" smtClean="0">
-                <a:solidFill>
-                  <a:schemeClr val="tx1"/>
-                </a:solidFill>
-                <a:latin typeface="+mn-lt"/>
-                <a:ea typeface="+mn-ea"/>
-                <a:cs typeface="+mn-cs"/>
-              </a:rPr>
-              <a:t>. </a:t>
-            </a:r>
-            <a:r>
-              <a:rPr lang="es-ES_tradnl" sz="1200" kern="1200" baseline="0" dirty="0" err="1" smtClean="0">
-                <a:solidFill>
-                  <a:schemeClr val="tx1"/>
-                </a:solidFill>
-                <a:latin typeface="+mn-lt"/>
-                <a:ea typeface="+mn-ea"/>
-                <a:cs typeface="+mn-cs"/>
-              </a:rPr>
-              <a:t>The</a:t>
-            </a:r>
-            <a:r>
-              <a:rPr lang="es-ES_tradnl" sz="1200" kern="1200" baseline="0" dirty="0" smtClean="0">
-                <a:solidFill>
-                  <a:schemeClr val="tx1"/>
-                </a:solidFill>
-                <a:latin typeface="+mn-lt"/>
-                <a:ea typeface="+mn-ea"/>
-                <a:cs typeface="+mn-cs"/>
-              </a:rPr>
-              <a:t> </a:t>
-            </a:r>
-            <a:r>
-              <a:rPr lang="es-ES_tradnl" sz="1200" kern="1200" baseline="0" dirty="0" err="1" smtClean="0">
-                <a:solidFill>
-                  <a:schemeClr val="tx1"/>
-                </a:solidFill>
-                <a:latin typeface="+mn-lt"/>
-                <a:ea typeface="+mn-ea"/>
-                <a:cs typeface="+mn-cs"/>
-              </a:rPr>
-              <a:t>work</a:t>
-            </a:r>
-            <a:r>
-              <a:rPr lang="es-ES_tradnl" sz="1200" kern="1200" baseline="0" dirty="0" smtClean="0">
-                <a:solidFill>
-                  <a:schemeClr val="tx1"/>
-                </a:solidFill>
-                <a:latin typeface="+mn-lt"/>
-                <a:ea typeface="+mn-ea"/>
-                <a:cs typeface="+mn-cs"/>
-              </a:rPr>
-              <a:t> </a:t>
-            </a:r>
-            <a:r>
-              <a:rPr lang="es-ES_tradnl" sz="1200" kern="1200" baseline="0" dirty="0" err="1" smtClean="0">
-                <a:solidFill>
-                  <a:schemeClr val="tx1"/>
-                </a:solidFill>
-                <a:latin typeface="+mn-lt"/>
-                <a:ea typeface="+mn-ea"/>
-                <a:cs typeface="+mn-cs"/>
-              </a:rPr>
-              <a:t>is</a:t>
-            </a:r>
-            <a:r>
-              <a:rPr lang="es-ES_tradnl" sz="1200" kern="1200" baseline="0" dirty="0" smtClean="0">
-                <a:solidFill>
-                  <a:schemeClr val="tx1"/>
-                </a:solidFill>
-                <a:latin typeface="+mn-lt"/>
-                <a:ea typeface="+mn-ea"/>
-                <a:cs typeface="+mn-cs"/>
-              </a:rPr>
-              <a:t> </a:t>
-            </a:r>
-            <a:r>
-              <a:rPr lang="es-ES_tradnl" sz="1200" kern="1200" baseline="0" dirty="0" err="1" smtClean="0">
-                <a:solidFill>
-                  <a:schemeClr val="tx1"/>
-                </a:solidFill>
-                <a:latin typeface="+mn-lt"/>
-                <a:ea typeface="+mn-ea"/>
-                <a:cs typeface="+mn-cs"/>
-              </a:rPr>
-              <a:t>motivated</a:t>
-            </a:r>
-            <a:r>
-              <a:rPr lang="es-ES_tradnl" sz="1200" kern="1200" baseline="0" dirty="0" smtClean="0">
-                <a:solidFill>
-                  <a:schemeClr val="tx1"/>
-                </a:solidFill>
-                <a:latin typeface="+mn-lt"/>
-                <a:ea typeface="+mn-ea"/>
-                <a:cs typeface="+mn-cs"/>
-              </a:rPr>
-              <a:t> and </a:t>
-            </a:r>
-            <a:r>
-              <a:rPr lang="es-ES_tradnl" sz="1200" kern="1200" baseline="0" dirty="0" err="1" smtClean="0">
-                <a:solidFill>
-                  <a:schemeClr val="tx1"/>
-                </a:solidFill>
-                <a:latin typeface="+mn-lt"/>
-                <a:ea typeface="+mn-ea"/>
-                <a:cs typeface="+mn-cs"/>
-              </a:rPr>
-              <a:t>oriented</a:t>
-            </a:r>
-            <a:r>
-              <a:rPr lang="es-ES_tradnl" sz="1200" kern="1200" baseline="0" dirty="0" smtClean="0">
-                <a:solidFill>
-                  <a:schemeClr val="tx1"/>
-                </a:solidFill>
-                <a:latin typeface="+mn-lt"/>
-                <a:ea typeface="+mn-ea"/>
-                <a:cs typeface="+mn-cs"/>
-              </a:rPr>
-              <a:t> to </a:t>
-            </a:r>
-            <a:r>
-              <a:rPr lang="es-ES_tradnl" sz="1200" kern="1200" baseline="0" dirty="0" err="1" smtClean="0">
-                <a:solidFill>
-                  <a:schemeClr val="tx1"/>
-                </a:solidFill>
-                <a:latin typeface="+mn-lt"/>
-                <a:ea typeface="+mn-ea"/>
-                <a:cs typeface="+mn-cs"/>
-              </a:rPr>
-              <a:t>answer</a:t>
-            </a:r>
-            <a:r>
-              <a:rPr lang="es-ES_tradnl" sz="1200" kern="1200" baseline="0" dirty="0" smtClean="0">
-                <a:solidFill>
-                  <a:schemeClr val="tx1"/>
-                </a:solidFill>
-                <a:latin typeface="+mn-lt"/>
-                <a:ea typeface="+mn-ea"/>
-                <a:cs typeface="+mn-cs"/>
-              </a:rPr>
-              <a:t> a </a:t>
-            </a:r>
-            <a:r>
-              <a:rPr lang="es-ES_tradnl" sz="1200" kern="1200" baseline="0" dirty="0" err="1" smtClean="0">
-                <a:solidFill>
-                  <a:schemeClr val="tx1"/>
-                </a:solidFill>
-                <a:latin typeface="+mn-lt"/>
-                <a:ea typeface="+mn-ea"/>
-                <a:cs typeface="+mn-cs"/>
-              </a:rPr>
-              <a:t>research</a:t>
-            </a:r>
-            <a:r>
-              <a:rPr lang="es-ES_tradnl" sz="1200" kern="1200" baseline="0" dirty="0" smtClean="0">
-                <a:solidFill>
-                  <a:schemeClr val="tx1"/>
-                </a:solidFill>
-                <a:latin typeface="+mn-lt"/>
-                <a:ea typeface="+mn-ea"/>
-                <a:cs typeface="+mn-cs"/>
-              </a:rPr>
-              <a:t> </a:t>
-            </a:r>
-            <a:r>
-              <a:rPr lang="es-ES_tradnl" sz="1200" kern="1200" baseline="0" dirty="0" err="1" smtClean="0">
-                <a:solidFill>
-                  <a:schemeClr val="tx1"/>
-                </a:solidFill>
-                <a:latin typeface="+mn-lt"/>
-                <a:ea typeface="+mn-ea"/>
-                <a:cs typeface="+mn-cs"/>
-              </a:rPr>
-              <a:t>question</a:t>
-            </a:r>
-            <a:r>
-              <a:rPr lang="es-ES_tradnl" sz="1200" kern="1200" baseline="0" dirty="0" smtClean="0">
-                <a:solidFill>
-                  <a:schemeClr val="tx1"/>
-                </a:solidFill>
-                <a:latin typeface="+mn-lt"/>
-                <a:ea typeface="+mn-ea"/>
-                <a:cs typeface="+mn-cs"/>
-              </a:rPr>
-              <a:t>: </a:t>
+              <a:t>, Lyon ,France…</a:t>
             </a:r>
           </a:p>
           <a:p>
@@ -1265,7 +836,6 @@
             </a:endParaRPr>
           </a:p>
           <a:p>
-            <a:pPr algn="ctr"/>
             <a:r>
               <a:rPr lang="es-ES_tradnl" sz="1200" kern="1200" baseline="0" dirty="0" smtClean="0">
                 <a:solidFill>
@@ -1275,7 +845,7 @@
                 <a:ea typeface="+mn-ea"/>
                 <a:cs typeface="+mn-cs"/>
               </a:rPr>
-              <a:t>Can Data </a:t>
+              <a:t>and </a:t>
             </a:r>
             <a:r>
               <a:rPr lang="es-ES_tradnl" sz="1200" kern="1200" baseline="0" dirty="0" err="1" smtClean="0">
@@ -1286,7 +856,7 @@
                 <a:ea typeface="+mn-ea"/>
                 <a:cs typeface="+mn-cs"/>
               </a:rPr>
-              <a:t>integration</a:t>
+              <a:t>today</a:t>
             </a:r>
             <a:r>
               <a:rPr lang="es-ES_tradnl" sz="1200" kern="1200" baseline="0" dirty="0" smtClean="0">
@@ -1297,7 +867,7 @@
                 <a:ea typeface="+mn-ea"/>
                 <a:cs typeface="+mn-cs"/>
               </a:rPr>
-              <a:t> </a:t>
+              <a:t> I </a:t>
             </a:r>
             <a:r>
               <a:rPr lang="es-ES_tradnl" sz="1200" kern="1200" baseline="0" dirty="0" err="1" smtClean="0">
@@ -1308,7 +878,7 @@
                 <a:ea typeface="+mn-ea"/>
                 <a:cs typeface="+mn-cs"/>
               </a:rPr>
-              <a:t>quality</a:t>
+              <a:t>will</a:t>
             </a:r>
             <a:r>
               <a:rPr lang="es-ES_tradnl" sz="1200" kern="1200" baseline="0" dirty="0" smtClean="0">
@@ -1319,7 +889,7 @@
                 <a:ea typeface="+mn-ea"/>
                 <a:cs typeface="+mn-cs"/>
               </a:rPr>
-              <a:t> be </a:t>
+              <a:t> </a:t>
             </a:r>
             <a:r>
               <a:rPr lang="es-ES_tradnl" sz="1200" kern="1200" baseline="0" dirty="0" err="1" smtClean="0">
@@ -1330,7 +900,7 @@
                 <a:ea typeface="+mn-ea"/>
                 <a:cs typeface="+mn-cs"/>
               </a:rPr>
-              <a:t>enchanced</a:t>
+              <a:t>present</a:t>
             </a:r>
             <a:r>
               <a:rPr lang="es-ES_tradnl" sz="1200" kern="1200" baseline="0" dirty="0" smtClean="0">
@@ -1352,7 +922,7 @@
                 <a:ea typeface="+mn-ea"/>
                 <a:cs typeface="+mn-cs"/>
               </a:rPr>
-              <a:t>on</a:t>
+              <a:t>our</a:t>
             </a:r>
             <a:r>
               <a:rPr lang="es-ES_tradnl" sz="1200" kern="1200" baseline="0" dirty="0" smtClean="0">
@@ -1374,7 +944,7 @@
                 <a:ea typeface="+mn-ea"/>
                 <a:cs typeface="+mn-cs"/>
               </a:rPr>
-              <a:t>multicloud</a:t>
+              <a:t>work</a:t>
             </a:r>
             <a:r>
               <a:rPr lang="es-ES_tradnl" sz="1200" kern="1200" baseline="0" dirty="0" smtClean="0">
@@ -1396,7 +966,7 @@
                 <a:ea typeface="+mn-ea"/>
                 <a:cs typeface="+mn-cs"/>
               </a:rPr>
-              <a:t>using</a:t>
+              <a:t>on</a:t>
             </a:r>
             <a:r>
               <a:rPr lang="es-ES_tradnl" sz="1200" kern="1200" baseline="0" dirty="0" smtClean="0">
@@ -1407,22 +977,10 @@
                 <a:ea typeface="+mn-ea"/>
                 <a:cs typeface="+mn-cs"/>
               </a:rPr>
-              <a:t> SLA?</a:t>
-            </a:r>
-          </a:p>
-          <a:p>
-            <a:endParaRPr lang="es-ES_tradnl" sz="1200" kern="1200" baseline="0" noProof="0" dirty="0" smtClean="0">
-              <a:solidFill>
-                <a:schemeClr val="tx1"/>
-              </a:solidFill>
-              <a:latin typeface="+mn-lt"/>
-              <a:ea typeface="+mn-ea"/>
-              <a:cs typeface="+mn-cs"/>
-            </a:endParaRPr>
-          </a:p>
-          <a:p>
-            <a:r>
-              <a:rPr lang="es-ES_tradnl" sz="1200" kern="1200" baseline="0" noProof="0" dirty="0" err="1" smtClean="0">
+              <a:t> </a:t>
+            </a:r>
+            <a:r>
+              <a:rPr lang="es-ES_tradnl" sz="1200" kern="1200" baseline="0" dirty="0" err="1" smtClean="0">
                 <a:solidFill>
                   <a:schemeClr val="tx1"/>
                 </a:solidFill>
@@ -1430,10 +988,10 @@
                 <a:ea typeface="+mn-ea"/>
                 <a:cs typeface="+mn-cs"/>
               </a:rPr>
-              <a:t>Let’s</a:t>
-            </a:r>
-            <a:r>
-              <a:rPr lang="es-ES_tradnl" sz="1200" kern="1200" baseline="0" noProof="0" dirty="0" smtClean="0">
+              <a:t>designing</a:t>
+            </a:r>
+            <a:r>
+              <a:rPr lang="es-ES_tradnl" sz="1200" kern="1200" baseline="0" dirty="0" smtClean="0">
                 <a:solidFill>
                   <a:schemeClr val="tx1"/>
                 </a:solidFill>
@@ -1441,10 +999,10 @@
                 <a:ea typeface="+mn-ea"/>
                 <a:cs typeface="+mn-cs"/>
               </a:rPr>
-              <a:t> </a:t>
-            </a:r>
-            <a:r>
-              <a:rPr lang="es-ES_tradnl" sz="1200" kern="1200" baseline="0" noProof="0" dirty="0" err="1" smtClean="0">
+              <a:t> a  </a:t>
+            </a:r>
+            <a:r>
+              <a:rPr lang="es-ES_tradnl" sz="1200" kern="1200" baseline="0" dirty="0" err="1" smtClean="0">
                 <a:solidFill>
                   <a:schemeClr val="tx1"/>
                 </a:solidFill>
@@ -1452,10 +1010,10 @@
                 <a:ea typeface="+mn-ea"/>
                 <a:cs typeface="+mn-cs"/>
               </a:rPr>
-              <a:t>see</a:t>
-            </a:r>
-            <a:r>
-              <a:rPr lang="es-ES_tradnl" sz="1200" kern="1200" baseline="0" noProof="0" dirty="0" smtClean="0">
+              <a:t>quality-based</a:t>
+            </a:r>
+            <a:r>
+              <a:rPr lang="es-ES_tradnl" sz="1200" kern="1200" baseline="0" dirty="0" smtClean="0">
                 <a:solidFill>
                   <a:schemeClr val="tx1"/>
                 </a:solidFill>
@@ -1466,7 +1024,7 @@
               <a:t> </a:t>
             </a:r>
             <a:r>
-              <a:rPr lang="es-ES_tradnl" sz="1200" kern="1200" baseline="0" noProof="0" dirty="0" err="1" smtClean="0">
+              <a:rPr lang="es-ES_tradnl" sz="1200" kern="1200" baseline="0" dirty="0" err="1" smtClean="0">
                 <a:solidFill>
                   <a:schemeClr val="tx1"/>
                 </a:solidFill>
@@ -1474,10 +1032,10 @@
                 <a:ea typeface="+mn-ea"/>
                 <a:cs typeface="+mn-cs"/>
               </a:rPr>
-              <a:t>how</a:t>
-            </a:r>
-            <a:r>
-              <a:rPr lang="es-ES_tradnl" sz="1200" kern="1200" baseline="0" noProof="0" dirty="0" smtClean="0">
+              <a:t>rewriting</a:t>
+            </a:r>
+            <a:r>
+              <a:rPr lang="es-ES_tradnl" sz="1200" kern="1200" baseline="0" dirty="0" smtClean="0">
                 <a:solidFill>
                   <a:schemeClr val="tx1"/>
                 </a:solidFill>
@@ -1488,7 +1046,7 @@
               <a:t> </a:t>
             </a:r>
             <a:r>
-              <a:rPr lang="es-ES_tradnl" sz="1200" kern="1200" baseline="0" noProof="0" dirty="0" err="1" smtClean="0">
+              <a:rPr lang="es-ES_tradnl" sz="1200" kern="1200" baseline="0" dirty="0" err="1" smtClean="0">
                 <a:solidFill>
                   <a:schemeClr val="tx1"/>
                 </a:solidFill>
@@ -1496,10 +1054,10 @@
                 <a:ea typeface="+mn-ea"/>
                 <a:cs typeface="+mn-cs"/>
               </a:rPr>
-              <a:t>they</a:t>
-            </a:r>
-            <a:r>
-              <a:rPr lang="es-ES_tradnl" sz="1200" kern="1200" baseline="0" noProof="0" dirty="0" smtClean="0">
+              <a:t>algorithm</a:t>
+            </a:r>
+            <a:r>
+              <a:rPr lang="es-ES_tradnl" sz="1200" kern="1200" baseline="0" dirty="0" smtClean="0">
                 <a:solidFill>
                   <a:schemeClr val="tx1"/>
                 </a:solidFill>
@@ -1510,7 +1068,7 @@
               <a:t> </a:t>
             </a:r>
             <a:r>
-              <a:rPr lang="es-ES_tradnl" sz="1200" kern="1200" baseline="0" noProof="0" dirty="0" err="1" smtClean="0">
+              <a:rPr lang="es-ES_tradnl" sz="1200" kern="1200" baseline="0" dirty="0" err="1" smtClean="0">
                 <a:solidFill>
                   <a:schemeClr val="tx1"/>
                 </a:solidFill>
@@ -1518,10 +1076,10 @@
                 <a:ea typeface="+mn-ea"/>
                 <a:cs typeface="+mn-cs"/>
               </a:rPr>
-              <a:t>tried</a:t>
-            </a:r>
-            <a:r>
-              <a:rPr lang="es-ES_tradnl" sz="1200" kern="1200" baseline="0" noProof="0" dirty="0" smtClean="0">
+              <a:t>for</a:t>
+            </a:r>
+            <a:r>
+              <a:rPr lang="es-ES_tradnl" sz="1200" kern="1200" baseline="0" dirty="0" smtClean="0">
                 <a:solidFill>
                   <a:schemeClr val="tx1"/>
                 </a:solidFill>
@@ -1529,10 +1087,10 @@
                 <a:ea typeface="+mn-ea"/>
                 <a:cs typeface="+mn-cs"/>
               </a:rPr>
-              <a:t> to </a:t>
-            </a:r>
-            <a:r>
-              <a:rPr lang="es-ES_tradnl" sz="1200" kern="1200" baseline="0" noProof="0" dirty="0" err="1" smtClean="0">
+              <a:t> data </a:t>
+            </a:r>
+            <a:r>
+              <a:rPr lang="es-ES_tradnl" sz="1200" kern="1200" baseline="0" dirty="0" err="1" smtClean="0">
                 <a:solidFill>
                   <a:schemeClr val="tx1"/>
                 </a:solidFill>
@@ -1540,10 +1098,10 @@
                 <a:ea typeface="+mn-ea"/>
                 <a:cs typeface="+mn-cs"/>
               </a:rPr>
-              <a:t>answer</a:t>
-            </a:r>
-            <a:r>
-              <a:rPr lang="es-ES_tradnl" sz="1200" kern="1200" baseline="0" noProof="0" dirty="0" smtClean="0">
+              <a:t>integration</a:t>
+            </a:r>
+            <a:r>
+              <a:rPr lang="es-ES_tradnl" sz="1200" kern="1200" baseline="0" dirty="0" smtClean="0">
                 <a:solidFill>
                   <a:schemeClr val="tx1"/>
                 </a:solidFill>
@@ -1551,10 +1109,10 @@
                 <a:ea typeface="+mn-ea"/>
                 <a:cs typeface="+mn-cs"/>
               </a:rPr>
-              <a:t> </a:t>
-            </a:r>
-            <a:r>
-              <a:rPr lang="es-ES_tradnl" sz="1200" kern="1200" baseline="0" noProof="0" dirty="0" err="1" smtClean="0">
+              <a:t>, </a:t>
+            </a:r>
+            <a:r>
+              <a:rPr lang="es-ES_tradnl" sz="1200" kern="1200" baseline="0" dirty="0" err="1" smtClean="0">
                 <a:solidFill>
                   <a:schemeClr val="tx1"/>
                 </a:solidFill>
@@ -1562,10 +1120,10 @@
                 <a:ea typeface="+mn-ea"/>
                 <a:cs typeface="+mn-cs"/>
               </a:rPr>
-              <a:t>this</a:t>
-            </a:r>
-            <a:r>
-              <a:rPr lang="es-ES_tradnl" sz="1200" kern="1200" baseline="0" noProof="0" dirty="0" smtClean="0">
+              <a:t>called</a:t>
+            </a:r>
+            <a:r>
+              <a:rPr lang="es-ES_tradnl" sz="1200" kern="1200" baseline="0" dirty="0" smtClean="0">
                 <a:solidFill>
                   <a:schemeClr val="tx1"/>
                 </a:solidFill>
@@ -1573,29 +1131,7 @@
                 <a:ea typeface="+mn-ea"/>
                 <a:cs typeface="+mn-cs"/>
               </a:rPr>
-              <a:t> </a:t>
-            </a:r>
-            <a:r>
-              <a:rPr lang="es-ES_tradnl" sz="1200" kern="1200" baseline="0" noProof="0" dirty="0" err="1" smtClean="0">
-                <a:solidFill>
-                  <a:schemeClr val="tx1"/>
-                </a:solidFill>
-                <a:latin typeface="+mn-lt"/>
-                <a:ea typeface="+mn-ea"/>
-                <a:cs typeface="+mn-cs"/>
-              </a:rPr>
-              <a:t>question</a:t>
-            </a:r>
-            <a:r>
-              <a:rPr lang="es-ES_tradnl" sz="1200" kern="1200" baseline="0" noProof="0" dirty="0" smtClean="0">
-                <a:solidFill>
-                  <a:schemeClr val="tx1"/>
-                </a:solidFill>
-                <a:latin typeface="+mn-lt"/>
-                <a:ea typeface="+mn-ea"/>
-                <a:cs typeface="+mn-cs"/>
-              </a:rPr>
-              <a:t>.</a:t>
+              <a:t> Rhone.</a:t>
             </a:r>
             <a:endParaRPr lang="en-US" noProof="0" dirty="0"/>
           </a:p>
@@ -1687,282 +1223,16 @@
           <a:lstStyle/>
           <a:p>
             <a:r>
-              <a:rPr lang="fr-FR" dirty="0">
+              <a:rPr lang="fr-FR" dirty="0" smtClean="0">
                 <a:latin typeface="Calibri"/>
               </a:rPr>
-              <a:t/>
-            </a:r>
-            <a:br>
-              <a:rPr lang="fr-FR" dirty="0">
+              <a:t>Given the query</a:t>
+            </a:r>
+            <a:r>
+              <a:rPr lang="fr-FR" baseline="0" dirty="0" smtClean="0">
                 <a:latin typeface="Calibri"/>
               </a:rPr>
-            </a:br>
-            <a:r>
-              <a:rPr lang="es-ES_tradnl" dirty="0" err="1" smtClean="0"/>
-              <a:t>The</a:t>
-            </a:r>
-            <a:r>
-              <a:rPr lang="es-ES_tradnl" baseline="0" dirty="0" smtClean="0"/>
-              <a:t> </a:t>
-            </a:r>
-            <a:r>
-              <a:rPr lang="es-ES_tradnl" baseline="0" dirty="0" err="1" smtClean="0"/>
-              <a:t>main</a:t>
-            </a:r>
-            <a:r>
-              <a:rPr lang="es-ES_tradnl" baseline="0" dirty="0" smtClean="0"/>
-              <a:t> </a:t>
-            </a:r>
-            <a:r>
-              <a:rPr lang="es-ES_tradnl" baseline="0" dirty="0" err="1" smtClean="0"/>
-              <a:t>objectives</a:t>
-            </a:r>
-            <a:r>
-              <a:rPr lang="es-ES_tradnl" baseline="0" dirty="0" smtClean="0"/>
-              <a:t> </a:t>
-            </a:r>
-            <a:r>
-              <a:rPr lang="es-ES_tradnl" baseline="0" dirty="0" err="1" smtClean="0"/>
-              <a:t>when</a:t>
-            </a:r>
-            <a:r>
-              <a:rPr lang="es-ES_tradnl" baseline="0" dirty="0" smtClean="0"/>
-              <a:t> </a:t>
-            </a:r>
-            <a:r>
-              <a:rPr lang="es-ES_tradnl" baseline="0" dirty="0" err="1" smtClean="0"/>
-              <a:t>performing</a:t>
-            </a:r>
-            <a:r>
-              <a:rPr lang="es-ES_tradnl" baseline="0" dirty="0" smtClean="0"/>
-              <a:t> a </a:t>
-            </a:r>
-            <a:r>
-              <a:rPr lang="es-ES_tradnl" baseline="0" dirty="0" err="1" smtClean="0"/>
-              <a:t>systematic</a:t>
-            </a:r>
-            <a:r>
-              <a:rPr lang="es-ES_tradnl" baseline="0" dirty="0" smtClean="0"/>
-              <a:t> </a:t>
-            </a:r>
-            <a:r>
-              <a:rPr lang="es-ES_tradnl" baseline="0" dirty="0" err="1" smtClean="0"/>
-              <a:t>mapping</a:t>
-            </a:r>
-            <a:r>
-              <a:rPr lang="es-ES_tradnl" baseline="0" dirty="0" smtClean="0"/>
-              <a:t> are </a:t>
-            </a:r>
-            <a:r>
-              <a:rPr lang="es-ES_tradnl" baseline="0" dirty="0" err="1" smtClean="0"/>
-              <a:t>two</a:t>
-            </a:r>
-            <a:r>
-              <a:rPr lang="es-ES_tradnl" baseline="0" dirty="0" smtClean="0"/>
-              <a:t>:</a:t>
-            </a:r>
-          </a:p>
-          <a:p>
-            <a:endParaRPr lang="es-ES_tradnl" baseline="0" dirty="0" smtClean="0"/>
-          </a:p>
-          <a:p>
-            <a:r>
-              <a:rPr lang="es-ES_tradnl" baseline="0" dirty="0" smtClean="0"/>
-              <a:t>1. </a:t>
-            </a:r>
-            <a:r>
-              <a:rPr lang="es-ES_tradnl" baseline="0" dirty="0" err="1" smtClean="0"/>
-              <a:t>Build</a:t>
-            </a:r>
-            <a:r>
-              <a:rPr lang="es-ES_tradnl" baseline="0" dirty="0" smtClean="0"/>
-              <a:t> a </a:t>
-            </a:r>
-            <a:r>
-              <a:rPr lang="es-ES_tradnl" baseline="0" dirty="0" err="1" smtClean="0"/>
-              <a:t>classificaiton</a:t>
-            </a:r>
-            <a:r>
-              <a:rPr lang="es-ES_tradnl" baseline="0" dirty="0" smtClean="0"/>
-              <a:t> </a:t>
-            </a:r>
-            <a:r>
-              <a:rPr lang="es-ES_tradnl" baseline="0" dirty="0" err="1" smtClean="0"/>
-              <a:t>scheme</a:t>
-            </a:r>
-            <a:r>
-              <a:rPr lang="es-ES_tradnl" baseline="0" dirty="0" smtClean="0"/>
-              <a:t> and </a:t>
-            </a:r>
-            <a:r>
-              <a:rPr lang="es-ES_tradnl" baseline="0" dirty="0" err="1" smtClean="0"/>
-              <a:t>structure</a:t>
-            </a:r>
-            <a:r>
-              <a:rPr lang="es-ES_tradnl" baseline="0" dirty="0" smtClean="0"/>
-              <a:t> a </a:t>
-            </a:r>
-            <a:r>
-              <a:rPr lang="es-ES_tradnl" baseline="0" dirty="0" err="1" smtClean="0"/>
-              <a:t>field</a:t>
-            </a:r>
-            <a:r>
-              <a:rPr lang="es-ES_tradnl" baseline="0" dirty="0" smtClean="0"/>
-              <a:t> of </a:t>
-            </a:r>
-            <a:r>
-              <a:rPr lang="es-ES_tradnl" baseline="0" dirty="0" err="1" smtClean="0"/>
-              <a:t>interest</a:t>
-            </a:r>
-            <a:r>
-              <a:rPr lang="es-ES_tradnl" baseline="0" dirty="0" smtClean="0"/>
-              <a:t>, in </a:t>
-            </a:r>
-            <a:r>
-              <a:rPr lang="es-ES_tradnl" baseline="0" dirty="0" err="1" smtClean="0"/>
-              <a:t>our</a:t>
-            </a:r>
-            <a:r>
-              <a:rPr lang="es-ES_tradnl" baseline="0" dirty="0" smtClean="0"/>
-              <a:t> case </a:t>
-            </a:r>
-            <a:r>
-              <a:rPr lang="es-ES_tradnl" baseline="0" dirty="0" err="1" smtClean="0"/>
-              <a:t>quality</a:t>
-            </a:r>
-            <a:r>
-              <a:rPr lang="es-ES_tradnl" baseline="0" dirty="0" smtClean="0"/>
-              <a:t> of data </a:t>
-            </a:r>
-            <a:r>
-              <a:rPr lang="es-ES_tradnl" baseline="0" dirty="0" err="1" smtClean="0"/>
-              <a:t>integration</a:t>
-            </a:r>
-            <a:r>
-              <a:rPr lang="es-ES_tradnl" baseline="0" dirty="0" smtClean="0"/>
-              <a:t> </a:t>
-            </a:r>
-            <a:r>
-              <a:rPr lang="es-ES_tradnl" baseline="0" dirty="0" err="1" smtClean="0"/>
-              <a:t>on</a:t>
-            </a:r>
-            <a:r>
-              <a:rPr lang="es-ES_tradnl" baseline="0" dirty="0" smtClean="0"/>
-              <a:t> </a:t>
-            </a:r>
-            <a:r>
-              <a:rPr lang="es-ES_tradnl" baseline="0" dirty="0" err="1" smtClean="0"/>
-              <a:t>multi-cloud</a:t>
-            </a:r>
-            <a:r>
-              <a:rPr lang="es-ES_tradnl" baseline="0" dirty="0" smtClean="0"/>
-              <a:t> </a:t>
-            </a:r>
-            <a:r>
-              <a:rPr lang="es-ES_tradnl" baseline="0" dirty="0" err="1" smtClean="0"/>
-              <a:t>environments</a:t>
-            </a:r>
-            <a:r>
-              <a:rPr lang="es-ES_tradnl" baseline="0" dirty="0" smtClean="0"/>
-              <a:t> </a:t>
-            </a:r>
-            <a:r>
-              <a:rPr lang="es-ES_tradnl" baseline="0" dirty="0" err="1" smtClean="0"/>
-              <a:t>using</a:t>
-            </a:r>
-            <a:r>
-              <a:rPr lang="es-ES_tradnl" baseline="0" dirty="0" smtClean="0"/>
-              <a:t> SLA</a:t>
-            </a:r>
-          </a:p>
-          <a:p>
-            <a:r>
-              <a:rPr lang="es-ES_tradnl" dirty="0" smtClean="0"/>
-              <a:t>2. And</a:t>
-            </a:r>
-            <a:r>
-              <a:rPr lang="es-ES_tradnl" baseline="0" dirty="0" smtClean="0"/>
-              <a:t> </a:t>
-            </a:r>
-            <a:r>
-              <a:rPr lang="es-ES_tradnl" baseline="0" dirty="0" err="1" smtClean="0"/>
-              <a:t>thereby</a:t>
-            </a:r>
-            <a:r>
-              <a:rPr lang="es-ES_tradnl" baseline="0" dirty="0" smtClean="0"/>
-              <a:t> </a:t>
-            </a:r>
-            <a:r>
-              <a:rPr lang="es-ES_tradnl" baseline="0" dirty="0" err="1" smtClean="0"/>
-              <a:t>provide</a:t>
-            </a:r>
-            <a:r>
-              <a:rPr lang="es-ES_tradnl" baseline="0" dirty="0" smtClean="0"/>
-              <a:t> a Visual </a:t>
-            </a:r>
-            <a:r>
-              <a:rPr lang="es-ES_tradnl" baseline="0" dirty="0" err="1" smtClean="0"/>
-              <a:t>summary</a:t>
-            </a:r>
-            <a:r>
-              <a:rPr lang="es-ES_tradnl" baseline="0" dirty="0" smtClean="0"/>
-              <a:t> of </a:t>
-            </a:r>
-            <a:r>
-              <a:rPr lang="es-ES_tradnl" baseline="0" dirty="0" err="1" smtClean="0"/>
-              <a:t>current</a:t>
-            </a:r>
-            <a:r>
-              <a:rPr lang="es-ES_tradnl" baseline="0" dirty="0" smtClean="0"/>
-              <a:t> </a:t>
-            </a:r>
-            <a:r>
-              <a:rPr lang="es-ES_tradnl" baseline="0" dirty="0" err="1" smtClean="0"/>
-              <a:t>published</a:t>
-            </a:r>
-            <a:r>
-              <a:rPr lang="es-ES_tradnl" baseline="0" dirty="0" smtClean="0"/>
-              <a:t> </a:t>
-            </a:r>
-            <a:r>
-              <a:rPr lang="es-ES_tradnl" baseline="0" dirty="0" err="1" smtClean="0"/>
-              <a:t>contributions</a:t>
-            </a:r>
-            <a:r>
-              <a:rPr lang="es-ES_tradnl" baseline="0" dirty="0" smtClean="0"/>
-              <a:t> to </a:t>
-            </a:r>
-            <a:r>
-              <a:rPr lang="es-ES_tradnl" baseline="0" dirty="0" err="1" smtClean="0"/>
-              <a:t>answer</a:t>
-            </a:r>
-            <a:r>
-              <a:rPr lang="es-ES_tradnl" baseline="0" dirty="0" smtClean="0"/>
-              <a:t> </a:t>
-            </a:r>
-            <a:r>
-              <a:rPr lang="es-ES_tradnl" baseline="0" dirty="0" err="1" smtClean="0"/>
-              <a:t>specific</a:t>
-            </a:r>
-            <a:r>
-              <a:rPr lang="es-ES_tradnl" baseline="0" dirty="0" smtClean="0"/>
-              <a:t> </a:t>
-            </a:r>
-            <a:r>
-              <a:rPr lang="es-ES_tradnl" baseline="0" dirty="0" err="1" smtClean="0"/>
-              <a:t>research</a:t>
-            </a:r>
-            <a:r>
-              <a:rPr lang="es-ES_tradnl" baseline="0" dirty="0" smtClean="0"/>
-              <a:t> </a:t>
-            </a:r>
-            <a:r>
-              <a:rPr lang="es-ES_tradnl" baseline="0" dirty="0" err="1" smtClean="0"/>
-              <a:t>questions</a:t>
-            </a:r>
-            <a:r>
-              <a:rPr lang="es-ES_tradnl" baseline="0" dirty="0" smtClean="0"/>
-              <a:t>.</a:t>
+              <a:t>, the different concrete services can be combined in order to achieve the user needs for instance we can combine...</a:t>
             </a:r>
             <a:endParaRPr lang="es-ES_tradnl" dirty="0" smtClean="0"/>
           </a:p>
@@ -3862,57 +3132,65 @@
           <a:p>
             <a:r>
               <a:rPr lang="en-US" noProof="0" dirty="0"/>
-              <a:t>The agenda of my </a:t>
-            </a:r>
-            <a:r>
-              <a:rPr lang="en-US" noProof="0"/>
-              <a:t>presentation...</a:t>
+              <a:t>The agenda of my presentation...</a:t>
             </a:r>
             <a:r>
               <a:rPr lang="en-US" dirty="0"/>
+              <a:t> I will begin by introducing our </a:t>
+            </a:r>
+            <a:r>
+              <a:rPr lang="en-US" dirty="0" smtClean="0"/>
+              <a:t>data </a:t>
+            </a:r>
+            <a:r>
+              <a:rPr lang="en-US" dirty="0"/>
+              <a:t>integration </a:t>
+            </a:r>
+            <a:r>
+              <a:rPr lang="en-US" dirty="0" smtClean="0"/>
+              <a:t>context</a:t>
+            </a:r>
+            <a:r>
+              <a:rPr lang="en-US" baseline="0" dirty="0" smtClean="0"/>
               <a:t> </a:t>
             </a:r>
-            <a:r>
-              <a:rPr lang="en-US"/>
-              <a:t>I will begin by introducing our work regarding data integration quality on multi-cloud environments</a:t>
-            </a:r>
             <a:endParaRPr lang="en-US" dirty="0"/>
           </a:p>
           <a:p>
             <a:r>
-              <a:rPr lang="en-US"/>
-              <a:t>then</a:t>
+              <a:rPr lang="en-US" dirty="0" smtClean="0"/>
+              <a:t>then </a:t>
             </a:r>
             <a:r>
               <a:rPr lang="en-US" dirty="0"/>
-              <a:t> </a:t>
-            </a:r>
-            <a:r>
-              <a:rPr lang="en-US"/>
-              <a:t> i will present the method we followed to identify challenges and open issues</a:t>
-            </a:r>
-            <a:endParaRPr lang="en-US" dirty="0"/>
-          </a:p>
-          <a:p>
-            <a:r>
-              <a:rPr lang="en-US" dirty="0">
-                <a:latin typeface="Calibri"/>
-              </a:rPr>
-              <a:t/>
-            </a:r>
-            <a:br>
-              <a:rPr lang="en-US" dirty="0">
-                <a:latin typeface="Calibri"/>
-              </a:rPr>
-            </a:br>
-            <a:endParaRPr lang="en-US" dirty="0">
-              <a:latin typeface="Calibri"/>
-            </a:endParaRPr>
-          </a:p>
-          <a:p>
-            <a:r>
-              <a:rPr lang="en-US"/>
-              <a:t>then a quantitative analysis and conclusion...</a:t>
+              <a:t>i will present the </a:t>
+            </a:r>
+            <a:r>
+              <a:rPr lang="en-US" dirty="0" smtClean="0"/>
+              <a:t>Rhone algorithm…</a:t>
+            </a:r>
+          </a:p>
+          <a:p>
+            <a:r>
+              <a:rPr lang="en-US" baseline="0" dirty="0" smtClean="0"/>
+              <a:t>	its principals and examples, and experimental validation</a:t>
+            </a:r>
+          </a:p>
+          <a:p>
+            <a:endParaRPr lang="en-US" baseline="0" dirty="0" smtClean="0"/>
+          </a:p>
+          <a:p>
+            <a:r>
+              <a:rPr lang="en-US" baseline="0" dirty="0" smtClean="0"/>
+              <a:t>And </a:t>
+            </a:r>
+            <a:r>
+              <a:rPr lang="en-US" dirty="0" smtClean="0"/>
+              <a:t>then lesson learned</a:t>
+            </a:r>
+            <a:r>
+              <a:rPr lang="en-US" baseline="0" dirty="0" smtClean="0"/>
+              <a:t> and future works</a:t>
             </a:r>
             <a:endParaRPr lang="en-US" noProof="0" dirty="0"/>
           </a:p>
@@ -4278,7 +3556,6 @@
               <a:rPr lang="en-US" baseline="0" noProof="0" dirty="0" smtClean="0"/>
               <a:t>And we have compared two approaches… </a:t>
             </a:r>
-            <a:endParaRPr lang="en-US" baseline="0" noProof="0" dirty="0" smtClean="0"/>
           </a:p>
         </p:txBody>
       </p:sp>
@@ -4415,13 +3692,8 @@
             </a:pPr>
             <a:r>
               <a:rPr lang="fr-FR" baseline="0" dirty="0" smtClean="0"/>
-              <a:t>The performance increased ... </a:t>
-            </a:r>
-            <a:r>
-              <a:rPr lang="fr-FR" baseline="0" dirty="0" smtClean="0"/>
-              <a:t>As we can see in the chart on the left</a:t>
-            </a:r>
-            <a:endParaRPr lang="fr-FR" baseline="0" dirty="0" smtClean="0"/>
+              <a:t>The performance increased ... As we can see in the chart on the left</a:t>
+            </a:r>
           </a:p>
           <a:p>
             <a:r>
@@ -4834,93 +4106,46 @@
           <a:bodyPr/>
           <a:lstStyle/>
           <a:p>
-            <a:pPr algn="just"/>
+            <a:pPr lvl="1" algn="l"/>
             <a:r>
               <a:rPr lang="en-US" b="1" dirty="0">
+                <a:solidFill>
+                  <a:schemeClr val="tx1"/>
+                </a:solidFill>
                 <a:latin typeface="Calibri"/>
               </a:rPr>
               <a:t/>
             </a:r>
             <a:br>
               <a:rPr lang="en-US" b="1" dirty="0">
+                <a:solidFill>
+                  <a:schemeClr val="tx1"/>
+                </a:solidFill>
                 <a:latin typeface="Calibri"/>
               </a:rPr>
             </a:br>
-            <a:endParaRPr lang="en-US" b="1" dirty="0">
-              <a:latin typeface="Calibri"/>
-            </a:endParaRPr>
-          </a:p>
-          <a:p>
-            <a:pPr algn="just"/>
-            <a:r>
-              <a:rPr lang="en-US" dirty="0">
+            <a:r>
+              <a:rPr lang="en-US" b="0" dirty="0" smtClean="0">
+                <a:solidFill>
+                  <a:schemeClr val="tx1"/>
+                </a:solidFill>
                 <a:latin typeface="Calibri"/>
               </a:rPr>
-              <a:t>We</a:t>
-            </a:r>
-            <a:r>
-              <a:rPr lang="en-US">
+              <a:t>Traditional</a:t>
+            </a:r>
+            <a:r>
+              <a:rPr lang="en-US" b="0" baseline="0" dirty="0" smtClean="0">
+                <a:solidFill>
+                  <a:schemeClr val="tx1"/>
+                </a:solidFill>
                 <a:latin typeface="Calibri"/>
               </a:rPr>
-              <a:t> are manly interested in the data integration </a:t>
-            </a:r>
-            <a:r>
-              <a:rPr lang="en-US" dirty="0">
-                <a:latin typeface="Calibri"/>
-              </a:rPr>
-              <a:t>problem</a:t>
-            </a:r>
-            <a:r>
-              <a:rPr lang="en-US">
-                <a:latin typeface="Calibri"/>
-              </a:rPr>
-              <a:t> which</a:t>
-            </a:r>
-            <a:r>
-              <a:rPr lang="en-US" dirty="0">
-                <a:latin typeface="Calibri"/>
-              </a:rPr>
-              <a:t> </a:t>
-            </a:r>
-            <a:r>
-              <a:rPr lang="en-US">
-                <a:solidFill>
-                  <a:schemeClr val="tx1"/>
-                </a:solidFill>
-                <a:latin typeface="Calibri"/>
-              </a:rPr>
-              <a:t>consists </a:t>
-            </a:r>
-            <a:r>
-              <a:rPr lang="en-US" dirty="0">
-                <a:solidFill>
-                  <a:schemeClr val="tx1"/>
-                </a:solidFill>
-                <a:latin typeface="Calibri"/>
-              </a:rPr>
-              <a:t>in merging data from different sources and provide to the user a unified view of these data</a:t>
-            </a:r>
-          </a:p>
-          <a:p>
-            <a:pPr algn="just"/>
-            <a:r>
-              <a:rPr lang="en-US" dirty="0">
-                <a:solidFill>
-                  <a:schemeClr val="tx1"/>
-                </a:solidFill>
-                <a:latin typeface="Calibri"/>
-              </a:rPr>
-              <a:t/>
-            </a:r>
-            <a:br>
-              <a:rPr lang="en-US" dirty="0">
-                <a:solidFill>
-                  <a:schemeClr val="tx1"/>
-                </a:solidFill>
-                <a:latin typeface="Calibri"/>
-              </a:rPr>
-            </a:br>
-            <a:endParaRPr lang="en-US" dirty="0">
+              <a:t> data integration approaches assumes that a query is defined over a global schema and is sent to a mediator. The mediator is responsible to rewrite the query according to the different databases which have their own schemas.</a:t>
+            </a:r>
+          </a:p>
+          <a:p>
+            <a:pPr lvl="1" algn="l"/>
+            <a:endParaRPr lang="en-US" b="0" baseline="0" dirty="0" smtClean="0">
               <a:solidFill>
                 <a:schemeClr val="tx1"/>
               </a:solidFill>
@@ -4928,153 +4153,34 @@
             </a:endParaRPr>
           </a:p>
           <a:p>
-            <a:pPr algn="just"/>
-            <a:r>
-              <a:rPr lang="en-US" dirty="0">
+            <a:pPr lvl="1" algn="l"/>
+            <a:r>
+              <a:rPr lang="en-US" b="0" baseline="0" dirty="0" smtClean="0">
+                <a:solidFill>
+                  <a:schemeClr val="tx1"/>
+                </a:solidFill>
                 <a:latin typeface="Calibri"/>
               </a:rPr>
-              <a:t>Let</a:t>
-            </a:r>
-            <a:r>
-              <a:rPr lang="en-US">
+              <a:t>Algorithms for this purpose have been presented such as </a:t>
+            </a:r>
+            <a:r>
+              <a:rPr lang="en-US" b="0" baseline="0" dirty="0" err="1" smtClean="0">
+                <a:solidFill>
+                  <a:schemeClr val="tx1"/>
+                </a:solidFill>
                 <a:latin typeface="Calibri"/>
               </a:rPr>
-              <a:t> me show you the classical data integration scenario, ... we have different data sources (A, B and C</a:t>
-            </a:r>
-            <a:r>
-              <a:rPr lang="en-US" dirty="0">
+              <a:t>minicon</a:t>
+            </a:r>
+            <a:r>
+              <a:rPr lang="en-US" b="0" baseline="0" dirty="0" smtClean="0">
+                <a:solidFill>
+                  <a:schemeClr val="tx1"/>
+                </a:solidFill>
                 <a:latin typeface="Calibri"/>
               </a:rPr>
-              <a:t>),</a:t>
-            </a:r>
-            <a:r>
-              <a:rPr lang="en-US">
-                <a:latin typeface="Calibri"/>
-              </a:rPr>
-              <a:t> and </a:t>
-            </a:r>
-            <a:r>
-              <a:rPr lang="en-US" dirty="0">
-                <a:latin typeface="Calibri"/>
-              </a:rPr>
-              <a:t>a</a:t>
-            </a:r>
-            <a:r>
-              <a:rPr lang="en-US">
-                <a:latin typeface="Calibri"/>
-              </a:rPr>
-              <a:t> query that must be answered. This query is submitted to a mediator which is responsible for rewriting it in accordance with the different databases. Then the results are returned to the mediator which will be responsible for integrating the</a:t>
-            </a:r>
-            <a:r>
-              <a:rPr lang="en-US" dirty="0">
-                <a:latin typeface="Calibri"/>
-              </a:rPr>
-              <a:t> </a:t>
-            </a:r>
-            <a:r>
-              <a:rPr lang="en-US">
-                <a:latin typeface="Calibri"/>
-              </a:rPr>
-              <a:t>data and sending back the integrated result.</a:t>
-            </a:r>
-            <a:endParaRPr lang="en-US" dirty="0">
-              <a:latin typeface="Calibri"/>
-            </a:endParaRPr>
-          </a:p>
-          <a:p>
-            <a:pPr algn="just"/>
-            <a:r>
-              <a:rPr lang="en-US" dirty="0">
-                <a:latin typeface="Calibri"/>
-              </a:rPr>
-              <a:t/>
-            </a:r>
-            <a:br>
-              <a:rPr lang="en-US" dirty="0">
-                <a:latin typeface="Calibri"/>
-              </a:rPr>
-            </a:br>
-            <a:endParaRPr lang="en-US" dirty="0">
-              <a:latin typeface="Calibri"/>
-            </a:endParaRPr>
-          </a:p>
-          <a:p>
-            <a:pPr algn="just"/>
-            <a:r>
-              <a:rPr lang="en-US">
-                <a:latin typeface="Calibri"/>
-              </a:rPr>
-              <a:t>As I mentioned before this is the classical data integration scenario... however the emergency of architectures like cloud open new </a:t>
-            </a:r>
-            <a:r>
-              <a:rPr lang="en-US" smtClean="0">
-                <a:latin typeface="Calibri"/>
-              </a:rPr>
-              <a:t>opportunities </a:t>
-            </a:r>
-            <a:r>
-              <a:rPr lang="en-US">
-                <a:latin typeface="Calibri"/>
-              </a:rPr>
-              <a:t>for data integration considering that now we are not limited to resources availability . </a:t>
-            </a:r>
-            <a:endParaRPr lang="en-US" dirty="0">
-              <a:latin typeface="Calibri"/>
-            </a:endParaRPr>
-          </a:p>
-          <a:p>
-            <a:pPr algn="just"/>
-            <a:r>
-              <a:rPr lang="en-US" dirty="0">
-                <a:latin typeface="Calibri"/>
-              </a:rPr>
-              <a:t/>
-            </a:r>
-            <a:br>
-              <a:rPr lang="en-US" dirty="0">
-                <a:latin typeface="Calibri"/>
-              </a:rPr>
-            </a:br>
-            <a:endParaRPr lang="en-US" dirty="0">
-              <a:latin typeface="Calibri"/>
-            </a:endParaRPr>
-          </a:p>
-          <a:p>
-            <a:pPr algn="just"/>
-            <a:r>
-              <a:rPr lang="en-US">
-                <a:latin typeface="Calibri"/>
-              </a:rPr>
-              <a:t/>
-            </a:r>
-            <a:br>
-              <a:rPr lang="en-US">
-                <a:latin typeface="Calibri"/>
-              </a:rPr>
-            </a:br>
-            <a:endParaRPr lang="en-US" dirty="0">
-              <a:latin typeface="Calibri"/>
-            </a:endParaRPr>
-          </a:p>
-          <a:p>
-            <a:pPr lvl="1" algn="just"/>
-            <a:r>
-              <a:rPr lang="en-US" b="1" dirty="0">
-                <a:solidFill>
-                  <a:schemeClr val="tx1"/>
-                </a:solidFill>
-                <a:latin typeface="Calibri"/>
-              </a:rPr>
-              <a:t/>
-            </a:r>
-            <a:br>
-              <a:rPr lang="en-US" b="1" dirty="0">
-                <a:solidFill>
-                  <a:schemeClr val="tx1"/>
-                </a:solidFill>
-                <a:latin typeface="Calibri"/>
-              </a:rPr>
-            </a:br>
+              <a:t> and bucket algorithm.</a:t>
+            </a:r>
             <a:endParaRPr lang="en-US" b="1" dirty="0">
               <a:solidFill>
                 <a:schemeClr val="tx1"/>
@@ -5209,229 +4315,6 @@
           <a:bodyPr/>
           <a:lstStyle/>
           <a:p>
-            <a:pPr algn="just"/>
-            <a:r>
-              <a:rPr lang="en-US" b="1" dirty="0">
-                <a:latin typeface="Calibri"/>
-              </a:rPr>
-              <a:t/>
-            </a:r>
-            <a:br>
-              <a:rPr lang="en-US" b="1" dirty="0">
-                <a:latin typeface="Calibri"/>
-              </a:rPr>
-            </a:br>
-            <a:endParaRPr lang="en-US" b="1" dirty="0">
-              <a:latin typeface="Calibri"/>
-            </a:endParaRPr>
-          </a:p>
-          <a:p>
-            <a:pPr algn="just"/>
-            <a:r>
-              <a:rPr lang="en-US" dirty="0">
-                <a:latin typeface="Calibri"/>
-              </a:rPr>
-              <a:t>We</a:t>
-            </a:r>
-            <a:r>
-              <a:rPr lang="en-US">
-                <a:latin typeface="Calibri"/>
-              </a:rPr>
-              <a:t> are manly interested in the data integration </a:t>
-            </a:r>
-            <a:r>
-              <a:rPr lang="en-US" dirty="0">
-                <a:latin typeface="Calibri"/>
-              </a:rPr>
-              <a:t>problem</a:t>
-            </a:r>
-            <a:r>
-              <a:rPr lang="en-US">
-                <a:latin typeface="Calibri"/>
-              </a:rPr>
-              <a:t> which</a:t>
-            </a:r>
-            <a:r>
-              <a:rPr lang="en-US" dirty="0">
-                <a:latin typeface="Calibri"/>
-              </a:rPr>
-              <a:t> </a:t>
-            </a:r>
-            <a:r>
-              <a:rPr lang="en-US">
-                <a:solidFill>
-                  <a:schemeClr val="tx1"/>
-                </a:solidFill>
-                <a:latin typeface="Calibri"/>
-              </a:rPr>
-              <a:t>consists </a:t>
-            </a:r>
-            <a:r>
-              <a:rPr lang="en-US" dirty="0">
-                <a:solidFill>
-                  <a:schemeClr val="tx1"/>
-                </a:solidFill>
-                <a:latin typeface="Calibri"/>
-              </a:rPr>
-              <a:t>in merging data from different sources and provide to the user a unified view of these data</a:t>
-            </a:r>
-          </a:p>
-          <a:p>
-            <a:pPr algn="just"/>
-            <a:r>
-              <a:rPr lang="en-US" dirty="0">
-                <a:solidFill>
-                  <a:schemeClr val="tx1"/>
-                </a:solidFill>
-                <a:latin typeface="Calibri"/>
-              </a:rPr>
-              <a:t/>
-            </a:r>
-            <a:br>
-              <a:rPr lang="en-US" dirty="0">
-                <a:solidFill>
-                  <a:schemeClr val="tx1"/>
-                </a:solidFill>
-                <a:latin typeface="Calibri"/>
-              </a:rPr>
-            </a:br>
-            <a:endParaRPr lang="en-US" dirty="0">
-              <a:solidFill>
-                <a:schemeClr val="tx1"/>
-              </a:solidFill>
-              <a:latin typeface="Calibri"/>
-            </a:endParaRPr>
-          </a:p>
-          <a:p>
-            <a:pPr algn="just"/>
-            <a:r>
-              <a:rPr lang="en-US" dirty="0">
-                <a:latin typeface="Calibri"/>
-              </a:rPr>
-              <a:t>Let</a:t>
-            </a:r>
-            <a:r>
-              <a:rPr lang="en-US">
-                <a:latin typeface="Calibri"/>
-              </a:rPr>
-              <a:t> me show you the classical data integration scenario, ... we have different data sources (A, B and C</a:t>
-            </a:r>
-            <a:r>
-              <a:rPr lang="en-US" dirty="0">
-                <a:latin typeface="Calibri"/>
-              </a:rPr>
-              <a:t>),</a:t>
-            </a:r>
-            <a:r>
-              <a:rPr lang="en-US">
-                <a:latin typeface="Calibri"/>
-              </a:rPr>
-              <a:t> and </a:t>
-            </a:r>
-            <a:r>
-              <a:rPr lang="en-US" dirty="0">
-                <a:latin typeface="Calibri"/>
-              </a:rPr>
-              <a:t>a</a:t>
-            </a:r>
-            <a:r>
-              <a:rPr lang="en-US">
-                <a:latin typeface="Calibri"/>
-              </a:rPr>
-              <a:t> query that must be answered. This query is submitted to a mediator which is responsible for rewriting it in accordance with the different databases. Then the results are returned to the mediator which will be responsible for integrating the</a:t>
-            </a:r>
-            <a:r>
-              <a:rPr lang="en-US" dirty="0">
-                <a:latin typeface="Calibri"/>
-              </a:rPr>
-              <a:t> </a:t>
-            </a:r>
-            <a:r>
-              <a:rPr lang="en-US">
-                <a:latin typeface="Calibri"/>
-              </a:rPr>
-              <a:t>data and sending back the integrated result.</a:t>
-            </a:r>
-            <a:endParaRPr lang="en-US" dirty="0">
-              <a:latin typeface="Calibri"/>
-            </a:endParaRPr>
-          </a:p>
-          <a:p>
-            <a:pPr algn="just"/>
-            <a:r>
-              <a:rPr lang="en-US" dirty="0">
-                <a:latin typeface="Calibri"/>
-              </a:rPr>
-              <a:t/>
-            </a:r>
-            <a:br>
-              <a:rPr lang="en-US" dirty="0">
-                <a:latin typeface="Calibri"/>
-              </a:rPr>
-            </a:br>
-            <a:endParaRPr lang="en-US" dirty="0">
-              <a:latin typeface="Calibri"/>
-            </a:endParaRPr>
-          </a:p>
-          <a:p>
-            <a:pPr algn="just"/>
-            <a:r>
-              <a:rPr lang="en-US">
-                <a:latin typeface="Calibri"/>
-              </a:rPr>
-              <a:t>As I mentioned before this is the classical data integration scenario... however the emergency of architectures like cloud open new </a:t>
-            </a:r>
-            <a:r>
-              <a:rPr lang="en-US" smtClean="0">
-                <a:latin typeface="Calibri"/>
-              </a:rPr>
-              <a:t>opportunities </a:t>
-            </a:r>
-            <a:r>
-              <a:rPr lang="en-US">
-                <a:latin typeface="Calibri"/>
-              </a:rPr>
-              <a:t>for data integration considering that now we are not limited to resources availability . </a:t>
-            </a:r>
-            <a:endParaRPr lang="en-US" dirty="0">
-              <a:latin typeface="Calibri"/>
-            </a:endParaRPr>
-          </a:p>
-          <a:p>
-            <a:pPr algn="just"/>
-            <a:r>
-              <a:rPr lang="en-US" dirty="0">
-                <a:latin typeface="Calibri"/>
-              </a:rPr>
-              <a:t/>
-            </a:r>
-            <a:br>
-              <a:rPr lang="en-US" dirty="0">
-                <a:latin typeface="Calibri"/>
-              </a:rPr>
-            </a:br>
-            <a:endParaRPr lang="en-US" dirty="0">
-              <a:latin typeface="Calibri"/>
-            </a:endParaRPr>
-          </a:p>
-          <a:p>
-            <a:pPr algn="just"/>
-            <a:r>
-              <a:rPr lang="en-US">
-                <a:latin typeface="Calibri"/>
-              </a:rPr>
-              <a:t/>
-            </a:r>
-            <a:br>
-              <a:rPr lang="en-US">
-                <a:latin typeface="Calibri"/>
-              </a:rPr>
-            </a:br>
-            <a:endParaRPr lang="en-US" dirty="0">
-              <a:latin typeface="Calibri"/>
-            </a:endParaRPr>
-          </a:p>
-          <a:p>
             <a:pPr lvl="1" algn="just"/>
             <a:r>
               <a:rPr lang="en-US" b="1" dirty="0">
@@ -5586,219 +4469,13 @@
           <a:p>
             <a:pPr algn="just"/>
             <a:r>
-              <a:rPr lang="en-US" b="1" dirty="0">
-                <a:latin typeface="Calibri"/>
-              </a:rPr>
-              <a:t/>
-            </a:r>
-            <a:br>
-              <a:rPr lang="en-US" b="1" dirty="0">
-                <a:latin typeface="Calibri"/>
-              </a:rPr>
-            </a:br>
-            <a:endParaRPr lang="en-US" b="1" dirty="0">
-              <a:latin typeface="Calibri"/>
-            </a:endParaRPr>
-          </a:p>
-          <a:p>
-            <a:pPr algn="just"/>
-            <a:r>
               <a:rPr lang="en-US" dirty="0">
                 <a:latin typeface="Calibri"/>
               </a:rPr>
-              <a:t>We</a:t>
-            </a:r>
-            <a:r>
-              <a:rPr lang="en-US">
-                <a:latin typeface="Calibri"/>
-              </a:rPr>
-              <a:t> are manly interested in the data integration </a:t>
-            </a:r>
-            <a:r>
-              <a:rPr lang="en-US" dirty="0">
-                <a:latin typeface="Calibri"/>
-              </a:rPr>
-              <a:t>problem</a:t>
-            </a:r>
-            <a:r>
-              <a:rPr lang="en-US">
-                <a:latin typeface="Calibri"/>
-              </a:rPr>
-              <a:t> which</a:t>
-            </a:r>
-            <a:r>
-              <a:rPr lang="en-US" dirty="0">
-                <a:latin typeface="Calibri"/>
-              </a:rPr>
-              <a:t> </a:t>
-            </a:r>
-            <a:r>
-              <a:rPr lang="en-US">
-                <a:solidFill>
-                  <a:schemeClr val="tx1"/>
-                </a:solidFill>
-                <a:latin typeface="Calibri"/>
-              </a:rPr>
-              <a:t>consists </a:t>
-            </a:r>
-            <a:r>
-              <a:rPr lang="en-US" dirty="0">
-                <a:solidFill>
-                  <a:schemeClr val="tx1"/>
-                </a:solidFill>
-                <a:latin typeface="Calibri"/>
-              </a:rPr>
-              <a:t>in merging data from different sources and provide to the user a unified view of these data</a:t>
-            </a:r>
-          </a:p>
-          <a:p>
-            <a:pPr algn="just"/>
-            <a:r>
-              <a:rPr lang="en-US" dirty="0">
-                <a:solidFill>
-                  <a:schemeClr val="tx1"/>
-                </a:solidFill>
-                <a:latin typeface="Calibri"/>
-              </a:rPr>
               <a:t/>
             </a:r>
             <a:br>
               <a:rPr lang="en-US" dirty="0">
-                <a:solidFill>
-                  <a:schemeClr val="tx1"/>
-                </a:solidFill>
-                <a:latin typeface="Calibri"/>
-              </a:rPr>
-            </a:br>
-            <a:endParaRPr lang="en-US" dirty="0">
-              <a:solidFill>
-                <a:schemeClr val="tx1"/>
-              </a:solidFill>
-              <a:latin typeface="Calibri"/>
-            </a:endParaRPr>
-          </a:p>
-          <a:p>
-            <a:pPr algn="just"/>
-            <a:r>
-              <a:rPr lang="en-US" dirty="0">
-                <a:latin typeface="Calibri"/>
-              </a:rPr>
-              <a:t>Let</a:t>
-            </a:r>
-            <a:r>
-              <a:rPr lang="en-US">
-                <a:latin typeface="Calibri"/>
-              </a:rPr>
-              <a:t> me show you the classical data integration scenario, ... we have different data sources (A, B and C</a:t>
-            </a:r>
-            <a:r>
-              <a:rPr lang="en-US" dirty="0">
-                <a:latin typeface="Calibri"/>
-              </a:rPr>
-              <a:t>),</a:t>
-            </a:r>
-            <a:r>
-              <a:rPr lang="en-US">
-                <a:latin typeface="Calibri"/>
-              </a:rPr>
-              <a:t> and </a:t>
-            </a:r>
-            <a:r>
-              <a:rPr lang="en-US" dirty="0">
-                <a:latin typeface="Calibri"/>
-              </a:rPr>
-              <a:t>a</a:t>
-            </a:r>
-            <a:r>
-              <a:rPr lang="en-US">
-                <a:latin typeface="Calibri"/>
-              </a:rPr>
-              <a:t> query that must be answered. This query is submitted to a mediator which is responsible for rewriting it in accordance with the different databases. Then the results are returned to the mediator which will be responsible for integrating the</a:t>
-            </a:r>
-            <a:r>
-              <a:rPr lang="en-US" dirty="0">
-                <a:latin typeface="Calibri"/>
-              </a:rPr>
-              <a:t> </a:t>
-            </a:r>
-            <a:r>
-              <a:rPr lang="en-US">
-                <a:latin typeface="Calibri"/>
-              </a:rPr>
-              <a:t>data and sending back the integrated result.</a:t>
-            </a:r>
-            <a:endParaRPr lang="en-US" dirty="0">
-              <a:latin typeface="Calibri"/>
-            </a:endParaRPr>
-          </a:p>
-          <a:p>
-            <a:pPr algn="just"/>
-            <a:r>
-              <a:rPr lang="en-US" dirty="0">
-                <a:latin typeface="Calibri"/>
-              </a:rPr>
-              <a:t/>
-            </a:r>
-            <a:br>
-              <a:rPr lang="en-US" dirty="0">
-                <a:latin typeface="Calibri"/>
-              </a:rPr>
-            </a:br>
-            <a:endParaRPr lang="en-US" dirty="0">
-              <a:latin typeface="Calibri"/>
-            </a:endParaRPr>
-          </a:p>
-          <a:p>
-            <a:pPr algn="just"/>
-            <a:r>
-              <a:rPr lang="en-US">
-                <a:latin typeface="Calibri"/>
-              </a:rPr>
-              <a:t>As I mentioned before this is the classical data integration scenario... however the emergency of architectures like cloud open new </a:t>
-            </a:r>
-            <a:r>
-              <a:rPr lang="en-US" smtClean="0">
-                <a:latin typeface="Calibri"/>
-              </a:rPr>
-              <a:t>opportunities </a:t>
-            </a:r>
-            <a:r>
-              <a:rPr lang="en-US">
-                <a:latin typeface="Calibri"/>
-              </a:rPr>
-              <a:t>for data integration considering that now we are not limited to resources availability . </a:t>
-            </a:r>
-            <a:endParaRPr lang="en-US" dirty="0">
-              <a:latin typeface="Calibri"/>
-            </a:endParaRPr>
-          </a:p>
-          <a:p>
-            <a:pPr algn="just"/>
-            <a:r>
-              <a:rPr lang="en-US" dirty="0">
-                <a:latin typeface="Calibri"/>
-              </a:rPr>
-              <a:t/>
-            </a:r>
-            <a:br>
-              <a:rPr lang="en-US" dirty="0">
-                <a:latin typeface="Calibri"/>
-              </a:rPr>
-            </a:br>
-            <a:endParaRPr lang="en-US" dirty="0">
-              <a:latin typeface="Calibri"/>
-            </a:endParaRPr>
-          </a:p>
-          <a:p>
-            <a:pPr algn="just"/>
-            <a:r>
-              <a:rPr lang="en-US">
-                <a:latin typeface="Calibri"/>
-              </a:rPr>
-              <a:t/>
-            </a:r>
-            <a:br>
-              <a:rPr lang="en-US">
                 <a:latin typeface="Calibri"/>
               </a:rPr>
             </a:br>
@@ -5960,174 +4637,126 @@
           <a:lstStyle/>
           <a:p>
             <a:r>
+              <a:rPr lang="en-US" dirty="0" smtClean="0">
+                <a:latin typeface="Calibri"/>
+              </a:rPr>
+              <a:t>In</a:t>
+            </a:r>
+            <a:r>
+              <a:rPr lang="en-US" baseline="0" dirty="0" smtClean="0">
+                <a:latin typeface="Calibri"/>
+              </a:rPr>
+              <a:t> our vision, data services are deployed in clouds.</a:t>
+            </a:r>
+          </a:p>
+          <a:p>
+            <a:endParaRPr lang="en-US" baseline="0" dirty="0" smtClean="0">
+              <a:latin typeface="Calibri"/>
+            </a:endParaRPr>
+          </a:p>
+          <a:p>
+            <a:r>
+              <a:rPr lang="en-US" baseline="0" dirty="0" smtClean="0">
+                <a:latin typeface="Calibri"/>
+              </a:rPr>
+              <a:t>For instance, data provider A provides information about infected </a:t>
+            </a:r>
+            <a:r>
+              <a:rPr lang="en-US" baseline="0" dirty="0" smtClean="0">
+                <a:latin typeface="+mn-lt"/>
+              </a:rPr>
+              <a:t>patients </a:t>
+            </a:r>
+          </a:p>
+          <a:p>
+            <a:r>
+              <a:rPr lang="en-US" baseline="0" dirty="0" smtClean="0">
+                <a:latin typeface="+mn-lt"/>
+              </a:rPr>
+              <a:t>… data provider B provides DNA information</a:t>
+            </a:r>
+          </a:p>
+          <a:p>
+            <a:pPr marL="0" marR="0" indent="0" algn="l" defTabSz="457200" rtl="0" eaLnBrk="1" fontAlgn="auto" latinLnBrk="0" hangingPunct="1">
+              <a:lnSpc>
+                <a:spcPct val="100000"/>
+              </a:lnSpc>
+              <a:spcBef>
+                <a:spcPts val="0"/>
+              </a:spcBef>
+              <a:spcAft>
+                <a:spcPts val="0"/>
+              </a:spcAft>
+              <a:buClrTx/>
+              <a:buSzTx/>
+              <a:buFontTx/>
+              <a:buNone/>
+              <a:tabLst/>
+              <a:defRPr/>
+            </a:pPr>
+            <a:r>
+              <a:rPr lang="en-US" baseline="0" dirty="0" smtClean="0">
+                <a:latin typeface="+mn-lt"/>
+              </a:rPr>
+              <a:t>… data provider C provides personal information</a:t>
+            </a:r>
+          </a:p>
+          <a:p>
+            <a:pPr marL="0" marR="0" indent="0" algn="l" defTabSz="457200" rtl="0" eaLnBrk="1" fontAlgn="auto" latinLnBrk="0" hangingPunct="1">
+              <a:lnSpc>
+                <a:spcPct val="100000"/>
+              </a:lnSpc>
+              <a:spcBef>
+                <a:spcPts val="0"/>
+              </a:spcBef>
+              <a:spcAft>
+                <a:spcPts val="0"/>
+              </a:spcAft>
+              <a:buClrTx/>
+              <a:buSzTx/>
+              <a:buFontTx/>
+              <a:buNone/>
+              <a:tabLst/>
+              <a:defRPr/>
+            </a:pPr>
+            <a:endParaRPr lang="en-US" baseline="0" dirty="0" smtClean="0">
+              <a:latin typeface="+mn-lt"/>
+            </a:endParaRPr>
+          </a:p>
+          <a:p>
+            <a:pPr marL="0" marR="0" indent="0" algn="l" defTabSz="457200" rtl="0" eaLnBrk="1" fontAlgn="auto" latinLnBrk="0" hangingPunct="1">
+              <a:lnSpc>
+                <a:spcPct val="100000"/>
+              </a:lnSpc>
+              <a:spcBef>
+                <a:spcPts val="0"/>
+              </a:spcBef>
+              <a:spcAft>
+                <a:spcPts val="0"/>
+              </a:spcAft>
+              <a:buClrTx/>
+              <a:buSzTx/>
+              <a:buFontTx/>
+              <a:buNone/>
+              <a:tabLst/>
+              <a:defRPr/>
+            </a:pPr>
+            <a:r>
+              <a:rPr lang="en-US" baseline="0" dirty="0" smtClean="0">
+                <a:latin typeface="+mn-lt"/>
+              </a:rPr>
+              <a:t>Each provider has its own SLA specifying what a consumer can expect from its services… for instance, let us consider that each SLA defines the availability and the price per call for a service</a:t>
+            </a:r>
+          </a:p>
+          <a:p>
+            <a:r>
               <a:rPr lang="en-US" dirty="0">
                 <a:latin typeface="Calibri"/>
               </a:rPr>
-              <a:t>Now</a:t>
-            </a:r>
-            <a:r>
-              <a:rPr lang="en-US">
-                <a:latin typeface="Calibri"/>
-              </a:rPr>
-              <a:t> we can see a new scenario for data integration... where we have different data providers A, B and C geographically disposed on different clouds. In the cloud scenario quality aspects are defined and agreed between the service provider and the service customer through contracts. </a:t>
-            </a:r>
-            <a:endParaRPr lang="en-US" dirty="0">
-              <a:latin typeface="Calibri"/>
-            </a:endParaRPr>
-          </a:p>
-          <a:p>
-            <a:r>
-              <a:rPr lang="en-US" dirty="0">
-                <a:latin typeface="Calibri"/>
-              </a:rPr>
               <a:t/>
             </a:r>
             <a:br>
               <a:rPr lang="en-US" dirty="0">
-                <a:latin typeface="Calibri"/>
-              </a:rPr>
-            </a:br>
-            <a:endParaRPr lang="en-US" dirty="0">
-              <a:latin typeface="Calibri"/>
-            </a:endParaRPr>
-          </a:p>
-          <a:p>
-            <a:r>
-              <a:rPr lang="en-US">
-                <a:latin typeface="Calibri"/>
-              </a:rPr>
-              <a:t>Service level agreements (SLA) is an example of these contracts.</a:t>
-            </a:r>
-            <a:endParaRPr lang="en-US" dirty="0">
-              <a:latin typeface="Calibri"/>
-            </a:endParaRPr>
-          </a:p>
-          <a:p>
-            <a:r>
-              <a:rPr lang="en-US" dirty="0">
-                <a:latin typeface="Calibri"/>
-              </a:rPr>
-              <a:t/>
-            </a:r>
-            <a:br>
-              <a:rPr lang="en-US" dirty="0">
-                <a:latin typeface="Calibri"/>
-              </a:rPr>
-            </a:br>
-            <a:endParaRPr lang="en-US" dirty="0">
-              <a:latin typeface="Calibri"/>
-            </a:endParaRPr>
-          </a:p>
-          <a:p>
-            <a:r>
-              <a:rPr lang="en-US">
-                <a:latin typeface="Calibri"/>
-              </a:rPr>
-              <a:t>As in the classical scenario we have a query that must be answered and this query is submitted to a mediator who will rewrtite it in accordance with the different data providers and the result will be integrated to be sent back to the user.</a:t>
-            </a:r>
-            <a:endParaRPr lang="en-US" dirty="0">
-              <a:latin typeface="Calibri"/>
-            </a:endParaRPr>
-          </a:p>
-          <a:p>
-            <a:r>
-              <a:rPr lang="en-US" dirty="0">
-                <a:latin typeface="Calibri"/>
-              </a:rPr>
-              <a:t/>
-            </a:r>
-            <a:br>
-              <a:rPr lang="en-US" dirty="0">
-                <a:latin typeface="Calibri"/>
-              </a:rPr>
-            </a:br>
-            <a:endParaRPr lang="en-US" dirty="0">
-              <a:latin typeface="Calibri"/>
-            </a:endParaRPr>
-          </a:p>
-          <a:p>
-            <a:r>
-              <a:rPr lang="en-US">
-                <a:latin typeface="Calibri"/>
-              </a:rPr>
-              <a:t>In this scenario we have some limitations and challenges such as: </a:t>
-            </a:r>
-            <a:endParaRPr lang="en-US" dirty="0">
-              <a:latin typeface="Calibri"/>
-            </a:endParaRPr>
-          </a:p>
-          <a:p>
-            <a:r>
-              <a:rPr lang="en-US">
-                <a:latin typeface="Calibri"/>
-              </a:rPr>
-              <a:t>* we have different SLAs schemas exported by the providers</a:t>
-            </a:r>
-            <a:endParaRPr lang="en-US" dirty="0">
-              <a:latin typeface="Calibri"/>
-            </a:endParaRPr>
-          </a:p>
-          <a:p>
-            <a:r>
-              <a:rPr lang="en-US">
-                <a:latin typeface="Calibri"/>
-              </a:rPr>
-              <a:t>* we have different level of SLAs... such as SLAs between the user and the data provider, SLA between the data provider and the cloud, and also SLAs between different data providers..</a:t>
-            </a:r>
-            <a:endParaRPr lang="en-US" dirty="0">
-              <a:latin typeface="Calibri"/>
-            </a:endParaRPr>
-          </a:p>
-          <a:p>
-            <a:r>
-              <a:rPr lang="en-US">
-                <a:latin typeface="Calibri"/>
-              </a:rPr>
-              <a:t>* we have different measures in different SLAs which have the same meaning</a:t>
-            </a:r>
-            <a:endParaRPr lang="en-US" dirty="0">
-              <a:latin typeface="Calibri"/>
-            </a:endParaRPr>
-          </a:p>
-          <a:p>
-            <a:r>
-              <a:rPr lang="en-US" dirty="0">
-                <a:latin typeface="Calibri"/>
-              </a:rPr>
-              <a:t/>
-            </a:r>
-            <a:br>
-              <a:rPr lang="en-US" dirty="0">
-                <a:latin typeface="Calibri"/>
-              </a:rPr>
-            </a:br>
-            <a:endParaRPr lang="en-US" dirty="0">
-              <a:latin typeface="Calibri"/>
-            </a:endParaRPr>
-          </a:p>
-          <a:p>
-            <a:r>
-              <a:rPr lang="en-US">
-                <a:latin typeface="Calibri"/>
-              </a:rPr>
-              <a:t>considering this new scenario, the use of SLA on data integration approaches is an open challenge and we believe that the quality on this approaches can be enhanced</a:t>
-            </a:r>
-            <a:br>
-              <a:rPr lang="en-US">
-                <a:latin typeface="Calibri"/>
-              </a:rPr>
-            </a:br>
-            <a:endParaRPr lang="en-US" baseline="0" noProof="0" dirty="0"/>
-          </a:p>
-          <a:p>
-            <a:r>
-              <a:rPr lang="en-US">
-                <a:latin typeface="Calibri"/>
-              </a:rPr>
-              <a:t/>
-            </a:r>
-            <a:br>
-              <a:rPr lang="en-US">
                 <a:latin typeface="Calibri"/>
               </a:rPr>
             </a:br>
@@ -6221,142 +4850,35 @@
           <a:lstStyle/>
           <a:p>
             <a:r>
+              <a:rPr lang="en-US" dirty="0" smtClean="0">
+                <a:latin typeface="Calibri"/>
+              </a:rPr>
+              <a:t>A user willing to integrate</a:t>
+            </a:r>
+            <a:r>
+              <a:rPr lang="en-US" baseline="0" dirty="0" smtClean="0">
+                <a:latin typeface="Calibri"/>
+              </a:rPr>
+              <a:t> data defines his query according to his needs and also associate to it his requirements and preferences.</a:t>
+            </a:r>
+          </a:p>
+          <a:p>
+            <a:endParaRPr lang="en-US" baseline="0" dirty="0" smtClean="0">
+              <a:latin typeface="Calibri"/>
+            </a:endParaRPr>
+          </a:p>
+          <a:p>
+            <a:r>
+              <a:rPr lang="en-US" baseline="0" dirty="0" smtClean="0">
+                <a:latin typeface="Calibri"/>
+              </a:rPr>
+              <a:t>For instance, a user wants to retrieve personal….</a:t>
+            </a:r>
+            <a:r>
               <a:rPr lang="en-US" dirty="0">
                 <a:latin typeface="Calibri"/>
               </a:rPr>
-              <a:t>Now we can see a new scenario for data integration... where we have different data providers A, B and C geographically disposed on different clouds. In the cloud scenario quality aspects are defined and agreed between the service provider and the service customer through contracts. </a:t>
-            </a:r>
-          </a:p>
-          <a:p>
-            <a:r>
-              <a:rPr lang="en-US" dirty="0">
-                <a:latin typeface="Calibri"/>
-              </a:rPr>
               <a:t/>
-            </a:r>
-            <a:br>
-              <a:rPr lang="en-US" dirty="0">
-                <a:latin typeface="Calibri"/>
-              </a:rPr>
-            </a:br>
-            <a:endParaRPr lang="en-US" dirty="0">
-              <a:latin typeface="Calibri"/>
-            </a:endParaRPr>
-          </a:p>
-          <a:p>
-            <a:r>
-              <a:rPr lang="en-US" dirty="0">
-                <a:latin typeface="Calibri"/>
-              </a:rPr>
-              <a:t>Service level agreements (SLA) is an example of these contracts.</a:t>
-            </a:r>
-          </a:p>
-          <a:p>
-            <a:r>
-              <a:rPr lang="en-US" dirty="0">
-                <a:latin typeface="Calibri"/>
-              </a:rPr>
-              <a:t/>
-            </a:r>
-            <a:br>
-              <a:rPr lang="en-US" dirty="0">
-                <a:latin typeface="Calibri"/>
-              </a:rPr>
-            </a:br>
-            <a:endParaRPr lang="en-US" dirty="0">
-              <a:latin typeface="Calibri"/>
-            </a:endParaRPr>
-          </a:p>
-          <a:p>
-            <a:r>
-              <a:rPr lang="en-US" dirty="0">
-                <a:latin typeface="Calibri"/>
-              </a:rPr>
-              <a:t>As in the classical scenario we have a query that must be answered and this query is submitted to a mediator who will </a:t>
-            </a:r>
-            <a:r>
-              <a:rPr lang="en-US" dirty="0" err="1">
-                <a:latin typeface="Calibri"/>
-              </a:rPr>
-              <a:t>rewrtite</a:t>
-            </a:r>
-            <a:r>
-              <a:rPr lang="en-US" dirty="0">
-                <a:latin typeface="Calibri"/>
-              </a:rPr>
-              <a:t> it in accordance with the different data providers and the result will be integrated to be sent back to the user.</a:t>
-            </a:r>
-          </a:p>
-          <a:p>
-            <a:r>
-              <a:rPr lang="en-US" dirty="0">
-                <a:latin typeface="Calibri"/>
-              </a:rPr>
-              <a:t/>
-            </a:r>
-            <a:br>
-              <a:rPr lang="en-US" dirty="0">
-                <a:latin typeface="Calibri"/>
-              </a:rPr>
-            </a:br>
-            <a:endParaRPr lang="en-US" dirty="0">
-              <a:latin typeface="Calibri"/>
-            </a:endParaRPr>
-          </a:p>
-          <a:p>
-            <a:r>
-              <a:rPr lang="en-US" dirty="0">
-                <a:latin typeface="Calibri"/>
-              </a:rPr>
-              <a:t>In this scenario we have some limitations and challenges such as: </a:t>
-            </a:r>
-          </a:p>
-          <a:p>
-            <a:r>
-              <a:rPr lang="en-US" dirty="0">
-                <a:latin typeface="Calibri"/>
-              </a:rPr>
-              <a:t>* we have different SLAs schemas exported by the providers</a:t>
-            </a:r>
-          </a:p>
-          <a:p>
-            <a:r>
-              <a:rPr lang="en-US" dirty="0">
-                <a:latin typeface="Calibri"/>
-              </a:rPr>
-              <a:t>* we have different level of SLAs... such as SLAs between the user and the data provider, SLA between the data provider and the cloud, and also SLAs between different data providers..</a:t>
-            </a:r>
-          </a:p>
-          <a:p>
-            <a:r>
-              <a:rPr lang="en-US" dirty="0">
-                <a:latin typeface="Calibri"/>
-              </a:rPr>
-              <a:t>* we have different measures in different SLAs which have the same meaning</a:t>
-            </a:r>
-          </a:p>
-          <a:p>
-            <a:r>
-              <a:rPr lang="en-US" dirty="0">
-                <a:latin typeface="Calibri"/>
-              </a:rPr>
-              <a:t/>
-            </a:r>
-            <a:br>
-              <a:rPr lang="en-US" dirty="0">
-                <a:latin typeface="Calibri"/>
-              </a:rPr>
-            </a:br>
-            <a:endParaRPr lang="en-US" dirty="0">
-              <a:latin typeface="Calibri"/>
-            </a:endParaRPr>
-          </a:p>
-          <a:p>
-            <a:r>
-              <a:rPr lang="en-US" dirty="0">
-                <a:latin typeface="Calibri"/>
-              </a:rPr>
-              <a:t>considering this new scenario, the use of SLA on data integration approaches is an open challenge and we believe that the quality on this approaches can be enhanced</a:t>
             </a:r>
             <a:br>
               <a:rPr lang="en-US" dirty="0">
@@ -6467,174 +4989,35 @@
           <a:lstStyle/>
           <a:p>
             <a:r>
+              <a:rPr lang="en-US" baseline="0" noProof="0" dirty="0" smtClean="0">
+                <a:latin typeface="Calibri"/>
+              </a:rPr>
+              <a:t>To perform the integration in this context, we are assuming that concrete data services are defined in term of abstract services and quality features extracted from SLAs</a:t>
+            </a:r>
+          </a:p>
+          <a:p>
+            <a:endParaRPr lang="en-US" baseline="0" noProof="0" dirty="0" smtClean="0">
+              <a:latin typeface="Calibri"/>
+            </a:endParaRPr>
+          </a:p>
+          <a:p>
+            <a:r>
+              <a:rPr lang="en-US" baseline="0" noProof="0" dirty="0" smtClean="0">
+                <a:latin typeface="Calibri"/>
+              </a:rPr>
+              <a:t>Abstract services are the small piece of function executed by a service, for example, given these 7 concrete services, the abstract service A1 returns infected patients given a disease, A2 returns the DNA information and A3 the patient personal information… between brackets we can also see the quality features associated to each concrete service</a:t>
+            </a:r>
+            <a:endParaRPr lang="en-US" baseline="0" noProof="0" dirty="0"/>
+          </a:p>
+          <a:p>
+            <a:r>
               <a:rPr lang="en-US" dirty="0">
                 <a:latin typeface="Calibri"/>
               </a:rPr>
-              <a:t>Now</a:t>
-            </a:r>
-            <a:r>
-              <a:rPr lang="en-US">
-                <a:latin typeface="Calibri"/>
-              </a:rPr>
-              <a:t> we can see a new scenario for data integration... where we have different data providers A, B and C geographically disposed on different clouds. In the cloud scenario quality aspects are defined and agreed between the service provider and the service customer through contracts. </a:t>
-            </a:r>
-            <a:endParaRPr lang="en-US" dirty="0">
-              <a:latin typeface="Calibri"/>
-            </a:endParaRPr>
-          </a:p>
-          <a:p>
-            <a:r>
-              <a:rPr lang="en-US" dirty="0">
-                <a:latin typeface="Calibri"/>
-              </a:rPr>
               <a:t/>
             </a:r>
             <a:br>
               <a:rPr lang="en-US" dirty="0">
-                <a:latin typeface="Calibri"/>
-              </a:rPr>
-            </a:br>
-            <a:endParaRPr lang="en-US" dirty="0">
-              <a:latin typeface="Calibri"/>
-            </a:endParaRPr>
-          </a:p>
-          <a:p>
-            <a:r>
-              <a:rPr lang="en-US">
-                <a:latin typeface="Calibri"/>
-              </a:rPr>
-              <a:t>Service level agreements (SLA) is an example of these contracts.</a:t>
-            </a:r>
-            <a:endParaRPr lang="en-US" dirty="0">
-              <a:latin typeface="Calibri"/>
-            </a:endParaRPr>
-          </a:p>
-          <a:p>
-            <a:r>
-              <a:rPr lang="en-US" dirty="0">
-                <a:latin typeface="Calibri"/>
-              </a:rPr>
-              <a:t/>
-            </a:r>
-            <a:br>
-              <a:rPr lang="en-US" dirty="0">
-                <a:latin typeface="Calibri"/>
-              </a:rPr>
-            </a:br>
-            <a:endParaRPr lang="en-US" dirty="0">
-              <a:latin typeface="Calibri"/>
-            </a:endParaRPr>
-          </a:p>
-          <a:p>
-            <a:r>
-              <a:rPr lang="en-US">
-                <a:latin typeface="Calibri"/>
-              </a:rPr>
-              <a:t>As in the classical scenario we have a query that must be answered and this query is submitted to a mediator who will rewrtite it in accordance with the different data providers and the result will be integrated to be sent back to the user.</a:t>
-            </a:r>
-            <a:endParaRPr lang="en-US" dirty="0">
-              <a:latin typeface="Calibri"/>
-            </a:endParaRPr>
-          </a:p>
-          <a:p>
-            <a:r>
-              <a:rPr lang="en-US" dirty="0">
-                <a:latin typeface="Calibri"/>
-              </a:rPr>
-              <a:t/>
-            </a:r>
-            <a:br>
-              <a:rPr lang="en-US" dirty="0">
-                <a:latin typeface="Calibri"/>
-              </a:rPr>
-            </a:br>
-            <a:endParaRPr lang="en-US" dirty="0">
-              <a:latin typeface="Calibri"/>
-            </a:endParaRPr>
-          </a:p>
-          <a:p>
-            <a:r>
-              <a:rPr lang="en-US">
-                <a:latin typeface="Calibri"/>
-              </a:rPr>
-              <a:t>In this scenario we have some limitations and challenges such as: </a:t>
-            </a:r>
-            <a:endParaRPr lang="en-US" dirty="0">
-              <a:latin typeface="Calibri"/>
-            </a:endParaRPr>
-          </a:p>
-          <a:p>
-            <a:r>
-              <a:rPr lang="en-US">
-                <a:latin typeface="Calibri"/>
-              </a:rPr>
-              <a:t>* we have different SLAs schemas exported by the providers</a:t>
-            </a:r>
-            <a:endParaRPr lang="en-US" dirty="0">
-              <a:latin typeface="Calibri"/>
-            </a:endParaRPr>
-          </a:p>
-          <a:p>
-            <a:r>
-              <a:rPr lang="en-US">
-                <a:latin typeface="Calibri"/>
-              </a:rPr>
-              <a:t>* we have different level of SLAs... such as SLAs between the user and the data provider, SLA between the data provider and the cloud, and also SLAs between different data providers..</a:t>
-            </a:r>
-            <a:endParaRPr lang="en-US" dirty="0">
-              <a:latin typeface="Calibri"/>
-            </a:endParaRPr>
-          </a:p>
-          <a:p>
-            <a:r>
-              <a:rPr lang="en-US">
-                <a:latin typeface="Calibri"/>
-              </a:rPr>
-              <a:t>* we have different measures in different SLAs which have the same meaning</a:t>
-            </a:r>
-            <a:endParaRPr lang="en-US" dirty="0">
-              <a:latin typeface="Calibri"/>
-            </a:endParaRPr>
-          </a:p>
-          <a:p>
-            <a:r>
-              <a:rPr lang="en-US" dirty="0">
-                <a:latin typeface="Calibri"/>
-              </a:rPr>
-              <a:t/>
-            </a:r>
-            <a:br>
-              <a:rPr lang="en-US" dirty="0">
-                <a:latin typeface="Calibri"/>
-              </a:rPr>
-            </a:br>
-            <a:endParaRPr lang="en-US" dirty="0">
-              <a:latin typeface="Calibri"/>
-            </a:endParaRPr>
-          </a:p>
-          <a:p>
-            <a:r>
-              <a:rPr lang="en-US">
-                <a:latin typeface="Calibri"/>
-              </a:rPr>
-              <a:t>considering this new scenario, the use of SLA on data integration approaches is an open challenge and we believe that the quality on this approaches can be enhanced</a:t>
-            </a:r>
-            <a:br>
-              <a:rPr lang="en-US">
-                <a:latin typeface="Calibri"/>
-              </a:rPr>
-            </a:br>
-            <a:endParaRPr lang="en-US" baseline="0" noProof="0" dirty="0"/>
-          </a:p>
-          <a:p>
-            <a:r>
-              <a:rPr lang="en-US">
-                <a:latin typeface="Calibri"/>
-              </a:rPr>
-              <a:t/>
-            </a:r>
-            <a:br>
-              <a:rPr lang="en-US">
                 <a:latin typeface="Calibri"/>
               </a:rPr>
             </a:br>
@@ -6728,177 +5111,18 @@
           <a:lstStyle/>
           <a:p>
             <a:r>
-              <a:rPr lang="en-US" dirty="0">
-                <a:latin typeface="Calibri"/>
-              </a:rPr>
-              <a:t>Now</a:t>
-            </a:r>
-            <a:r>
-              <a:rPr lang="en-US">
-                <a:latin typeface="Calibri"/>
-              </a:rPr>
-              <a:t> we can see a new scenario for data integration... where we have different data providers A, B and C geographically disposed on different clouds. In the cloud scenario quality aspects are defined and agreed between the service provider and the service customer through contracts. </a:t>
-            </a:r>
-            <a:endParaRPr lang="en-US" dirty="0">
-              <a:latin typeface="Calibri"/>
-            </a:endParaRPr>
-          </a:p>
-          <a:p>
-            <a:r>
-              <a:rPr lang="en-US" dirty="0">
-                <a:latin typeface="Calibri"/>
-              </a:rPr>
-              <a:t/>
-            </a:r>
-            <a:br>
-              <a:rPr lang="en-US" dirty="0">
-                <a:latin typeface="Calibri"/>
-              </a:rPr>
-            </a:br>
-            <a:endParaRPr lang="en-US" dirty="0">
-              <a:latin typeface="Calibri"/>
-            </a:endParaRPr>
-          </a:p>
-          <a:p>
-            <a:r>
-              <a:rPr lang="en-US">
-                <a:latin typeface="Calibri"/>
-              </a:rPr>
-              <a:t>Service level agreements (SLA) is an example of these contracts.</a:t>
-            </a:r>
-            <a:endParaRPr lang="en-US" dirty="0">
-              <a:latin typeface="Calibri"/>
-            </a:endParaRPr>
-          </a:p>
-          <a:p>
-            <a:r>
-              <a:rPr lang="en-US" dirty="0">
-                <a:latin typeface="Calibri"/>
-              </a:rPr>
-              <a:t/>
-            </a:r>
-            <a:br>
-              <a:rPr lang="en-US" dirty="0">
-                <a:latin typeface="Calibri"/>
-              </a:rPr>
-            </a:br>
-            <a:endParaRPr lang="en-US" dirty="0">
-              <a:latin typeface="Calibri"/>
-            </a:endParaRPr>
-          </a:p>
-          <a:p>
-            <a:r>
-              <a:rPr lang="en-US">
-                <a:latin typeface="Calibri"/>
-              </a:rPr>
-              <a:t>As in the classical scenario we have a query that must be answered and this query is submitted to a mediator who will rewrtite it in accordance with the different data providers and the result will be integrated to be sent back to the user.</a:t>
-            </a:r>
-            <a:endParaRPr lang="en-US" dirty="0">
-              <a:latin typeface="Calibri"/>
-            </a:endParaRPr>
-          </a:p>
-          <a:p>
-            <a:r>
-              <a:rPr lang="en-US" dirty="0">
-                <a:latin typeface="Calibri"/>
-              </a:rPr>
-              <a:t/>
-            </a:r>
-            <a:br>
-              <a:rPr lang="en-US" dirty="0">
-                <a:latin typeface="Calibri"/>
-              </a:rPr>
-            </a:br>
-            <a:endParaRPr lang="en-US" dirty="0">
-              <a:latin typeface="Calibri"/>
-            </a:endParaRPr>
-          </a:p>
-          <a:p>
-            <a:r>
-              <a:rPr lang="en-US">
-                <a:latin typeface="Calibri"/>
-              </a:rPr>
-              <a:t>In this scenario we have some limitations and challenges such as: </a:t>
-            </a:r>
-            <a:endParaRPr lang="en-US" dirty="0">
-              <a:latin typeface="Calibri"/>
-            </a:endParaRPr>
-          </a:p>
-          <a:p>
-            <a:r>
-              <a:rPr lang="en-US">
-                <a:latin typeface="Calibri"/>
-              </a:rPr>
-              <a:t>* we have different SLAs schemas exported by the providers</a:t>
-            </a:r>
-            <a:endParaRPr lang="en-US" dirty="0">
-              <a:latin typeface="Calibri"/>
-            </a:endParaRPr>
-          </a:p>
-          <a:p>
-            <a:r>
-              <a:rPr lang="en-US">
-                <a:latin typeface="Calibri"/>
-              </a:rPr>
-              <a:t>* we have different level of SLAs... such as SLAs between the user and the data provider, SLA between the data provider and the cloud, and also SLAs between different data providers..</a:t>
-            </a:r>
-            <a:endParaRPr lang="en-US" dirty="0">
-              <a:latin typeface="Calibri"/>
-            </a:endParaRPr>
-          </a:p>
-          <a:p>
-            <a:r>
-              <a:rPr lang="en-US">
-                <a:latin typeface="Calibri"/>
-              </a:rPr>
-              <a:t>* we have different measures in different SLAs which have the same meaning</a:t>
-            </a:r>
-            <a:endParaRPr lang="en-US" dirty="0">
-              <a:latin typeface="Calibri"/>
-            </a:endParaRPr>
-          </a:p>
-          <a:p>
-            <a:r>
-              <a:rPr lang="en-US" dirty="0">
-                <a:latin typeface="Calibri"/>
-              </a:rPr>
-              <a:t/>
-            </a:r>
-            <a:br>
-              <a:rPr lang="en-US" dirty="0">
-                <a:latin typeface="Calibri"/>
-              </a:rPr>
-            </a:br>
-            <a:endParaRPr lang="en-US" dirty="0">
-              <a:latin typeface="Calibri"/>
-            </a:endParaRPr>
-          </a:p>
-          <a:p>
-            <a:r>
-              <a:rPr lang="en-US">
-                <a:latin typeface="Calibri"/>
-              </a:rPr>
-              <a:t>considering this new scenario, the use of SLA on data integration approaches is an open challenge and we believe that the quality on this approaches can be enhanced</a:t>
-            </a:r>
-            <a:br>
-              <a:rPr lang="en-US">
-                <a:latin typeface="Calibri"/>
-              </a:rPr>
-            </a:br>
-            <a:endParaRPr lang="en-US" baseline="0" noProof="0" dirty="0"/>
-          </a:p>
-          <a:p>
-            <a:r>
-              <a:rPr lang="en-US">
-                <a:latin typeface="Calibri"/>
-              </a:rPr>
-              <a:t/>
-            </a:r>
-            <a:br>
-              <a:rPr lang="en-US">
-                <a:latin typeface="Calibri"/>
-              </a:rPr>
-            </a:br>
+              <a:rPr lang="en-US" baseline="0" noProof="0" dirty="0" smtClean="0"/>
+              <a:t>Like concrete services, the query can be also expressed in terms of abstract services and it user preferences can be associated to them</a:t>
+            </a:r>
+          </a:p>
+          <a:p>
+            <a:endParaRPr lang="en-US" baseline="0" noProof="0" dirty="0" smtClean="0"/>
+          </a:p>
+          <a:p>
+            <a:r>
+              <a:rPr lang="en-US" baseline="0" noProof="0" dirty="0" smtClean="0"/>
+              <a:t>For instance, our previous query example can be expressed in the following manner</a:t>
+            </a:r>
             <a:endParaRPr lang="en-US" baseline="0" noProof="0" dirty="0"/>
           </a:p>
         </p:txBody>
@@ -40701,14 +38925,14 @@
               </a:ln>
               <a:extLst>
                 <a:ext uri="{909E8E84-426E-40dd-AFC4-6F175D3DCCD1}">
-                  <a14:hiddenFill xmlns="" xmlns:a14="http://schemas.microsoft.com/office/drawing/2010/main">
+                  <a14:hiddenFill xmlns:a14="http://schemas.microsoft.com/office/drawing/2010/main" xmlns="">
                     <a:solidFill>
                       <a:srgbClr val="FFFFFF"/>
                     </a:solidFill>
                   </a14:hiddenFill>
                 </a:ext>
                 <a:ext uri="{91240B29-F687-4f45-9708-019B960494DF}">
-                  <a14:hiddenLine xmlns="" xmlns:a14="http://schemas.microsoft.com/office/drawing/2010/main" w="9525">
+                  <a14:hiddenLine xmlns:a14="http://schemas.microsoft.com/office/drawing/2010/main" xmlns="" w="9525">
                     <a:solidFill>
                       <a:srgbClr val="000000"/>
                     </a:solidFill>
@@ -40762,14 +38986,14 @@
               </a:ln>
               <a:extLst>
                 <a:ext uri="{909E8E84-426E-40dd-AFC4-6F175D3DCCD1}">
-                  <a14:hiddenFill xmlns="" xmlns:a14="http://schemas.microsoft.com/office/drawing/2010/main">
+                  <a14:hiddenFill xmlns:a14="http://schemas.microsoft.com/office/drawing/2010/main" xmlns="">
                     <a:solidFill>
                       <a:srgbClr val="FFFFFF"/>
                     </a:solidFill>
                   </a14:hiddenFill>
                 </a:ext>
                 <a:ext uri="{91240B29-F687-4f45-9708-019B960494DF}">
-                  <a14:hiddenLine xmlns="" xmlns:a14="http://schemas.microsoft.com/office/drawing/2010/main" w="9525">
+                  <a14:hiddenLine xmlns:a14="http://schemas.microsoft.com/office/drawing/2010/main" xmlns="" w="9525">
                     <a:solidFill>
                       <a:srgbClr val="000000"/>
                     </a:solidFill>
@@ -40823,14 +39047,14 @@
               </a:ln>
               <a:extLst>
                 <a:ext uri="{909E8E84-426E-40dd-AFC4-6F175D3DCCD1}">
-                  <a14:hiddenFill xmlns="" xmlns:a14="http://schemas.microsoft.com/office/drawing/2010/main">
+                  <a14:hiddenFill xmlns:a14="http://schemas.microsoft.com/office/drawing/2010/main" xmlns="">
                     <a:solidFill>
                       <a:srgbClr val="FFFFFF"/>
                     </a:solidFill>
                   </a14:hiddenFill>
                 </a:ext>
                 <a:ext uri="{91240B29-F687-4f45-9708-019B960494DF}">
-                  <a14:hiddenLine xmlns="" xmlns:a14="http://schemas.microsoft.com/office/drawing/2010/main" w="9525">
+                  <a14:hiddenLine xmlns:a14="http://schemas.microsoft.com/office/drawing/2010/main" xmlns="" w="9525">
                     <a:solidFill>
                       <a:srgbClr val="000000"/>
                     </a:solidFill>
@@ -40864,14 +39088,14 @@
               </a:ln>
               <a:extLst>
                 <a:ext uri="{909E8E84-426E-40dd-AFC4-6F175D3DCCD1}">
-                  <a14:hiddenFill xmlns="" xmlns:a14="http://schemas.microsoft.com/office/drawing/2010/main">
+                  <a14:hiddenFill xmlns:a14="http://schemas.microsoft.com/office/drawing/2010/main" xmlns="">
                     <a:solidFill>
                       <a:srgbClr val="FFFFFF"/>
                     </a:solidFill>
                   </a14:hiddenFill>
                 </a:ext>
                 <a:ext uri="{91240B29-F687-4f45-9708-019B960494DF}">
-                  <a14:hiddenLine xmlns="" xmlns:a14="http://schemas.microsoft.com/office/drawing/2010/main" w="9525">
+                  <a14:hiddenLine xmlns:a14="http://schemas.microsoft.com/office/drawing/2010/main" xmlns="" w="9525">
                     <a:solidFill>
                       <a:srgbClr val="000000"/>
                     </a:solidFill>
@@ -41488,14 +39712,14 @@
             </a:ln>
             <a:extLst>
               <a:ext uri="{909E8E84-426E-40dd-AFC4-6F175D3DCCD1}">
-                <a14:hiddenFill xmlns="" xmlns:a14="http://schemas.microsoft.com/office/drawing/2010/main">
+                <a14:hiddenFill xmlns:a14="http://schemas.microsoft.com/office/drawing/2010/main" xmlns="">
                   <a:solidFill>
                     <a:srgbClr val="FFFFFF"/>
                   </a:solidFill>
                 </a14:hiddenFill>
               </a:ext>
               <a:ext uri="{91240B29-F687-4f45-9708-019B960494DF}">
-                <a14:hiddenLine xmlns="" xmlns:a14="http://schemas.microsoft.com/office/drawing/2010/main" w="9525">
+                <a14:hiddenLine xmlns:a14="http://schemas.microsoft.com/office/drawing/2010/main" xmlns="" w="9525">
                   <a:solidFill>
                     <a:srgbClr val="000000"/>
                   </a:solidFill>
@@ -41542,14 +39766,14 @@
             </a:ln>
             <a:extLst>
               <a:ext uri="{909E8E84-426E-40dd-AFC4-6F175D3DCCD1}">
-                <a14:hiddenFill xmlns="" xmlns:a14="http://schemas.microsoft.com/office/drawing/2010/main">
+                <a14:hiddenFill xmlns:a14="http://schemas.microsoft.com/office/drawing/2010/main" xmlns="">
                   <a:solidFill>
                     <a:srgbClr val="FFFFFF"/>
                   </a:solidFill>
                 </a14:hiddenFill>
               </a:ext>
               <a:ext uri="{91240B29-F687-4f45-9708-019B960494DF}">
-                <a14:hiddenLine xmlns="" xmlns:a14="http://schemas.microsoft.com/office/drawing/2010/main" w="9525">
+                <a14:hiddenLine xmlns:a14="http://schemas.microsoft.com/office/drawing/2010/main" xmlns="" w="9525">
                   <a:solidFill>
                     <a:srgbClr val="000000"/>
                   </a:solidFill>
@@ -41596,14 +39820,14 @@
             </a:ln>
             <a:extLst>
               <a:ext uri="{909E8E84-426E-40dd-AFC4-6F175D3DCCD1}">
-                <a14:hiddenFill xmlns="" xmlns:a14="http://schemas.microsoft.com/office/drawing/2010/main">
+                <a14:hiddenFill xmlns:a14="http://schemas.microsoft.com/office/drawing/2010/main" xmlns="">
                   <a:solidFill>
                     <a:srgbClr val="FFFFFF"/>
                   </a:solidFill>
                 </a14:hiddenFill>
               </a:ext>
               <a:ext uri="{91240B29-F687-4f45-9708-019B960494DF}">
-                <a14:hiddenLine xmlns="" xmlns:a14="http://schemas.microsoft.com/office/drawing/2010/main" w="9525">
+                <a14:hiddenLine xmlns:a14="http://schemas.microsoft.com/office/drawing/2010/main" xmlns="" w="9525">
                   <a:solidFill>
                     <a:srgbClr val="000000"/>
                   </a:solidFill>
@@ -41650,14 +39874,14 @@
             </a:ln>
             <a:extLst>
               <a:ext uri="{909E8E84-426E-40dd-AFC4-6F175D3DCCD1}">
-                <a14:hiddenFill xmlns="" xmlns:a14="http://schemas.microsoft.com/office/drawing/2010/main">
+                <a14:hiddenFill xmlns:a14="http://schemas.microsoft.com/office/drawing/2010/main" xmlns="">
                   <a:solidFill>
                     <a:srgbClr val="FFFFFF"/>
                   </a:solidFill>
                 </a14:hiddenFill>
               </a:ext>
               <a:ext uri="{91240B29-F687-4f45-9708-019B960494DF}">
-                <a14:hiddenLine xmlns="" xmlns:a14="http://schemas.microsoft.com/office/drawing/2010/main" w="9525">
+                <a14:hiddenLine xmlns:a14="http://schemas.microsoft.com/office/drawing/2010/main" xmlns="" w="9525">
                   <a:solidFill>
                     <a:srgbClr val="000000"/>
                   </a:solidFill>
@@ -41726,14 +39950,14 @@
             </a:ln>
             <a:extLst>
               <a:ext uri="{909E8E84-426E-40dd-AFC4-6F175D3DCCD1}">
-                <a14:hiddenFill xmlns="" xmlns:a14="http://schemas.microsoft.com/office/drawing/2010/main">
+                <a14:hiddenFill xmlns:a14="http://schemas.microsoft.com/office/drawing/2010/main" xmlns="">
                   <a:solidFill>
                     <a:srgbClr val="FFFFFF"/>
                   </a:solidFill>
                 </a14:hiddenFill>
               </a:ext>
               <a:ext uri="{91240B29-F687-4f45-9708-019B960494DF}">
-                <a14:hiddenLine xmlns="" xmlns:a14="http://schemas.microsoft.com/office/drawing/2010/main" w="9525">
+                <a14:hiddenLine xmlns:a14="http://schemas.microsoft.com/office/drawing/2010/main" xmlns="" w="9525">
                   <a:solidFill>
                     <a:srgbClr val="000000"/>
                   </a:solidFill>
@@ -41787,14 +40011,14 @@
             </a:ln>
             <a:extLst>
               <a:ext uri="{909E8E84-426E-40dd-AFC4-6F175D3DCCD1}">
-                <a14:hiddenFill xmlns="" xmlns:a14="http://schemas.microsoft.com/office/drawing/2010/main">
+                <a14:hiddenFill xmlns:a14="http://schemas.microsoft.com/office/drawing/2010/main" xmlns="">
                   <a:solidFill>
                     <a:srgbClr val="FFFFFF"/>
                   </a:solidFill>
                 </a14:hiddenFill>
               </a:ext>
               <a:ext uri="{91240B29-F687-4f45-9708-019B960494DF}">
-                <a14:hiddenLine xmlns="" xmlns:a14="http://schemas.microsoft.com/office/drawing/2010/main" w="9525">
+                <a14:hiddenLine xmlns:a14="http://schemas.microsoft.com/office/drawing/2010/main" xmlns="" w="9525">
                   <a:solidFill>
                     <a:srgbClr val="000000"/>
                   </a:solidFill>
@@ -41856,14 +40080,14 @@
               </a:ln>
               <a:extLst>
                 <a:ext uri="{909E8E84-426E-40dd-AFC4-6F175D3DCCD1}">
-                  <a14:hiddenFill xmlns="" xmlns:a14="http://schemas.microsoft.com/office/drawing/2010/main">
+                  <a14:hiddenFill xmlns:a14="http://schemas.microsoft.com/office/drawing/2010/main" xmlns="">
                     <a:solidFill>
                       <a:srgbClr val="FFFFFF"/>
                     </a:solidFill>
                   </a14:hiddenFill>
                 </a:ext>
                 <a:ext uri="{91240B29-F687-4f45-9708-019B960494DF}">
-                  <a14:hiddenLine xmlns="" xmlns:a14="http://schemas.microsoft.com/office/drawing/2010/main" w="9525">
+                  <a14:hiddenLine xmlns:a14="http://schemas.microsoft.com/office/drawing/2010/main" xmlns="" w="9525">
                     <a:solidFill>
                       <a:srgbClr val="000000"/>
                     </a:solidFill>
@@ -41917,14 +40141,14 @@
               </a:ln>
               <a:extLst>
                 <a:ext uri="{909E8E84-426E-40dd-AFC4-6F175D3DCCD1}">
-                  <a14:hiddenFill xmlns="" xmlns:a14="http://schemas.microsoft.com/office/drawing/2010/main">
+                  <a14:hiddenFill xmlns:a14="http://schemas.microsoft.com/office/drawing/2010/main" xmlns="">
                     <a:solidFill>
                       <a:srgbClr val="FFFFFF"/>
                     </a:solidFill>
                   </a14:hiddenFill>
                 </a:ext>
                 <a:ext uri="{91240B29-F687-4f45-9708-019B960494DF}">
-                  <a14:hiddenLine xmlns="" xmlns:a14="http://schemas.microsoft.com/office/drawing/2010/main" w="9525">
+                  <a14:hiddenLine xmlns:a14="http://schemas.microsoft.com/office/drawing/2010/main" xmlns="" w="9525">
                     <a:solidFill>
                       <a:srgbClr val="000000"/>
                     </a:solidFill>
@@ -41978,14 +40202,14 @@
               </a:ln>
               <a:extLst>
                 <a:ext uri="{909E8E84-426E-40dd-AFC4-6F175D3DCCD1}">
-                  <a14:hiddenFill xmlns="" xmlns:a14="http://schemas.microsoft.com/office/drawing/2010/main">
+                  <a14:hiddenFill xmlns:a14="http://schemas.microsoft.com/office/drawing/2010/main" xmlns="">
                     <a:solidFill>
                       <a:srgbClr val="FFFFFF"/>
                     </a:solidFill>
                   </a14:hiddenFill>
                 </a:ext>
                 <a:ext uri="{91240B29-F687-4f45-9708-019B960494DF}">
-                  <a14:hiddenLine xmlns="" xmlns:a14="http://schemas.microsoft.com/office/drawing/2010/main" w="9525">
+                  <a14:hiddenLine xmlns:a14="http://schemas.microsoft.com/office/drawing/2010/main" xmlns="" w="9525">
                     <a:solidFill>
                       <a:srgbClr val="000000"/>
                     </a:solidFill>
@@ -42035,14 +40259,14 @@
             </a:ln>
             <a:extLst>
               <a:ext uri="{909E8E84-426E-40dd-AFC4-6F175D3DCCD1}">
-                <a14:hiddenFill xmlns="" xmlns:a14="http://schemas.microsoft.com/office/drawing/2010/main">
+                <a14:hiddenFill xmlns:a14="http://schemas.microsoft.com/office/drawing/2010/main" xmlns="">
                   <a:solidFill>
                     <a:srgbClr val="FFFFFF"/>
                   </a:solidFill>
                 </a14:hiddenFill>
               </a:ext>
               <a:ext uri="{91240B29-F687-4f45-9708-019B960494DF}">
-                <a14:hiddenLine xmlns="" xmlns:a14="http://schemas.microsoft.com/office/drawing/2010/main" w="9525">
+                <a14:hiddenLine xmlns:a14="http://schemas.microsoft.com/office/drawing/2010/main" xmlns="" w="9525">
                   <a:solidFill>
                     <a:srgbClr val="000000"/>
                   </a:solidFill>
@@ -42459,14 +40683,14 @@
             </a:ln>
             <a:extLst>
               <a:ext uri="{909E8E84-426E-40dd-AFC4-6F175D3DCCD1}">
-                <a14:hiddenFill xmlns="" xmlns:a14="http://schemas.microsoft.com/office/drawing/2010/main">
+                <a14:hiddenFill xmlns:a14="http://schemas.microsoft.com/office/drawing/2010/main" xmlns="">
                   <a:solidFill>
                     <a:srgbClr val="FFFFFF"/>
                   </a:solidFill>
                 </a14:hiddenFill>
               </a:ext>
               <a:ext uri="{91240B29-F687-4f45-9708-019B960494DF}">
-                <a14:hiddenLine xmlns="" xmlns:a14="http://schemas.microsoft.com/office/drawing/2010/main" w="9525">
+                <a14:hiddenLine xmlns:a14="http://schemas.microsoft.com/office/drawing/2010/main" xmlns="" w="9525">
                   <a:solidFill>
                     <a:srgbClr val="000000"/>
                   </a:solidFill>
@@ -42520,14 +40744,14 @@
             </a:ln>
             <a:extLst>
               <a:ext uri="{909E8E84-426E-40dd-AFC4-6F175D3DCCD1}">
-                <a14:hiddenFill xmlns="" xmlns:a14="http://schemas.microsoft.com/office/drawing/2010/main">
+                <a14:hiddenFill xmlns:a14="http://schemas.microsoft.com/office/drawing/2010/main" xmlns="">
                   <a:solidFill>
                     <a:srgbClr val="FFFFFF"/>
                   </a:solidFill>
                 </a14:hiddenFill>
               </a:ext>
               <a:ext uri="{91240B29-F687-4f45-9708-019B960494DF}">
-                <a14:hiddenLine xmlns="" xmlns:a14="http://schemas.microsoft.com/office/drawing/2010/main" w="9525">
+                <a14:hiddenLine xmlns:a14="http://schemas.microsoft.com/office/drawing/2010/main" xmlns="" w="9525">
                   <a:solidFill>
                     <a:srgbClr val="000000"/>
                   </a:solidFill>
@@ -42581,14 +40805,14 @@
             </a:ln>
             <a:extLst>
               <a:ext uri="{909E8E84-426E-40dd-AFC4-6F175D3DCCD1}">
-                <a14:hiddenFill xmlns="" xmlns:a14="http://schemas.microsoft.com/office/drawing/2010/main">
+                <a14:hiddenFill xmlns:a14="http://schemas.microsoft.com/office/drawing/2010/main" xmlns="">
                   <a:solidFill>
                     <a:srgbClr val="FFFFFF"/>
                   </a:solidFill>
                 </a14:hiddenFill>
               </a:ext>
               <a:ext uri="{91240B29-F687-4f45-9708-019B960494DF}">
-                <a14:hiddenLine xmlns="" xmlns:a14="http://schemas.microsoft.com/office/drawing/2010/main" w="9525">
+                <a14:hiddenLine xmlns:a14="http://schemas.microsoft.com/office/drawing/2010/main" xmlns="" w="9525">
                   <a:solidFill>
                     <a:srgbClr val="000000"/>
                   </a:solidFill>
@@ -42622,14 +40846,14 @@
             </a:ln>
             <a:extLst>
               <a:ext uri="{909E8E84-426E-40dd-AFC4-6F175D3DCCD1}">
-                <a14:hiddenFill xmlns="" xmlns:a14="http://schemas.microsoft.com/office/drawing/2010/main">
+                <a14:hiddenFill xmlns:a14="http://schemas.microsoft.com/office/drawing/2010/main" xmlns="">
                   <a:solidFill>
                     <a:srgbClr val="FFFFFF"/>
                   </a:solidFill>
                 </a14:hiddenFill>
               </a:ext>
               <a:ext uri="{91240B29-F687-4f45-9708-019B960494DF}">
-                <a14:hiddenLine xmlns="" xmlns:a14="http://schemas.microsoft.com/office/drawing/2010/main" w="9525">
+                <a14:hiddenLine xmlns:a14="http://schemas.microsoft.com/office/drawing/2010/main" xmlns="" w="9525">
                   <a:solidFill>
                     <a:srgbClr val="000000"/>
                   </a:solidFill>
@@ -55478,6 +53702,15 @@
 </file>
 
 <file path=customXml/item2.xml><?xml version="1.0" encoding="utf-8"?>
+<?mso-contentType ?>
+<FormTemplates xmlns="http://schemas.microsoft.com/sharepoint/v3/contenttype/forms">
+  <Display>DocumentLibraryForm</Display>
+  <Edit>DocumentLibraryForm</Edit>
+  <New>DocumentLibraryForm</New>
+</FormTemplates>
+</file>
+
+<file path=customXml/item3.xml><?xml version="1.0" encoding="utf-8"?>
 <ct:contentTypeSchema xmlns:ct="http://schemas.microsoft.com/office/2006/metadata/contentType" xmlns:ma="http://schemas.microsoft.com/office/2006/metadata/properties/metaAttributes" ct:_="" ma:_="" ma:contentTypeName="Document" ma:contentTypeID="0x0101000DE64AEEDD9B7A4D93545ACBE97D4615" ma:contentTypeVersion="2" ma:contentTypeDescription="Create a new document." ma:contentTypeScope="" ma:versionID="f49002b78e3a4a71b814eef46a983816">
   <xsd:schema xmlns:xsd="http://www.w3.org/2001/XMLSchema" xmlns:xs="http://www.w3.org/2001/XMLSchema" xmlns:p="http://schemas.microsoft.com/office/2006/metadata/properties" xmlns:ns2="http://schemas.microsoft.com/sharepoint/v3/fields" targetNamespace="http://schemas.microsoft.com/office/2006/metadata/properties" ma:root="true" ma:fieldsID="38f6db2dd0d9a0cf6a8dc37be32b365b" ns2:_="">
     <xsd:import namespace="http://schemas.microsoft.com/sharepoint/v3/fields"/>
@@ -55621,15 +53854,6 @@
 </ct:contentTypeSchema>
 </file>
 
-<file path=customXml/item3.xml><?xml version="1.0" encoding="utf-8"?>
-<?mso-contentType ?>
-<FormTemplates xmlns="http://schemas.microsoft.com/sharepoint/v3/contenttype/forms">
-  <Display>DocumentLibraryForm</Display>
-  <Edit>DocumentLibraryForm</Edit>
-  <New>DocumentLibraryForm</New>
-</FormTemplates>
-</file>
-
 <file path=customXml/itemProps1.xml><?xml version="1.0" encoding="utf-8"?>
 <ds:datastoreItem xmlns:ds="http://schemas.openxmlformats.org/officeDocument/2006/customXml" ds:itemID="{7B6F2769-7194-4217-93D3-3AF3A4742282}">
   <ds:schemaRefs>
@@ -55647,6 +53871,14 @@
 </file>
 
 <file path=customXml/itemProps2.xml><?xml version="1.0" encoding="utf-8"?>
+<ds:datastoreItem xmlns:ds="http://schemas.openxmlformats.org/officeDocument/2006/customXml" ds:itemID="{87D2A1B0-FF3E-4009-940D-AED0EB70AA20}">
+  <ds:schemaRefs>
+    <ds:schemaRef ds:uri="http://schemas.microsoft.com/sharepoint/v3/contenttype/forms"/>
+  </ds:schemaRefs>
+</ds:datastoreItem>
+</file>
+
+<file path=customXml/itemProps3.xml><?xml version="1.0" encoding="utf-8"?>
 <ds:datastoreItem xmlns:ds="http://schemas.openxmlformats.org/officeDocument/2006/customXml" ds:itemID="{E4214858-785C-42F7-BE66-6D0E79395FC8}">
   <ds:schemaRefs>
     <ds:schemaRef ds:uri="http://schemas.microsoft.com/office/2006/metadata/contentType"/>
@@ -55662,12 +53894,4 @@
     <ds:schemaRef ds:uri="http://schemas.microsoft.com/internal/obd"/>
   </ds:schemaRefs>
 </ds:datastoreItem>
-</file>
-
-<file path=customXml/itemProps3.xml><?xml version="1.0" encoding="utf-8"?>
-<ds:datastoreItem xmlns:ds="http://schemas.openxmlformats.org/officeDocument/2006/customXml" ds:itemID="{87D2A1B0-FF3E-4009-940D-AED0EB70AA20}">
-  <ds:schemaRefs>
-    <ds:schemaRef ds:uri="http://schemas.microsoft.com/sharepoint/v3/contenttype/forms"/>
-  </ds:schemaRefs>
-</ds:datastoreItem>
 </file>
--- a/Presentations/ADBIS 2016/Presentation_ADBIS 2016.pptx
+++ b/Presentations/ADBIS 2016/Presentation_ADBIS 2016.pptx
@@ -235,7 +235,7 @@
           <a:p>
             <a:fld id="{652FA383-9D4B-AD42-9BF3-88FCA749BE0E}" type="datetimeFigureOut">
               <a:rPr lang="en-US" smtClean="0"/>
-              <a:t>8/20/2016</a:t>
+              <a:t>8/22/16</a:t>
             </a:fld>
             <a:endParaRPr lang="pt-BR"/>
           </a:p>
@@ -301,7 +301,7 @@
           <a:p>
             <a:fld id="{9A622828-1E86-1441-9A56-10C9EB14358D}" type="slidenum">
               <a:rPr lang="pt-BR" smtClean="0"/>
-              <a:t>‹nº›</a:t>
+              <a:t>‹#›</a:t>
             </a:fld>
             <a:endParaRPr lang="pt-BR"/>
           </a:p>
@@ -400,7 +400,7 @@
           <a:p>
             <a:fld id="{C888862E-4053-6841-80C1-EE02861216A5}" type="datetimeFigureOut">
               <a:rPr lang="en-US" smtClean="0"/>
-              <a:t>8/20/2016</a:t>
+              <a:t>8/22/16</a:t>
             </a:fld>
             <a:endParaRPr lang="pt-BR"/>
           </a:p>
@@ -559,7 +559,7 @@
           <a:p>
             <a:fld id="{E6F8DC79-C430-E548-A754-84842F9135C3}" type="slidenum">
               <a:rPr lang="pt-BR" smtClean="0"/>
-              <a:t>‹nº›</a:t>
+              <a:t>‹#›</a:t>
             </a:fld>
             <a:endParaRPr lang="pt-BR"/>
           </a:p>
@@ -1232,12 +1232,154 @@
               <a:rPr lang="fr-FR" baseline="0" dirty="0" smtClean="0">
                 <a:latin typeface="Calibri"/>
               </a:rPr>
-              <a:t>, the different concrete services can be combined in order to achieve the user needs for instance we can combine...</a:t>
-            </a:r>
-            <a:endParaRPr lang="es-ES_tradnl" dirty="0" smtClean="0"/>
-          </a:p>
-          <a:p>
-            <a:endParaRPr lang="fr-FR" dirty="0">
+              <a:t>, the different concrete services can be combined in order to </a:t>
+            </a:r>
+            <a:r>
+              <a:rPr lang="fr-FR" baseline="0" dirty="0" err="1" smtClean="0">
+                <a:latin typeface="Calibri"/>
+              </a:rPr>
+              <a:t>produce</a:t>
+            </a:r>
+            <a:r>
+              <a:rPr lang="fr-FR" baseline="0" dirty="0" smtClean="0">
+                <a:latin typeface="Calibri"/>
+              </a:rPr>
+              <a:t> </a:t>
+            </a:r>
+            <a:r>
+              <a:rPr lang="fr-FR" baseline="0" dirty="0" err="1" smtClean="0">
+                <a:latin typeface="Calibri"/>
+              </a:rPr>
+              <a:t>results</a:t>
+            </a:r>
+            <a:r>
+              <a:rPr lang="fr-FR" baseline="0" dirty="0" smtClean="0">
+                <a:latin typeface="Calibri"/>
+              </a:rPr>
+              <a:t>. </a:t>
+            </a:r>
+            <a:r>
+              <a:rPr lang="fr-FR" baseline="0" dirty="0" err="1" smtClean="0">
+                <a:latin typeface="Calibri"/>
+              </a:rPr>
+              <a:t>Different</a:t>
+            </a:r>
+            <a:r>
+              <a:rPr lang="fr-FR" baseline="0" dirty="0" smtClean="0">
+                <a:latin typeface="Calibri"/>
+              </a:rPr>
+              <a:t> </a:t>
+            </a:r>
+            <a:r>
+              <a:rPr lang="fr-FR" baseline="0" dirty="0" err="1" smtClean="0">
+                <a:latin typeface="Calibri"/>
+              </a:rPr>
+              <a:t>possibilities</a:t>
+            </a:r>
+            <a:r>
+              <a:rPr lang="fr-FR" baseline="0" dirty="0" smtClean="0">
+                <a:latin typeface="Calibri"/>
+              </a:rPr>
+              <a:t> are possible:</a:t>
+            </a:r>
+          </a:p>
+          <a:p>
+            <a:endParaRPr lang="fr-FR" baseline="0" dirty="0" smtClean="0">
+              <a:latin typeface="Calibri"/>
+            </a:endParaRPr>
+          </a:p>
+          <a:p>
+            <a:r>
+              <a:rPr lang="fr-FR" b="1" baseline="0" dirty="0" smtClean="0">
+                <a:latin typeface="Calibri"/>
+              </a:rPr>
+              <a:t>(Write </a:t>
+            </a:r>
+            <a:r>
+              <a:rPr lang="fr-FR" b="1" baseline="0" dirty="0" err="1" smtClean="0">
+                <a:latin typeface="Calibri"/>
+              </a:rPr>
+              <a:t>everything</a:t>
+            </a:r>
+            <a:r>
+              <a:rPr lang="fr-FR" b="1" baseline="0" dirty="0" smtClean="0">
+                <a:latin typeface="Calibri"/>
+              </a:rPr>
+              <a:t> </a:t>
+            </a:r>
+            <a:r>
+              <a:rPr lang="fr-FR" b="1" baseline="0" dirty="0" err="1" smtClean="0">
+                <a:latin typeface="Calibri"/>
+              </a:rPr>
+              <a:t>particularly</a:t>
+            </a:r>
+            <a:r>
+              <a:rPr lang="fr-FR" b="1" baseline="0" dirty="0" smtClean="0">
+                <a:latin typeface="Calibri"/>
+              </a:rPr>
+              <a:t> a transition </a:t>
+            </a:r>
+            <a:r>
+              <a:rPr lang="fr-FR" b="1" baseline="0" dirty="0" err="1" smtClean="0">
+                <a:latin typeface="Calibri"/>
+              </a:rPr>
+              <a:t>explaining</a:t>
+            </a:r>
+            <a:r>
+              <a:rPr lang="fr-FR" b="1" baseline="0" dirty="0" smtClean="0">
+                <a:latin typeface="Calibri"/>
+              </a:rPr>
+              <a:t> </a:t>
+            </a:r>
+            <a:r>
+              <a:rPr lang="fr-FR" b="1" baseline="0" dirty="0" err="1" smtClean="0">
+                <a:latin typeface="Calibri"/>
+              </a:rPr>
+              <a:t>that</a:t>
+            </a:r>
+            <a:r>
+              <a:rPr lang="fr-FR" b="1" baseline="0" dirty="0" smtClean="0">
+                <a:latin typeface="Calibri"/>
+              </a:rPr>
+              <a:t> </a:t>
+            </a:r>
+            <a:r>
+              <a:rPr lang="fr-FR" b="1" baseline="0" dirty="0" err="1" smtClean="0">
+                <a:latin typeface="Calibri"/>
+              </a:rPr>
+              <a:t>filtering</a:t>
+            </a:r>
+            <a:r>
+              <a:rPr lang="fr-FR" b="1" baseline="0" dirty="0" smtClean="0">
+                <a:latin typeface="Calibri"/>
+              </a:rPr>
+              <a:t> must </a:t>
+            </a:r>
+            <a:r>
+              <a:rPr lang="fr-FR" b="1" baseline="0" dirty="0" err="1" smtClean="0">
+                <a:latin typeface="Calibri"/>
+              </a:rPr>
+              <a:t>be</a:t>
+            </a:r>
+            <a:r>
+              <a:rPr lang="fr-FR" b="1" baseline="0" dirty="0" smtClean="0">
+                <a:latin typeface="Calibri"/>
+              </a:rPr>
+              <a:t> </a:t>
+            </a:r>
+            <a:r>
+              <a:rPr lang="fr-FR" b="1" baseline="0" dirty="0" err="1" smtClean="0">
+                <a:latin typeface="Calibri"/>
+              </a:rPr>
+              <a:t>considered</a:t>
+            </a:r>
+            <a:r>
+              <a:rPr lang="fr-FR" b="1" baseline="0" dirty="0" smtClean="0">
+                <a:latin typeface="Calibri"/>
+              </a:rPr>
+              <a:t>)</a:t>
+            </a:r>
+            <a:endParaRPr lang="fr-FR" b="1" dirty="0">
               <a:latin typeface="Calibri"/>
             </a:endParaRPr>
           </a:p>
@@ -1433,12 +1575,20 @@
           <a:lstStyle/>
           <a:p>
             <a:r>
-              <a:rPr lang="fr-FR" dirty="0" smtClean="0"/>
-              <a:t>Considering</a:t>
-            </a:r>
-            <a:r>
               <a:rPr lang="fr-FR" baseline="0" dirty="0" smtClean="0"/>
-              <a:t> our new vision of data integration, our objective is to....</a:t>
+              <a:t>In </a:t>
+            </a:r>
+            <a:r>
+              <a:rPr lang="fr-FR" baseline="0" dirty="0" err="1" smtClean="0"/>
+              <a:t>consequence</a:t>
+            </a:r>
+            <a:r>
+              <a:rPr lang="fr-FR" baseline="0" dirty="0" smtClean="0"/>
+              <a:t>, </a:t>
+            </a:r>
+            <a:r>
+              <a:rPr lang="fr-FR" baseline="0" dirty="0" smtClean="0"/>
+              <a:t>our objective is to....</a:t>
             </a:r>
             <a:endParaRPr lang="fr-FR" dirty="0"/>
           </a:p>
@@ -1533,7 +1683,67 @@
               <a:rPr lang="fr-FR" dirty="0" smtClean="0">
                 <a:latin typeface="Calibri"/>
               </a:rPr>
-              <a:t>Our approach adress data integration...</a:t>
+              <a:t>In </a:t>
+            </a:r>
+            <a:r>
+              <a:rPr lang="fr-FR" dirty="0" err="1" smtClean="0">
+                <a:latin typeface="Calibri"/>
+              </a:rPr>
+              <a:t>orther</a:t>
+            </a:r>
+            <a:r>
+              <a:rPr lang="fr-FR" dirty="0" smtClean="0">
+                <a:latin typeface="Calibri"/>
+              </a:rPr>
+              <a:t> to </a:t>
+            </a:r>
+            <a:r>
+              <a:rPr lang="fr-FR" dirty="0" err="1" smtClean="0">
+                <a:latin typeface="Calibri"/>
+              </a:rPr>
+              <a:t>achieve</a:t>
+            </a:r>
+            <a:r>
+              <a:rPr lang="fr-FR" dirty="0" smtClean="0">
+                <a:latin typeface="Calibri"/>
+              </a:rPr>
+              <a:t> </a:t>
+            </a:r>
+            <a:r>
+              <a:rPr lang="fr-FR" dirty="0" err="1" smtClean="0">
+                <a:latin typeface="Calibri"/>
+              </a:rPr>
+              <a:t>our</a:t>
+            </a:r>
+            <a:r>
+              <a:rPr lang="fr-FR" baseline="0" dirty="0" smtClean="0">
+                <a:latin typeface="Calibri"/>
+              </a:rPr>
+              <a:t> objective </a:t>
+            </a:r>
+            <a:r>
+              <a:rPr lang="fr-FR" baseline="0" dirty="0" err="1" smtClean="0">
+                <a:latin typeface="Calibri"/>
+              </a:rPr>
+              <a:t>we</a:t>
+            </a:r>
+            <a:r>
+              <a:rPr lang="fr-FR" baseline="0" dirty="0" smtClean="0">
+                <a:latin typeface="Calibri"/>
+              </a:rPr>
+              <a:t> propose to</a:t>
+            </a:r>
+            <a:r>
+              <a:rPr lang="fr-FR" dirty="0" smtClean="0">
+                <a:latin typeface="Calibri"/>
+              </a:rPr>
+              <a:t> </a:t>
+            </a:r>
+            <a:r>
+              <a:rPr lang="fr-FR" dirty="0" smtClean="0">
+                <a:latin typeface="Calibri"/>
+              </a:rPr>
+              <a:t>adress data integration...</a:t>
             </a:r>
           </a:p>
           <a:p>
@@ -1543,7 +1753,7 @@
           </a:p>
           <a:p>
             <a:r>
-              <a:rPr lang="fr-FR" dirty="0" smtClean="0">
+              <a:rPr lang="fr-FR" dirty="0" err="1" smtClean="0">
                 <a:latin typeface="Calibri"/>
               </a:rPr>
               <a:t>Assuming</a:t>
@@ -1552,23 +1762,74 @@
               <a:rPr lang="fr-FR" baseline="0" dirty="0" smtClean="0">
                 <a:latin typeface="Calibri"/>
               </a:rPr>
-              <a:t> the hypotesis that</a:t>
-            </a:r>
-          </a:p>
-          <a:p>
+              <a:t> </a:t>
+            </a:r>
+            <a:r>
+              <a:rPr lang="fr-FR" baseline="0" dirty="0" err="1" smtClean="0">
+                <a:latin typeface="Calibri"/>
+              </a:rPr>
+              <a:t>two</a:t>
+            </a:r>
             <a:r>
               <a:rPr lang="fr-FR" baseline="0" dirty="0" smtClean="0">
                 <a:latin typeface="Calibri"/>
               </a:rPr>
-              <a:t>	the data integration process...</a:t>
-            </a:r>
-          </a:p>
-          <a:p>
+              <a:t> important </a:t>
+            </a:r>
+            <a:r>
+              <a:rPr lang="fr-FR" baseline="0" dirty="0" err="1" smtClean="0">
+                <a:latin typeface="Calibri"/>
+              </a:rPr>
+              <a:t>hypotesis</a:t>
+            </a:r>
             <a:r>
               <a:rPr lang="fr-FR" baseline="0" dirty="0" smtClean="0">
                 <a:latin typeface="Calibri"/>
               </a:rPr>
-              <a:t>	data can be retrieved...</a:t>
+              <a:t> </a:t>
+            </a:r>
+            <a:endParaRPr lang="fr-FR" baseline="0" dirty="0" smtClean="0">
+              <a:latin typeface="Calibri"/>
+            </a:endParaRPr>
+          </a:p>
+          <a:p>
+            <a:r>
+              <a:rPr lang="fr-FR" baseline="0" dirty="0" smtClean="0">
+                <a:latin typeface="Calibri"/>
+              </a:rPr>
+              <a:t>	</a:t>
+            </a:r>
+            <a:r>
+              <a:rPr lang="fr-FR" baseline="0" dirty="0" smtClean="0">
+                <a:latin typeface="Calibri"/>
+              </a:rPr>
+              <a:t>first, the </a:t>
+            </a:r>
+            <a:r>
+              <a:rPr lang="fr-FR" baseline="0" dirty="0" smtClean="0">
+                <a:latin typeface="Calibri"/>
+              </a:rPr>
+              <a:t>data integration process...</a:t>
+            </a:r>
+          </a:p>
+          <a:p>
+            <a:r>
+              <a:rPr lang="fr-FR" baseline="0" dirty="0" smtClean="0">
+                <a:latin typeface="Calibri"/>
+              </a:rPr>
+              <a:t>	</a:t>
+            </a:r>
+            <a:r>
+              <a:rPr lang="fr-FR" baseline="0" dirty="0" smtClean="0">
+                <a:latin typeface="Calibri"/>
+              </a:rPr>
+              <a:t>second data </a:t>
+            </a:r>
+            <a:r>
+              <a:rPr lang="fr-FR" baseline="0" dirty="0" smtClean="0">
+                <a:latin typeface="Calibri"/>
+              </a:rPr>
+              <a:t>can be retrieved...</a:t>
             </a:r>
             <a:endParaRPr lang="es-ES_tradnl" dirty="0" smtClean="0"/>
           </a:p>
@@ -1688,36 +1949,262 @@
               <a:rPr lang="fr-FR" baseline="0" dirty="0" smtClean="0">
                 <a:latin typeface="Calibri"/>
               </a:rPr>
-              <a:t>It consists in 4 steps: selecting candidate ....</a:t>
-            </a:r>
-          </a:p>
-          <a:p>
+              <a:t>It consists in 4 steps: </a:t>
+            </a:r>
+            <a:r>
+              <a:rPr lang="fr-FR" baseline="0" dirty="0" err="1" smtClean="0">
+                <a:latin typeface="Calibri"/>
+              </a:rPr>
+              <a:t>including</a:t>
+            </a:r>
+            <a:r>
+              <a:rPr lang="fr-FR" baseline="0" dirty="0" smtClean="0">
+                <a:latin typeface="Calibri"/>
+              </a:rPr>
+              <a:t> service </a:t>
+            </a:r>
+            <a:r>
+              <a:rPr lang="fr-FR" baseline="0" dirty="0" err="1" smtClean="0">
+                <a:latin typeface="Calibri"/>
+              </a:rPr>
+              <a:t>matching</a:t>
+            </a:r>
+            <a:r>
+              <a:rPr lang="fr-FR" baseline="0" dirty="0" smtClean="0">
+                <a:latin typeface="Calibri"/>
+              </a:rPr>
+              <a:t> and service </a:t>
+            </a:r>
+            <a:r>
+              <a:rPr lang="fr-FR" baseline="0" dirty="0" err="1" smtClean="0">
+                <a:latin typeface="Calibri"/>
+              </a:rPr>
+              <a:t>combination</a:t>
+            </a:r>
+            <a:r>
+              <a:rPr lang="fr-FR" baseline="0" dirty="0" smtClean="0">
+                <a:latin typeface="Calibri"/>
+              </a:rPr>
+              <a:t> </a:t>
+            </a:r>
+            <a:r>
+              <a:rPr lang="fr-FR" baseline="0" dirty="0" err="1" smtClean="0">
+                <a:latin typeface="Calibri"/>
+              </a:rPr>
+              <a:t>ensuring</a:t>
+            </a:r>
+            <a:r>
+              <a:rPr lang="fr-FR" baseline="0" dirty="0" smtClean="0">
+                <a:latin typeface="Calibri"/>
+              </a:rPr>
+              <a:t> </a:t>
+            </a:r>
+            <a:r>
+              <a:rPr lang="fr-FR" baseline="0" dirty="0" err="1" smtClean="0">
+                <a:latin typeface="Calibri"/>
+              </a:rPr>
+              <a:t>that</a:t>
+            </a:r>
+            <a:r>
+              <a:rPr lang="fr-FR" baseline="0" dirty="0" smtClean="0">
+                <a:latin typeface="Calibri"/>
+              </a:rPr>
+              <a:t> </a:t>
+            </a:r>
+            <a:r>
+              <a:rPr lang="fr-FR" baseline="0" dirty="0" err="1" smtClean="0">
+                <a:latin typeface="Calibri"/>
+              </a:rPr>
+              <a:t>they</a:t>
+            </a:r>
+            <a:r>
+              <a:rPr lang="fr-FR" baseline="0" dirty="0" smtClean="0">
+                <a:latin typeface="Calibri"/>
+              </a:rPr>
+              <a:t> </a:t>
+            </a:r>
+            <a:r>
+              <a:rPr lang="fr-FR" baseline="0" dirty="0" err="1" smtClean="0">
+                <a:latin typeface="Calibri"/>
+              </a:rPr>
+              <a:t>fulfill</a:t>
+            </a:r>
+            <a:r>
+              <a:rPr lang="fr-FR" baseline="0" dirty="0" smtClean="0">
+                <a:latin typeface="Calibri"/>
+              </a:rPr>
+              <a:t> </a:t>
+            </a:r>
+            <a:r>
+              <a:rPr lang="fr-FR" baseline="0" dirty="0" err="1" smtClean="0">
+                <a:latin typeface="Calibri"/>
+              </a:rPr>
+              <a:t>quality</a:t>
+            </a:r>
+            <a:r>
+              <a:rPr lang="fr-FR" baseline="0" dirty="0" smtClean="0">
+                <a:latin typeface="Calibri"/>
+              </a:rPr>
+              <a:t> </a:t>
+            </a:r>
+            <a:r>
+              <a:rPr lang="fr-FR" baseline="0" dirty="0" err="1" smtClean="0">
+                <a:latin typeface="Calibri"/>
+              </a:rPr>
+              <a:t>requirements</a:t>
+            </a:r>
+            <a:r>
+              <a:rPr lang="fr-FR" baseline="0" dirty="0" smtClean="0">
+                <a:latin typeface="Calibri"/>
+              </a:rPr>
+              <a:t>.</a:t>
+            </a:r>
             <a:endParaRPr lang="fr-FR" baseline="0" dirty="0" smtClean="0">
               <a:latin typeface="Calibri"/>
             </a:endParaRPr>
           </a:p>
           <a:p>
+            <a:endParaRPr lang="fr-FR" baseline="0" dirty="0" smtClean="0">
+              <a:latin typeface="Calibri"/>
+            </a:endParaRPr>
+          </a:p>
+          <a:p>
             <a:r>
               <a:rPr lang="fr-FR" baseline="0" dirty="0" smtClean="0">
                 <a:latin typeface="Calibri"/>
               </a:rPr>
-              <a:t>It customizes the data providers services look up...</a:t>
-            </a:r>
-          </a:p>
-          <a:p>
+              <a:t>Our </a:t>
+            </a:r>
+            <a:r>
+              <a:rPr lang="fr-FR" baseline="0" dirty="0" err="1" smtClean="0">
+                <a:latin typeface="Calibri"/>
+              </a:rPr>
+              <a:t>algorithm</a:t>
+            </a:r>
             <a:r>
               <a:rPr lang="fr-FR" baseline="0" dirty="0" smtClean="0">
                 <a:latin typeface="Calibri"/>
               </a:rPr>
-              <a:t>Data integration considers...</a:t>
-            </a:r>
-          </a:p>
-          <a:p>
+              <a:t> </a:t>
+            </a:r>
             <a:r>
               <a:rPr lang="fr-FR" baseline="0" dirty="0" smtClean="0">
                 <a:latin typeface="Calibri"/>
               </a:rPr>
-              <a:t>And the requirements and expectations depends...</a:t>
+              <a:t>customizes the data providers services look up...</a:t>
+            </a:r>
+          </a:p>
+          <a:p>
+            <a:r>
+              <a:rPr lang="fr-FR" baseline="0" dirty="0" smtClean="0">
+                <a:latin typeface="Calibri"/>
+              </a:rPr>
+              <a:t>Data integration considers...</a:t>
+            </a:r>
+          </a:p>
+          <a:p>
+            <a:r>
+              <a:rPr lang="fr-FR" baseline="0" dirty="0" smtClean="0">
+                <a:latin typeface="Calibri"/>
+              </a:rPr>
+              <a:t>And the requirements and expectations </a:t>
+            </a:r>
+            <a:r>
+              <a:rPr lang="fr-FR" baseline="0" dirty="0" err="1" smtClean="0">
+                <a:latin typeface="Calibri"/>
+              </a:rPr>
+              <a:t>depends</a:t>
+            </a:r>
+            <a:r>
+              <a:rPr lang="fr-FR" baseline="0" dirty="0" smtClean="0">
+                <a:latin typeface="Calibri"/>
+              </a:rPr>
+              <a:t>...</a:t>
+            </a:r>
+          </a:p>
+          <a:p>
+            <a:endParaRPr lang="fr-FR" baseline="0" dirty="0" smtClean="0">
+              <a:latin typeface="Calibri"/>
+            </a:endParaRPr>
+          </a:p>
+          <a:p>
+            <a:r>
+              <a:rPr lang="fr-FR" baseline="0" dirty="0" smtClean="0">
+                <a:latin typeface="Calibri"/>
+              </a:rPr>
+              <a:t>In the </a:t>
+            </a:r>
+            <a:r>
+              <a:rPr lang="fr-FR" baseline="0" dirty="0" err="1" smtClean="0">
+                <a:latin typeface="Calibri"/>
+              </a:rPr>
+              <a:t>following</a:t>
+            </a:r>
+            <a:r>
+              <a:rPr lang="fr-FR" baseline="0" dirty="0" smtClean="0">
+                <a:latin typeface="Calibri"/>
+              </a:rPr>
+              <a:t> I </a:t>
+            </a:r>
+            <a:r>
+              <a:rPr lang="fr-FR" baseline="0" dirty="0" err="1" smtClean="0">
+                <a:latin typeface="Calibri"/>
+              </a:rPr>
+              <a:t>briefly</a:t>
+            </a:r>
+            <a:r>
+              <a:rPr lang="fr-FR" baseline="0" dirty="0" smtClean="0">
+                <a:latin typeface="Calibri"/>
+              </a:rPr>
+              <a:t> </a:t>
+            </a:r>
+            <a:r>
+              <a:rPr lang="fr-FR" baseline="0" dirty="0" err="1" smtClean="0">
+                <a:latin typeface="Calibri"/>
+              </a:rPr>
+              <a:t>describe</a:t>
+            </a:r>
+            <a:r>
+              <a:rPr lang="fr-FR" baseline="0" dirty="0" smtClean="0">
+                <a:latin typeface="Calibri"/>
+              </a:rPr>
+              <a:t> the </a:t>
+            </a:r>
+            <a:r>
+              <a:rPr lang="fr-FR" baseline="0" dirty="0" err="1" smtClean="0">
+                <a:latin typeface="Calibri"/>
+              </a:rPr>
+              <a:t>general</a:t>
+            </a:r>
+            <a:r>
+              <a:rPr lang="fr-FR" baseline="0" dirty="0" smtClean="0">
+                <a:latin typeface="Calibri"/>
+              </a:rPr>
+              <a:t> </a:t>
+            </a:r>
+            <a:r>
+              <a:rPr lang="fr-FR" baseline="0" dirty="0" err="1" smtClean="0">
+                <a:latin typeface="Calibri"/>
+              </a:rPr>
+              <a:t>principle</a:t>
+            </a:r>
+            <a:r>
+              <a:rPr lang="fr-FR" baseline="0" dirty="0" smtClean="0">
+                <a:latin typeface="Calibri"/>
+              </a:rPr>
+              <a:t> of the </a:t>
+            </a:r>
+            <a:r>
+              <a:rPr lang="fr-FR" baseline="0" dirty="0" err="1" smtClean="0">
+                <a:latin typeface="Calibri"/>
+              </a:rPr>
+              <a:t>steps</a:t>
+            </a:r>
+            <a:r>
+              <a:rPr lang="fr-FR" baseline="0" dirty="0" smtClean="0">
+                <a:latin typeface="Calibri"/>
+              </a:rPr>
+              <a:t>.</a:t>
             </a:r>
             <a:endParaRPr lang="fr-FR" dirty="0">
               <a:latin typeface="Calibri"/>
@@ -3131,66 +3618,102 @@
           <a:lstStyle/>
           <a:p>
             <a:r>
-              <a:rPr lang="en-US" noProof="0" dirty="0"/>
-              <a:t>The agenda of my presentation...</a:t>
+              <a:rPr lang="en-US" noProof="0" dirty="0" smtClean="0"/>
+              <a:t>This</a:t>
+            </a:r>
+            <a:r>
+              <a:rPr lang="en-US" baseline="0" noProof="0" dirty="0" smtClean="0"/>
+              <a:t> presentation is organized in three parts.</a:t>
+            </a:r>
+          </a:p>
+          <a:p>
+            <a:pPr marL="171450" indent="-171450">
+              <a:buFontTx/>
+              <a:buChar char="-"/>
+            </a:pPr>
+            <a:r>
+              <a:rPr lang="en-US" dirty="0" smtClean="0"/>
+              <a:t>I </a:t>
             </a:r>
             <a:r>
               <a:rPr lang="en-US" dirty="0"/>
-              <a:t> I will begin by introducing our </a:t>
+              <a:t>will begin by introducing </a:t>
             </a:r>
             <a:r>
               <a:rPr lang="en-US" dirty="0" smtClean="0"/>
-              <a:t>data </a:t>
+              <a:t>the</a:t>
+            </a:r>
+            <a:r>
+              <a:rPr lang="en-US" baseline="0" dirty="0" smtClean="0"/>
+              <a:t> context of our work which is data integration from services. I will precise our vision about data integration and the general principles of our approach.</a:t>
+            </a:r>
+            <a:endParaRPr lang="en-US" baseline="0" dirty="0"/>
+          </a:p>
+          <a:p>
+            <a:pPr marL="171450" indent="-171450">
+              <a:buFontTx/>
+              <a:buChar char="-"/>
+            </a:pPr>
+            <a:r>
+              <a:rPr lang="en-US" dirty="0" smtClean="0"/>
+              <a:t>Then </a:t>
             </a:r>
             <a:r>
               <a:rPr lang="en-US" dirty="0"/>
-              <a:t>integration </a:t>
+              <a:t>i will </a:t>
             </a:r>
             <a:r>
               <a:rPr lang="en-US" dirty="0" smtClean="0"/>
-              <a:t>context</a:t>
+              <a:t>introduce</a:t>
             </a:r>
             <a:r>
               <a:rPr lang="en-US" baseline="0" dirty="0" smtClean="0"/>
-              <a:t> </a:t>
-            </a:r>
-            <a:endParaRPr lang="en-US" dirty="0"/>
-          </a:p>
-          <a:p>
+              <a:t> our algorithm</a:t>
+            </a:r>
             <a:r>
               <a:rPr lang="en-US" dirty="0" smtClean="0"/>
-              <a:t>then </a:t>
-            </a:r>
-            <a:r>
-              <a:rPr lang="en-US" dirty="0"/>
-              <a:t>i will present the </a:t>
+              <a:t>  query</a:t>
+            </a:r>
+            <a:r>
+              <a:rPr lang="en-US" baseline="0" dirty="0" smtClean="0"/>
+              <a:t> rewriting algorithm named Rhone. </a:t>
+            </a:r>
+          </a:p>
+          <a:p>
+            <a:pPr marL="628650" lvl="1" indent="-171450">
+              <a:buFontTx/>
+              <a:buChar char="-"/>
+            </a:pPr>
+            <a:r>
+              <a:rPr lang="en-US" baseline="0" dirty="0" smtClean="0"/>
+              <a:t>I will explain the general principle focusing on the original aspects illustrated with examples.</a:t>
+            </a:r>
+          </a:p>
+          <a:p>
+            <a:pPr marL="628650" lvl="1" indent="-171450">
+              <a:buFontTx/>
+              <a:buChar char="-"/>
+            </a:pPr>
+            <a:r>
+              <a:rPr lang="en-US" baseline="0" dirty="0" smtClean="0"/>
+              <a:t>I will also talk about the way we designed its experimental validation and which aspects we measured</a:t>
+            </a:r>
+            <a:endParaRPr lang="en-US" dirty="0" smtClean="0"/>
+          </a:p>
+          <a:p>
+            <a:r>
+              <a:rPr lang="en-US" baseline="0" dirty="0" smtClean="0"/>
+              <a:t>	</a:t>
+            </a:r>
+          </a:p>
+          <a:p>
+            <a:r>
+              <a:rPr lang="en-US" baseline="0" dirty="0" smtClean="0"/>
+              <a:t>- Finally I will conclude with </a:t>
             </a:r>
             <a:r>
               <a:rPr lang="en-US" dirty="0" smtClean="0"/>
-              <a:t>Rhone algorithm…</a:t>
-            </a:r>
-          </a:p>
-          <a:p>
-            <a:r>
-              <a:rPr lang="en-US" baseline="0" dirty="0" smtClean="0"/>
-              <a:t>	its principals and examples, and experimental validation</a:t>
-            </a:r>
-          </a:p>
-          <a:p>
-            <a:endParaRPr lang="en-US" baseline="0" dirty="0" smtClean="0"/>
-          </a:p>
-          <a:p>
-            <a:r>
-              <a:rPr lang="en-US" baseline="0" dirty="0" smtClean="0"/>
-              <a:t>And </a:t>
-            </a:r>
-            <a:r>
-              <a:rPr lang="en-US" dirty="0" smtClean="0"/>
-              <a:t>then lesson learned</a:t>
-            </a:r>
-            <a:r>
-              <a:rPr lang="en-US" baseline="0" dirty="0" smtClean="0"/>
-              <a:t> and future works</a:t>
+              <a:t>lessons learned</a:t>
             </a:r>
             <a:endParaRPr lang="en-US" noProof="0" dirty="0"/>
           </a:p>
@@ -4125,6 +4648,139 @@
               </a:rPr>
             </a:br>
             <a:r>
+              <a:rPr lang="en-US" b="1" dirty="0" smtClean="0">
+                <a:solidFill>
+                  <a:schemeClr val="tx1"/>
+                </a:solidFill>
+                <a:latin typeface="Calibri"/>
+              </a:rPr>
+              <a:t>The very classic vision</a:t>
+            </a:r>
+            <a:r>
+              <a:rPr lang="en-US" b="1" baseline="0" dirty="0" smtClean="0">
+                <a:solidFill>
+                  <a:schemeClr val="tx1"/>
+                </a:solidFill>
+                <a:latin typeface="Calibri"/>
+              </a:rPr>
+              <a:t> of data integration is defined as fallows: </a:t>
+            </a:r>
+          </a:p>
+          <a:p>
+            <a:pPr lvl="1" algn="l"/>
+            <a:r>
+              <a:rPr lang="en-US" b="1" baseline="0" dirty="0" smtClean="0">
+                <a:solidFill>
+                  <a:schemeClr val="tx1"/>
+                </a:solidFill>
+                <a:latin typeface="Calibri"/>
+              </a:rPr>
+              <a:t>Given a set of heterogeneous data sources known in advance, provide solutions for answering queries whose answers imply retrieving data from those sources. </a:t>
+            </a:r>
+          </a:p>
+          <a:p>
+            <a:pPr lvl="1" algn="l"/>
+            <a:r>
+              <a:rPr lang="en-US" b="1" baseline="0" dirty="0" smtClean="0">
+                <a:solidFill>
+                  <a:schemeClr val="tx1"/>
+                </a:solidFill>
+                <a:latin typeface="Calibri"/>
+              </a:rPr>
+              <a:t>This problem is well known in the database domain It has been declined into many cases and associated results have been proposed. </a:t>
+            </a:r>
+          </a:p>
+          <a:p>
+            <a:pPr lvl="1" algn="l"/>
+            <a:r>
+              <a:rPr lang="en-US" b="1" baseline="0" dirty="0" smtClean="0">
+                <a:solidFill>
+                  <a:schemeClr val="tx1"/>
+                </a:solidFill>
+                <a:latin typeface="Calibri"/>
+              </a:rPr>
+              <a:t>For example, </a:t>
+            </a:r>
+          </a:p>
+          <a:p>
+            <a:pPr marL="685800" lvl="1" indent="-228600" algn="l">
+              <a:buAutoNum type="arabicPeriod"/>
+            </a:pPr>
+            <a:r>
+              <a:rPr lang="en-US" b="1" baseline="0" dirty="0" smtClean="0">
+                <a:solidFill>
+                  <a:schemeClr val="tx1"/>
+                </a:solidFill>
+                <a:latin typeface="Calibri"/>
+              </a:rPr>
+              <a:t>the case where data sources share or not the same data model leading to works that reasoned about data models equivalence and transformation, </a:t>
+            </a:r>
+          </a:p>
+          <a:p>
+            <a:pPr marL="685800" lvl="1" indent="-228600" algn="l">
+              <a:buAutoNum type="arabicPeriod"/>
+            </a:pPr>
+            <a:endParaRPr lang="en-US" b="1" baseline="0" dirty="0" smtClean="0">
+              <a:solidFill>
+                <a:schemeClr val="tx1"/>
+              </a:solidFill>
+              <a:latin typeface="Calibri"/>
+            </a:endParaRPr>
+          </a:p>
+          <a:p>
+            <a:pPr lvl="1" algn="l"/>
+            <a:r>
+              <a:rPr lang="en-US" b="1" baseline="0" dirty="0" smtClean="0">
+                <a:solidFill>
+                  <a:schemeClr val="tx1"/>
+                </a:solidFill>
+                <a:latin typeface="Calibri"/>
+              </a:rPr>
+              <a:t>2. The case when they export or not schemata describing their content and whether a global schema is derived hiding underlying sources and enabling transparency in query expression. This cases lead to strategies for deriving the global schema concentrating on data structures or including data semantics represented in ontologies</a:t>
+            </a:r>
+          </a:p>
+          <a:p>
+            <a:pPr lvl="1" algn="l"/>
+            <a:endParaRPr lang="en-US" b="1" baseline="0" dirty="0" smtClean="0">
+              <a:solidFill>
+                <a:schemeClr val="tx1"/>
+              </a:solidFill>
+              <a:latin typeface="Calibri"/>
+            </a:endParaRPr>
+          </a:p>
+          <a:p>
+            <a:pPr lvl="1" algn="l"/>
+            <a:r>
+              <a:rPr lang="en-US" b="1" baseline="0" dirty="0" smtClean="0">
+                <a:solidFill>
+                  <a:schemeClr val="tx1"/>
+                </a:solidFill>
+                <a:latin typeface="Calibri"/>
+              </a:rPr>
+              <a:t> 3. The case where only a pivot model and language exist and queries must explicitly express which data from which sources to retrieve.</a:t>
+            </a:r>
+          </a:p>
+          <a:p>
+            <a:pPr lvl="1" algn="l"/>
+            <a:endParaRPr lang="en-US" b="1" dirty="0" smtClean="0">
+              <a:solidFill>
+                <a:schemeClr val="tx1"/>
+              </a:solidFill>
+              <a:latin typeface="Calibri"/>
+            </a:endParaRPr>
+          </a:p>
+          <a:p>
+            <a:pPr lvl="1" algn="l"/>
+            <a:endParaRPr lang="en-US" b="1" dirty="0" smtClean="0">
+              <a:solidFill>
+                <a:schemeClr val="tx1"/>
+              </a:solidFill>
+              <a:latin typeface="Calibri"/>
+            </a:endParaRPr>
+          </a:p>
+          <a:p>
+            <a:pPr lvl="1" algn="l"/>
+            <a:r>
               <a:rPr lang="en-US" b="0" dirty="0" smtClean="0">
                 <a:solidFill>
                   <a:schemeClr val="tx1"/>
@@ -4140,7 +4796,16 @@
                 </a:solidFill>
                 <a:latin typeface="Calibri"/>
               </a:rPr>
-              <a:t> data integration approaches assumes that a query is defined over a global schema and is sent to a mediator. The mediator is responsible to rewrite the query according to the different databases which have their own schemas.</a:t>
+              <a:t> </a:t>
+            </a:r>
+            <a:r>
+              <a:rPr lang="en-US" b="0" baseline="0" dirty="0" smtClean="0">
+                <a:solidFill>
+                  <a:schemeClr val="tx1"/>
+                </a:solidFill>
+                <a:latin typeface="Calibri"/>
+              </a:rPr>
+              <a:t>data integration approaches assumes that a query is defined over a global schema and is sent to a mediator. The mediator is responsible to rewrite the query according to the different databases which have their own schemas.</a:t>
             </a:r>
           </a:p>
           <a:p>
@@ -4333,7 +4998,40 @@
                 <a:latin typeface="Calibri"/>
               </a:rPr>
             </a:br>
-            <a:endParaRPr lang="en-US" b="1" dirty="0">
+            <a:r>
+              <a:rPr lang="en-US" b="1" dirty="0" smtClean="0">
+                <a:solidFill>
+                  <a:schemeClr val="tx1"/>
+                </a:solidFill>
+                <a:latin typeface="Calibri"/>
+              </a:rPr>
+              <a:t>The</a:t>
+            </a:r>
+            <a:r>
+              <a:rPr lang="en-US" b="1" baseline="0" dirty="0" smtClean="0">
+                <a:solidFill>
+                  <a:schemeClr val="tx1"/>
+                </a:solidFill>
+                <a:latin typeface="Calibri"/>
+              </a:rPr>
+              <a:t> emergence of data services changed the data integration problem. Particularly, the hypothesis that assumed that data sources were known in advance.</a:t>
+            </a:r>
+          </a:p>
+          <a:p>
+            <a:pPr lvl="1" algn="just"/>
+            <a:r>
+              <a:rPr lang="en-US" b="1" baseline="0" dirty="0" smtClean="0">
+                <a:solidFill>
+                  <a:schemeClr val="tx1"/>
+                </a:solidFill>
+                <a:latin typeface="Calibri"/>
+              </a:rPr>
+              <a:t>The data integration problem in the presence of services as data providers redefined the problem as follows: Given a query expressing data requirements, look up data services that can fulfill those requirements. The assumptions were that services exported their API and that they can export data under a pivot model that can be used for integrating results.</a:t>
+            </a:r>
+          </a:p>
+          <a:p>
+            <a:pPr lvl="1" algn="just"/>
+            <a:endParaRPr lang="en-US" b="1" baseline="0" dirty="0" smtClean="0">
               <a:solidFill>
                 <a:schemeClr val="tx1"/>
               </a:solidFill>
@@ -4343,40 +5041,18 @@
           <a:p>
             <a:pPr lvl="1" algn="just"/>
             <a:r>
-              <a:rPr lang="en-US" b="1" dirty="0">
+              <a:rPr lang="en-US" b="1" baseline="0" dirty="0" smtClean="0">
+                <a:solidFill>
+                  <a:schemeClr val="tx1"/>
+                </a:solidFill>
                 <a:latin typeface="Calibri"/>
               </a:rPr>
-              <a:t/>
-            </a:r>
-            <a:br>
-              <a:rPr lang="en-US" b="1" dirty="0">
-                <a:latin typeface="Calibri"/>
-              </a:rPr>
-            </a:br>
+              <a:t>The query rewriting problem was redefined as a matching and a service composition problem.</a:t>
+            </a:r>
             <a:endParaRPr lang="en-US" b="1" dirty="0">
-              <a:latin typeface="Calibri"/>
-            </a:endParaRPr>
-          </a:p>
-          <a:p>
-            <a:pPr lvl="1" algn="just"/>
-            <a:endParaRPr lang="en-US" b="1" dirty="0">
-              <a:latin typeface="Calibri"/>
-            </a:endParaRPr>
-          </a:p>
-          <a:p>
-            <a:pPr algn="just"/>
-            <a:r>
-              <a:rPr lang="en-US" dirty="0">
-                <a:latin typeface="Calibri"/>
-              </a:rPr>
-              <a:t/>
-            </a:r>
-            <a:br>
-              <a:rPr lang="en-US" dirty="0">
-                <a:latin typeface="Calibri"/>
-              </a:rPr>
-            </a:br>
-            <a:endParaRPr lang="en-US" dirty="0">
+              <a:solidFill>
+                <a:schemeClr val="tx1"/>
+              </a:solidFill>
               <a:latin typeface="Calibri"/>
             </a:endParaRPr>
           </a:p>
@@ -4640,26 +5316,41 @@
               <a:rPr lang="en-US" dirty="0" smtClean="0">
                 <a:latin typeface="Calibri"/>
               </a:rPr>
-              <a:t>In</a:t>
+              <a:t>Consider the following example consisting of services that provide biological</a:t>
             </a:r>
             <a:r>
               <a:rPr lang="en-US" baseline="0" dirty="0" smtClean="0">
                 <a:latin typeface="Calibri"/>
               </a:rPr>
-              <a:t> our vision, data services are deployed in clouds.</a:t>
-            </a:r>
-          </a:p>
-          <a:p>
+              <a:t> data to Health professionals</a:t>
+            </a:r>
             <a:endParaRPr lang="en-US" baseline="0" dirty="0" smtClean="0">
               <a:latin typeface="Calibri"/>
             </a:endParaRPr>
           </a:p>
           <a:p>
+            <a:endParaRPr lang="en-US" baseline="0" dirty="0" smtClean="0">
+              <a:latin typeface="Calibri"/>
+            </a:endParaRPr>
+          </a:p>
+          <a:p>
+            <a:r>
+              <a:rPr lang="is-IS" baseline="0" dirty="0" smtClean="0">
+                <a:latin typeface="Calibri"/>
+              </a:rPr>
+              <a:t>… </a:t>
+            </a:r>
             <a:r>
               <a:rPr lang="en-US" baseline="0" dirty="0" smtClean="0">
                 <a:latin typeface="Calibri"/>
               </a:rPr>
-              <a:t>For instance, data provider A provides information about infected </a:t>
+              <a:t>data </a:t>
+            </a:r>
+            <a:r>
+              <a:rPr lang="en-US" baseline="0" dirty="0" smtClean="0">
+                <a:latin typeface="Calibri"/>
+              </a:rPr>
+              <a:t>provider A provides information about infected </a:t>
             </a:r>
             <a:r>
               <a:rPr lang="en-US" baseline="0" dirty="0" smtClean="0">
@@ -4745,8 +5436,109 @@
               <a:rPr lang="en-US" baseline="0" dirty="0" smtClean="0">
                 <a:latin typeface="+mn-lt"/>
               </a:rPr>
-              <a:t>Each provider has its own SLA specifying what a consumer can expect from its services… for instance, let us consider that each SLA defines the availability and the price per call for a service</a:t>
-            </a:r>
+              <a:t>Besides each </a:t>
+            </a:r>
+            <a:r>
+              <a:rPr lang="en-US" baseline="0" dirty="0" smtClean="0">
+                <a:latin typeface="+mn-lt"/>
+              </a:rPr>
+              <a:t>provider </a:t>
+            </a:r>
+            <a:r>
+              <a:rPr lang="en-US" baseline="0" dirty="0" smtClean="0">
+                <a:latin typeface="+mn-lt"/>
+              </a:rPr>
+              <a:t>exports </a:t>
+            </a:r>
+            <a:r>
+              <a:rPr lang="en-US" baseline="0" dirty="0" smtClean="0">
+                <a:latin typeface="+mn-lt"/>
+              </a:rPr>
+              <a:t>its own </a:t>
+            </a:r>
+            <a:r>
+              <a:rPr lang="en-US" baseline="0" dirty="0" smtClean="0">
+                <a:latin typeface="+mn-lt"/>
+              </a:rPr>
+              <a:t>Service Level Agreement </a:t>
+            </a:r>
+            <a:r>
+              <a:rPr lang="en-US" baseline="0" dirty="0" smtClean="0">
+                <a:latin typeface="+mn-lt"/>
+              </a:rPr>
+              <a:t>specifying what a consumer can expect from its </a:t>
+            </a:r>
+            <a:r>
+              <a:rPr lang="en-US" baseline="0" dirty="0" smtClean="0">
+                <a:latin typeface="+mn-lt"/>
+              </a:rPr>
+              <a:t>service… </a:t>
+            </a:r>
+          </a:p>
+          <a:p>
+            <a:pPr marL="0" marR="0" indent="0" algn="l" defTabSz="457200" rtl="0" eaLnBrk="1" fontAlgn="auto" latinLnBrk="0" hangingPunct="1">
+              <a:lnSpc>
+                <a:spcPct val="100000"/>
+              </a:lnSpc>
+              <a:spcBef>
+                <a:spcPts val="0"/>
+              </a:spcBef>
+              <a:spcAft>
+                <a:spcPts val="0"/>
+              </a:spcAft>
+              <a:buClrTx/>
+              <a:buSzTx/>
+              <a:buFontTx/>
+              <a:buNone/>
+              <a:tabLst/>
+              <a:defRPr/>
+            </a:pPr>
+            <a:r>
+              <a:rPr lang="en-US" baseline="0" dirty="0" smtClean="0">
+                <a:latin typeface="+mn-lt"/>
+              </a:rPr>
+              <a:t>In this example SLA’s define </a:t>
+            </a:r>
+            <a:r>
+              <a:rPr lang="en-US" baseline="0" dirty="0" smtClean="0">
+                <a:latin typeface="+mn-lt"/>
+              </a:rPr>
+              <a:t>the availability and the price per call for </a:t>
+            </a:r>
+            <a:r>
+              <a:rPr lang="en-US" baseline="0" dirty="0" smtClean="0">
+                <a:latin typeface="+mn-lt"/>
+              </a:rPr>
+              <a:t>each service. Thus data provider A is available 97% of the time and the price per call costs 0,15</a:t>
+            </a:r>
+          </a:p>
+          <a:p>
+            <a:pPr marL="0" marR="0" indent="0" algn="l" defTabSz="457200" rtl="0" eaLnBrk="1" fontAlgn="auto" latinLnBrk="0" hangingPunct="1">
+              <a:lnSpc>
+                <a:spcPct val="100000"/>
+              </a:lnSpc>
+              <a:spcBef>
+                <a:spcPts val="0"/>
+              </a:spcBef>
+              <a:spcAft>
+                <a:spcPts val="0"/>
+              </a:spcAft>
+              <a:buClrTx/>
+              <a:buSzTx/>
+              <a:buFontTx/>
+              <a:buNone/>
+              <a:tabLst/>
+              <a:defRPr/>
+            </a:pPr>
+            <a:r>
+              <a:rPr lang="en-US" baseline="0" dirty="0" smtClean="0">
+                <a:latin typeface="+mn-lt"/>
+              </a:rPr>
+              <a:t>Whereas data provider C is 99,9% of the time available and the price per call is 0,5 cents</a:t>
+            </a:r>
+            <a:endParaRPr lang="en-US" baseline="0" dirty="0" smtClean="0">
+              <a:latin typeface="+mn-lt"/>
+            </a:endParaRPr>
           </a:p>
           <a:p>
             <a:r>
@@ -4853,28 +5645,26 @@
               <a:rPr lang="en-US" dirty="0" smtClean="0">
                 <a:latin typeface="Calibri"/>
               </a:rPr>
-              <a:t>A user willing to integrate</a:t>
+              <a:t>A </a:t>
+            </a:r>
+            <a:r>
+              <a:rPr lang="en-US" dirty="0" smtClean="0">
+                <a:latin typeface="Calibri"/>
+              </a:rPr>
+              <a:t>data</a:t>
             </a:r>
             <a:r>
               <a:rPr lang="en-US" baseline="0" dirty="0" smtClean="0">
                 <a:latin typeface="Calibri"/>
               </a:rPr>
-              <a:t> data defines his query according to his needs and also associate to it his requirements and preferences.</a:t>
-            </a:r>
-          </a:p>
-          <a:p>
+              <a:t> consumer could define her data requirements with associated restrictions as follows</a:t>
+            </a:r>
             <a:endParaRPr lang="en-US" baseline="0" dirty="0" smtClean="0">
               <a:latin typeface="Calibri"/>
             </a:endParaRPr>
           </a:p>
           <a:p>
             <a:r>
-              <a:rPr lang="en-US" baseline="0" dirty="0" smtClean="0">
-                <a:latin typeface="Calibri"/>
-              </a:rPr>
-              <a:t>For instance, a user wants to retrieve personal….</a:t>
-            </a:r>
-            <a:r>
               <a:rPr lang="en-US" dirty="0">
                 <a:latin typeface="Calibri"/>
               </a:rPr>
@@ -4886,6 +5676,300 @@
               </a:rPr>
             </a:br>
             <a:endParaRPr lang="en-US" baseline="0" noProof="0" dirty="0"/>
+          </a:p>
+          <a:p>
+            <a:pPr marL="0" marR="0" indent="0" algn="l" defTabSz="457200" rtl="0" eaLnBrk="1" fontAlgn="auto" latinLnBrk="0" hangingPunct="1">
+              <a:lnSpc>
+                <a:spcPct val="100000"/>
+              </a:lnSpc>
+              <a:spcBef>
+                <a:spcPts val="0"/>
+              </a:spcBef>
+              <a:spcAft>
+                <a:spcPts val="0"/>
+              </a:spcAft>
+              <a:buClrTx/>
+              <a:buSzTx/>
+              <a:buFontTx/>
+              <a:buNone/>
+              <a:tabLst/>
+              <a:defRPr/>
+            </a:pPr>
+            <a:r>
+              <a:rPr lang="en-US" sz="1200" i="1" dirty="0" smtClean="0">
+                <a:solidFill>
+                  <a:schemeClr val="bg1"/>
+                </a:solidFill>
+              </a:rPr>
+              <a:t>Retrieve personal and DNA information from patients that were infected by flu, </a:t>
+            </a:r>
+            <a:r>
+              <a:rPr lang="en-US" sz="1200" i="1" dirty="0" smtClean="0">
+                <a:solidFill>
+                  <a:schemeClr val="bg1"/>
+                </a:solidFill>
+                <a:effectLst>
+                  <a:outerShdw blurRad="38100" dist="38100" dir="2700000" algn="tl">
+                    <a:srgbClr val="000000">
+                      <a:alpha val="43137"/>
+                    </a:srgbClr>
+                  </a:outerShdw>
+                </a:effectLst>
+              </a:rPr>
+              <a:t>using services </a:t>
+            </a:r>
+          </a:p>
+          <a:p>
+            <a:pPr marL="0" marR="0" indent="0" algn="l" defTabSz="457200" rtl="0" eaLnBrk="1" fontAlgn="auto" latinLnBrk="0" hangingPunct="1">
+              <a:lnSpc>
+                <a:spcPct val="100000"/>
+              </a:lnSpc>
+              <a:spcBef>
+                <a:spcPts val="0"/>
+              </a:spcBef>
+              <a:spcAft>
+                <a:spcPts val="0"/>
+              </a:spcAft>
+              <a:buClrTx/>
+              <a:buSzTx/>
+              <a:buFontTx/>
+              <a:buNone/>
+              <a:tabLst/>
+              <a:defRPr/>
+            </a:pPr>
+            <a:r>
+              <a:rPr lang="en-US" sz="1200" i="1" dirty="0" smtClean="0">
+                <a:solidFill>
+                  <a:schemeClr val="bg1"/>
+                </a:solidFill>
+                <a:effectLst>
+                  <a:outerShdw blurRad="38100" dist="38100" dir="2700000" algn="tl">
+                    <a:srgbClr val="000000">
+                      <a:alpha val="43137"/>
+                    </a:srgbClr>
+                  </a:outerShdw>
+                </a:effectLst>
+              </a:rPr>
+              <a:t>with </a:t>
+            </a:r>
+            <a:r>
+              <a:rPr lang="en-US" sz="1200" b="1" i="1" dirty="0" smtClean="0">
+                <a:solidFill>
+                  <a:schemeClr val="tx2">
+                    <a:lumMod val="40000"/>
+                    <a:lumOff val="60000"/>
+                  </a:schemeClr>
+                </a:solidFill>
+                <a:effectLst>
+                  <a:outerShdw blurRad="38100" dist="38100" dir="2700000" algn="tl">
+                    <a:srgbClr val="000000">
+                      <a:alpha val="43137"/>
+                    </a:srgbClr>
+                  </a:outerShdw>
+                </a:effectLst>
+              </a:rPr>
+              <a:t>availability higher than 98%</a:t>
+            </a:r>
+            <a:r>
+              <a:rPr lang="en-US" sz="1200" i="1" dirty="0" smtClean="0">
+                <a:solidFill>
+                  <a:schemeClr val="bg1"/>
+                </a:solidFill>
+                <a:effectLst>
+                  <a:outerShdw blurRad="38100" dist="38100" dir="2700000" algn="tl">
+                    <a:srgbClr val="000000">
+                      <a:alpha val="43137"/>
+                    </a:srgbClr>
+                  </a:outerShdw>
+                </a:effectLst>
+              </a:rPr>
+              <a:t>, </a:t>
+            </a:r>
+            <a:r>
+              <a:rPr lang="en-US" sz="1200" b="1" i="1" dirty="0" smtClean="0">
+                <a:solidFill>
+                  <a:schemeClr val="accent3">
+                    <a:lumMod val="60000"/>
+                    <a:lumOff val="40000"/>
+                  </a:schemeClr>
+                </a:solidFill>
+                <a:effectLst>
+                  <a:outerShdw blurRad="38100" dist="38100" dir="2700000" algn="tl">
+                    <a:srgbClr val="000000">
+                      <a:alpha val="43137"/>
+                    </a:srgbClr>
+                  </a:outerShdw>
+                </a:effectLst>
+              </a:rPr>
+              <a:t>price per call less than 0.2$ </a:t>
+            </a:r>
+            <a:r>
+              <a:rPr lang="en-US" sz="1200" i="1" dirty="0" smtClean="0">
+                <a:solidFill>
+                  <a:schemeClr val="bg1"/>
+                </a:solidFill>
+                <a:effectLst>
+                  <a:outerShdw blurRad="38100" dist="38100" dir="2700000" algn="tl">
+                    <a:srgbClr val="000000">
+                      <a:alpha val="43137"/>
+                    </a:srgbClr>
+                  </a:outerShdw>
+                </a:effectLst>
+              </a:rPr>
+              <a:t>&amp; </a:t>
+            </a:r>
+            <a:r>
+              <a:rPr lang="en-US" sz="1200" b="1" i="1" dirty="0" smtClean="0">
+                <a:solidFill>
+                  <a:schemeClr val="accent5">
+                    <a:lumMod val="40000"/>
+                    <a:lumOff val="60000"/>
+                  </a:schemeClr>
+                </a:solidFill>
+                <a:effectLst>
+                  <a:outerShdw blurRad="38100" dist="38100" dir="2700000" algn="tl">
+                    <a:srgbClr val="000000">
+                      <a:alpha val="43137"/>
+                    </a:srgbClr>
+                  </a:outerShdw>
+                </a:effectLst>
+              </a:rPr>
+              <a:t>total cost less than 5$</a:t>
+            </a:r>
+          </a:p>
+          <a:p>
+            <a:pPr marL="0" marR="0" indent="0" algn="l" defTabSz="457200" rtl="0" eaLnBrk="1" fontAlgn="auto" latinLnBrk="0" hangingPunct="1">
+              <a:lnSpc>
+                <a:spcPct val="100000"/>
+              </a:lnSpc>
+              <a:spcBef>
+                <a:spcPts val="0"/>
+              </a:spcBef>
+              <a:spcAft>
+                <a:spcPts val="0"/>
+              </a:spcAft>
+              <a:buClrTx/>
+              <a:buSzTx/>
+              <a:buFontTx/>
+              <a:buNone/>
+              <a:tabLst/>
+              <a:defRPr/>
+            </a:pPr>
+            <a:endParaRPr lang="en-US" sz="1200" b="1" i="1" dirty="0" smtClean="0">
+              <a:solidFill>
+                <a:schemeClr val="accent5">
+                  <a:lumMod val="40000"/>
+                  <a:lumOff val="60000"/>
+                </a:schemeClr>
+              </a:solidFill>
+              <a:effectLst>
+                <a:outerShdw blurRad="38100" dist="38100" dir="2700000" algn="tl">
+                  <a:srgbClr val="000000">
+                    <a:alpha val="43137"/>
+                  </a:srgbClr>
+                </a:outerShdw>
+              </a:effectLst>
+            </a:endParaRPr>
+          </a:p>
+          <a:p>
+            <a:pPr marL="0" marR="0" indent="0" algn="l" defTabSz="457200" rtl="0" eaLnBrk="1" fontAlgn="auto" latinLnBrk="0" hangingPunct="1">
+              <a:lnSpc>
+                <a:spcPct val="100000"/>
+              </a:lnSpc>
+              <a:spcBef>
+                <a:spcPts val="0"/>
+              </a:spcBef>
+              <a:spcAft>
+                <a:spcPts val="0"/>
+              </a:spcAft>
+              <a:buClrTx/>
+              <a:buSzTx/>
+              <a:buFontTx/>
+              <a:buNone/>
+              <a:tabLst/>
+              <a:defRPr/>
+            </a:pPr>
+            <a:r>
+              <a:rPr lang="en-US" sz="1200" b="1" i="1" dirty="0" smtClean="0">
+                <a:solidFill>
+                  <a:schemeClr val="accent5">
+                    <a:lumMod val="40000"/>
+                    <a:lumOff val="60000"/>
+                  </a:schemeClr>
+                </a:solidFill>
+                <a:effectLst>
+                  <a:outerShdw blurRad="38100" dist="38100" dir="2700000" algn="tl">
+                    <a:srgbClr val="000000">
+                      <a:alpha val="43137"/>
+                    </a:srgbClr>
+                  </a:outerShdw>
+                </a:effectLst>
+              </a:rPr>
+              <a:t>In order to express</a:t>
+            </a:r>
+            <a:r>
+              <a:rPr lang="en-US" sz="1200" b="1" i="1" baseline="0" dirty="0" smtClean="0">
+                <a:solidFill>
+                  <a:schemeClr val="accent5">
+                    <a:lumMod val="40000"/>
+                    <a:lumOff val="60000"/>
+                  </a:schemeClr>
+                </a:solidFill>
+                <a:effectLst>
+                  <a:outerShdw blurRad="38100" dist="38100" dir="2700000" algn="tl">
+                    <a:srgbClr val="000000">
+                      <a:alpha val="43137"/>
+                    </a:srgbClr>
+                  </a:outerShdw>
+                </a:effectLst>
+              </a:rPr>
+              <a:t> the query the consumer has an abstract view of services and this abstract view has associated a list of possible</a:t>
+            </a:r>
+          </a:p>
+          <a:p>
+            <a:pPr marL="0" marR="0" indent="0" algn="l" defTabSz="457200" rtl="0" eaLnBrk="1" fontAlgn="auto" latinLnBrk="0" hangingPunct="1">
+              <a:lnSpc>
+                <a:spcPct val="100000"/>
+              </a:lnSpc>
+              <a:spcBef>
+                <a:spcPts val="0"/>
+              </a:spcBef>
+              <a:spcAft>
+                <a:spcPts val="0"/>
+              </a:spcAft>
+              <a:buClrTx/>
+              <a:buSzTx/>
+              <a:buFontTx/>
+              <a:buNone/>
+              <a:tabLst/>
+              <a:defRPr/>
+            </a:pPr>
+            <a:r>
+              <a:rPr lang="en-US" sz="1200" b="1" i="1" baseline="0" dirty="0" smtClean="0">
+                <a:solidFill>
+                  <a:schemeClr val="accent5">
+                    <a:lumMod val="40000"/>
+                    <a:lumOff val="60000"/>
+                  </a:schemeClr>
+                </a:solidFill>
+                <a:effectLst>
+                  <a:outerShdw blurRad="38100" dist="38100" dir="2700000" algn="tl">
+                    <a:srgbClr val="000000">
+                      <a:alpha val="43137"/>
+                    </a:srgbClr>
+                  </a:outerShdw>
+                </a:effectLst>
+              </a:rPr>
+              <a:t>Concrete services definitions that the consumer does not need to know. Particularly because there can be a lot and it could be painful to manually choose them</a:t>
+            </a:r>
+            <a:endParaRPr lang="en-US" sz="1200" b="1" i="1" dirty="0" smtClean="0">
+              <a:solidFill>
+                <a:schemeClr val="accent5">
+                  <a:lumMod val="40000"/>
+                  <a:lumOff val="60000"/>
+                </a:schemeClr>
+              </a:solidFill>
+            </a:endParaRPr>
           </a:p>
           <a:p>
             <a:r>
@@ -4992,7 +6076,7 @@
               <a:rPr lang="en-US" baseline="0" noProof="0" dirty="0" smtClean="0">
                 <a:latin typeface="Calibri"/>
               </a:rPr>
-              <a:t>To perform the integration in this context, we are assuming that concrete data services are defined in term of abstract services and quality features extracted from SLAs</a:t>
+              <a:t>We use the following declarative expressions for formally describing this abstract – concrete services association</a:t>
             </a:r>
           </a:p>
           <a:p>
@@ -5005,7 +6089,13 @@
               <a:rPr lang="en-US" baseline="0" noProof="0" dirty="0" smtClean="0">
                 <a:latin typeface="Calibri"/>
               </a:rPr>
-              <a:t>Abstract services are the small piece of function executed by a service, for example, given these 7 concrete services, the abstract service A1 returns infected patients given a disease, A2 returns the DNA information and A3 the patient personal information… between brackets we can also see the quality features associated to each concrete service</a:t>
+              <a:t>In our example, </a:t>
+            </a:r>
+            <a:r>
+              <a:rPr lang="en-US" baseline="0" noProof="0" dirty="0" smtClean="0">
+                <a:latin typeface="Calibri"/>
+              </a:rPr>
+              <a:t>given these 7 concrete services, the abstract service A1 returns infected patients given a disease, A2 returns the DNA information and A3 the patient personal information… between brackets we can also see the quality features associated to each concrete service</a:t>
             </a:r>
             <a:endParaRPr lang="en-US" baseline="0" noProof="0" dirty="0"/>
           </a:p>
@@ -5112,7 +6202,11 @@
           <a:p>
             <a:r>
               <a:rPr lang="en-US" baseline="0" noProof="0" dirty="0" smtClean="0"/>
-              <a:t>Like concrete services, the query can be also expressed in terms of abstract services and it user preferences can be associated to them</a:t>
+              <a:t>Similarly, </a:t>
+            </a:r>
+            <a:r>
+              <a:rPr lang="en-US" baseline="0" noProof="0" dirty="0" smtClean="0"/>
+              <a:t>the query can be also expressed in terms of abstract services and it user preferences can be associated to them</a:t>
             </a:r>
           </a:p>
           <a:p>
@@ -5121,9 +6215,25 @@
           <a:p>
             <a:r>
               <a:rPr lang="en-US" baseline="0" noProof="0" dirty="0" smtClean="0"/>
-              <a:t>For instance, our previous query example can be expressed in the following manner</a:t>
-            </a:r>
-            <a:endParaRPr lang="en-US" baseline="0" noProof="0" dirty="0"/>
+              <a:t>For instance, our previous query example can be expressed in the following </a:t>
+            </a:r>
+            <a:r>
+              <a:rPr lang="en-US" baseline="0" noProof="0" dirty="0" err="1" smtClean="0"/>
+              <a:t>datalog</a:t>
+            </a:r>
+            <a:r>
+              <a:rPr lang="en-US" baseline="0" noProof="0" dirty="0" smtClean="0"/>
+              <a:t> like manner:</a:t>
+            </a:r>
+          </a:p>
+          <a:p>
+            <a:endParaRPr lang="en-US" baseline="0" noProof="0" dirty="0" smtClean="0"/>
+          </a:p>
+          <a:p>
+            <a:r>
+              <a:rPr lang="en-US" b="1" baseline="0" noProof="0" dirty="0" smtClean="0"/>
+              <a:t>(Here write explanation about the formalism)</a:t>
+            </a:r>
           </a:p>
         </p:txBody>
       </p:sp>
@@ -5389,7 +6499,7 @@
           <a:p>
             <a:fld id="{68C2560D-EC28-3B41-86E8-18F1CE0113B4}" type="datetimeFigureOut">
               <a:rPr lang="en-US" smtClean="0"/>
-              <a:t>8/20/2016</a:t>
+              <a:t>8/22/16</a:t>
             </a:fld>
             <a:endParaRPr lang="en-US"/>
           </a:p>
@@ -5431,7 +6541,7 @@
           <a:p>
             <a:fld id="{2066355A-084C-D24E-9AD2-7E4FC41EA627}" type="slidenum">
               <a:rPr lang="en-US" smtClean="0"/>
-              <a:t>‹nº›</a:t>
+              <a:t>‹#›</a:t>
             </a:fld>
             <a:endParaRPr lang="en-US"/>
           </a:p>
@@ -5597,7 +6707,7 @@
           <a:p>
             <a:fld id="{68C2560D-EC28-3B41-86E8-18F1CE0113B4}" type="datetimeFigureOut">
               <a:rPr lang="en-US" smtClean="0"/>
-              <a:t>8/20/2016</a:t>
+              <a:t>8/22/16</a:t>
             </a:fld>
             <a:endParaRPr lang="en-US"/>
           </a:p>
@@ -5639,7 +6749,7 @@
           <a:p>
             <a:fld id="{2066355A-084C-D24E-9AD2-7E4FC41EA627}" type="slidenum">
               <a:rPr lang="en-US" smtClean="0"/>
-              <a:t>‹nº›</a:t>
+              <a:t>‹#›</a:t>
             </a:fld>
             <a:endParaRPr lang="en-US"/>
           </a:p>
@@ -5853,7 +6963,7 @@
           <a:p>
             <a:fld id="{68C2560D-EC28-3B41-86E8-18F1CE0113B4}" type="datetimeFigureOut">
               <a:rPr lang="en-US" smtClean="0"/>
-              <a:t>8/20/2016</a:t>
+              <a:t>8/22/16</a:t>
             </a:fld>
             <a:endParaRPr lang="en-US"/>
           </a:p>
@@ -5895,7 +7005,7 @@
           <a:p>
             <a:fld id="{2066355A-084C-D24E-9AD2-7E4FC41EA627}" type="slidenum">
               <a:rPr lang="en-US" smtClean="0"/>
-              <a:t>‹nº›</a:t>
+              <a:t>‹#›</a:t>
             </a:fld>
             <a:endParaRPr lang="en-US"/>
           </a:p>
@@ -6027,7 +7137,7 @@
           <a:p>
             <a:fld id="{68C2560D-EC28-3B41-86E8-18F1CE0113B4}" type="datetimeFigureOut">
               <a:rPr lang="en-US" smtClean="0"/>
-              <a:t>8/20/2016</a:t>
+              <a:t>8/22/16</a:t>
             </a:fld>
             <a:endParaRPr lang="en-US"/>
           </a:p>
@@ -6069,7 +7179,7 @@
           <a:p>
             <a:fld id="{2066355A-084C-D24E-9AD2-7E4FC41EA627}" type="slidenum">
               <a:rPr lang="en-US" smtClean="0"/>
-              <a:t>‹nº›</a:t>
+              <a:t>‹#›</a:t>
             </a:fld>
             <a:endParaRPr lang="en-US"/>
           </a:p>
@@ -6370,7 +7480,7 @@
           <a:p>
             <a:fld id="{68C2560D-EC28-3B41-86E8-18F1CE0113B4}" type="datetimeFigureOut">
               <a:rPr lang="en-US" smtClean="0"/>
-              <a:t>8/20/2016</a:t>
+              <a:t>8/22/16</a:t>
             </a:fld>
             <a:endParaRPr lang="en-US"/>
           </a:p>
@@ -6412,7 +7522,7 @@
           <a:p>
             <a:fld id="{2066355A-084C-D24E-9AD2-7E4FC41EA627}" type="slidenum">
               <a:rPr lang="en-US" smtClean="0"/>
-              <a:t>‹nº›</a:t>
+              <a:t>‹#›</a:t>
             </a:fld>
             <a:endParaRPr lang="en-US"/>
           </a:p>
@@ -6645,7 +7755,7 @@
           <a:p>
             <a:fld id="{68C2560D-EC28-3B41-86E8-18F1CE0113B4}" type="datetimeFigureOut">
               <a:rPr lang="en-US" smtClean="0"/>
-              <a:t>8/20/2016</a:t>
+              <a:t>8/22/16</a:t>
             </a:fld>
             <a:endParaRPr lang="en-US"/>
           </a:p>
@@ -6687,7 +7797,7 @@
           <a:p>
             <a:fld id="{2066355A-084C-D24E-9AD2-7E4FC41EA627}" type="slidenum">
               <a:rPr lang="en-US" smtClean="0"/>
-              <a:t>‹nº›</a:t>
+              <a:t>‹#›</a:t>
             </a:fld>
             <a:endParaRPr lang="en-US"/>
           </a:p>
@@ -7024,7 +8134,7 @@
           <a:p>
             <a:fld id="{68C2560D-EC28-3B41-86E8-18F1CE0113B4}" type="datetimeFigureOut">
               <a:rPr lang="en-US" smtClean="0"/>
-              <a:t>8/20/2016</a:t>
+              <a:t>8/22/16</a:t>
             </a:fld>
             <a:endParaRPr lang="en-US"/>
           </a:p>
@@ -7066,7 +8176,7 @@
           <a:p>
             <a:fld id="{2066355A-084C-D24E-9AD2-7E4FC41EA627}" type="slidenum">
               <a:rPr lang="en-US" smtClean="0"/>
-              <a:t>‹nº›</a:t>
+              <a:t>‹#›</a:t>
             </a:fld>
             <a:endParaRPr lang="en-US"/>
           </a:p>
@@ -7142,7 +8252,7 @@
           <a:p>
             <a:fld id="{68C2560D-EC28-3B41-86E8-18F1CE0113B4}" type="datetimeFigureOut">
               <a:rPr lang="en-US" smtClean="0"/>
-              <a:t>8/20/2016</a:t>
+              <a:t>8/22/16</a:t>
             </a:fld>
             <a:endParaRPr lang="en-US"/>
           </a:p>
@@ -7184,7 +8294,7 @@
           <a:p>
             <a:fld id="{2066355A-084C-D24E-9AD2-7E4FC41EA627}" type="slidenum">
               <a:rPr lang="en-US" smtClean="0"/>
-              <a:t>‹nº›</a:t>
+              <a:t>‹#›</a:t>
             </a:fld>
             <a:endParaRPr lang="en-US"/>
           </a:p>
@@ -7313,7 +8423,7 @@
           <a:p>
             <a:fld id="{68C2560D-EC28-3B41-86E8-18F1CE0113B4}" type="datetimeFigureOut">
               <a:rPr lang="en-US" smtClean="0"/>
-              <a:t>8/20/2016</a:t>
+              <a:t>8/22/16</a:t>
             </a:fld>
             <a:endParaRPr lang="en-US"/>
           </a:p>
@@ -7363,7 +8473,7 @@
           <a:p>
             <a:fld id="{2066355A-084C-D24E-9AD2-7E4FC41EA627}" type="slidenum">
               <a:rPr lang="en-US" smtClean="0"/>
-              <a:t>‹nº›</a:t>
+              <a:t>‹#›</a:t>
             </a:fld>
             <a:endParaRPr lang="en-US"/>
           </a:p>
@@ -7667,7 +8777,7 @@
           <a:p>
             <a:fld id="{68C2560D-EC28-3B41-86E8-18F1CE0113B4}" type="datetimeFigureOut">
               <a:rPr lang="en-US" smtClean="0"/>
-              <a:t>8/20/2016</a:t>
+              <a:t>8/22/16</a:t>
             </a:fld>
             <a:endParaRPr lang="en-US"/>
           </a:p>
@@ -7730,7 +8840,7 @@
           <a:p>
             <a:fld id="{2066355A-084C-D24E-9AD2-7E4FC41EA627}" type="slidenum">
               <a:rPr lang="en-US" smtClean="0"/>
-              <a:t>‹nº›</a:t>
+              <a:t>‹#›</a:t>
             </a:fld>
             <a:endParaRPr lang="en-US"/>
           </a:p>
@@ -8049,7 +9159,7 @@
           <a:p>
             <a:fld id="{68C2560D-EC28-3B41-86E8-18F1CE0113B4}" type="datetimeFigureOut">
               <a:rPr lang="en-US" smtClean="0"/>
-              <a:t>8/20/2016</a:t>
+              <a:t>8/22/16</a:t>
             </a:fld>
             <a:endParaRPr lang="en-US"/>
           </a:p>
@@ -8091,7 +9201,7 @@
           <a:p>
             <a:fld id="{2066355A-084C-D24E-9AD2-7E4FC41EA627}" type="slidenum">
               <a:rPr lang="en-US" smtClean="0"/>
-              <a:t>‹nº›</a:t>
+              <a:t>‹#›</a:t>
             </a:fld>
             <a:endParaRPr lang="en-US"/>
           </a:p>
@@ -8336,7 +9446,7 @@
           <a:p>
             <a:fld id="{68C2560D-EC28-3B41-86E8-18F1CE0113B4}" type="datetimeFigureOut">
               <a:rPr lang="en-US" smtClean="0"/>
-              <a:t>8/20/2016</a:t>
+              <a:t>8/22/16</a:t>
             </a:fld>
             <a:endParaRPr lang="en-US"/>
           </a:p>
@@ -8410,7 +9520,7 @@
           <a:p>
             <a:fld id="{2066355A-084C-D24E-9AD2-7E4FC41EA627}" type="slidenum">
               <a:rPr lang="en-US" smtClean="0"/>
-              <a:t>‹nº›</a:t>
+              <a:t>‹#›</a:t>
             </a:fld>
             <a:endParaRPr lang="en-US"/>
           </a:p>
@@ -29245,7 +30355,15 @@
                   <a:schemeClr val="tx1"/>
                 </a:solidFill>
               </a:rPr>
-              <a:t>Data integration from services: motivation and objective</a:t>
+              <a:t>Data integration from </a:t>
+            </a:r>
+            <a:r>
+              <a:rPr lang="en-US" sz="1725" b="1" dirty="0" smtClean="0">
+                <a:solidFill>
+                  <a:schemeClr val="tx1"/>
+                </a:solidFill>
+              </a:rPr>
+              <a:t>services</a:t>
             </a:r>
           </a:p>
           <a:p>
@@ -29257,16 +30375,12 @@
               <a:buChar char="§"/>
             </a:pPr>
             <a:r>
-              <a:rPr lang="en-US" sz="1725" dirty="0" smtClean="0">
-                <a:solidFill>
-                  <a:schemeClr val="tx1"/>
-                </a:solidFill>
-              </a:rPr>
-              <a:t> </a:t>
-            </a:r>
-            <a:r>
               <a:rPr lang="en-GB" sz="1800" b="1" dirty="0" smtClean="0"/>
-              <a:t>Rhone Service-Based Query Rewriting Algorithm</a:t>
+              <a:t>Rhone </a:t>
+            </a:r>
+            <a:r>
+              <a:rPr lang="en-GB" sz="1800" b="1" dirty="0" smtClean="0"/>
+              <a:t>Service-Based Query Rewriting Algorithm</a:t>
             </a:r>
           </a:p>
           <a:p>
@@ -29317,22 +30431,16 @@
                   <a:schemeClr val="tx1"/>
                 </a:solidFill>
               </a:rPr>
-              <a:t>Lessons learned and future work</a:t>
-            </a:r>
-            <a:endParaRPr lang="en-US" sz="1725" dirty="0" smtClean="0">
-              <a:solidFill>
-                <a:schemeClr val="tx1"/>
-              </a:solidFill>
-            </a:endParaRPr>
-          </a:p>
-          <a:p>
-            <a:pPr algn="r">
-              <a:lnSpc>
-                <a:spcPct val="200000"/>
-              </a:lnSpc>
-              <a:buFont typeface="Wingdings" charset="2"/>
-              <a:buChar char="§"/>
-            </a:pPr>
+              <a:t>Lessons </a:t>
+            </a:r>
+            <a:r>
+              <a:rPr lang="en-GB" sz="1725" b="1" dirty="0" smtClean="0">
+                <a:solidFill>
+                  <a:schemeClr val="tx1"/>
+                </a:solidFill>
+              </a:rPr>
+              <a:t>learned</a:t>
+            </a:r>
             <a:endParaRPr lang="en-US" sz="1725" dirty="0" smtClean="0">
               <a:solidFill>
                 <a:schemeClr val="tx1"/>
@@ -35004,7 +36112,7 @@
           <a:p>
             <a:r>
               <a:rPr lang="en-GB" dirty="0" smtClean="0"/>
-              <a:t>Rhone’s profile</a:t>
+              <a:t>Lessons learned</a:t>
             </a:r>
             <a:endParaRPr lang="en-GB" dirty="0"/>
           </a:p>
@@ -37461,8 +38569,8 @@
         </p:nvSpPr>
         <p:spPr>
           <a:xfrm>
-            <a:off x="2928364" y="4294951"/>
-            <a:ext cx="3158237" cy="461665"/>
+            <a:off x="2588528" y="4294951"/>
+            <a:ext cx="3837910" cy="276999"/>
           </a:xfrm>
           <a:prstGeom prst="rect">
             <a:avLst/>
@@ -37516,11 +38624,8 @@
                 <a:ea typeface="Consolas" charset="0"/>
                 <a:cs typeface="Consolas" charset="0"/>
               </a:rPr>
-              <a:t>modelled</a:t>
-            </a:r>
-          </a:p>
-          <a:p>
-            <a:pPr algn="ctr"/>
+              <a:t>known </a:t>
+            </a:r>
             <a:r>
               <a:rPr lang="en-GB" sz="1200" dirty="0" smtClean="0">
                 <a:solidFill>
@@ -37533,7 +38638,7 @@
                 <a:ea typeface="Consolas" charset="0"/>
                 <a:cs typeface="Consolas" charset="0"/>
               </a:rPr>
-              <a:t>&amp; known in advance</a:t>
+              <a:t>in advance</a:t>
             </a:r>
             <a:endParaRPr lang="fr-FR" sz="1200" dirty="0" smtClean="0">
               <a:solidFill>
@@ -38925,14 +40030,14 @@
               </a:ln>
               <a:extLst>
                 <a:ext uri="{909E8E84-426E-40dd-AFC4-6F175D3DCCD1}">
-                  <a14:hiddenFill xmlns:a14="http://schemas.microsoft.com/office/drawing/2010/main" xmlns="">
+                  <a14:hiddenFill xmlns="" xmlns:a14="http://schemas.microsoft.com/office/drawing/2010/main">
                     <a:solidFill>
                       <a:srgbClr val="FFFFFF"/>
                     </a:solidFill>
                   </a14:hiddenFill>
                 </a:ext>
                 <a:ext uri="{91240B29-F687-4f45-9708-019B960494DF}">
-                  <a14:hiddenLine xmlns:a14="http://schemas.microsoft.com/office/drawing/2010/main" xmlns="" w="9525">
+                  <a14:hiddenLine xmlns="" xmlns:a14="http://schemas.microsoft.com/office/drawing/2010/main" w="9525">
                     <a:solidFill>
                       <a:srgbClr val="000000"/>
                     </a:solidFill>
@@ -38986,14 +40091,14 @@
               </a:ln>
               <a:extLst>
                 <a:ext uri="{909E8E84-426E-40dd-AFC4-6F175D3DCCD1}">
-                  <a14:hiddenFill xmlns:a14="http://schemas.microsoft.com/office/drawing/2010/main" xmlns="">
+                  <a14:hiddenFill xmlns="" xmlns:a14="http://schemas.microsoft.com/office/drawing/2010/main">
                     <a:solidFill>
                       <a:srgbClr val="FFFFFF"/>
                     </a:solidFill>
                   </a14:hiddenFill>
                 </a:ext>
                 <a:ext uri="{91240B29-F687-4f45-9708-019B960494DF}">
-                  <a14:hiddenLine xmlns:a14="http://schemas.microsoft.com/office/drawing/2010/main" xmlns="" w="9525">
+                  <a14:hiddenLine xmlns="" xmlns:a14="http://schemas.microsoft.com/office/drawing/2010/main" w="9525">
                     <a:solidFill>
                       <a:srgbClr val="000000"/>
                     </a:solidFill>
@@ -39047,14 +40152,14 @@
               </a:ln>
               <a:extLst>
                 <a:ext uri="{909E8E84-426E-40dd-AFC4-6F175D3DCCD1}">
-                  <a14:hiddenFill xmlns:a14="http://schemas.microsoft.com/office/drawing/2010/main" xmlns="">
+                  <a14:hiddenFill xmlns="" xmlns:a14="http://schemas.microsoft.com/office/drawing/2010/main">
                     <a:solidFill>
                       <a:srgbClr val="FFFFFF"/>
                     </a:solidFill>
                   </a14:hiddenFill>
                 </a:ext>
                 <a:ext uri="{91240B29-F687-4f45-9708-019B960494DF}">
-                  <a14:hiddenLine xmlns:a14="http://schemas.microsoft.com/office/drawing/2010/main" xmlns="" w="9525">
+                  <a14:hiddenLine xmlns="" xmlns:a14="http://schemas.microsoft.com/office/drawing/2010/main" w="9525">
                     <a:solidFill>
                       <a:srgbClr val="000000"/>
                     </a:solidFill>
@@ -39088,14 +40193,14 @@
               </a:ln>
               <a:extLst>
                 <a:ext uri="{909E8E84-426E-40dd-AFC4-6F175D3DCCD1}">
-                  <a14:hiddenFill xmlns:a14="http://schemas.microsoft.com/office/drawing/2010/main" xmlns="">
+                  <a14:hiddenFill xmlns="" xmlns:a14="http://schemas.microsoft.com/office/drawing/2010/main">
                     <a:solidFill>
                       <a:srgbClr val="FFFFFF"/>
                     </a:solidFill>
                   </a14:hiddenFill>
                 </a:ext>
                 <a:ext uri="{91240B29-F687-4f45-9708-019B960494DF}">
-                  <a14:hiddenLine xmlns:a14="http://schemas.microsoft.com/office/drawing/2010/main" xmlns="" w="9525">
+                  <a14:hiddenLine xmlns="" xmlns:a14="http://schemas.microsoft.com/office/drawing/2010/main" w="9525">
                     <a:solidFill>
                       <a:srgbClr val="000000"/>
                     </a:solidFill>
@@ -39712,14 +40817,14 @@
             </a:ln>
             <a:extLst>
               <a:ext uri="{909E8E84-426E-40dd-AFC4-6F175D3DCCD1}">
-                <a14:hiddenFill xmlns:a14="http://schemas.microsoft.com/office/drawing/2010/main" xmlns="">
+                <a14:hiddenFill xmlns="" xmlns:a14="http://schemas.microsoft.com/office/drawing/2010/main">
                   <a:solidFill>
                     <a:srgbClr val="FFFFFF"/>
                   </a:solidFill>
                 </a14:hiddenFill>
               </a:ext>
               <a:ext uri="{91240B29-F687-4f45-9708-019B960494DF}">
-                <a14:hiddenLine xmlns:a14="http://schemas.microsoft.com/office/drawing/2010/main" xmlns="" w="9525">
+                <a14:hiddenLine xmlns="" xmlns:a14="http://schemas.microsoft.com/office/drawing/2010/main" w="9525">
                   <a:solidFill>
                     <a:srgbClr val="000000"/>
                   </a:solidFill>
@@ -39766,14 +40871,14 @@
             </a:ln>
             <a:extLst>
               <a:ext uri="{909E8E84-426E-40dd-AFC4-6F175D3DCCD1}">
-                <a14:hiddenFill xmlns:a14="http://schemas.microsoft.com/office/drawing/2010/main" xmlns="">
+                <a14:hiddenFill xmlns="" xmlns:a14="http://schemas.microsoft.com/office/drawing/2010/main">
                   <a:solidFill>
                     <a:srgbClr val="FFFFFF"/>
                   </a:solidFill>
                 </a14:hiddenFill>
               </a:ext>
               <a:ext uri="{91240B29-F687-4f45-9708-019B960494DF}">
-                <a14:hiddenLine xmlns:a14="http://schemas.microsoft.com/office/drawing/2010/main" xmlns="" w="9525">
+                <a14:hiddenLine xmlns="" xmlns:a14="http://schemas.microsoft.com/office/drawing/2010/main" w="9525">
                   <a:solidFill>
                     <a:srgbClr val="000000"/>
                   </a:solidFill>
@@ -39820,14 +40925,14 @@
             </a:ln>
             <a:extLst>
               <a:ext uri="{909E8E84-426E-40dd-AFC4-6F175D3DCCD1}">
-                <a14:hiddenFill xmlns:a14="http://schemas.microsoft.com/office/drawing/2010/main" xmlns="">
+                <a14:hiddenFill xmlns="" xmlns:a14="http://schemas.microsoft.com/office/drawing/2010/main">
                   <a:solidFill>
                     <a:srgbClr val="FFFFFF"/>
                   </a:solidFill>
                 </a14:hiddenFill>
               </a:ext>
               <a:ext uri="{91240B29-F687-4f45-9708-019B960494DF}">
-                <a14:hiddenLine xmlns:a14="http://schemas.microsoft.com/office/drawing/2010/main" xmlns="" w="9525">
+                <a14:hiddenLine xmlns="" xmlns:a14="http://schemas.microsoft.com/office/drawing/2010/main" w="9525">
                   <a:solidFill>
                     <a:srgbClr val="000000"/>
                   </a:solidFill>
@@ -39874,14 +40979,14 @@
             </a:ln>
             <a:extLst>
               <a:ext uri="{909E8E84-426E-40dd-AFC4-6F175D3DCCD1}">
-                <a14:hiddenFill xmlns:a14="http://schemas.microsoft.com/office/drawing/2010/main" xmlns="">
+                <a14:hiddenFill xmlns="" xmlns:a14="http://schemas.microsoft.com/office/drawing/2010/main">
                   <a:solidFill>
                     <a:srgbClr val="FFFFFF"/>
                   </a:solidFill>
                 </a14:hiddenFill>
               </a:ext>
               <a:ext uri="{91240B29-F687-4f45-9708-019B960494DF}">
-                <a14:hiddenLine xmlns:a14="http://schemas.microsoft.com/office/drawing/2010/main" xmlns="" w="9525">
+                <a14:hiddenLine xmlns="" xmlns:a14="http://schemas.microsoft.com/office/drawing/2010/main" w="9525">
                   <a:solidFill>
                     <a:srgbClr val="000000"/>
                   </a:solidFill>
@@ -39950,14 +41055,14 @@
             </a:ln>
             <a:extLst>
               <a:ext uri="{909E8E84-426E-40dd-AFC4-6F175D3DCCD1}">
-                <a14:hiddenFill xmlns:a14="http://schemas.microsoft.com/office/drawing/2010/main" xmlns="">
+                <a14:hiddenFill xmlns="" xmlns:a14="http://schemas.microsoft.com/office/drawing/2010/main">
                   <a:solidFill>
                     <a:srgbClr val="FFFFFF"/>
                   </a:solidFill>
                 </a14:hiddenFill>
               </a:ext>
               <a:ext uri="{91240B29-F687-4f45-9708-019B960494DF}">
-                <a14:hiddenLine xmlns:a14="http://schemas.microsoft.com/office/drawing/2010/main" xmlns="" w="9525">
+                <a14:hiddenLine xmlns="" xmlns:a14="http://schemas.microsoft.com/office/drawing/2010/main" w="9525">
                   <a:solidFill>
                     <a:srgbClr val="000000"/>
                   </a:solidFill>
@@ -40011,14 +41116,14 @@
             </a:ln>
             <a:extLst>
               <a:ext uri="{909E8E84-426E-40dd-AFC4-6F175D3DCCD1}">
-                <a14:hiddenFill xmlns:a14="http://schemas.microsoft.com/office/drawing/2010/main" xmlns="">
+                <a14:hiddenFill xmlns="" xmlns:a14="http://schemas.microsoft.com/office/drawing/2010/main">
                   <a:solidFill>
                     <a:srgbClr val="FFFFFF"/>
                   </a:solidFill>
                 </a14:hiddenFill>
               </a:ext>
               <a:ext uri="{91240B29-F687-4f45-9708-019B960494DF}">
-                <a14:hiddenLine xmlns:a14="http://schemas.microsoft.com/office/drawing/2010/main" xmlns="" w="9525">
+                <a14:hiddenLine xmlns="" xmlns:a14="http://schemas.microsoft.com/office/drawing/2010/main" w="9525">
                   <a:solidFill>
                     <a:srgbClr val="000000"/>
                   </a:solidFill>
@@ -40080,14 +41185,14 @@
               </a:ln>
               <a:extLst>
                 <a:ext uri="{909E8E84-426E-40dd-AFC4-6F175D3DCCD1}">
-                  <a14:hiddenFill xmlns:a14="http://schemas.microsoft.com/office/drawing/2010/main" xmlns="">
+                  <a14:hiddenFill xmlns="" xmlns:a14="http://schemas.microsoft.com/office/drawing/2010/main">
                     <a:solidFill>
                       <a:srgbClr val="FFFFFF"/>
                     </a:solidFill>
                   </a14:hiddenFill>
                 </a:ext>
                 <a:ext uri="{91240B29-F687-4f45-9708-019B960494DF}">
-                  <a14:hiddenLine xmlns:a14="http://schemas.microsoft.com/office/drawing/2010/main" xmlns="" w="9525">
+                  <a14:hiddenLine xmlns="" xmlns:a14="http://schemas.microsoft.com/office/drawing/2010/main" w="9525">
                     <a:solidFill>
                       <a:srgbClr val="000000"/>
                     </a:solidFill>
@@ -40141,14 +41246,14 @@
               </a:ln>
               <a:extLst>
                 <a:ext uri="{909E8E84-426E-40dd-AFC4-6F175D3DCCD1}">
-                  <a14:hiddenFill xmlns:a14="http://schemas.microsoft.com/office/drawing/2010/main" xmlns="">
+                  <a14:hiddenFill xmlns="" xmlns:a14="http://schemas.microsoft.com/office/drawing/2010/main">
                     <a:solidFill>
                       <a:srgbClr val="FFFFFF"/>
                     </a:solidFill>
                   </a14:hiddenFill>
                 </a:ext>
                 <a:ext uri="{91240B29-F687-4f45-9708-019B960494DF}">
-                  <a14:hiddenLine xmlns:a14="http://schemas.microsoft.com/office/drawing/2010/main" xmlns="" w="9525">
+                  <a14:hiddenLine xmlns="" xmlns:a14="http://schemas.microsoft.com/office/drawing/2010/main" w="9525">
                     <a:solidFill>
                       <a:srgbClr val="000000"/>
                     </a:solidFill>
@@ -40202,14 +41307,14 @@
               </a:ln>
               <a:extLst>
                 <a:ext uri="{909E8E84-426E-40dd-AFC4-6F175D3DCCD1}">
-                  <a14:hiddenFill xmlns:a14="http://schemas.microsoft.com/office/drawing/2010/main" xmlns="">
+                  <a14:hiddenFill xmlns="" xmlns:a14="http://schemas.microsoft.com/office/drawing/2010/main">
                     <a:solidFill>
                       <a:srgbClr val="FFFFFF"/>
                     </a:solidFill>
                   </a14:hiddenFill>
                 </a:ext>
                 <a:ext uri="{91240B29-F687-4f45-9708-019B960494DF}">
-                  <a14:hiddenLine xmlns:a14="http://schemas.microsoft.com/office/drawing/2010/main" xmlns="" w="9525">
+                  <a14:hiddenLine xmlns="" xmlns:a14="http://schemas.microsoft.com/office/drawing/2010/main" w="9525">
                     <a:solidFill>
                       <a:srgbClr val="000000"/>
                     </a:solidFill>
@@ -40259,14 +41364,14 @@
             </a:ln>
             <a:extLst>
               <a:ext uri="{909E8E84-426E-40dd-AFC4-6F175D3DCCD1}">
-                <a14:hiddenFill xmlns:a14="http://schemas.microsoft.com/office/drawing/2010/main" xmlns="">
+                <a14:hiddenFill xmlns="" xmlns:a14="http://schemas.microsoft.com/office/drawing/2010/main">
                   <a:solidFill>
                     <a:srgbClr val="FFFFFF"/>
                   </a:solidFill>
                 </a14:hiddenFill>
               </a:ext>
               <a:ext uri="{91240B29-F687-4f45-9708-019B960494DF}">
-                <a14:hiddenLine xmlns:a14="http://schemas.microsoft.com/office/drawing/2010/main" xmlns="" w="9525">
+                <a14:hiddenLine xmlns="" xmlns:a14="http://schemas.microsoft.com/office/drawing/2010/main" w="9525">
                   <a:solidFill>
                     <a:srgbClr val="000000"/>
                   </a:solidFill>
@@ -40683,14 +41788,14 @@
             </a:ln>
             <a:extLst>
               <a:ext uri="{909E8E84-426E-40dd-AFC4-6F175D3DCCD1}">
-                <a14:hiddenFill xmlns:a14="http://schemas.microsoft.com/office/drawing/2010/main" xmlns="">
+                <a14:hiddenFill xmlns="" xmlns:a14="http://schemas.microsoft.com/office/drawing/2010/main">
                   <a:solidFill>
                     <a:srgbClr val="FFFFFF"/>
                   </a:solidFill>
                 </a14:hiddenFill>
               </a:ext>
               <a:ext uri="{91240B29-F687-4f45-9708-019B960494DF}">
-                <a14:hiddenLine xmlns:a14="http://schemas.microsoft.com/office/drawing/2010/main" xmlns="" w="9525">
+                <a14:hiddenLine xmlns="" xmlns:a14="http://schemas.microsoft.com/office/drawing/2010/main" w="9525">
                   <a:solidFill>
                     <a:srgbClr val="000000"/>
                   </a:solidFill>
@@ -40744,14 +41849,14 @@
             </a:ln>
             <a:extLst>
               <a:ext uri="{909E8E84-426E-40dd-AFC4-6F175D3DCCD1}">
-                <a14:hiddenFill xmlns:a14="http://schemas.microsoft.com/office/drawing/2010/main" xmlns="">
+                <a14:hiddenFill xmlns="" xmlns:a14="http://schemas.microsoft.com/office/drawing/2010/main">
                   <a:solidFill>
                     <a:srgbClr val="FFFFFF"/>
                   </a:solidFill>
                 </a14:hiddenFill>
               </a:ext>
               <a:ext uri="{91240B29-F687-4f45-9708-019B960494DF}">
-                <a14:hiddenLine xmlns:a14="http://schemas.microsoft.com/office/drawing/2010/main" xmlns="" w="9525">
+                <a14:hiddenLine xmlns="" xmlns:a14="http://schemas.microsoft.com/office/drawing/2010/main" w="9525">
                   <a:solidFill>
                     <a:srgbClr val="000000"/>
                   </a:solidFill>
@@ -40805,14 +41910,14 @@
             </a:ln>
             <a:extLst>
               <a:ext uri="{909E8E84-426E-40dd-AFC4-6F175D3DCCD1}">
-                <a14:hiddenFill xmlns:a14="http://schemas.microsoft.com/office/drawing/2010/main" xmlns="">
+                <a14:hiddenFill xmlns="" xmlns:a14="http://schemas.microsoft.com/office/drawing/2010/main">
                   <a:solidFill>
                     <a:srgbClr val="FFFFFF"/>
                   </a:solidFill>
                 </a14:hiddenFill>
               </a:ext>
               <a:ext uri="{91240B29-F687-4f45-9708-019B960494DF}">
-                <a14:hiddenLine xmlns:a14="http://schemas.microsoft.com/office/drawing/2010/main" xmlns="" w="9525">
+                <a14:hiddenLine xmlns="" xmlns:a14="http://schemas.microsoft.com/office/drawing/2010/main" w="9525">
                   <a:solidFill>
                     <a:srgbClr val="000000"/>
                   </a:solidFill>
@@ -40846,14 +41951,14 @@
             </a:ln>
             <a:extLst>
               <a:ext uri="{909E8E84-426E-40dd-AFC4-6F175D3DCCD1}">
-                <a14:hiddenFill xmlns:a14="http://schemas.microsoft.com/office/drawing/2010/main" xmlns="">
+                <a14:hiddenFill xmlns="" xmlns:a14="http://schemas.microsoft.com/office/drawing/2010/main">
                   <a:solidFill>
                     <a:srgbClr val="FFFFFF"/>
                   </a:solidFill>
                 </a14:hiddenFill>
               </a:ext>
               <a:ext uri="{91240B29-F687-4f45-9708-019B960494DF}">
-                <a14:hiddenLine xmlns:a14="http://schemas.microsoft.com/office/drawing/2010/main" xmlns="" w="9525">
+                <a14:hiddenLine xmlns="" xmlns:a14="http://schemas.microsoft.com/office/drawing/2010/main" w="9525">
                   <a:solidFill>
                     <a:srgbClr val="000000"/>
                   </a:solidFill>

--- a/Presentations/ADBIS 2016/Presentation_ADBIS 2016.pptx
+++ b/Presentations/ADBIS 2016/Presentation_ADBIS 2016.pptx
@@ -5,10 +5,10 @@
     <p:sldMasterId id="2147494111" r:id="rId4"/>
   </p:sldMasterIdLst>
   <p:notesMasterIdLst>
-    <p:notesMasterId r:id="rId29"/>
+    <p:notesMasterId r:id="rId30"/>
   </p:notesMasterIdLst>
   <p:handoutMasterIdLst>
-    <p:handoutMasterId r:id="rId30"/>
+    <p:handoutMasterId r:id="rId31"/>
   </p:handoutMasterIdLst>
   <p:sldIdLst>
     <p:sldId id="256" r:id="rId5"/>
@@ -31,10 +31,11 @@
     <p:sldId id="358" r:id="rId22"/>
     <p:sldId id="346" r:id="rId23"/>
     <p:sldId id="359" r:id="rId24"/>
-    <p:sldId id="314" r:id="rId25"/>
-    <p:sldId id="364" r:id="rId26"/>
-    <p:sldId id="264" r:id="rId27"/>
-    <p:sldId id="278" r:id="rId28"/>
+    <p:sldId id="370" r:id="rId25"/>
+    <p:sldId id="314" r:id="rId26"/>
+    <p:sldId id="364" r:id="rId27"/>
+    <p:sldId id="264" r:id="rId28"/>
+    <p:sldId id="278" r:id="rId29"/>
   </p:sldIdLst>
   <p:sldSz cx="9144000" cy="5143500" type="screen16x9"/>
   <p:notesSz cx="6858000" cy="9144000"/>
@@ -234,7 +235,7 @@
           <a:p>
             <a:fld id="{652FA383-9D4B-AD42-9BF3-88FCA749BE0E}" type="datetimeFigureOut">
               <a:rPr lang="en-US" smtClean="0"/>
-              <a:t>8/24/16</a:t>
+              <a:t>8/24/2016</a:t>
             </a:fld>
             <a:endParaRPr lang="pt-BR"/>
           </a:p>
@@ -300,7 +301,7 @@
           <a:p>
             <a:fld id="{9A622828-1E86-1441-9A56-10C9EB14358D}" type="slidenum">
               <a:rPr lang="pt-BR" smtClean="0"/>
-              <a:t>‹#›</a:t>
+              <a:t>‹nº›</a:t>
             </a:fld>
             <a:endParaRPr lang="pt-BR"/>
           </a:p>
@@ -399,7 +400,7 @@
           <a:p>
             <a:fld id="{C888862E-4053-6841-80C1-EE02861216A5}" type="datetimeFigureOut">
               <a:rPr lang="en-US" smtClean="0"/>
-              <a:t>8/24/16</a:t>
+              <a:t>8/24/2016</a:t>
             </a:fld>
             <a:endParaRPr lang="pt-BR"/>
           </a:p>
@@ -558,7 +559,7 @@
           <a:p>
             <a:fld id="{E6F8DC79-C430-E548-A754-84842F9135C3}" type="slidenum">
               <a:rPr lang="pt-BR" smtClean="0"/>
-              <a:t>‹#›</a:t>
+              <a:t>‹nº›</a:t>
             </a:fld>
             <a:endParaRPr lang="pt-BR"/>
           </a:p>
@@ -1216,30 +1217,33 @@
           <a:bodyPr/>
           <a:lstStyle/>
           <a:p>
+            <a:pPr algn="just"/>
             <a:r>
               <a:rPr lang="fr-FR" dirty="0" smtClean="0"/>
               <a:t>Considering this</a:t>
             </a:r>
             <a:r>
               <a:rPr lang="fr-FR" baseline="0" dirty="0" smtClean="0"/>
-              <a:t> context, in our vision, </a:t>
-            </a:r>
-            <a:r>
-              <a:rPr lang="fr-FR" baseline="0" smtClean="0"/>
-              <a:t>data integration deals</a:t>
-            </a:r>
-            <a:r>
-              <a:rPr lang="fr-FR" u="none" baseline="0" smtClean="0"/>
+              <a:t> context, in our vision, data integration deals</a:t>
+            </a:r>
+            <a:r>
+              <a:rPr lang="fr-FR" u="none" baseline="0" dirty="0" smtClean="0"/>
               <a:t> with a combinatorial problem</a:t>
             </a:r>
             <a:r>
-              <a:rPr lang="fr-FR" baseline="0" smtClean="0"/>
+              <a:rPr lang="fr-FR" baseline="0" dirty="0" smtClean="0"/>
               <a:t> </a:t>
             </a:r>
             <a:r>
-              <a:rPr lang="fr-FR" baseline="0" dirty="0" smtClean="0"/>
-              <a:t>...</a:t>
-            </a:r>
+              <a:rPr lang="en-US" dirty="0" smtClean="0">
+                <a:solidFill>
+                  <a:schemeClr val="bg1"/>
+                </a:solidFill>
+              </a:rPr>
+              <a:t>where a query result is a data collection integrated by composing different data providers and data processing (cloud) services that fulfill quality constraints and SLAs specified by a data consumer.</a:t>
+            </a:r>
+          </a:p>
+          <a:p>
             <a:endParaRPr lang="fr-FR" dirty="0"/>
           </a:p>
         </p:txBody>
@@ -1326,16 +1330,14 @@
           <a:p>
             <a:r>
               <a:rPr lang="fr-FR" baseline="0" dirty="0" smtClean="0"/>
-              <a:t>In </a:t>
-            </a:r>
-            <a:r>
-              <a:rPr lang="fr-FR" baseline="0" dirty="0" err="1" smtClean="0"/>
-              <a:t>consequence</a:t>
-            </a:r>
-            <a:r>
-              <a:rPr lang="fr-FR" baseline="0" dirty="0" smtClean="0"/>
-              <a:t>, our objective is to....</a:t>
-            </a:r>
+              <a:t>In consequence, our objective is to </a:t>
+            </a:r>
+            <a:r>
+              <a:rPr lang="en-US" baseline="0" dirty="0" smtClean="0"/>
+              <a:t>guide the integration process explicitly considering data providers quality and infrastructure properties such as reliability, computing, storage and memory capacity,  and cost.</a:t>
+            </a:r>
+          </a:p>
+          <a:p>
             <a:endParaRPr lang="fr-FR" dirty="0"/>
           </a:p>
         </p:txBody>
@@ -1429,71 +1431,38 @@
               <a:rPr lang="fr-FR" dirty="0" smtClean="0">
                 <a:latin typeface="Calibri"/>
               </a:rPr>
-              <a:t>In </a:t>
-            </a:r>
-            <a:r>
-              <a:rPr lang="fr-FR" dirty="0" err="1" smtClean="0">
+              <a:t>In orther to achieve our</a:t>
+            </a:r>
+            <a:r>
+              <a:rPr lang="fr-FR" baseline="0" dirty="0" smtClean="0">
                 <a:latin typeface="Calibri"/>
               </a:rPr>
-              <a:t>orther</a:t>
+              <a:t> objective we propose to</a:t>
             </a:r>
             <a:r>
               <a:rPr lang="fr-FR" dirty="0" smtClean="0">
                 <a:latin typeface="Calibri"/>
               </a:rPr>
-              <a:t> to </a:t>
-            </a:r>
-            <a:r>
-              <a:rPr lang="fr-FR" dirty="0" err="1" smtClean="0">
-                <a:latin typeface="Calibri"/>
-              </a:rPr>
-              <a:t>achieve</a:t>
-            </a:r>
-            <a:r>
-              <a:rPr lang="fr-FR" dirty="0" smtClean="0">
-                <a:latin typeface="Calibri"/>
-              </a:rPr>
               <a:t> </a:t>
             </a:r>
             <a:r>
-              <a:rPr lang="fr-FR" dirty="0" err="1" smtClean="0">
-                <a:latin typeface="Calibri"/>
-              </a:rPr>
-              <a:t>our</a:t>
-            </a:r>
-            <a:r>
-              <a:rPr lang="fr-FR" baseline="0" dirty="0" smtClean="0">
-                <a:latin typeface="Calibri"/>
-              </a:rPr>
-              <a:t> objective </a:t>
-            </a:r>
-            <a:r>
-              <a:rPr lang="fr-FR" baseline="0" dirty="0" err="1" smtClean="0">
-                <a:latin typeface="Calibri"/>
-              </a:rPr>
-              <a:t>we</a:t>
-            </a:r>
-            <a:r>
-              <a:rPr lang="fr-FR" baseline="0" dirty="0" smtClean="0">
-                <a:latin typeface="Calibri"/>
-              </a:rPr>
-              <a:t> propose to</a:t>
-            </a:r>
-            <a:r>
-              <a:rPr lang="fr-FR" dirty="0" smtClean="0">
-                <a:latin typeface="Calibri"/>
-              </a:rPr>
-              <a:t> adress data integration...</a:t>
-            </a:r>
-          </a:p>
-          <a:p>
+              <a:rPr lang="en-US" dirty="0" smtClean="0">
+                <a:latin typeface="+mn-lt"/>
+              </a:rPr>
+              <a:t>address data integration considering data quality (freshness, provenance, cost, availability) properties and service level agreements (SLA)</a:t>
+            </a:r>
             <a:endParaRPr lang="fr-FR" dirty="0" smtClean="0">
               <a:latin typeface="Calibri"/>
             </a:endParaRPr>
           </a:p>
           <a:p>
-            <a:r>
-              <a:rPr lang="fr-FR" dirty="0" err="1" smtClean="0">
+            <a:endParaRPr lang="fr-FR" dirty="0" smtClean="0">
+              <a:latin typeface="Calibri"/>
+            </a:endParaRPr>
+          </a:p>
+          <a:p>
+            <a:r>
+              <a:rPr lang="fr-FR" dirty="0" smtClean="0">
                 <a:latin typeface="Calibri"/>
               </a:rPr>
               <a:t>Assuming</a:t>
@@ -1502,49 +1471,53 @@
               <a:rPr lang="fr-FR" baseline="0" dirty="0" smtClean="0">
                 <a:latin typeface="Calibri"/>
               </a:rPr>
-              <a:t> </a:t>
-            </a:r>
-            <a:r>
-              <a:rPr lang="fr-FR" baseline="0" dirty="0" err="1" smtClean="0">
+              <a:t> two important hypotesis:</a:t>
+            </a:r>
+          </a:p>
+          <a:p>
+            <a:r>
+              <a:rPr lang="fr-FR" sz="2000" baseline="0" dirty="0" smtClean="0">
+                <a:solidFill>
+                  <a:schemeClr val="tx1"/>
+                </a:solidFill>
                 <a:latin typeface="Calibri"/>
               </a:rPr>
-              <a:t>two</a:t>
-            </a:r>
-            <a:r>
-              <a:rPr lang="fr-FR" baseline="0" dirty="0" smtClean="0">
-                <a:latin typeface="Calibri"/>
-              </a:rPr>
-              <a:t> important </a:t>
-            </a:r>
-            <a:r>
-              <a:rPr lang="fr-FR" baseline="0" dirty="0" err="1" smtClean="0">
-                <a:latin typeface="Calibri"/>
-              </a:rPr>
-              <a:t>hypotesis</a:t>
-            </a:r>
-            <a:r>
-              <a:rPr lang="fr-FR" baseline="0" dirty="0" smtClean="0">
-                <a:latin typeface="Calibri"/>
-              </a:rPr>
-              <a:t> </a:t>
-            </a:r>
-          </a:p>
-          <a:p>
-            <a:r>
-              <a:rPr lang="fr-FR" baseline="0" dirty="0" smtClean="0">
-                <a:latin typeface="Calibri"/>
-              </a:rPr>
-              <a:t>	first, the data integration process...</a:t>
-            </a:r>
-          </a:p>
-          <a:p>
-            <a:r>
-              <a:rPr lang="fr-FR" baseline="0" dirty="0" smtClean="0">
-                <a:latin typeface="Calibri"/>
-              </a:rPr>
-              <a:t>	second data can be retrieved...</a:t>
-            </a:r>
-            <a:endParaRPr lang="es-ES_tradnl" dirty="0" smtClean="0"/>
+              <a:t>First, t</a:t>
+            </a:r>
+            <a:r>
+              <a:rPr lang="en-US" sz="2000" dirty="0" smtClean="0">
+                <a:solidFill>
+                  <a:schemeClr val="tx1"/>
+                </a:solidFill>
+              </a:rPr>
+              <a:t>he data integration process is totally or partially externalized on different clouds that provide necessary resources under different conditions (SLA)</a:t>
+            </a:r>
+          </a:p>
+          <a:p>
+            <a:r>
+              <a:rPr lang="en-US" sz="2000" dirty="0" smtClean="0">
+                <a:solidFill>
+                  <a:schemeClr val="tx1"/>
+                </a:solidFill>
+              </a:rPr>
+              <a:t>and</a:t>
+            </a:r>
+            <a:r>
+              <a:rPr lang="en-US" sz="2000" baseline="0" dirty="0" smtClean="0">
+                <a:solidFill>
+                  <a:schemeClr val="tx1"/>
+                </a:solidFill>
+              </a:rPr>
+              <a:t> second </a:t>
+            </a:r>
+            <a:r>
+              <a:rPr lang="en-US" sz="2000" dirty="0" smtClean="0">
+                <a:solidFill>
+                  <a:schemeClr val="tx1"/>
+                </a:solidFill>
+              </a:rPr>
+              <a:t>data can be retrieved from several data providers (i.e., services) with different quality properties</a:t>
+            </a:r>
           </a:p>
           <a:p>
             <a:endParaRPr lang="fr-FR" dirty="0">
@@ -1783,19 +1756,13 @@
               <a:rPr lang="fr-FR" baseline="0" dirty="0" smtClean="0">
                 <a:latin typeface="Calibri"/>
               </a:rPr>
-              <a:t>Our </a:t>
-            </a:r>
-            <a:r>
-              <a:rPr lang="fr-FR" baseline="0" dirty="0" err="1" smtClean="0">
-                <a:latin typeface="Calibri"/>
-              </a:rPr>
-              <a:t>algorithm</a:t>
+              <a:t>Our algorithm </a:t>
             </a:r>
             <a:r>
               <a:rPr lang="fr-FR" baseline="0" dirty="0" smtClean="0">
                 <a:latin typeface="Calibri"/>
               </a:rPr>
-              <a:t> customizes the data providers services look up...</a:t>
+              <a:t>customizes:</a:t>
             </a:r>
           </a:p>
           <a:p>
@@ -1803,27 +1770,47 @@
               <a:rPr lang="fr-FR" baseline="0" dirty="0" smtClean="0">
                 <a:latin typeface="Calibri"/>
               </a:rPr>
-              <a:t>Data integration considers...</a:t>
-            </a:r>
-          </a:p>
-          <a:p>
+              <a:t>The </a:t>
+            </a:r>
             <a:r>
               <a:rPr lang="fr-FR" baseline="0" dirty="0" smtClean="0">
                 <a:latin typeface="Calibri"/>
               </a:rPr>
-              <a:t>And the requirements and expectations </a:t>
-            </a:r>
-            <a:r>
-              <a:rPr lang="fr-FR" baseline="0" dirty="0" err="1" smtClean="0">
-                <a:latin typeface="Calibri"/>
-              </a:rPr>
-              <a:t>depends</a:t>
+              <a:t>data providers services look up</a:t>
             </a:r>
             <a:r>
               <a:rPr lang="fr-FR" baseline="0" dirty="0" smtClean="0">
                 <a:latin typeface="Calibri"/>
               </a:rPr>
-              <a:t>...</a:t>
+              <a:t>. The data </a:t>
+            </a:r>
+            <a:r>
+              <a:rPr lang="fr-FR" baseline="0" dirty="0" smtClean="0">
+                <a:latin typeface="Calibri"/>
+              </a:rPr>
+              <a:t>integration </a:t>
+            </a:r>
+            <a:r>
+              <a:rPr lang="en-US" sz="1200" dirty="0" smtClean="0">
+                <a:solidFill>
+                  <a:schemeClr val="tx1"/>
+                </a:solidFill>
+              </a:rPr>
+              <a:t>considering different data consumers requirements and expectations</a:t>
+            </a:r>
+          </a:p>
+          <a:p>
+            <a:r>
+              <a:rPr lang="fr-FR" baseline="0" dirty="0" smtClean="0">
+                <a:latin typeface="Calibri"/>
+              </a:rPr>
+              <a:t>And the requirements and expectations depend </a:t>
+            </a:r>
+            <a:r>
+              <a:rPr lang="en-US" baseline="0" dirty="0" smtClean="0">
+                <a:latin typeface="+mn-lt"/>
+              </a:rPr>
+              <a:t>on the context in which they consume data (e.g., mobile devices with few physical capacities, critical decision making)</a:t>
             </a:r>
           </a:p>
           <a:p>
@@ -2032,19 +2019,40 @@
               <a:rPr lang="fr-FR" baseline="0" dirty="0" smtClean="0">
                 <a:latin typeface="Calibri"/>
               </a:rPr>
-              <a:t> the first step services are selected... ; and</a:t>
-            </a:r>
-          </a:p>
-          <a:p>
+              <a:t> the first step </a:t>
+            </a:r>
             <a:r>
               <a:rPr lang="fr-FR" baseline="0" dirty="0" smtClean="0">
                 <a:latin typeface="Calibri"/>
               </a:rPr>
-              <a:t>Service that can produce...</a:t>
-            </a:r>
-            <a:endParaRPr lang="fr-FR" dirty="0">
-              <a:latin typeface="Calibri"/>
-            </a:endParaRPr>
+              <a:t>candidate concrete services </a:t>
+            </a:r>
+            <a:r>
+              <a:rPr lang="fr-FR" baseline="0" dirty="0" smtClean="0">
+                <a:latin typeface="Calibri"/>
+              </a:rPr>
+              <a:t>are </a:t>
+            </a:r>
+            <a:r>
+              <a:rPr lang="fr-FR" baseline="0" dirty="0" smtClean="0">
+                <a:latin typeface="Calibri"/>
+              </a:rPr>
+              <a:t>selected.</a:t>
+            </a:r>
+          </a:p>
+          <a:p>
+            <a:r>
+              <a:rPr lang="fr-FR" baseline="0" dirty="0" smtClean="0">
+                <a:latin typeface="Calibri"/>
+              </a:rPr>
+              <a:t>These services </a:t>
+            </a:r>
+            <a:r>
+              <a:rPr lang="en-US" baseline="0" dirty="0" smtClean="0">
+                <a:latin typeface="+mn-lt"/>
+              </a:rPr>
+              <a:t>are selected considering their characteristics (expressed in the SLAs) and services that can produce results that are useless to the user query are discarded in the first step.</a:t>
+            </a:r>
           </a:p>
         </p:txBody>
       </p:sp>
@@ -2163,31 +2171,31 @@
               <a:rPr lang="fr-FR" baseline="0" dirty="0" smtClean="0">
                 <a:latin typeface="Calibri"/>
               </a:rPr>
-              <a:t> instance, in this step considering a query...</a:t>
-            </a:r>
-          </a:p>
-          <a:p>
+              <a:t> instance, in this step considering a </a:t>
+            </a:r>
             <a:r>
               <a:rPr lang="fr-FR" baseline="0" dirty="0" smtClean="0">
                 <a:latin typeface="Calibri"/>
               </a:rPr>
-              <a:t>A set of concrete services... </a:t>
-            </a:r>
-          </a:p>
-          <a:p>
+              <a:t>query with preferences and a </a:t>
+            </a:r>
+            <a:r>
+              <a:rPr lang="fr-FR" baseline="0" dirty="0" smtClean="0">
+                <a:latin typeface="Calibri"/>
+              </a:rPr>
+              <a:t>set of concrete services</a:t>
+            </a:r>
+            <a:r>
+              <a:rPr lang="fr-FR" baseline="0" dirty="0" smtClean="0">
+                <a:latin typeface="Calibri"/>
+              </a:rPr>
+              <a:t>.</a:t>
+            </a:r>
             <a:endParaRPr lang="fr-FR" baseline="0" dirty="0" smtClean="0">
               <a:latin typeface="Calibri"/>
             </a:endParaRPr>
           </a:p>
           <a:p>
-            <a:r>
-              <a:rPr lang="fr-FR" baseline="0" dirty="0" smtClean="0">
-                <a:latin typeface="Calibri"/>
-              </a:rPr>
-              <a:t>We have to choose those services...</a:t>
-            </a:r>
-          </a:p>
-          <a:p>
             <a:endParaRPr lang="fr-FR" baseline="0" dirty="0" smtClean="0">
               <a:latin typeface="Calibri"/>
             </a:endParaRPr>
@@ -2197,20 +2205,89 @@
               <a:rPr lang="fr-FR" baseline="0" dirty="0" smtClean="0">
                 <a:latin typeface="Calibri"/>
               </a:rPr>
-              <a:t>As you can see we select services that can produce a result for the user query...</a:t>
-            </a:r>
-          </a:p>
-          <a:p>
+              <a:t>We have to choose those </a:t>
+            </a:r>
+            <a:r>
+              <a:rPr lang="fr-FR" baseline="0" dirty="0" smtClean="0">
+                <a:latin typeface="Calibri"/>
+              </a:rPr>
+              <a:t>services that match data required with data produced.</a:t>
+            </a:r>
             <a:endParaRPr lang="fr-FR" baseline="0" dirty="0" smtClean="0">
               <a:latin typeface="Calibri"/>
             </a:endParaRPr>
           </a:p>
           <a:p>
+            <a:endParaRPr lang="fr-FR" baseline="0" dirty="0" smtClean="0">
+              <a:latin typeface="Calibri"/>
+            </a:endParaRPr>
+          </a:p>
+          <a:p>
             <a:r>
               <a:rPr lang="fr-FR" baseline="0" dirty="0" smtClean="0">
                 <a:latin typeface="Calibri"/>
               </a:rPr>
-              <a:t>Consequently, the service S7 is discarded once it can not produce a result to the query</a:t>
+              <a:t>Click</a:t>
+            </a:r>
+          </a:p>
+          <a:p>
+            <a:endParaRPr lang="fr-FR" baseline="0" dirty="0" smtClean="0">
+              <a:latin typeface="Calibri"/>
+            </a:endParaRPr>
+          </a:p>
+          <a:p>
+            <a:r>
+              <a:rPr lang="fr-FR" baseline="0" dirty="0" smtClean="0">
+                <a:latin typeface="Calibri"/>
+              </a:rPr>
+              <a:t>As you can see we select services that can produce a result for the user query</a:t>
+            </a:r>
+            <a:r>
+              <a:rPr lang="fr-FR" baseline="0" dirty="0" smtClean="0">
+                <a:latin typeface="Calibri"/>
+              </a:rPr>
+              <a:t>.</a:t>
+            </a:r>
+            <a:endParaRPr lang="fr-FR" baseline="0" dirty="0" smtClean="0">
+              <a:latin typeface="Calibri"/>
+            </a:endParaRPr>
+          </a:p>
+          <a:p>
+            <a:endParaRPr lang="fr-FR" baseline="0" dirty="0" smtClean="0">
+              <a:latin typeface="Calibri"/>
+            </a:endParaRPr>
+          </a:p>
+          <a:p>
+            <a:r>
+              <a:rPr lang="fr-FR" baseline="0" dirty="0" smtClean="0">
+                <a:latin typeface="Calibri"/>
+              </a:rPr>
+              <a:t>And, consequently</a:t>
+            </a:r>
+            <a:r>
+              <a:rPr lang="fr-FR" baseline="0" dirty="0" smtClean="0">
+                <a:latin typeface="Calibri"/>
+              </a:rPr>
+              <a:t>, the service S7 is discarded once it can not produce a result to the </a:t>
+            </a:r>
+            <a:r>
+              <a:rPr lang="fr-FR" baseline="0" dirty="0" smtClean="0">
+                <a:latin typeface="Calibri"/>
+              </a:rPr>
+              <a:t>query.</a:t>
+            </a:r>
+          </a:p>
+          <a:p>
+            <a:endParaRPr lang="fr-FR" baseline="0" dirty="0" smtClean="0">
+              <a:latin typeface="Calibri"/>
+            </a:endParaRPr>
+          </a:p>
+          <a:p>
+            <a:r>
+              <a:rPr lang="fr-FR" baseline="0" dirty="0" smtClean="0">
+                <a:latin typeface="Calibri"/>
+              </a:rPr>
+              <a:t>Click</a:t>
             </a:r>
             <a:endParaRPr lang="fr-FR" dirty="0">
               <a:latin typeface="Calibri"/>
@@ -2495,11 +2572,15 @@
             </a:r>
             <a:r>
               <a:rPr lang="es-ES_tradnl" baseline="0" dirty="0" smtClean="0"/>
-              <a:t> S1 and S6… </a:t>
+              <a:t> S1 and </a:t>
+            </a:r>
+            <a:r>
+              <a:rPr lang="es-ES_tradnl" baseline="0" dirty="0" smtClean="0"/>
+              <a:t>S6 do </a:t>
             </a:r>
             <a:r>
               <a:rPr lang="es-ES_tradnl" baseline="0" dirty="0" err="1" smtClean="0"/>
-              <a:t>that</a:t>
+              <a:t>not</a:t>
             </a:r>
             <a:r>
               <a:rPr lang="es-ES_tradnl" baseline="0" dirty="0" smtClean="0"/>
@@ -2507,16 +2588,64 @@
             </a:r>
             <a:r>
               <a:rPr lang="es-ES_tradnl" baseline="0" dirty="0" err="1" smtClean="0"/>
-              <a:t>also</a:t>
+              <a:t>cover</a:t>
             </a:r>
             <a:r>
               <a:rPr lang="es-ES_tradnl" baseline="0" dirty="0" smtClean="0"/>
-              <a:t> are </a:t>
+              <a:t> </a:t>
+            </a:r>
+            <a:r>
+              <a:rPr lang="es-ES_tradnl" baseline="0" dirty="0" err="1" smtClean="0"/>
+              <a:t>the</a:t>
+            </a:r>
+            <a:r>
+              <a:rPr lang="es-ES_tradnl" baseline="0" dirty="0" smtClean="0"/>
+              <a:t> </a:t>
+            </a:r>
+            <a:r>
+              <a:rPr lang="es-ES_tradnl" baseline="0" dirty="0" err="1" smtClean="0"/>
+              <a:t>user</a:t>
+            </a:r>
+            <a:r>
+              <a:rPr lang="es-ES_tradnl" baseline="0" dirty="0" smtClean="0"/>
+              <a:t> </a:t>
+            </a:r>
+            <a:r>
+              <a:rPr lang="es-ES_tradnl" baseline="0" dirty="0" err="1" smtClean="0"/>
+              <a:t>requirement</a:t>
+            </a:r>
+            <a:r>
+              <a:rPr lang="es-ES_tradnl" baseline="0" dirty="0" smtClean="0"/>
+              <a:t>. </a:t>
+            </a:r>
+            <a:r>
+              <a:rPr lang="es-ES_tradnl" baseline="0" dirty="0" err="1" smtClean="0"/>
+              <a:t>Thus</a:t>
+            </a:r>
+            <a:r>
+              <a:rPr lang="es-ES_tradnl" baseline="0" dirty="0" smtClean="0"/>
+              <a:t>, </a:t>
+            </a:r>
+            <a:r>
+              <a:rPr lang="es-ES_tradnl" baseline="0" dirty="0" err="1" smtClean="0"/>
+              <a:t>they</a:t>
+            </a:r>
+            <a:r>
+              <a:rPr lang="es-ES_tradnl" baseline="0" dirty="0" smtClean="0"/>
+              <a:t> </a:t>
+            </a:r>
+            <a:r>
+              <a:rPr lang="es-ES_tradnl" baseline="0" dirty="0" smtClean="0"/>
+              <a:t>are </a:t>
             </a:r>
             <a:r>
               <a:rPr lang="es-ES_tradnl" baseline="0" dirty="0" err="1" smtClean="0"/>
               <a:t>discarded</a:t>
             </a:r>
+            <a:r>
+              <a:rPr lang="es-ES_tradnl" baseline="0" dirty="0" smtClean="0"/>
+              <a:t>.</a:t>
+            </a:r>
             <a:endParaRPr lang="es-ES_tradnl" baseline="0" dirty="0" smtClean="0"/>
           </a:p>
           <a:p>
@@ -2597,7 +2726,7 @@
             </a:r>
             <a:r>
               <a:rPr lang="es-ES_tradnl" baseline="0" dirty="0" smtClean="0"/>
-              <a:t> </a:t>
+              <a:t>.</a:t>
             </a:r>
             <a:endParaRPr lang="es-ES_tradnl" dirty="0" smtClean="0"/>
           </a:p>
@@ -2795,16 +2924,11 @@
             </a:r>
             <a:r>
               <a:rPr lang="es-ES_tradnl" baseline="0" dirty="0" smtClean="0"/>
-              <a:t>.</a:t>
-            </a:r>
-          </a:p>
-          <a:p>
-            <a:endParaRPr lang="es-ES_tradnl" baseline="0" dirty="0" smtClean="0"/>
-          </a:p>
-          <a:p>
+              <a:t> (</a:t>
+            </a:r>
             <a:r>
               <a:rPr lang="es-ES_tradnl" baseline="0" dirty="0" err="1" smtClean="0"/>
-              <a:t>Differently</a:t>
+              <a:t>These</a:t>
             </a:r>
             <a:r>
               <a:rPr lang="es-ES_tradnl" baseline="0" dirty="0" smtClean="0"/>
@@ -2812,7 +2936,23 @@
             </a:r>
             <a:r>
               <a:rPr lang="es-ES_tradnl" baseline="0" dirty="0" err="1" smtClean="0"/>
-              <a:t>from</a:t>
+              <a:t>mapping</a:t>
+            </a:r>
+            <a:r>
+              <a:rPr lang="es-ES_tradnl" baseline="0" dirty="0" smtClean="0"/>
+              <a:t> are </a:t>
+            </a:r>
+            <a:r>
+              <a:rPr lang="es-ES_tradnl" baseline="0" dirty="0" err="1" smtClean="0"/>
+              <a:t>represented</a:t>
+            </a:r>
+            <a:r>
+              <a:rPr lang="es-ES_tradnl" baseline="0" dirty="0" smtClean="0"/>
+              <a:t> in a data </a:t>
+            </a:r>
+            <a:r>
+              <a:rPr lang="es-ES_tradnl" baseline="0" dirty="0" err="1" smtClean="0"/>
+              <a:t>structure</a:t>
             </a:r>
             <a:r>
               <a:rPr lang="es-ES_tradnl" baseline="0" dirty="0" smtClean="0"/>
@@ -2820,7 +2960,7 @@
             </a:r>
             <a:r>
               <a:rPr lang="es-ES_tradnl" baseline="0" dirty="0" err="1" smtClean="0"/>
-              <a:t>the</a:t>
+              <a:t>that</a:t>
             </a:r>
             <a:r>
               <a:rPr lang="es-ES_tradnl" baseline="0" dirty="0" smtClean="0"/>
@@ -2828,11 +2968,58 @@
             </a:r>
             <a:r>
               <a:rPr lang="es-ES_tradnl" baseline="0" dirty="0" err="1" smtClean="0"/>
-              <a:t>other</a:t>
+              <a:t>we</a:t>
             </a:r>
             <a:r>
               <a:rPr lang="es-ES_tradnl" baseline="0" dirty="0" smtClean="0"/>
-              <a:t>… </a:t>
+              <a:t> </a:t>
+            </a:r>
+            <a:r>
+              <a:rPr lang="es-ES_tradnl" baseline="0" dirty="0" err="1" smtClean="0"/>
+              <a:t>call</a:t>
+            </a:r>
+            <a:r>
+              <a:rPr lang="es-ES_tradnl" baseline="0" dirty="0" smtClean="0"/>
+              <a:t> CSD).</a:t>
+            </a:r>
+            <a:endParaRPr lang="es-ES_tradnl" baseline="0" dirty="0" smtClean="0"/>
+          </a:p>
+          <a:p>
+            <a:endParaRPr lang="es-ES_tradnl" baseline="0" dirty="0" smtClean="0"/>
+          </a:p>
+          <a:p>
+            <a:pPr marL="0" marR="0" indent="0" algn="l" defTabSz="457200" rtl="0" eaLnBrk="1" fontAlgn="auto" latinLnBrk="0" hangingPunct="1">
+              <a:lnSpc>
+                <a:spcPct val="100000"/>
+              </a:lnSpc>
+              <a:spcBef>
+                <a:spcPts val="0"/>
+              </a:spcBef>
+              <a:spcAft>
+                <a:spcPts val="0"/>
+              </a:spcAft>
+              <a:buClrTx/>
+              <a:buSzTx/>
+              <a:buFontTx/>
+              <a:buNone/>
+              <a:tabLst/>
+              <a:defRPr/>
+            </a:pPr>
+            <a:r>
+              <a:rPr lang="en-US" dirty="0" smtClean="0">
+                <a:solidFill>
+                  <a:schemeClr val="tx1"/>
+                </a:solidFill>
+              </a:rPr>
+              <a:t>Differently from the other algorithms, the mapping are created considering the concrete service definition and not each abstract service that compose it. </a:t>
+            </a:r>
+            <a:r>
+              <a:rPr lang="fr-FR" dirty="0" smtClean="0">
+                <a:solidFill>
+                  <a:schemeClr val="tx1"/>
+                </a:solidFill>
+              </a:rPr>
+              <a:t>This </a:t>
             </a:r>
             <a:r>
               <a:rPr lang="es-ES_tradnl" baseline="0" dirty="0" err="1" smtClean="0"/>
@@ -2840,7 +3027,7 @@
             </a:r>
             <a:r>
               <a:rPr lang="es-ES_tradnl" baseline="0" dirty="0" smtClean="0"/>
-              <a:t> </a:t>
+              <a:t> reduces </a:t>
             </a:r>
             <a:r>
               <a:rPr lang="es-ES_tradnl" baseline="0" dirty="0" err="1" smtClean="0"/>
@@ -2848,7 +3035,31 @@
             </a:r>
             <a:r>
               <a:rPr lang="es-ES_tradnl" baseline="0" dirty="0" smtClean="0"/>
-              <a:t> reduces </a:t>
+              <a:t> </a:t>
+            </a:r>
+            <a:r>
+              <a:rPr lang="es-ES_tradnl" baseline="0" dirty="0" err="1" smtClean="0"/>
+              <a:t>number</a:t>
+            </a:r>
+            <a:r>
+              <a:rPr lang="es-ES_tradnl" baseline="0" dirty="0" smtClean="0"/>
+              <a:t> of </a:t>
+            </a:r>
+            <a:r>
+              <a:rPr lang="es-ES_tradnl" baseline="0" dirty="0" err="1" smtClean="0"/>
+              <a:t>combination</a:t>
+            </a:r>
+            <a:r>
+              <a:rPr lang="es-ES_tradnl" baseline="0" dirty="0" smtClean="0"/>
+              <a:t> </a:t>
+            </a:r>
+            <a:r>
+              <a:rPr lang="es-ES_tradnl" baseline="0" dirty="0" err="1" smtClean="0"/>
+              <a:t>produced</a:t>
+            </a:r>
+            <a:r>
+              <a:rPr lang="es-ES_tradnl" baseline="0" dirty="0" smtClean="0"/>
+              <a:t> in </a:t>
             </a:r>
             <a:r>
               <a:rPr lang="es-ES_tradnl" baseline="0" dirty="0" err="1" smtClean="0"/>
@@ -2860,15 +3071,7 @@
             </a:r>
             <a:r>
               <a:rPr lang="es-ES_tradnl" baseline="0" dirty="0" err="1" smtClean="0"/>
-              <a:t>number</a:t>
-            </a:r>
-            <a:r>
-              <a:rPr lang="es-ES_tradnl" baseline="0" dirty="0" smtClean="0"/>
-              <a:t> of </a:t>
-            </a:r>
-            <a:r>
-              <a:rPr lang="es-ES_tradnl" baseline="0" dirty="0" err="1" smtClean="0"/>
-              <a:t>combination</a:t>
+              <a:t>next</a:t>
             </a:r>
             <a:r>
               <a:rPr lang="es-ES_tradnl" baseline="0" dirty="0" smtClean="0"/>
@@ -2876,31 +3079,11 @@
             </a:r>
             <a:r>
               <a:rPr lang="es-ES_tradnl" baseline="0" dirty="0" err="1" smtClean="0"/>
-              <a:t>produced</a:t>
+              <a:t>step</a:t>
             </a:r>
             <a:r>
               <a:rPr lang="es-ES_tradnl" baseline="0" dirty="0" smtClean="0"/>
-              <a:t> in </a:t>
-            </a:r>
-            <a:r>
-              <a:rPr lang="es-ES_tradnl" baseline="0" dirty="0" err="1" smtClean="0"/>
-              <a:t>the</a:t>
-            </a:r>
-            <a:r>
-              <a:rPr lang="es-ES_tradnl" baseline="0" dirty="0" smtClean="0"/>
-              <a:t> </a:t>
-            </a:r>
-            <a:r>
-              <a:rPr lang="es-ES_tradnl" baseline="0" dirty="0" err="1" smtClean="0"/>
-              <a:t>next</a:t>
-            </a:r>
-            <a:r>
-              <a:rPr lang="es-ES_tradnl" baseline="0" dirty="0" smtClean="0"/>
-              <a:t> </a:t>
-            </a:r>
-            <a:r>
-              <a:rPr lang="es-ES_tradnl" baseline="0" dirty="0" err="1" smtClean="0"/>
-              <a:t>step</a:t>
+              <a:t>.</a:t>
             </a:r>
             <a:endParaRPr lang="es-ES_tradnl" dirty="0" smtClean="0"/>
           </a:p>
@@ -3041,6 +3224,23 @@
             <a:endParaRPr lang="es-ES_tradnl" dirty="0" smtClean="0"/>
           </a:p>
           <a:p>
+            <a:pPr marL="0" marR="0" indent="0" algn="l" defTabSz="457200" rtl="0" eaLnBrk="1" fontAlgn="auto" latinLnBrk="0" hangingPunct="1">
+              <a:lnSpc>
+                <a:spcPct val="100000"/>
+              </a:lnSpc>
+              <a:spcBef>
+                <a:spcPts val="0"/>
+              </a:spcBef>
+              <a:spcAft>
+                <a:spcPts val="0"/>
+              </a:spcAft>
+              <a:buClrTx/>
+              <a:buSzTx/>
+              <a:buFontTx/>
+              <a:buNone/>
+              <a:tabLst/>
+              <a:defRPr/>
+            </a:pPr>
             <a:r>
               <a:rPr lang="es-ES_tradnl" dirty="0" err="1" smtClean="0"/>
               <a:t>The</a:t>
@@ -3087,8 +3287,19 @@
             </a:r>
             <a:r>
               <a:rPr lang="es-ES_tradnl" baseline="0" dirty="0" smtClean="0"/>
-              <a:t>.. </a:t>
-            </a:r>
+              <a:t>. </a:t>
+            </a:r>
+            <a:r>
+              <a:rPr lang="en-US" dirty="0" smtClean="0">
+                <a:solidFill>
+                  <a:schemeClr val="tx1"/>
+                </a:solidFill>
+              </a:rPr>
+              <a:t>Combinations are produced according to the part of the query that a given concrete service covers like the combinations in the Bucket algorithm.</a:t>
+            </a:r>
+          </a:p>
+          <a:p>
+            <a:endParaRPr lang="es-ES_tradnl" baseline="0" dirty="0" smtClean="0"/>
           </a:p>
           <a:p>
             <a:endParaRPr lang="es-ES_tradnl" baseline="0" dirty="0" smtClean="0"/>
@@ -3344,7 +3555,13 @@
               <a:rPr lang="fr-FR" baseline="0" dirty="0" smtClean="0">
                 <a:latin typeface="Calibri"/>
               </a:rPr>
-              <a:t>A CSD for S4 cannot be created once it violates a rule for mapping variables. In this case, the variable ‘p’ is a internally used by the service and it is also mapped a variable internally used in the query, in this case the mapping is possible only if the concrete service covers all abstract services that uses this variable.</a:t>
+              <a:t>A CSD for S4 cannot be created once </a:t>
+            </a:r>
+            <a:r>
+              <a:rPr lang="fr-FR" baseline="0" dirty="0" smtClean="0">
+                <a:latin typeface="Calibri"/>
+              </a:rPr>
+              <a:t>the variables mapping is not possible. </a:t>
             </a:r>
           </a:p>
           <a:p>
@@ -3357,7 +3574,7 @@
               <a:rPr lang="fr-FR" baseline="0" dirty="0" smtClean="0">
                 <a:latin typeface="Calibri"/>
               </a:rPr>
-              <a:t>Given these 3 CSDs the combinations are produced taking into account the part of the query that it covers. In this case, 3 combiantions are generated</a:t>
+              <a:t>Click</a:t>
             </a:r>
           </a:p>
           <a:p>
@@ -3370,9 +3587,15 @@
               <a:rPr lang="fr-FR" baseline="0" dirty="0" smtClean="0">
                 <a:latin typeface="Calibri"/>
               </a:rPr>
-              <a:t>A valid combination have to be in accordance the 2 rules ‘r1’ and ‘r2’ in which it is not allowed to have repeted abstract services in the query and the abstract services cover exactly what is expect by the query</a:t>
-            </a:r>
-            <a:endParaRPr lang="fr-FR" dirty="0">
+              <a:t>Given these 3 CSDs the combinations are produced taking into account the part of the query that it covers. In this case, 3 combiantions are </a:t>
+            </a:r>
+            <a:r>
+              <a:rPr lang="fr-FR" baseline="0" dirty="0" smtClean="0">
+                <a:latin typeface="Calibri"/>
+              </a:rPr>
+              <a:t>generated.</a:t>
+            </a:r>
+            <a:endParaRPr lang="fr-FR" baseline="0" dirty="0" smtClean="0">
               <a:latin typeface="Calibri"/>
             </a:endParaRPr>
           </a:p>
@@ -3655,13 +3878,32 @@
               <a:rPr lang="fr-FR" dirty="0" smtClean="0">
                 <a:latin typeface="Calibri"/>
               </a:rPr>
-              <a:t>The last step ‘producing rewriting’ starts</a:t>
+              <a:t>The last step ‘producing rewriting’ </a:t>
+            </a:r>
+            <a:r>
+              <a:rPr lang="fr-FR" dirty="0" smtClean="0">
+                <a:latin typeface="Calibri"/>
+              </a:rPr>
+              <a:t>in which we</a:t>
             </a:r>
             <a:r>
               <a:rPr lang="fr-FR" baseline="0" dirty="0" smtClean="0">
                 <a:latin typeface="Calibri"/>
               </a:rPr>
-              <a:t> when the rules ‘r1’ and ‘r2’ are being applied and moreover differently from the other...</a:t>
+              <a:t> have to check if the combination produced is a valid rewriting or not. </a:t>
+            </a:r>
+          </a:p>
+          <a:p>
+            <a:endParaRPr lang="fr-FR" baseline="0" dirty="0" smtClean="0">
+              <a:latin typeface="Calibri"/>
+            </a:endParaRPr>
+          </a:p>
+          <a:p>
+            <a:r>
+              <a:rPr lang="fr-FR" baseline="0" dirty="0" smtClean="0">
+                <a:latin typeface="Calibri"/>
+              </a:rPr>
+              <a:t>Click</a:t>
             </a:r>
             <a:endParaRPr lang="fr-FR" dirty="0">
               <a:latin typeface="Calibri"/>
@@ -3707,6 +3949,137 @@
 </file>
 
 <file path=ppt/notesSlides/notesSlide21.xml><?xml version="1.0" encoding="utf-8"?>
+<p:notes xmlns:a="http://schemas.openxmlformats.org/drawingml/2006/main" xmlns:r="http://schemas.openxmlformats.org/officeDocument/2006/relationships" xmlns:p="http://schemas.openxmlformats.org/presentationml/2006/main">
+  <p:cSld>
+    <p:spTree>
+      <p:nvGrpSpPr>
+        <p:cNvPr id="1" name=""/>
+        <p:cNvGrpSpPr/>
+        <p:nvPr/>
+      </p:nvGrpSpPr>
+      <p:grpSpPr>
+        <a:xfrm>
+          <a:off x="0" y="0"/>
+          <a:ext cx="0" cy="0"/>
+          <a:chOff x="0" y="0"/>
+          <a:chExt cx="0" cy="0"/>
+        </a:xfrm>
+      </p:grpSpPr>
+      <p:sp>
+        <p:nvSpPr>
+          <p:cNvPr id="2" name="Espace réservé de l'image des diapositives 1"/>
+          <p:cNvSpPr>
+            <a:spLocks noGrp="1" noRot="1" noChangeAspect="1"/>
+          </p:cNvSpPr>
+          <p:nvPr>
+            <p:ph type="sldImg"/>
+          </p:nvPr>
+        </p:nvSpPr>
+        <p:spPr>
+          <a:xfrm>
+            <a:off x="381000" y="685800"/>
+            <a:ext cx="6096000" cy="3429000"/>
+          </a:xfrm>
+        </p:spPr>
+      </p:sp>
+      <p:sp>
+        <p:nvSpPr>
+          <p:cNvPr id="3" name="Espace réservé des notes 2"/>
+          <p:cNvSpPr>
+            <a:spLocks noGrp="1"/>
+          </p:cNvSpPr>
+          <p:nvPr>
+            <p:ph type="body" idx="1"/>
+          </p:nvPr>
+        </p:nvSpPr>
+        <p:spPr/>
+        <p:txBody>
+          <a:bodyPr/>
+          <a:lstStyle/>
+          <a:p>
+            <a:r>
+              <a:rPr lang="fr-FR" dirty="0" smtClean="0">
+                <a:latin typeface="Calibri"/>
+              </a:rPr>
+              <a:t>Looking</a:t>
+            </a:r>
+            <a:r>
+              <a:rPr lang="fr-FR" baseline="0" dirty="0" smtClean="0">
+                <a:latin typeface="Calibri"/>
+              </a:rPr>
+              <a:t> to the combination produced. We have to verify if they cover the entire query and exactly what the user expects.  </a:t>
+            </a:r>
+            <a:endParaRPr lang="fr-FR" baseline="0" dirty="0" smtClean="0">
+              <a:latin typeface="Calibri"/>
+            </a:endParaRPr>
+          </a:p>
+          <a:p>
+            <a:endParaRPr lang="fr-FR" baseline="0" dirty="0" smtClean="0">
+              <a:latin typeface="Calibri"/>
+            </a:endParaRPr>
+          </a:p>
+          <a:p>
+            <a:r>
+              <a:rPr lang="fr-FR" baseline="0" dirty="0" smtClean="0">
+                <a:latin typeface="Calibri"/>
+              </a:rPr>
+              <a:t>Click</a:t>
+            </a:r>
+            <a:endParaRPr lang="fr-FR" baseline="0" dirty="0" smtClean="0">
+              <a:latin typeface="Calibri"/>
+            </a:endParaRPr>
+          </a:p>
+          <a:p>
+            <a:r>
+              <a:rPr lang="fr-FR" baseline="0" dirty="0" smtClean="0">
+                <a:latin typeface="Calibri"/>
+              </a:rPr>
+              <a:t>In this sense, only p3 is a valid rewrite of the query. </a:t>
+            </a:r>
+            <a:endParaRPr lang="fr-FR" dirty="0">
+              <a:latin typeface="Calibri"/>
+            </a:endParaRPr>
+          </a:p>
+        </p:txBody>
+      </p:sp>
+      <p:sp>
+        <p:nvSpPr>
+          <p:cNvPr id="4" name="Espace réservé du numéro de diapositive 3"/>
+          <p:cNvSpPr>
+            <a:spLocks noGrp="1"/>
+          </p:cNvSpPr>
+          <p:nvPr>
+            <p:ph type="sldNum" sz="quarter" idx="10"/>
+          </p:nvPr>
+        </p:nvSpPr>
+        <p:spPr/>
+        <p:txBody>
+          <a:bodyPr/>
+          <a:lstStyle/>
+          <a:p>
+            <a:fld id="{E6F8DC79-C430-E548-A754-84842F9135C3}" type="slidenum">
+              <a:rPr lang="pt-BR" smtClean="0"/>
+              <a:pPr/>
+              <a:t>21</a:t>
+            </a:fld>
+            <a:endParaRPr lang="pt-BR"/>
+          </a:p>
+        </p:txBody>
+      </p:sp>
+    </p:spTree>
+    <p:extLst>
+      <p:ext uri="{BB962C8B-B14F-4D97-AF65-F5344CB8AC3E}">
+        <p14:creationId xmlns:p14="http://schemas.microsoft.com/office/powerpoint/2010/main" val="2700231192"/>
+      </p:ext>
+    </p:extLst>
+  </p:cSld>
+  <p:clrMapOvr>
+    <a:masterClrMapping/>
+  </p:clrMapOvr>
+</p:notes>
+</file>
+
+<file path=ppt/notesSlides/notesSlide22.xml><?xml version="1.0" encoding="utf-8"?>
 <p:notes xmlns:a="http://schemas.openxmlformats.org/drawingml/2006/main" xmlns:r="http://schemas.openxmlformats.org/officeDocument/2006/relationships" xmlns:p="http://schemas.openxmlformats.org/presentationml/2006/main">
   <p:cSld>
     <p:spTree>
@@ -3763,26 +4136,71 @@
           <a:p>
             <a:r>
               <a:rPr lang="en-US" baseline="0" noProof="0" dirty="0" smtClean="0"/>
-              <a:t>The first version …</a:t>
-            </a:r>
-          </a:p>
-          <a:p>
+              <a:t>The first version is implemented in Java.</a:t>
+            </a:r>
+          </a:p>
+          <a:p>
+            <a:pPr marL="0" marR="0" indent="0" algn="l" defTabSz="457200" rtl="0" eaLnBrk="1" fontAlgn="auto" latinLnBrk="0" hangingPunct="1">
+              <a:lnSpc>
+                <a:spcPct val="100000"/>
+              </a:lnSpc>
+              <a:spcBef>
+                <a:spcPts val="0"/>
+              </a:spcBef>
+              <a:spcAft>
+                <a:spcPts val="0"/>
+              </a:spcAft>
+              <a:buClrTx/>
+              <a:buSzTx/>
+              <a:buFontTx/>
+              <a:buNone/>
+              <a:tabLst/>
+              <a:defRPr/>
+            </a:pPr>
             <a:r>
               <a:rPr lang="en-US" baseline="0" noProof="0" dirty="0" smtClean="0"/>
-              <a:t>The idea behind the experiments is to evaluate…</a:t>
-            </a:r>
-          </a:p>
-          <a:p>
+              <a:t>The </a:t>
+            </a:r>
             <a:r>
               <a:rPr lang="en-US" baseline="0" noProof="0" dirty="0" smtClean="0"/>
-              <a:t>The experiments were executed in a local environment…</a:t>
-            </a:r>
-          </a:p>
-          <a:p>
+              <a:t>idea behind the experiments is to </a:t>
+            </a:r>
             <a:r>
               <a:rPr lang="en-US" baseline="0" noProof="0" dirty="0" smtClean="0"/>
-              <a:t>And we have compared two approaches… </a:t>
-            </a:r>
+              <a:t>evaluate the </a:t>
+            </a:r>
+            <a:r>
+              <a:rPr lang="en-US" sz="1200" dirty="0" smtClean="0">
+                <a:solidFill>
+                  <a:schemeClr val="tx1"/>
+                </a:solidFill>
+              </a:rPr>
+              <a:t>algorithm’s behavior.</a:t>
+            </a:r>
+          </a:p>
+          <a:p>
+            <a:r>
+              <a:rPr lang="en-US" baseline="0" noProof="0" dirty="0" smtClean="0"/>
+              <a:t>To do so, the </a:t>
+            </a:r>
+            <a:r>
+              <a:rPr lang="en-US" baseline="0" noProof="0" dirty="0" smtClean="0"/>
+              <a:t>experiments were executed in a local </a:t>
+            </a:r>
+            <a:r>
+              <a:rPr lang="en-US" baseline="0" noProof="0" dirty="0" smtClean="0"/>
+              <a:t>environment including a service registry of 100 concrete services.</a:t>
+            </a:r>
+            <a:endParaRPr lang="en-US" baseline="0" noProof="0" dirty="0" smtClean="0"/>
+          </a:p>
+          <a:p>
+            <a:r>
+              <a:rPr lang="en-US" baseline="0" noProof="0" dirty="0" smtClean="0"/>
+              <a:t>And we have compared two approaches: a traditional (without considering preferences and SLA) versus a preference-guided.</a:t>
+            </a:r>
+          </a:p>
+          <a:p>
+            <a:endParaRPr lang="en-US" baseline="0" noProof="0" dirty="0" smtClean="0"/>
           </a:p>
         </p:txBody>
       </p:sp>
@@ -3803,7 +4221,7 @@
           <a:p>
             <a:fld id="{E6F8DC79-C430-E548-A754-84842F9135C3}" type="slidenum">
               <a:rPr lang="pt-BR" smtClean="0"/>
-              <a:t>21</a:t>
+              <a:t>22</a:t>
             </a:fld>
             <a:endParaRPr lang="pt-BR"/>
           </a:p>
@@ -3822,7 +4240,7 @@
 </p:notes>
 </file>
 
-<file path=ppt/notesSlides/notesSlide22.xml><?xml version="1.0" encoding="utf-8"?>
+<file path=ppt/notesSlides/notesSlide23.xml><?xml version="1.0" encoding="utf-8"?>
 <p:notes xmlns:a="http://schemas.openxmlformats.org/drawingml/2006/main" xmlns:r="http://schemas.openxmlformats.org/officeDocument/2006/relationships" xmlns:p="http://schemas.openxmlformats.org/presentationml/2006/main">
   <p:cSld>
     <p:spTree>
@@ -3881,14 +4299,21 @@
           <a:p>
             <a:r>
               <a:rPr lang="fr-FR" baseline="0" dirty="0" smtClean="0"/>
-              <a:t>We can see the complexity of the different  phases...</a:t>
-            </a:r>
-          </a:p>
-          <a:p>
+              <a:t>We can see the complexity of the different  </a:t>
+            </a:r>
             <a:r>
               <a:rPr lang="fr-FR" baseline="0" dirty="0" smtClean="0"/>
-              <a:t>As in the other algorithms, the most expensive step is the combination. It depends on the size of the query and the number of concrete service that could be mapped to the query</a:t>
-            </a:r>
+              <a:t>phases. As </a:t>
+            </a:r>
+            <a:r>
+              <a:rPr lang="fr-FR" baseline="0" dirty="0" smtClean="0"/>
+              <a:t>in the other algorithms, the most expensive step is the combination. It depends on the size of the query and the number of concrete service that could be mapped to the </a:t>
+            </a:r>
+            <a:r>
+              <a:rPr lang="fr-FR" baseline="0" dirty="0" smtClean="0"/>
+              <a:t>query.</a:t>
+            </a:r>
+            <a:endParaRPr lang="fr-FR" baseline="0" dirty="0" smtClean="0"/>
           </a:p>
           <a:p>
             <a:endParaRPr lang="fr-FR" baseline="0" dirty="0" smtClean="0"/>
@@ -3900,38 +4325,73 @@
             </a:r>
           </a:p>
           <a:p>
-            <a:pPr marL="0" marR="0" indent="0" algn="l" defTabSz="457200" rtl="0" eaLnBrk="1" fontAlgn="auto" latinLnBrk="0" hangingPunct="1">
-              <a:lnSpc>
-                <a:spcPct val="100000"/>
-              </a:lnSpc>
-              <a:spcBef>
-                <a:spcPts val="0"/>
-              </a:spcBef>
-              <a:spcAft>
-                <a:spcPts val="0"/>
-              </a:spcAft>
-              <a:buClrTx/>
-              <a:buSzTx/>
-              <a:buFontTx/>
+            <a:pPr marL="0">
+              <a:buFont typeface="Wingdings" charset="2"/>
               <a:buNone/>
-              <a:tabLst/>
-              <a:defRPr/>
             </a:pPr>
             <a:r>
               <a:rPr lang="fr-FR" baseline="0" dirty="0" smtClean="0"/>
-              <a:t>The performance increased ... As we can see in the chart on the left</a:t>
-            </a:r>
-          </a:p>
-          <a:p>
+              <a:t>The performance increased </a:t>
+            </a:r>
             <a:r>
               <a:rPr lang="fr-FR" baseline="0" dirty="0" smtClean="0"/>
-              <a:t>Rewritring solutions ... </a:t>
-            </a:r>
-          </a:p>
-          <a:p>
+              <a:t>by </a:t>
+            </a:r>
+            <a:r>
+              <a:rPr lang="en-GB" dirty="0" smtClean="0"/>
+              <a:t>reducing the number of rewriting solutions and integration execution time.</a:t>
+            </a:r>
+            <a:r>
+              <a:rPr lang="en-GB" baseline="0" dirty="0" smtClean="0"/>
+              <a:t> </a:t>
+            </a:r>
             <a:r>
               <a:rPr lang="fr-FR" baseline="0" dirty="0" smtClean="0"/>
-              <a:t>Integration economic cost ... as we can see in the chart on the right</a:t>
+              <a:t>As </a:t>
+            </a:r>
+            <a:r>
+              <a:rPr lang="fr-FR" baseline="0" dirty="0" smtClean="0"/>
+              <a:t>we can see in the chart on the </a:t>
+            </a:r>
+            <a:r>
+              <a:rPr lang="fr-FR" baseline="0" dirty="0" smtClean="0"/>
+              <a:t>left.</a:t>
+            </a:r>
+            <a:endParaRPr lang="fr-FR" baseline="0" dirty="0" smtClean="0"/>
+          </a:p>
+          <a:p>
+            <a:r>
+              <a:rPr lang="fr-FR" baseline="0" dirty="0" smtClean="0"/>
+              <a:t>Rewritring solutions </a:t>
+            </a:r>
+            <a:r>
+              <a:rPr lang="fr-FR" baseline="0" dirty="0" smtClean="0"/>
+              <a:t>quality enhanced and the integration </a:t>
+            </a:r>
+            <a:r>
+              <a:rPr lang="fr-FR" baseline="0" dirty="0" smtClean="0"/>
+              <a:t>economic </a:t>
+            </a:r>
+            <a:r>
+              <a:rPr lang="fr-FR" baseline="0" dirty="0" smtClean="0"/>
+              <a:t>cost is reduced once only rewriting that satisfies the user preferences are produced. As </a:t>
+            </a:r>
+            <a:r>
+              <a:rPr lang="fr-FR" baseline="0" dirty="0" smtClean="0"/>
+              <a:t>we can see in the chart on the </a:t>
+            </a:r>
+            <a:r>
+              <a:rPr lang="fr-FR" baseline="0" dirty="0" smtClean="0"/>
+              <a:t>right.</a:t>
+            </a:r>
+          </a:p>
+          <a:p>
+            <a:endParaRPr lang="fr-FR" baseline="0" dirty="0" smtClean="0"/>
+          </a:p>
+          <a:p>
+            <a:r>
+              <a:rPr lang="fr-FR" baseline="0" dirty="0" smtClean="0"/>
+              <a:t>Click</a:t>
             </a:r>
             <a:endParaRPr lang="fr-FR" dirty="0"/>
           </a:p>
@@ -3954,7 +4414,7 @@
           <a:p>
             <a:fld id="{E6F8DC79-C430-E548-A754-84842F9135C3}" type="slidenum">
               <a:rPr lang="pt-BR" smtClean="0"/>
-              <a:t>22</a:t>
+              <a:t>23</a:t>
             </a:fld>
             <a:endParaRPr lang="pt-BR"/>
           </a:p>
@@ -3973,7 +4433,7 @@
 </p:notes>
 </file>
 
-<file path=ppt/notesSlides/notesSlide23.xml><?xml version="1.0" encoding="utf-8"?>
+<file path=ppt/notesSlides/notesSlide24.xml><?xml version="1.0" encoding="utf-8"?>
 <p:notes xmlns:a="http://schemas.openxmlformats.org/drawingml/2006/main" xmlns:r="http://schemas.openxmlformats.org/officeDocument/2006/relationships" xmlns:p="http://schemas.openxmlformats.org/presentationml/2006/main">
   <p:cSld>
     <p:spTree>
@@ -4051,7 +4511,7 @@
           <a:p>
             <a:fld id="{E6F8DC79-C430-E548-A754-84842F9135C3}" type="slidenum">
               <a:rPr lang="pt-BR" smtClean="0"/>
-              <a:t>23</a:t>
+              <a:t>24</a:t>
             </a:fld>
             <a:endParaRPr lang="pt-BR"/>
           </a:p>
@@ -4070,7 +4530,7 @@
 </p:notes>
 </file>
 
-<file path=ppt/notesSlides/notesSlide24.xml><?xml version="1.0" encoding="utf-8"?>
+<file path=ppt/notesSlides/notesSlide25.xml><?xml version="1.0" encoding="utf-8"?>
 <p:notes xmlns:a="http://schemas.openxmlformats.org/drawingml/2006/main" xmlns:r="http://schemas.openxmlformats.org/officeDocument/2006/relationships" xmlns:p="http://schemas.openxmlformats.org/presentationml/2006/main">
   <p:cSld>
     <p:spTree>
@@ -4265,7 +4725,7 @@
           <a:p>
             <a:fld id="{E6F8DC79-C430-E548-A754-84842F9135C3}" type="slidenum">
               <a:rPr lang="pt-BR" smtClean="0"/>
-              <a:t>24</a:t>
+              <a:t>25</a:t>
             </a:fld>
             <a:endParaRPr lang="pt-BR"/>
           </a:p>
@@ -4379,8 +4839,11 @@
                 </a:solidFill>
                 <a:latin typeface="Calibri"/>
               </a:rPr>
-              <a:t>Given a set of heterogeneous data sources known in advance, provide solutions </a:t>
-            </a:r>
+              <a:t>Given a set of heterogeneous data sources known in advance, provide solutions for retrieving data and answering queries </a:t>
+            </a:r>
+          </a:p>
+          <a:p>
+            <a:pPr lvl="1" algn="l"/>
             <a:r>
               <a:rPr lang="en-US" b="1" baseline="0" dirty="0" smtClean="0">
                 <a:solidFill>
@@ -4388,43 +4851,7 @@
                 </a:solidFill>
                 <a:latin typeface="Calibri"/>
               </a:rPr>
-              <a:t>for retrieving data and </a:t>
-            </a:r>
-            <a:r>
-              <a:rPr lang="en-US" b="1" baseline="0" dirty="0" smtClean="0">
-                <a:solidFill>
-                  <a:schemeClr val="tx1"/>
-                </a:solidFill>
-                <a:latin typeface="Calibri"/>
-              </a:rPr>
-              <a:t>answering queries </a:t>
-            </a:r>
-            <a:endParaRPr lang="en-US" b="1" baseline="0" dirty="0" smtClean="0">
-              <a:solidFill>
-                <a:schemeClr val="tx1"/>
-              </a:solidFill>
-              <a:latin typeface="Calibri"/>
-            </a:endParaRPr>
-          </a:p>
-          <a:p>
-            <a:pPr lvl="1" algn="l"/>
-            <a:r>
-              <a:rPr lang="en-US" b="1" baseline="0" dirty="0" smtClean="0">
-                <a:solidFill>
-                  <a:schemeClr val="tx1"/>
-                </a:solidFill>
-                <a:latin typeface="Calibri"/>
-              </a:rPr>
-              <a:t>This </a:t>
-            </a:r>
-            <a:r>
-              <a:rPr lang="en-US" b="1" baseline="0" dirty="0" smtClean="0">
-                <a:solidFill>
-                  <a:schemeClr val="tx1"/>
-                </a:solidFill>
-                <a:latin typeface="Calibri"/>
-              </a:rPr>
-              <a:t>problem is well known in the database domain It has been declined into many cases and associated results have been proposed. </a:t>
+              <a:t>This problem is well known in the database domain It has been declined into many cases and associated results have been proposed. </a:t>
             </a:r>
           </a:p>
           <a:p>
@@ -4475,12 +4902,6 @@
               </a:rPr>
               <a:t>2. The case when they export or not schemata describing their content and whether a global schema is derived </a:t>
             </a:r>
-            <a:endParaRPr lang="en-US" b="1" baseline="0" dirty="0" smtClean="0">
-              <a:solidFill>
-                <a:schemeClr val="tx1"/>
-              </a:solidFill>
-              <a:latin typeface="Calibri"/>
-            </a:endParaRPr>
           </a:p>
           <a:p>
             <a:pPr lvl="1" algn="l"/>
@@ -4682,16 +5103,7 @@
                 </a:solidFill>
                 <a:latin typeface="Calibri"/>
               </a:rPr>
-              <a:t>The data integration problem in the presence of services as data providers redefined the problem as follows: Given a query expressing data requirements, look up data services that can fulfill those requirements. The assumptions were that services exported their API and that they can export data under a pivot model that can be used for integrating results</a:t>
-            </a:r>
-            <a:r>
-              <a:rPr lang="en-US" b="1" baseline="0" dirty="0" smtClean="0">
-                <a:solidFill>
-                  <a:schemeClr val="tx1"/>
-                </a:solidFill>
-                <a:latin typeface="Calibri"/>
-              </a:rPr>
-              <a:t>.</a:t>
+              <a:t>The data integration problem in the presence of services as data providers redefined the problem as follows: Given a query expressing data requirements, look up data services that can fulfill those requirements. The assumptions were that services exported their API and that they can export data under a pivot model that can be used for integrating results.</a:t>
             </a:r>
           </a:p>
           <a:p>
@@ -4714,12 +5126,6 @@
               </a:rPr>
               <a:t>Click</a:t>
             </a:r>
-            <a:endParaRPr lang="en-US" b="1" baseline="0" dirty="0" smtClean="0">
-              <a:solidFill>
-                <a:schemeClr val="tx1"/>
-              </a:solidFill>
-              <a:latin typeface="Calibri"/>
-            </a:endParaRPr>
           </a:p>
           <a:p>
             <a:pPr lvl="1" algn="just"/>
@@ -4739,16 +5145,7 @@
                 </a:solidFill>
                 <a:latin typeface="Calibri"/>
               </a:rPr>
-              <a:t>The query rewriting problem was redefined as a matching and a service composition </a:t>
-            </a:r>
-            <a:r>
-              <a:rPr lang="en-US" b="1" baseline="0" dirty="0" smtClean="0">
-                <a:solidFill>
-                  <a:schemeClr val="tx1"/>
-                </a:solidFill>
-                <a:latin typeface="Calibri"/>
-              </a:rPr>
-              <a:t>problem and has led to fruitful results on query rewriting and service </a:t>
+              <a:t>The query rewriting problem was redefined as a matching and a service composition problem and has led to fruitful results on query rewriting and service </a:t>
             </a:r>
             <a:r>
               <a:rPr lang="en-US" b="1" baseline="0" dirty="0" err="1" smtClean="0">
@@ -5702,8 +6099,8 @@
           </a:p>
           <a:p>
             <a:r>
-              <a:rPr lang="en-US" b="1" baseline="0" noProof="0" dirty="0" smtClean="0"/>
-              <a:t>(Here write explanation about the formalism)</a:t>
+              <a:rPr lang="en-US" b="0" baseline="0" noProof="0" dirty="0" smtClean="0"/>
+              <a:t>The left-side is called the head and the right-side is the body. In the head definition, there are a set of comma-separated input variables (identified by the question mark) and output variables (identified by exclamation mark). These variables are called head variables and they can be used by any abstract service in the body definition. In the body definition, the query is expressed as a sequence of abstract services, a set of constraints and user preferences. Abstract services (such as A1, A2 and A3) also have input and output variables. Variables that appear only in abstract services are called local variables (such as ‘p’). ‘Dis’ is a constraint used while executing the query. Between brackets are the user preferences.</a:t>
             </a:r>
           </a:p>
         </p:txBody>
@@ -5803,55 +6200,13 @@
               <a:rPr lang="fr-FR" baseline="0" dirty="0" smtClean="0">
                 <a:latin typeface="Calibri"/>
               </a:rPr>
-              <a:t>, the different concrete services can be combined in order to </a:t>
-            </a:r>
-            <a:r>
-              <a:rPr lang="fr-FR" baseline="0" dirty="0" err="1" smtClean="0">
-                <a:latin typeface="Calibri"/>
-              </a:rPr>
-              <a:t>produce</a:t>
+              <a:t>, the different concrete services can be combined in order to produce results. </a:t>
             </a:r>
             <a:r>
               <a:rPr lang="fr-FR" baseline="0" dirty="0" smtClean="0">
                 <a:latin typeface="Calibri"/>
               </a:rPr>
-              <a:t> </a:t>
-            </a:r>
-            <a:r>
-              <a:rPr lang="fr-FR" baseline="0" dirty="0" err="1" smtClean="0">
-                <a:latin typeface="Calibri"/>
-              </a:rPr>
-              <a:t>results</a:t>
-            </a:r>
-            <a:r>
-              <a:rPr lang="fr-FR" baseline="0" dirty="0" smtClean="0">
-                <a:latin typeface="Calibri"/>
-              </a:rPr>
-              <a:t>. </a:t>
-            </a:r>
-            <a:r>
-              <a:rPr lang="fr-FR" baseline="0" dirty="0" err="1" smtClean="0">
-                <a:latin typeface="Calibri"/>
-              </a:rPr>
-              <a:t>Different</a:t>
-            </a:r>
-            <a:r>
-              <a:rPr lang="fr-FR" baseline="0" dirty="0" smtClean="0">
-                <a:latin typeface="Calibri"/>
-              </a:rPr>
-              <a:t> </a:t>
-            </a:r>
-            <a:r>
-              <a:rPr lang="fr-FR" baseline="0" dirty="0" err="1" smtClean="0">
-                <a:latin typeface="Calibri"/>
-              </a:rPr>
-              <a:t>possibilities</a:t>
-            </a:r>
-            <a:r>
-              <a:rPr lang="fr-FR" baseline="0" dirty="0" smtClean="0">
-                <a:latin typeface="Calibri"/>
-              </a:rPr>
-              <a:t> are possible:</a:t>
+              <a:t>Such as composing:</a:t>
             </a:r>
           </a:p>
           <a:p>
@@ -5861,98 +6216,48 @@
           </a:p>
           <a:p>
             <a:r>
-              <a:rPr lang="fr-FR" b="1" baseline="0" dirty="0" smtClean="0">
+              <a:rPr lang="fr-FR" baseline="0" dirty="0" smtClean="0">
                 <a:latin typeface="Calibri"/>
               </a:rPr>
-              <a:t>(Write </a:t>
-            </a:r>
-            <a:r>
-              <a:rPr lang="fr-FR" b="1" baseline="0" dirty="0" err="1" smtClean="0">
-                <a:latin typeface="Calibri"/>
-              </a:rPr>
-              <a:t>everything</a:t>
-            </a:r>
-            <a:r>
-              <a:rPr lang="fr-FR" b="1" baseline="0" dirty="0" smtClean="0">
-                <a:latin typeface="Calibri"/>
-              </a:rPr>
-              <a:t> </a:t>
-            </a:r>
-            <a:r>
-              <a:rPr lang="fr-FR" b="1" baseline="0" dirty="0" err="1" smtClean="0">
-                <a:latin typeface="Calibri"/>
-              </a:rPr>
-              <a:t>particularly</a:t>
-            </a:r>
-            <a:r>
-              <a:rPr lang="fr-FR" b="1" baseline="0" dirty="0" smtClean="0">
-                <a:latin typeface="Calibri"/>
-              </a:rPr>
-              <a:t> a transition </a:t>
-            </a:r>
-            <a:r>
-              <a:rPr lang="fr-FR" b="1" baseline="0" dirty="0" err="1" smtClean="0">
-                <a:latin typeface="Calibri"/>
-              </a:rPr>
-              <a:t>explaining</a:t>
-            </a:r>
-            <a:r>
-              <a:rPr lang="fr-FR" b="1" baseline="0" dirty="0" smtClean="0">
-                <a:latin typeface="Calibri"/>
-              </a:rPr>
-              <a:t> </a:t>
-            </a:r>
-            <a:r>
-              <a:rPr lang="fr-FR" b="1" baseline="0" dirty="0" err="1" smtClean="0">
-                <a:latin typeface="Calibri"/>
-              </a:rPr>
-              <a:t>that</a:t>
-            </a:r>
-            <a:r>
-              <a:rPr lang="fr-FR" b="1" baseline="0" dirty="0" smtClean="0">
-                <a:latin typeface="Calibri"/>
-              </a:rPr>
-              <a:t> </a:t>
-            </a:r>
-            <a:r>
-              <a:rPr lang="fr-FR" b="1" baseline="0" dirty="0" err="1" smtClean="0">
-                <a:latin typeface="Calibri"/>
-              </a:rPr>
-              <a:t>filtering</a:t>
-            </a:r>
-            <a:r>
-              <a:rPr lang="fr-FR" b="1" baseline="0" dirty="0" smtClean="0">
-                <a:latin typeface="Calibri"/>
-              </a:rPr>
-              <a:t> must </a:t>
-            </a:r>
-            <a:r>
-              <a:rPr lang="fr-FR" b="1" baseline="0" dirty="0" err="1" smtClean="0">
-                <a:latin typeface="Calibri"/>
-              </a:rPr>
-              <a:t>be</a:t>
-            </a:r>
-            <a:r>
-              <a:rPr lang="fr-FR" b="1" baseline="0" dirty="0" smtClean="0">
-                <a:latin typeface="Calibri"/>
-              </a:rPr>
-              <a:t> </a:t>
-            </a:r>
-            <a:r>
-              <a:rPr lang="fr-FR" b="1" baseline="0" dirty="0" err="1" smtClean="0">
-                <a:latin typeface="Calibri"/>
-              </a:rPr>
-              <a:t>considered</a:t>
-            </a:r>
-            <a:r>
-              <a:rPr lang="fr-FR" b="1" baseline="0" dirty="0" smtClean="0">
-                <a:latin typeface="Calibri"/>
-              </a:rPr>
-              <a:t>)</a:t>
-            </a:r>
-            <a:endParaRPr lang="fr-FR" b="1" dirty="0">
-              <a:latin typeface="Calibri"/>
+              <a:t>...S1 (which retrieves infected patients), S3 (which retrieves DNA) and S5 (which retrieves personal information)</a:t>
+            </a:r>
+          </a:p>
+          <a:p>
+            <a:r>
+              <a:rPr lang="fr-FR" baseline="0" dirty="0" smtClean="0">
+                <a:latin typeface="+mn-lt"/>
+              </a:rPr>
+              <a:t>...S2 (which retrieves infected patients), S3 (which retrieves DNA) and S5 (which retrieves personal information)</a:t>
+            </a:r>
+          </a:p>
+          <a:p>
+            <a:r>
+              <a:rPr lang="fr-FR" baseline="0" dirty="0" smtClean="0">
+                <a:latin typeface="+mn-lt"/>
+              </a:rPr>
+              <a:t>...S4 (which retrieves infected patients and DNA) and S5 (which retrieves personal information) or</a:t>
+            </a:r>
+          </a:p>
+          <a:p>
+            <a:r>
+              <a:rPr lang="fr-FR" baseline="0" dirty="0" smtClean="0">
+                <a:latin typeface="+mn-lt"/>
+              </a:rPr>
+              <a:t>...S6 (which returns all desired data)</a:t>
+            </a:r>
+          </a:p>
+          <a:p>
+            <a:endParaRPr lang="fr-FR" baseline="0" dirty="0" smtClean="0">
+              <a:latin typeface="+mn-lt"/>
             </a:endParaRPr>
+          </a:p>
+          <a:p>
+            <a:r>
+              <a:rPr lang="fr-FR" baseline="0" dirty="0" smtClean="0">
+                <a:latin typeface="+mn-lt"/>
+              </a:rPr>
+              <a:t>Here, it is interesting to highlight that a filtering process is necessary to guarantee that the user preferences and requirements are satisfied.</a:t>
+            </a:r>
           </a:p>
         </p:txBody>
       </p:sp>
@@ -6219,7 +6524,7 @@
           <a:p>
             <a:fld id="{68C2560D-EC28-3B41-86E8-18F1CE0113B4}" type="datetimeFigureOut">
               <a:rPr lang="en-US" smtClean="0"/>
-              <a:t>8/24/16</a:t>
+              <a:t>8/24/2016</a:t>
             </a:fld>
             <a:endParaRPr lang="en-US"/>
           </a:p>
@@ -6261,7 +6566,7 @@
           <a:p>
             <a:fld id="{2066355A-084C-D24E-9AD2-7E4FC41EA627}" type="slidenum">
               <a:rPr lang="en-US" smtClean="0"/>
-              <a:t>‹#›</a:t>
+              <a:t>‹nº›</a:t>
             </a:fld>
             <a:endParaRPr lang="en-US"/>
           </a:p>
@@ -6427,7 +6732,7 @@
           <a:p>
             <a:fld id="{68C2560D-EC28-3B41-86E8-18F1CE0113B4}" type="datetimeFigureOut">
               <a:rPr lang="en-US" smtClean="0"/>
-              <a:t>8/24/16</a:t>
+              <a:t>8/24/2016</a:t>
             </a:fld>
             <a:endParaRPr lang="en-US"/>
           </a:p>
@@ -6469,7 +6774,7 @@
           <a:p>
             <a:fld id="{2066355A-084C-D24E-9AD2-7E4FC41EA627}" type="slidenum">
               <a:rPr lang="en-US" smtClean="0"/>
-              <a:t>‹#›</a:t>
+              <a:t>‹nº›</a:t>
             </a:fld>
             <a:endParaRPr lang="en-US"/>
           </a:p>
@@ -6683,7 +6988,7 @@
           <a:p>
             <a:fld id="{68C2560D-EC28-3B41-86E8-18F1CE0113B4}" type="datetimeFigureOut">
               <a:rPr lang="en-US" smtClean="0"/>
-              <a:t>8/24/16</a:t>
+              <a:t>8/24/2016</a:t>
             </a:fld>
             <a:endParaRPr lang="en-US"/>
           </a:p>
@@ -6725,7 +7030,7 @@
           <a:p>
             <a:fld id="{2066355A-084C-D24E-9AD2-7E4FC41EA627}" type="slidenum">
               <a:rPr lang="en-US" smtClean="0"/>
-              <a:t>‹#›</a:t>
+              <a:t>‹nº›</a:t>
             </a:fld>
             <a:endParaRPr lang="en-US"/>
           </a:p>
@@ -6857,7 +7162,7 @@
           <a:p>
             <a:fld id="{68C2560D-EC28-3B41-86E8-18F1CE0113B4}" type="datetimeFigureOut">
               <a:rPr lang="en-US" smtClean="0"/>
-              <a:t>8/24/16</a:t>
+              <a:t>8/24/2016</a:t>
             </a:fld>
             <a:endParaRPr lang="en-US"/>
           </a:p>
@@ -6899,7 +7204,7 @@
           <a:p>
             <a:fld id="{2066355A-084C-D24E-9AD2-7E4FC41EA627}" type="slidenum">
               <a:rPr lang="en-US" smtClean="0"/>
-              <a:t>‹#›</a:t>
+              <a:t>‹nº›</a:t>
             </a:fld>
             <a:endParaRPr lang="en-US"/>
           </a:p>
@@ -7200,7 +7505,7 @@
           <a:p>
             <a:fld id="{68C2560D-EC28-3B41-86E8-18F1CE0113B4}" type="datetimeFigureOut">
               <a:rPr lang="en-US" smtClean="0"/>
-              <a:t>8/24/16</a:t>
+              <a:t>8/24/2016</a:t>
             </a:fld>
             <a:endParaRPr lang="en-US"/>
           </a:p>
@@ -7242,7 +7547,7 @@
           <a:p>
             <a:fld id="{2066355A-084C-D24E-9AD2-7E4FC41EA627}" type="slidenum">
               <a:rPr lang="en-US" smtClean="0"/>
-              <a:t>‹#›</a:t>
+              <a:t>‹nº›</a:t>
             </a:fld>
             <a:endParaRPr lang="en-US"/>
           </a:p>
@@ -7475,7 +7780,7 @@
           <a:p>
             <a:fld id="{68C2560D-EC28-3B41-86E8-18F1CE0113B4}" type="datetimeFigureOut">
               <a:rPr lang="en-US" smtClean="0"/>
-              <a:t>8/24/16</a:t>
+              <a:t>8/24/2016</a:t>
             </a:fld>
             <a:endParaRPr lang="en-US"/>
           </a:p>
@@ -7517,7 +7822,7 @@
           <a:p>
             <a:fld id="{2066355A-084C-D24E-9AD2-7E4FC41EA627}" type="slidenum">
               <a:rPr lang="en-US" smtClean="0"/>
-              <a:t>‹#›</a:t>
+              <a:t>‹nº›</a:t>
             </a:fld>
             <a:endParaRPr lang="en-US"/>
           </a:p>
@@ -7854,7 +8159,7 @@
           <a:p>
             <a:fld id="{68C2560D-EC28-3B41-86E8-18F1CE0113B4}" type="datetimeFigureOut">
               <a:rPr lang="en-US" smtClean="0"/>
-              <a:t>8/24/16</a:t>
+              <a:t>8/24/2016</a:t>
             </a:fld>
             <a:endParaRPr lang="en-US"/>
           </a:p>
@@ -7896,7 +8201,7 @@
           <a:p>
             <a:fld id="{2066355A-084C-D24E-9AD2-7E4FC41EA627}" type="slidenum">
               <a:rPr lang="en-US" smtClean="0"/>
-              <a:t>‹#›</a:t>
+              <a:t>‹nº›</a:t>
             </a:fld>
             <a:endParaRPr lang="en-US"/>
           </a:p>
@@ -7972,7 +8277,7 @@
           <a:p>
             <a:fld id="{68C2560D-EC28-3B41-86E8-18F1CE0113B4}" type="datetimeFigureOut">
               <a:rPr lang="en-US" smtClean="0"/>
-              <a:t>8/24/16</a:t>
+              <a:t>8/24/2016</a:t>
             </a:fld>
             <a:endParaRPr lang="en-US"/>
           </a:p>
@@ -8014,7 +8319,7 @@
           <a:p>
             <a:fld id="{2066355A-084C-D24E-9AD2-7E4FC41EA627}" type="slidenum">
               <a:rPr lang="en-US" smtClean="0"/>
-              <a:t>‹#›</a:t>
+              <a:t>‹nº›</a:t>
             </a:fld>
             <a:endParaRPr lang="en-US"/>
           </a:p>
@@ -8143,7 +8448,7 @@
           <a:p>
             <a:fld id="{68C2560D-EC28-3B41-86E8-18F1CE0113B4}" type="datetimeFigureOut">
               <a:rPr lang="en-US" smtClean="0"/>
-              <a:t>8/24/16</a:t>
+              <a:t>8/24/2016</a:t>
             </a:fld>
             <a:endParaRPr lang="en-US"/>
           </a:p>
@@ -8193,7 +8498,7 @@
           <a:p>
             <a:fld id="{2066355A-084C-D24E-9AD2-7E4FC41EA627}" type="slidenum">
               <a:rPr lang="en-US" smtClean="0"/>
-              <a:t>‹#›</a:t>
+              <a:t>‹nº›</a:t>
             </a:fld>
             <a:endParaRPr lang="en-US"/>
           </a:p>
@@ -8497,7 +8802,7 @@
           <a:p>
             <a:fld id="{68C2560D-EC28-3B41-86E8-18F1CE0113B4}" type="datetimeFigureOut">
               <a:rPr lang="en-US" smtClean="0"/>
-              <a:t>8/24/16</a:t>
+              <a:t>8/24/2016</a:t>
             </a:fld>
             <a:endParaRPr lang="en-US"/>
           </a:p>
@@ -8560,7 +8865,7 @@
           <a:p>
             <a:fld id="{2066355A-084C-D24E-9AD2-7E4FC41EA627}" type="slidenum">
               <a:rPr lang="en-US" smtClean="0"/>
-              <a:t>‹#›</a:t>
+              <a:t>‹nº›</a:t>
             </a:fld>
             <a:endParaRPr lang="en-US"/>
           </a:p>
@@ -8879,7 +9184,7 @@
           <a:p>
             <a:fld id="{68C2560D-EC28-3B41-86E8-18F1CE0113B4}" type="datetimeFigureOut">
               <a:rPr lang="en-US" smtClean="0"/>
-              <a:t>8/24/16</a:t>
+              <a:t>8/24/2016</a:t>
             </a:fld>
             <a:endParaRPr lang="en-US"/>
           </a:p>
@@ -8921,7 +9226,7 @@
           <a:p>
             <a:fld id="{2066355A-084C-D24E-9AD2-7E4FC41EA627}" type="slidenum">
               <a:rPr lang="en-US" smtClean="0"/>
-              <a:t>‹#›</a:t>
+              <a:t>‹nº›</a:t>
             </a:fld>
             <a:endParaRPr lang="en-US"/>
           </a:p>
@@ -9166,7 +9471,7 @@
           <a:p>
             <a:fld id="{68C2560D-EC28-3B41-86E8-18F1CE0113B4}" type="datetimeFigureOut">
               <a:rPr lang="en-US" smtClean="0"/>
-              <a:t>8/24/16</a:t>
+              <a:t>8/24/2016</a:t>
             </a:fld>
             <a:endParaRPr lang="en-US"/>
           </a:p>
@@ -9240,7 +9545,7 @@
           <a:p>
             <a:fld id="{2066355A-084C-D24E-9AD2-7E4FC41EA627}" type="slidenum">
               <a:rPr lang="en-US" smtClean="0"/>
-              <a:t>‹#›</a:t>
+              <a:t>‹nº›</a:t>
             </a:fld>
             <a:endParaRPr lang="en-US"/>
           </a:p>
@@ -26912,455 +27217,6 @@
       </p:grpSpPr>
       <p:sp>
         <p:nvSpPr>
-          <p:cNvPr id="59" name="Espace réservé du contenu 110"/>
-          <p:cNvSpPr txBox="1">
-            <a:spLocks/>
-          </p:cNvSpPr>
-          <p:nvPr/>
-        </p:nvSpPr>
-        <p:spPr>
-          <a:xfrm>
-            <a:off x="692881" y="1631660"/>
-            <a:ext cx="3456061" cy="2789865"/>
-          </a:xfrm>
-          <a:prstGeom prst="rect">
-            <a:avLst/>
-          </a:prstGeom>
-        </p:spPr>
-        <p:txBody>
-          <a:bodyPr/>
-          <a:lstStyle>
-            <a:lvl1pPr marL="68580" indent="-68580" algn="l" defTabSz="685800" rtl="0" eaLnBrk="1" latinLnBrk="0" hangingPunct="1">
-              <a:lnSpc>
-                <a:spcPct val="90000"/>
-              </a:lnSpc>
-              <a:spcBef>
-                <a:spcPts val="900"/>
-              </a:spcBef>
-              <a:spcAft>
-                <a:spcPts val="150"/>
-              </a:spcAft>
-              <a:buClr>
-                <a:schemeClr val="accent1"/>
-              </a:buClr>
-              <a:buSzPct val="100000"/>
-              <a:buFont typeface="Calibri" panose="020F0502020204030204" pitchFamily="34" charset="0"/>
-              <a:buChar char=" "/>
-              <a:defRPr sz="1500" kern="1200">
-                <a:solidFill>
-                  <a:schemeClr val="tx1">
-                    <a:lumMod val="75000"/>
-                    <a:lumOff val="25000"/>
-                  </a:schemeClr>
-                </a:solidFill>
-                <a:latin typeface="+mn-lt"/>
-                <a:ea typeface="+mn-ea"/>
-                <a:cs typeface="+mn-cs"/>
-              </a:defRPr>
-            </a:lvl1pPr>
-            <a:lvl2pPr marL="288036" indent="-137160" algn="l" defTabSz="685800" rtl="0" eaLnBrk="1" latinLnBrk="0" hangingPunct="1">
-              <a:lnSpc>
-                <a:spcPct val="90000"/>
-              </a:lnSpc>
-              <a:spcBef>
-                <a:spcPts val="150"/>
-              </a:spcBef>
-              <a:spcAft>
-                <a:spcPts val="300"/>
-              </a:spcAft>
-              <a:buClr>
-                <a:schemeClr val="accent1"/>
-              </a:buClr>
-              <a:buFont typeface="Calibri" pitchFamily="34" charset="0"/>
-              <a:buChar char="◦"/>
-              <a:defRPr sz="1350" kern="1200">
-                <a:solidFill>
-                  <a:schemeClr val="tx1">
-                    <a:lumMod val="75000"/>
-                    <a:lumOff val="25000"/>
-                  </a:schemeClr>
-                </a:solidFill>
-                <a:latin typeface="+mn-lt"/>
-                <a:ea typeface="+mn-ea"/>
-                <a:cs typeface="+mn-cs"/>
-              </a:defRPr>
-            </a:lvl2pPr>
-            <a:lvl3pPr marL="425196" indent="-137160" algn="l" defTabSz="685800" rtl="0" eaLnBrk="1" latinLnBrk="0" hangingPunct="1">
-              <a:lnSpc>
-                <a:spcPct val="90000"/>
-              </a:lnSpc>
-              <a:spcBef>
-                <a:spcPts val="150"/>
-              </a:spcBef>
-              <a:spcAft>
-                <a:spcPts val="300"/>
-              </a:spcAft>
-              <a:buClr>
-                <a:schemeClr val="accent1"/>
-              </a:buClr>
-              <a:buFont typeface="Calibri" pitchFamily="34" charset="0"/>
-              <a:buChar char="◦"/>
-              <a:defRPr sz="1050" kern="1200">
-                <a:solidFill>
-                  <a:schemeClr val="tx1">
-                    <a:lumMod val="75000"/>
-                    <a:lumOff val="25000"/>
-                  </a:schemeClr>
-                </a:solidFill>
-                <a:latin typeface="+mn-lt"/>
-                <a:ea typeface="+mn-ea"/>
-                <a:cs typeface="+mn-cs"/>
-              </a:defRPr>
-            </a:lvl3pPr>
-            <a:lvl4pPr marL="562356" indent="-137160" algn="l" defTabSz="685800" rtl="0" eaLnBrk="1" latinLnBrk="0" hangingPunct="1">
-              <a:lnSpc>
-                <a:spcPct val="90000"/>
-              </a:lnSpc>
-              <a:spcBef>
-                <a:spcPts val="150"/>
-              </a:spcBef>
-              <a:spcAft>
-                <a:spcPts val="300"/>
-              </a:spcAft>
-              <a:buClr>
-                <a:schemeClr val="accent1"/>
-              </a:buClr>
-              <a:buFont typeface="Calibri" pitchFamily="34" charset="0"/>
-              <a:buChar char="◦"/>
-              <a:defRPr sz="1050" kern="1200">
-                <a:solidFill>
-                  <a:schemeClr val="tx1">
-                    <a:lumMod val="75000"/>
-                    <a:lumOff val="25000"/>
-                  </a:schemeClr>
-                </a:solidFill>
-                <a:latin typeface="+mn-lt"/>
-                <a:ea typeface="+mn-ea"/>
-                <a:cs typeface="+mn-cs"/>
-              </a:defRPr>
-            </a:lvl4pPr>
-            <a:lvl5pPr marL="699516" indent="-137160" algn="l" defTabSz="685800" rtl="0" eaLnBrk="1" latinLnBrk="0" hangingPunct="1">
-              <a:lnSpc>
-                <a:spcPct val="90000"/>
-              </a:lnSpc>
-              <a:spcBef>
-                <a:spcPts val="150"/>
-              </a:spcBef>
-              <a:spcAft>
-                <a:spcPts val="300"/>
-              </a:spcAft>
-              <a:buClr>
-                <a:schemeClr val="accent1"/>
-              </a:buClr>
-              <a:buFont typeface="Calibri" pitchFamily="34" charset="0"/>
-              <a:buChar char="◦"/>
-              <a:defRPr sz="1050" kern="1200">
-                <a:solidFill>
-                  <a:schemeClr val="tx1">
-                    <a:lumMod val="75000"/>
-                    <a:lumOff val="25000"/>
-                  </a:schemeClr>
-                </a:solidFill>
-                <a:latin typeface="+mn-lt"/>
-                <a:ea typeface="+mn-ea"/>
-                <a:cs typeface="+mn-cs"/>
-              </a:defRPr>
-            </a:lvl5pPr>
-            <a:lvl6pPr marL="825000" indent="-171450" algn="l" defTabSz="685800" rtl="0" eaLnBrk="1" latinLnBrk="0" hangingPunct="1">
-              <a:lnSpc>
-                <a:spcPct val="90000"/>
-              </a:lnSpc>
-              <a:spcBef>
-                <a:spcPts val="150"/>
-              </a:spcBef>
-              <a:spcAft>
-                <a:spcPts val="300"/>
-              </a:spcAft>
-              <a:buClr>
-                <a:schemeClr val="accent1"/>
-              </a:buClr>
-              <a:buFont typeface="Calibri" pitchFamily="34" charset="0"/>
-              <a:buChar char="◦"/>
-              <a:defRPr sz="1050" kern="1200">
-                <a:solidFill>
-                  <a:schemeClr val="tx1">
-                    <a:lumMod val="75000"/>
-                    <a:lumOff val="25000"/>
-                  </a:schemeClr>
-                </a:solidFill>
-                <a:latin typeface="+mn-lt"/>
-                <a:ea typeface="+mn-ea"/>
-                <a:cs typeface="+mn-cs"/>
-              </a:defRPr>
-            </a:lvl6pPr>
-            <a:lvl7pPr marL="975000" indent="-171450" algn="l" defTabSz="685800" rtl="0" eaLnBrk="1" latinLnBrk="0" hangingPunct="1">
-              <a:lnSpc>
-                <a:spcPct val="90000"/>
-              </a:lnSpc>
-              <a:spcBef>
-                <a:spcPts val="150"/>
-              </a:spcBef>
-              <a:spcAft>
-                <a:spcPts val="300"/>
-              </a:spcAft>
-              <a:buClr>
-                <a:schemeClr val="accent1"/>
-              </a:buClr>
-              <a:buFont typeface="Calibri" pitchFamily="34" charset="0"/>
-              <a:buChar char="◦"/>
-              <a:defRPr sz="1050" kern="1200">
-                <a:solidFill>
-                  <a:schemeClr val="tx1">
-                    <a:lumMod val="75000"/>
-                    <a:lumOff val="25000"/>
-                  </a:schemeClr>
-                </a:solidFill>
-                <a:latin typeface="+mn-lt"/>
-                <a:ea typeface="+mn-ea"/>
-                <a:cs typeface="+mn-cs"/>
-              </a:defRPr>
-            </a:lvl7pPr>
-            <a:lvl8pPr marL="1125000" indent="-171450" algn="l" defTabSz="685800" rtl="0" eaLnBrk="1" latinLnBrk="0" hangingPunct="1">
-              <a:lnSpc>
-                <a:spcPct val="90000"/>
-              </a:lnSpc>
-              <a:spcBef>
-                <a:spcPts val="150"/>
-              </a:spcBef>
-              <a:spcAft>
-                <a:spcPts val="300"/>
-              </a:spcAft>
-              <a:buClr>
-                <a:schemeClr val="accent1"/>
-              </a:buClr>
-              <a:buFont typeface="Calibri" pitchFamily="34" charset="0"/>
-              <a:buChar char="◦"/>
-              <a:defRPr sz="1050" kern="1200">
-                <a:solidFill>
-                  <a:schemeClr val="tx1">
-                    <a:lumMod val="75000"/>
-                    <a:lumOff val="25000"/>
-                  </a:schemeClr>
-                </a:solidFill>
-                <a:latin typeface="+mn-lt"/>
-                <a:ea typeface="+mn-ea"/>
-                <a:cs typeface="+mn-cs"/>
-              </a:defRPr>
-            </a:lvl8pPr>
-            <a:lvl9pPr marL="1275000" indent="-171450" algn="l" defTabSz="685800" rtl="0" eaLnBrk="1" latinLnBrk="0" hangingPunct="1">
-              <a:lnSpc>
-                <a:spcPct val="90000"/>
-              </a:lnSpc>
-              <a:spcBef>
-                <a:spcPts val="150"/>
-              </a:spcBef>
-              <a:spcAft>
-                <a:spcPts val="300"/>
-              </a:spcAft>
-              <a:buClr>
-                <a:schemeClr val="accent1"/>
-              </a:buClr>
-              <a:buFont typeface="Calibri" pitchFamily="34" charset="0"/>
-              <a:buChar char="◦"/>
-              <a:defRPr sz="1050" kern="1200">
-                <a:solidFill>
-                  <a:schemeClr val="tx1">
-                    <a:lumMod val="75000"/>
-                    <a:lumOff val="25000"/>
-                  </a:schemeClr>
-                </a:solidFill>
-                <a:latin typeface="+mn-lt"/>
-                <a:ea typeface="+mn-ea"/>
-                <a:cs typeface="+mn-cs"/>
-              </a:defRPr>
-            </a:lvl9pPr>
-          </a:lstStyle>
-          <a:p>
-            <a:pPr lvl="1" algn="just">
-              <a:buFont typeface="Wingdings" charset="2"/>
-              <a:buChar char="§"/>
-            </a:pPr>
-            <a:r>
-              <a:rPr lang="en-US" sz="1400" b="1" dirty="0" smtClean="0">
-                <a:solidFill>
-                  <a:schemeClr val="tx1"/>
-                </a:solidFill>
-              </a:rPr>
-              <a:t>R</a:t>
-            </a:r>
-            <a:r>
-              <a:rPr lang="en-US" sz="1400" b="1" baseline="-25000" dirty="0" smtClean="0">
-                <a:solidFill>
-                  <a:schemeClr val="tx1"/>
-                </a:solidFill>
-              </a:rPr>
-              <a:t>1</a:t>
-            </a:r>
-            <a:r>
-              <a:rPr lang="en-US" sz="1400" b="1" dirty="0" smtClean="0">
-                <a:solidFill>
-                  <a:schemeClr val="tx1"/>
-                </a:solidFill>
-              </a:rPr>
-              <a:t>:</a:t>
-            </a:r>
-            <a:r>
-              <a:rPr lang="en-US" sz="1400" dirty="0" smtClean="0">
-                <a:solidFill>
-                  <a:schemeClr val="tx1"/>
-                </a:solidFill>
-              </a:rPr>
-              <a:t> The cardinality of the union of </a:t>
-            </a:r>
-            <a:r>
-              <a:rPr lang="en-US" sz="1400" dirty="0">
-                <a:solidFill>
-                  <a:schemeClr val="tx1"/>
-                </a:solidFill>
-              </a:rPr>
-              <a:t>CSDs in p is equal to </a:t>
-            </a:r>
-            <a:r>
-              <a:rPr lang="en-US" sz="1400" dirty="0" smtClean="0">
-                <a:solidFill>
-                  <a:schemeClr val="tx1"/>
-                </a:solidFill>
-              </a:rPr>
-              <a:t>the </a:t>
-            </a:r>
-            <a:r>
-              <a:rPr lang="en-US" sz="1400" dirty="0">
-                <a:solidFill>
-                  <a:schemeClr val="tx1"/>
-                </a:solidFill>
-              </a:rPr>
-              <a:t>number of abstract services in the </a:t>
-            </a:r>
-            <a:r>
-              <a:rPr lang="en-US" sz="1400" dirty="0" smtClean="0">
-                <a:solidFill>
-                  <a:schemeClr val="tx1"/>
-                </a:solidFill>
-              </a:rPr>
-              <a:t>query</a:t>
-            </a:r>
-            <a:endParaRPr lang="en-US" sz="1400" b="1" dirty="0">
-              <a:solidFill>
-                <a:schemeClr val="tx1"/>
-              </a:solidFill>
-            </a:endParaRPr>
-          </a:p>
-          <a:p>
-            <a:pPr lvl="1" algn="just">
-              <a:buFont typeface="Wingdings" charset="2"/>
-              <a:buChar char="§"/>
-            </a:pPr>
-            <a:r>
-              <a:rPr lang="en-US" sz="1400" b="1" dirty="0" smtClean="0">
-                <a:solidFill>
-                  <a:schemeClr val="tx1"/>
-                </a:solidFill>
-              </a:rPr>
-              <a:t>R</a:t>
-            </a:r>
-            <a:r>
-              <a:rPr lang="en-US" sz="1400" b="1" baseline="-25000" dirty="0" smtClean="0">
-                <a:solidFill>
-                  <a:schemeClr val="tx1"/>
-                </a:solidFill>
-              </a:rPr>
-              <a:t>2</a:t>
-            </a:r>
-            <a:r>
-              <a:rPr lang="en-US" sz="1400" b="1" dirty="0" smtClean="0">
-                <a:solidFill>
-                  <a:schemeClr val="tx1"/>
-                </a:solidFill>
-              </a:rPr>
-              <a:t>:</a:t>
-            </a:r>
-            <a:r>
-              <a:rPr lang="en-US" sz="1400" i="1" dirty="0" smtClean="0">
-                <a:solidFill>
-                  <a:schemeClr val="tx1"/>
-                </a:solidFill>
-              </a:rPr>
-              <a:t> </a:t>
-            </a:r>
-            <a:r>
-              <a:rPr lang="en-US" sz="1400" dirty="0">
-                <a:solidFill>
-                  <a:schemeClr val="tx1"/>
-                </a:solidFill>
-              </a:rPr>
-              <a:t>the intersection of all abstract services in each CSD on </a:t>
-            </a:r>
-            <a:r>
-              <a:rPr lang="en-US" sz="1400" dirty="0" smtClean="0">
-                <a:solidFill>
-                  <a:schemeClr val="tx1"/>
-                </a:solidFill>
-              </a:rPr>
-              <a:t>p</a:t>
-            </a:r>
-            <a:r>
-              <a:rPr lang="en-US" sz="1400" baseline="-25000" dirty="0" smtClean="0">
-                <a:solidFill>
-                  <a:schemeClr val="tx1"/>
-                </a:solidFill>
-              </a:rPr>
-              <a:t>i</a:t>
-            </a:r>
-            <a:r>
-              <a:rPr lang="en-US" sz="1400" dirty="0" smtClean="0">
-                <a:solidFill>
-                  <a:schemeClr val="tx1"/>
-                </a:solidFill>
-              </a:rPr>
-              <a:t> </a:t>
-            </a:r>
-            <a:r>
-              <a:rPr lang="en-US" sz="1400" dirty="0">
-                <a:solidFill>
-                  <a:schemeClr val="tx1"/>
-                </a:solidFill>
-              </a:rPr>
-              <a:t>is empty. A</a:t>
-            </a:r>
-            <a:r>
-              <a:rPr lang="en-US" sz="1400" dirty="0" smtClean="0">
-                <a:solidFill>
-                  <a:schemeClr val="tx1"/>
-                </a:solidFill>
-              </a:rPr>
-              <a:t>bstract </a:t>
-            </a:r>
-            <a:r>
-              <a:rPr lang="en-US" sz="1400" dirty="0">
-                <a:solidFill>
-                  <a:schemeClr val="tx1"/>
-                </a:solidFill>
-              </a:rPr>
-              <a:t>services </a:t>
-            </a:r>
-            <a:r>
-              <a:rPr lang="en-US" sz="1400" dirty="0" smtClean="0">
-                <a:solidFill>
-                  <a:schemeClr val="tx1"/>
-                </a:solidFill>
-              </a:rPr>
-              <a:t>cannot appear in more than one set pi</a:t>
-            </a:r>
-            <a:endParaRPr lang="en-US" sz="1400" dirty="0">
-              <a:solidFill>
-                <a:schemeClr val="tx1"/>
-              </a:solidFill>
-            </a:endParaRPr>
-          </a:p>
-        </p:txBody>
-      </p:sp>
-      <p:sp>
-        <p:nvSpPr>
           <p:cNvPr id="2" name="Titre 1"/>
           <p:cNvSpPr>
             <a:spLocks noGrp="1"/>
@@ -27418,7 +27274,7 @@
         </p:nvSpPr>
         <p:spPr>
           <a:xfrm>
-            <a:off x="1080985" y="3687879"/>
+            <a:off x="1080985" y="2145952"/>
             <a:ext cx="2679854" cy="936631"/>
           </a:xfrm>
           <a:prstGeom prst="rect">
@@ -27760,7 +27616,7 @@
         </p:nvSpPr>
         <p:spPr>
           <a:xfrm>
-            <a:off x="822959" y="3359239"/>
+            <a:off x="822959" y="1817312"/>
             <a:ext cx="1198532" cy="375371"/>
           </a:xfrm>
           <a:prstGeom prst="rect">
@@ -29785,7 +29641,18 @@
                 <a:ea typeface="Consolas" charset="0"/>
                 <a:cs typeface="Consolas" charset="0"/>
               </a:rPr>
-              <a:t>d= “flu”,  [ 	availability &gt; 98%, </a:t>
+              <a:t>dis= </a:t>
+            </a:r>
+            <a:r>
+              <a:rPr lang="en-US" sz="1400" dirty="0" smtClean="0">
+                <a:solidFill>
+                  <a:srgbClr val="0070C0"/>
+                </a:solidFill>
+                <a:latin typeface="Consolas" charset="0"/>
+                <a:ea typeface="Consolas" charset="0"/>
+                <a:cs typeface="Consolas" charset="0"/>
+              </a:rPr>
+              <a:t>“flu”,  [ 	availability &gt; 98%, </a:t>
             </a:r>
           </a:p>
           <a:p>
@@ -30705,108 +30572,6 @@
                       </p:childTnLst>
                     </p:cTn>
                   </p:par>
-                  <p:par>
-                    <p:cTn id="25" fill="hold">
-                      <p:stCondLst>
-                        <p:cond delay="indefinite"/>
-                      </p:stCondLst>
-                      <p:childTnLst>
-                        <p:par>
-                          <p:cTn id="26" fill="hold">
-                            <p:stCondLst>
-                              <p:cond delay="0"/>
-                            </p:stCondLst>
-                            <p:childTnLst>
-                              <p:par>
-                                <p:cTn id="27" presetID="3" presetClass="emph" presetSubtype="2" fill="hold" nodeType="clickEffect">
-                                  <p:stCondLst>
-                                    <p:cond delay="0"/>
-                                  </p:stCondLst>
-                                  <p:childTnLst>
-                                    <p:animClr clrSpc="rgb" dir="cw">
-                                      <p:cBhvr override="childStyle">
-                                        <p:cTn id="28" dur="2000" fill="hold"/>
-                                        <p:tgtEl>
-                                          <p:spTgt spid="24">
-                                            <p:txEl>
-                                              <p:pRg st="0" end="0"/>
-                                            </p:txEl>
-                                          </p:spTgt>
-                                        </p:tgtEl>
-                                        <p:attrNameLst>
-                                          <p:attrName>style.color</p:attrName>
-                                        </p:attrNameLst>
-                                      </p:cBhvr>
-                                      <p:to>
-                                        <a:srgbClr val="D6D6D6"/>
-                                      </p:to>
-                                    </p:animClr>
-                                  </p:childTnLst>
-                                </p:cTn>
-                              </p:par>
-                              <p:par>
-                                <p:cTn id="29" presetID="3" presetClass="emph" presetSubtype="2" fill="hold" nodeType="withEffect">
-                                  <p:stCondLst>
-                                    <p:cond delay="0"/>
-                                  </p:stCondLst>
-                                  <p:childTnLst>
-                                    <p:animClr clrSpc="rgb" dir="cw">
-                                      <p:cBhvr override="childStyle">
-                                        <p:cTn id="30" dur="2000" fill="hold"/>
-                                        <p:tgtEl>
-                                          <p:spTgt spid="24">
-                                            <p:txEl>
-                                              <p:pRg st="2" end="2"/>
-                                            </p:txEl>
-                                          </p:spTgt>
-                                        </p:tgtEl>
-                                        <p:attrNameLst>
-                                          <p:attrName>style.color</p:attrName>
-                                        </p:attrNameLst>
-                                      </p:cBhvr>
-                                      <p:to>
-                                        <a:srgbClr val="D6D6D6"/>
-                                      </p:to>
-                                    </p:animClr>
-                                  </p:childTnLst>
-                                </p:cTn>
-                              </p:par>
-                              <p:par>
-                                <p:cTn id="31" presetID="18" presetClass="emph" presetSubtype="0" fill="hold" nodeType="withEffect">
-                                  <p:stCondLst>
-                                    <p:cond delay="0"/>
-                                  </p:stCondLst>
-                                  <p:iterate type="lt">
-                                    <p:tmPct val="4000"/>
-                                  </p:iterate>
-                                  <p:childTnLst>
-                                    <p:set>
-                                      <p:cBhvr override="childStyle">
-                                        <p:cTn id="32" dur="500" fill="hold"/>
-                                        <p:tgtEl>
-                                          <p:spTgt spid="24">
-                                            <p:txEl>
-                                              <p:pRg st="4" end="4"/>
-                                            </p:txEl>
-                                          </p:spTgt>
-                                        </p:tgtEl>
-                                        <p:attrNameLst>
-                                          <p:attrName>style.textDecorationUnderline</p:attrName>
-                                        </p:attrNameLst>
-                                      </p:cBhvr>
-                                      <p:to>
-                                        <p:strVal val="true"/>
-                                      </p:to>
-                                    </p:set>
-                                  </p:childTnLst>
-                                </p:cTn>
-                              </p:par>
-                            </p:childTnLst>
-                          </p:cTn>
-                        </p:par>
-                      </p:childTnLst>
-                    </p:cTn>
-                  </p:par>
                 </p:childTnLst>
               </p:cTn>
               <p:prevCondLst>
@@ -30830,7 +30595,7 @@
     </p:tnLst>
     <p:bldLst>
       <p:bldP spid="24" grpId="0"/>
-      <p:bldP spid="24" grpId="1" build="allAtOnce"/>
+      <p:bldP spid="24" grpId="1" uiExpand="1" build="allAtOnce"/>
       <p:bldP spid="25" grpId="0"/>
     </p:bldLst>
   </p:timing>
@@ -32463,6 +32228,3170 @@
         </p:nvSpPr>
         <p:spPr/>
         <p:txBody>
+          <a:bodyPr>
+            <a:normAutofit/>
+          </a:bodyPr>
+          <a:lstStyle/>
+          <a:p>
+            <a:r>
+              <a:rPr lang="en-GB" sz="4000" dirty="0" smtClean="0"/>
+              <a:t>Validating combinations</a:t>
+            </a:r>
+            <a:endParaRPr lang="en-GB" sz="4000" dirty="0"/>
+          </a:p>
+        </p:txBody>
+      </p:sp>
+      <p:sp>
+        <p:nvSpPr>
+          <p:cNvPr id="3" name="Espace réservé du numéro de diapositive 2"/>
+          <p:cNvSpPr>
+            <a:spLocks noGrp="1"/>
+          </p:cNvSpPr>
+          <p:nvPr>
+            <p:ph type="sldNum" sz="quarter" idx="12"/>
+          </p:nvPr>
+        </p:nvSpPr>
+        <p:spPr/>
+        <p:txBody>
+          <a:bodyPr/>
+          <a:lstStyle/>
+          <a:p>
+            <a:fld id="{66E10180-7C22-9345-A16D-C53871315580}" type="slidenum">
+              <a:rPr lang="en-GB" smtClean="0"/>
+              <a:pPr/>
+              <a:t>21</a:t>
+            </a:fld>
+            <a:endParaRPr lang="en-GB" dirty="0"/>
+          </a:p>
+        </p:txBody>
+      </p:sp>
+      <p:sp>
+        <p:nvSpPr>
+          <p:cNvPr id="24" name="Titre 4"/>
+          <p:cNvSpPr txBox="1">
+            <a:spLocks/>
+          </p:cNvSpPr>
+          <p:nvPr/>
+        </p:nvSpPr>
+        <p:spPr>
+          <a:xfrm>
+            <a:off x="1080985" y="2145952"/>
+            <a:ext cx="2679854" cy="936631"/>
+          </a:xfrm>
+          <a:prstGeom prst="rect">
+            <a:avLst/>
+          </a:prstGeom>
+        </p:spPr>
+        <p:txBody>
+          <a:bodyPr vert="horz" lIns="91440" tIns="45720" rIns="91440" bIns="45720" rtlCol="0" anchor="t">
+            <a:noAutofit/>
+          </a:bodyPr>
+          <a:lstStyle>
+            <a:lvl1pPr algn="l" defTabSz="685800" rtl="0" eaLnBrk="1" latinLnBrk="0" hangingPunct="1">
+              <a:lnSpc>
+                <a:spcPct val="85000"/>
+              </a:lnSpc>
+              <a:spcBef>
+                <a:spcPct val="0"/>
+              </a:spcBef>
+              <a:buNone/>
+              <a:defRPr sz="3600" kern="1200" spc="-38" baseline="0">
+                <a:solidFill>
+                  <a:schemeClr val="tx1">
+                    <a:lumMod val="75000"/>
+                    <a:lumOff val="25000"/>
+                  </a:schemeClr>
+                </a:solidFill>
+                <a:latin typeface="+mj-lt"/>
+                <a:ea typeface="+mj-ea"/>
+                <a:cs typeface="+mj-cs"/>
+              </a:defRPr>
+            </a:lvl1pPr>
+          </a:lstStyle>
+          <a:p>
+            <a:r>
+              <a:rPr lang="en-GB" sz="1400" b="1" i="1" dirty="0" smtClean="0">
+                <a:solidFill>
+                  <a:srgbClr val="0A6212"/>
+                </a:solidFill>
+                <a:latin typeface="Consolas" charset="0"/>
+                <a:ea typeface="Consolas" charset="0"/>
+                <a:cs typeface="Consolas" charset="0"/>
+              </a:rPr>
+              <a:t>p</a:t>
+            </a:r>
+            <a:r>
+              <a:rPr lang="en-GB" sz="1400" b="1" i="1" baseline="-25000" dirty="0" smtClean="0">
+                <a:solidFill>
+                  <a:srgbClr val="0A6212"/>
+                </a:solidFill>
+                <a:latin typeface="Consolas" charset="0"/>
+                <a:ea typeface="Consolas" charset="0"/>
+                <a:cs typeface="Consolas" charset="0"/>
+              </a:rPr>
+              <a:t>1 </a:t>
+            </a:r>
+            <a:r>
+              <a:rPr lang="en-GB" sz="1400" b="1" i="1" dirty="0" smtClean="0">
+                <a:solidFill>
+                  <a:srgbClr val="0A6212"/>
+                </a:solidFill>
+                <a:latin typeface="Consolas" charset="0"/>
+                <a:ea typeface="Consolas" charset="0"/>
+                <a:cs typeface="Consolas" charset="0"/>
+              </a:rPr>
+              <a:t>=  { CSD</a:t>
+            </a:r>
+            <a:r>
+              <a:rPr lang="en-GB" sz="1400" b="1" i="1" baseline="-25000" dirty="0" smtClean="0">
+                <a:solidFill>
+                  <a:srgbClr val="0A6212"/>
+                </a:solidFill>
+                <a:latin typeface="Consolas" charset="0"/>
+                <a:ea typeface="Consolas" charset="0"/>
+                <a:cs typeface="Consolas" charset="0"/>
+              </a:rPr>
+              <a:t>2</a:t>
+            </a:r>
+            <a:r>
+              <a:rPr lang="en-GB" sz="1400" b="1" i="1" dirty="0" smtClean="0">
+                <a:solidFill>
+                  <a:srgbClr val="0A6212"/>
+                </a:solidFill>
+                <a:latin typeface="Consolas" charset="0"/>
+                <a:ea typeface="Consolas" charset="0"/>
+                <a:cs typeface="Consolas" charset="0"/>
+              </a:rPr>
+              <a:t> }</a:t>
+            </a:r>
+          </a:p>
+          <a:p>
+            <a:endParaRPr lang="en-GB" sz="1400" b="1" i="1" dirty="0">
+              <a:solidFill>
+                <a:srgbClr val="0A6212"/>
+              </a:solidFill>
+              <a:latin typeface="Consolas" charset="0"/>
+              <a:ea typeface="Consolas" charset="0"/>
+              <a:cs typeface="Consolas" charset="0"/>
+            </a:endParaRPr>
+          </a:p>
+          <a:p>
+            <a:r>
+              <a:rPr lang="en-GB" sz="1400" b="1" i="1" dirty="0" smtClean="0">
+                <a:solidFill>
+                  <a:srgbClr val="0A6212"/>
+                </a:solidFill>
+                <a:latin typeface="Consolas" charset="0"/>
+                <a:ea typeface="Consolas" charset="0"/>
+                <a:cs typeface="Consolas" charset="0"/>
+              </a:rPr>
+              <a:t>p</a:t>
+            </a:r>
+            <a:r>
+              <a:rPr lang="en-GB" sz="1400" b="1" i="1" baseline="-25000" dirty="0" smtClean="0">
+                <a:solidFill>
+                  <a:srgbClr val="0A6212"/>
+                </a:solidFill>
+                <a:latin typeface="Consolas" charset="0"/>
+                <a:ea typeface="Consolas" charset="0"/>
+                <a:cs typeface="Consolas" charset="0"/>
+              </a:rPr>
+              <a:t>2 </a:t>
+            </a:r>
+            <a:r>
+              <a:rPr lang="en-GB" sz="1400" b="1" i="1" dirty="0">
+                <a:solidFill>
+                  <a:srgbClr val="0A6212"/>
+                </a:solidFill>
+                <a:latin typeface="Consolas" charset="0"/>
+                <a:ea typeface="Consolas" charset="0"/>
+                <a:cs typeface="Consolas" charset="0"/>
+              </a:rPr>
+              <a:t>=  { CSD</a:t>
+            </a:r>
+            <a:r>
+              <a:rPr lang="en-GB" sz="1400" b="1" i="1" baseline="-25000" dirty="0">
+                <a:solidFill>
+                  <a:srgbClr val="0A6212"/>
+                </a:solidFill>
+                <a:latin typeface="Consolas" charset="0"/>
+                <a:ea typeface="Consolas" charset="0"/>
+                <a:cs typeface="Consolas" charset="0"/>
+              </a:rPr>
+              <a:t>2</a:t>
+            </a:r>
+            <a:r>
+              <a:rPr lang="en-GB" sz="1400" b="1" i="1" dirty="0">
+                <a:solidFill>
+                  <a:srgbClr val="0A6212"/>
+                </a:solidFill>
+                <a:latin typeface="Consolas" charset="0"/>
+                <a:ea typeface="Consolas" charset="0"/>
+                <a:cs typeface="Consolas" charset="0"/>
+              </a:rPr>
+              <a:t> </a:t>
+            </a:r>
+            <a:r>
+              <a:rPr lang="en-GB" sz="1400" b="1" i="1" dirty="0" smtClean="0">
+                <a:solidFill>
+                  <a:srgbClr val="0A6212"/>
+                </a:solidFill>
+                <a:latin typeface="Consolas" charset="0"/>
+                <a:ea typeface="Consolas" charset="0"/>
+                <a:cs typeface="Consolas" charset="0"/>
+              </a:rPr>
+              <a:t>, CSD</a:t>
+            </a:r>
+            <a:r>
+              <a:rPr lang="en-GB" sz="1400" b="1" i="1" baseline="-25000" dirty="0" smtClean="0">
+                <a:solidFill>
+                  <a:srgbClr val="0A6212"/>
+                </a:solidFill>
+                <a:latin typeface="Consolas" charset="0"/>
+                <a:ea typeface="Consolas" charset="0"/>
+                <a:cs typeface="Consolas" charset="0"/>
+              </a:rPr>
+              <a:t>3  </a:t>
+            </a:r>
+            <a:r>
+              <a:rPr lang="en-GB" sz="1400" b="1" i="1" dirty="0" smtClean="0">
+                <a:solidFill>
+                  <a:srgbClr val="0A6212"/>
+                </a:solidFill>
+                <a:latin typeface="Consolas" charset="0"/>
+                <a:ea typeface="Consolas" charset="0"/>
+                <a:cs typeface="Consolas" charset="0"/>
+              </a:rPr>
+              <a:t>} </a:t>
+            </a:r>
+          </a:p>
+          <a:p>
+            <a:endParaRPr lang="en-GB" sz="1400" b="1" i="1" dirty="0">
+              <a:solidFill>
+                <a:srgbClr val="0A6212"/>
+              </a:solidFill>
+              <a:latin typeface="Consolas" charset="0"/>
+              <a:ea typeface="Consolas" charset="0"/>
+              <a:cs typeface="Consolas" charset="0"/>
+            </a:endParaRPr>
+          </a:p>
+          <a:p>
+            <a:r>
+              <a:rPr lang="en-GB" sz="1400" b="1" i="1" dirty="0" smtClean="0">
+                <a:solidFill>
+                  <a:srgbClr val="0A6212"/>
+                </a:solidFill>
+                <a:latin typeface="Consolas" charset="0"/>
+                <a:ea typeface="Consolas" charset="0"/>
+                <a:cs typeface="Consolas" charset="0"/>
+              </a:rPr>
+              <a:t>p</a:t>
+            </a:r>
+            <a:r>
+              <a:rPr lang="en-GB" sz="1400" b="1" i="1" baseline="-25000" dirty="0" smtClean="0">
+                <a:solidFill>
+                  <a:srgbClr val="0A6212"/>
+                </a:solidFill>
+                <a:latin typeface="Consolas" charset="0"/>
+                <a:ea typeface="Consolas" charset="0"/>
+                <a:cs typeface="Consolas" charset="0"/>
+              </a:rPr>
+              <a:t>3 </a:t>
+            </a:r>
+            <a:r>
+              <a:rPr lang="en-GB" sz="1400" b="1" i="1" dirty="0">
+                <a:solidFill>
+                  <a:srgbClr val="0A6212"/>
+                </a:solidFill>
+                <a:latin typeface="Consolas" charset="0"/>
+                <a:ea typeface="Consolas" charset="0"/>
+                <a:cs typeface="Consolas" charset="0"/>
+              </a:rPr>
+              <a:t>=  { CSD</a:t>
+            </a:r>
+            <a:r>
+              <a:rPr lang="en-GB" sz="1400" b="1" i="1" baseline="-25000" dirty="0">
+                <a:solidFill>
+                  <a:srgbClr val="0A6212"/>
+                </a:solidFill>
+                <a:latin typeface="Consolas" charset="0"/>
+                <a:ea typeface="Consolas" charset="0"/>
+                <a:cs typeface="Consolas" charset="0"/>
+              </a:rPr>
+              <a:t>2</a:t>
+            </a:r>
+            <a:r>
+              <a:rPr lang="en-GB" sz="1400" b="1" i="1" dirty="0">
+                <a:solidFill>
+                  <a:srgbClr val="0A6212"/>
+                </a:solidFill>
+                <a:latin typeface="Consolas" charset="0"/>
+                <a:ea typeface="Consolas" charset="0"/>
+                <a:cs typeface="Consolas" charset="0"/>
+              </a:rPr>
+              <a:t> , </a:t>
+            </a:r>
+            <a:r>
+              <a:rPr lang="en-GB" sz="1400" b="1" i="1" dirty="0" smtClean="0">
+                <a:solidFill>
+                  <a:srgbClr val="0A6212"/>
+                </a:solidFill>
+                <a:latin typeface="Consolas" charset="0"/>
+                <a:ea typeface="Consolas" charset="0"/>
+                <a:cs typeface="Consolas" charset="0"/>
+              </a:rPr>
+              <a:t>CSD</a:t>
+            </a:r>
+            <a:r>
+              <a:rPr lang="en-GB" sz="1400" b="1" i="1" baseline="-25000" dirty="0" smtClean="0">
+                <a:solidFill>
+                  <a:srgbClr val="0A6212"/>
+                </a:solidFill>
+                <a:latin typeface="Consolas" charset="0"/>
+                <a:ea typeface="Consolas" charset="0"/>
+                <a:cs typeface="Consolas" charset="0"/>
+              </a:rPr>
+              <a:t>3 </a:t>
+            </a:r>
+            <a:r>
+              <a:rPr lang="en-GB" sz="1400" b="1" i="1" dirty="0" smtClean="0">
+                <a:solidFill>
+                  <a:srgbClr val="0A6212"/>
+                </a:solidFill>
+                <a:latin typeface="Consolas" charset="0"/>
+                <a:ea typeface="Consolas" charset="0"/>
+                <a:cs typeface="Consolas" charset="0"/>
+              </a:rPr>
+              <a:t>, CSD</a:t>
+            </a:r>
+            <a:r>
+              <a:rPr lang="en-GB" sz="1400" b="1" i="1" baseline="-25000" dirty="0" smtClean="0">
+                <a:solidFill>
+                  <a:srgbClr val="0A6212"/>
+                </a:solidFill>
+                <a:latin typeface="Consolas" charset="0"/>
+                <a:ea typeface="Consolas" charset="0"/>
+                <a:cs typeface="Consolas" charset="0"/>
+              </a:rPr>
+              <a:t>5  </a:t>
+            </a:r>
+            <a:r>
+              <a:rPr lang="en-GB" sz="1400" b="1" i="1" dirty="0" smtClean="0">
+                <a:solidFill>
+                  <a:srgbClr val="0A6212"/>
+                </a:solidFill>
+                <a:latin typeface="Consolas" charset="0"/>
+                <a:ea typeface="Consolas" charset="0"/>
+                <a:cs typeface="Consolas" charset="0"/>
+              </a:rPr>
+              <a:t>} </a:t>
+            </a:r>
+            <a:endParaRPr lang="en-GB" sz="1400" b="1" dirty="0">
+              <a:solidFill>
+                <a:srgbClr val="0A6212"/>
+              </a:solidFill>
+              <a:latin typeface="Consolas" charset="0"/>
+              <a:ea typeface="Consolas" charset="0"/>
+              <a:cs typeface="Consolas" charset="0"/>
+            </a:endParaRPr>
+          </a:p>
+          <a:p>
+            <a:endParaRPr lang="en-GB" sz="1400" b="1" dirty="0">
+              <a:solidFill>
+                <a:srgbClr val="0A6212"/>
+              </a:solidFill>
+              <a:latin typeface="Consolas" charset="0"/>
+              <a:ea typeface="Consolas" charset="0"/>
+              <a:cs typeface="Consolas" charset="0"/>
+            </a:endParaRPr>
+          </a:p>
+        </p:txBody>
+      </p:sp>
+      <p:sp>
+        <p:nvSpPr>
+          <p:cNvPr id="25" name="Titre 4"/>
+          <p:cNvSpPr txBox="1">
+            <a:spLocks/>
+          </p:cNvSpPr>
+          <p:nvPr/>
+        </p:nvSpPr>
+        <p:spPr>
+          <a:xfrm>
+            <a:off x="822959" y="1817312"/>
+            <a:ext cx="1198532" cy="375371"/>
+          </a:xfrm>
+          <a:prstGeom prst="rect">
+            <a:avLst/>
+          </a:prstGeom>
+        </p:spPr>
+        <p:txBody>
+          <a:bodyPr vert="horz" lIns="91440" tIns="45720" rIns="91440" bIns="45720" rtlCol="0" anchor="b">
+            <a:normAutofit/>
+          </a:bodyPr>
+          <a:lstStyle>
+            <a:lvl1pPr algn="l" defTabSz="685800" rtl="0" eaLnBrk="1" latinLnBrk="0" hangingPunct="1">
+              <a:lnSpc>
+                <a:spcPct val="85000"/>
+              </a:lnSpc>
+              <a:spcBef>
+                <a:spcPct val="0"/>
+              </a:spcBef>
+              <a:buNone/>
+              <a:defRPr sz="3600" kern="1200" spc="-38" baseline="0">
+                <a:solidFill>
+                  <a:schemeClr val="tx1">
+                    <a:lumMod val="75000"/>
+                    <a:lumOff val="25000"/>
+                  </a:schemeClr>
+                </a:solidFill>
+                <a:latin typeface="+mj-lt"/>
+                <a:ea typeface="+mj-ea"/>
+                <a:cs typeface="+mj-cs"/>
+              </a:defRPr>
+            </a:lvl1pPr>
+          </a:lstStyle>
+          <a:p>
+            <a:r>
+              <a:rPr lang="en-GB" sz="1400" b="1" i="1" dirty="0" smtClean="0">
+                <a:solidFill>
+                  <a:srgbClr val="0A6212"/>
+                </a:solidFill>
+              </a:rPr>
+              <a:t>Combinations</a:t>
+            </a:r>
+            <a:endParaRPr lang="en-GB" sz="1400" b="1" dirty="0">
+              <a:solidFill>
+                <a:srgbClr val="0A6212"/>
+              </a:solidFill>
+            </a:endParaRPr>
+          </a:p>
+        </p:txBody>
+      </p:sp>
+      <p:sp>
+        <p:nvSpPr>
+          <p:cNvPr id="32" name="Espace réservé du contenu 4"/>
+          <p:cNvSpPr txBox="1">
+            <a:spLocks/>
+          </p:cNvSpPr>
+          <p:nvPr/>
+        </p:nvSpPr>
+        <p:spPr>
+          <a:xfrm>
+            <a:off x="4380272" y="1780840"/>
+            <a:ext cx="4604282" cy="308879"/>
+          </a:xfrm>
+          <a:prstGeom prst="rect">
+            <a:avLst/>
+          </a:prstGeom>
+          <a:noFill/>
+          <a:ln>
+            <a:noFill/>
+          </a:ln>
+        </p:spPr>
+        <p:txBody>
+          <a:bodyPr>
+            <a:noAutofit/>
+          </a:bodyPr>
+          <a:lstStyle>
+            <a:lvl1pPr marL="68580" indent="-68580" algn="l" defTabSz="685800" rtl="0" eaLnBrk="1" latinLnBrk="0" hangingPunct="1">
+              <a:lnSpc>
+                <a:spcPct val="90000"/>
+              </a:lnSpc>
+              <a:spcBef>
+                <a:spcPts val="900"/>
+              </a:spcBef>
+              <a:spcAft>
+                <a:spcPts val="150"/>
+              </a:spcAft>
+              <a:buClr>
+                <a:schemeClr val="accent1"/>
+              </a:buClr>
+              <a:buSzPct val="100000"/>
+              <a:buFont typeface="Calibri" panose="020F0502020204030204" pitchFamily="34" charset="0"/>
+              <a:buChar char=" "/>
+              <a:defRPr sz="1500" kern="1200">
+                <a:solidFill>
+                  <a:schemeClr val="tx1">
+                    <a:lumMod val="75000"/>
+                    <a:lumOff val="25000"/>
+                  </a:schemeClr>
+                </a:solidFill>
+                <a:latin typeface="+mn-lt"/>
+                <a:ea typeface="+mn-ea"/>
+                <a:cs typeface="+mn-cs"/>
+              </a:defRPr>
+            </a:lvl1pPr>
+            <a:lvl2pPr marL="288036" indent="-137160" algn="l" defTabSz="685800" rtl="0" eaLnBrk="1" latinLnBrk="0" hangingPunct="1">
+              <a:lnSpc>
+                <a:spcPct val="90000"/>
+              </a:lnSpc>
+              <a:spcBef>
+                <a:spcPts val="150"/>
+              </a:spcBef>
+              <a:spcAft>
+                <a:spcPts val="300"/>
+              </a:spcAft>
+              <a:buClr>
+                <a:schemeClr val="accent1"/>
+              </a:buClr>
+              <a:buFont typeface="Calibri" pitchFamily="34" charset="0"/>
+              <a:buChar char="◦"/>
+              <a:defRPr sz="1350" kern="1200">
+                <a:solidFill>
+                  <a:schemeClr val="tx1">
+                    <a:lumMod val="75000"/>
+                    <a:lumOff val="25000"/>
+                  </a:schemeClr>
+                </a:solidFill>
+                <a:latin typeface="+mn-lt"/>
+                <a:ea typeface="+mn-ea"/>
+                <a:cs typeface="+mn-cs"/>
+              </a:defRPr>
+            </a:lvl2pPr>
+            <a:lvl3pPr marL="425196" indent="-137160" algn="l" defTabSz="685800" rtl="0" eaLnBrk="1" latinLnBrk="0" hangingPunct="1">
+              <a:lnSpc>
+                <a:spcPct val="90000"/>
+              </a:lnSpc>
+              <a:spcBef>
+                <a:spcPts val="150"/>
+              </a:spcBef>
+              <a:spcAft>
+                <a:spcPts val="300"/>
+              </a:spcAft>
+              <a:buClr>
+                <a:schemeClr val="accent1"/>
+              </a:buClr>
+              <a:buFont typeface="Calibri" pitchFamily="34" charset="0"/>
+              <a:buChar char="◦"/>
+              <a:defRPr sz="1050" kern="1200">
+                <a:solidFill>
+                  <a:schemeClr val="tx1">
+                    <a:lumMod val="75000"/>
+                    <a:lumOff val="25000"/>
+                  </a:schemeClr>
+                </a:solidFill>
+                <a:latin typeface="+mn-lt"/>
+                <a:ea typeface="+mn-ea"/>
+                <a:cs typeface="+mn-cs"/>
+              </a:defRPr>
+            </a:lvl3pPr>
+            <a:lvl4pPr marL="562356" indent="-137160" algn="l" defTabSz="685800" rtl="0" eaLnBrk="1" latinLnBrk="0" hangingPunct="1">
+              <a:lnSpc>
+                <a:spcPct val="90000"/>
+              </a:lnSpc>
+              <a:spcBef>
+                <a:spcPts val="150"/>
+              </a:spcBef>
+              <a:spcAft>
+                <a:spcPts val="300"/>
+              </a:spcAft>
+              <a:buClr>
+                <a:schemeClr val="accent1"/>
+              </a:buClr>
+              <a:buFont typeface="Calibri" pitchFamily="34" charset="0"/>
+              <a:buChar char="◦"/>
+              <a:defRPr sz="1050" kern="1200">
+                <a:solidFill>
+                  <a:schemeClr val="tx1">
+                    <a:lumMod val="75000"/>
+                    <a:lumOff val="25000"/>
+                  </a:schemeClr>
+                </a:solidFill>
+                <a:latin typeface="+mn-lt"/>
+                <a:ea typeface="+mn-ea"/>
+                <a:cs typeface="+mn-cs"/>
+              </a:defRPr>
+            </a:lvl4pPr>
+            <a:lvl5pPr marL="699516" indent="-137160" algn="l" defTabSz="685800" rtl="0" eaLnBrk="1" latinLnBrk="0" hangingPunct="1">
+              <a:lnSpc>
+                <a:spcPct val="90000"/>
+              </a:lnSpc>
+              <a:spcBef>
+                <a:spcPts val="150"/>
+              </a:spcBef>
+              <a:spcAft>
+                <a:spcPts val="300"/>
+              </a:spcAft>
+              <a:buClr>
+                <a:schemeClr val="accent1"/>
+              </a:buClr>
+              <a:buFont typeface="Calibri" pitchFamily="34" charset="0"/>
+              <a:buChar char="◦"/>
+              <a:defRPr sz="1050" kern="1200">
+                <a:solidFill>
+                  <a:schemeClr val="tx1">
+                    <a:lumMod val="75000"/>
+                    <a:lumOff val="25000"/>
+                  </a:schemeClr>
+                </a:solidFill>
+                <a:latin typeface="+mn-lt"/>
+                <a:ea typeface="+mn-ea"/>
+                <a:cs typeface="+mn-cs"/>
+              </a:defRPr>
+            </a:lvl5pPr>
+            <a:lvl6pPr marL="825000" indent="-171450" algn="l" defTabSz="685800" rtl="0" eaLnBrk="1" latinLnBrk="0" hangingPunct="1">
+              <a:lnSpc>
+                <a:spcPct val="90000"/>
+              </a:lnSpc>
+              <a:spcBef>
+                <a:spcPts val="150"/>
+              </a:spcBef>
+              <a:spcAft>
+                <a:spcPts val="300"/>
+              </a:spcAft>
+              <a:buClr>
+                <a:schemeClr val="accent1"/>
+              </a:buClr>
+              <a:buFont typeface="Calibri" pitchFamily="34" charset="0"/>
+              <a:buChar char="◦"/>
+              <a:defRPr sz="1050" kern="1200">
+                <a:solidFill>
+                  <a:schemeClr val="tx1">
+                    <a:lumMod val="75000"/>
+                    <a:lumOff val="25000"/>
+                  </a:schemeClr>
+                </a:solidFill>
+                <a:latin typeface="+mn-lt"/>
+                <a:ea typeface="+mn-ea"/>
+                <a:cs typeface="+mn-cs"/>
+              </a:defRPr>
+            </a:lvl6pPr>
+            <a:lvl7pPr marL="975000" indent="-171450" algn="l" defTabSz="685800" rtl="0" eaLnBrk="1" latinLnBrk="0" hangingPunct="1">
+              <a:lnSpc>
+                <a:spcPct val="90000"/>
+              </a:lnSpc>
+              <a:spcBef>
+                <a:spcPts val="150"/>
+              </a:spcBef>
+              <a:spcAft>
+                <a:spcPts val="300"/>
+              </a:spcAft>
+              <a:buClr>
+                <a:schemeClr val="accent1"/>
+              </a:buClr>
+              <a:buFont typeface="Calibri" pitchFamily="34" charset="0"/>
+              <a:buChar char="◦"/>
+              <a:defRPr sz="1050" kern="1200">
+                <a:solidFill>
+                  <a:schemeClr val="tx1">
+                    <a:lumMod val="75000"/>
+                    <a:lumOff val="25000"/>
+                  </a:schemeClr>
+                </a:solidFill>
+                <a:latin typeface="+mn-lt"/>
+                <a:ea typeface="+mn-ea"/>
+                <a:cs typeface="+mn-cs"/>
+              </a:defRPr>
+            </a:lvl7pPr>
+            <a:lvl8pPr marL="1125000" indent="-171450" algn="l" defTabSz="685800" rtl="0" eaLnBrk="1" latinLnBrk="0" hangingPunct="1">
+              <a:lnSpc>
+                <a:spcPct val="90000"/>
+              </a:lnSpc>
+              <a:spcBef>
+                <a:spcPts val="150"/>
+              </a:spcBef>
+              <a:spcAft>
+                <a:spcPts val="300"/>
+              </a:spcAft>
+              <a:buClr>
+                <a:schemeClr val="accent1"/>
+              </a:buClr>
+              <a:buFont typeface="Calibri" pitchFamily="34" charset="0"/>
+              <a:buChar char="◦"/>
+              <a:defRPr sz="1050" kern="1200">
+                <a:solidFill>
+                  <a:schemeClr val="tx1">
+                    <a:lumMod val="75000"/>
+                    <a:lumOff val="25000"/>
+                  </a:schemeClr>
+                </a:solidFill>
+                <a:latin typeface="+mn-lt"/>
+                <a:ea typeface="+mn-ea"/>
+                <a:cs typeface="+mn-cs"/>
+              </a:defRPr>
+            </a:lvl8pPr>
+            <a:lvl9pPr marL="1275000" indent="-171450" algn="l" defTabSz="685800" rtl="0" eaLnBrk="1" latinLnBrk="0" hangingPunct="1">
+              <a:lnSpc>
+                <a:spcPct val="90000"/>
+              </a:lnSpc>
+              <a:spcBef>
+                <a:spcPts val="150"/>
+              </a:spcBef>
+              <a:spcAft>
+                <a:spcPts val="300"/>
+              </a:spcAft>
+              <a:buClr>
+                <a:schemeClr val="accent1"/>
+              </a:buClr>
+              <a:buFont typeface="Calibri" pitchFamily="34" charset="0"/>
+              <a:buChar char="◦"/>
+              <a:defRPr sz="1050" kern="1200">
+                <a:solidFill>
+                  <a:schemeClr val="tx1">
+                    <a:lumMod val="75000"/>
+                    <a:lumOff val="25000"/>
+                  </a:schemeClr>
+                </a:solidFill>
+                <a:latin typeface="+mn-lt"/>
+                <a:ea typeface="+mn-ea"/>
+                <a:cs typeface="+mn-cs"/>
+              </a:defRPr>
+            </a:lvl9pPr>
+          </a:lstStyle>
+          <a:p>
+            <a:pPr marL="0" indent="0" algn="just">
+              <a:buNone/>
+            </a:pPr>
+            <a:r>
+              <a:rPr lang="en-US" sz="1200" b="1" dirty="0" smtClean="0">
+                <a:solidFill>
+                  <a:srgbClr val="0432FF"/>
+                </a:solidFill>
+                <a:latin typeface="Consolas" charset="0"/>
+                <a:ea typeface="Consolas" charset="0"/>
+                <a:cs typeface="Consolas" charset="0"/>
+              </a:rPr>
+              <a:t>S2</a:t>
+            </a:r>
+            <a:r>
+              <a:rPr lang="en-US" sz="1200" dirty="0" smtClean="0">
+                <a:solidFill>
+                  <a:srgbClr val="0432FF"/>
+                </a:solidFill>
+                <a:latin typeface="Consolas" charset="0"/>
+                <a:ea typeface="Consolas" charset="0"/>
+                <a:cs typeface="Consolas" charset="0"/>
+              </a:rPr>
+              <a:t> </a:t>
+            </a:r>
+            <a:r>
+              <a:rPr lang="en-US" sz="1200" dirty="0">
+                <a:solidFill>
+                  <a:srgbClr val="0432FF"/>
+                </a:solidFill>
+                <a:latin typeface="Consolas" charset="0"/>
+                <a:ea typeface="Consolas" charset="0"/>
+                <a:cs typeface="Consolas" charset="0"/>
+              </a:rPr>
+              <a:t>(a?; b!) := A1 (a?; b!) [availability &gt; 98%, price per call = </a:t>
+            </a:r>
+            <a:r>
+              <a:rPr lang="en-US" sz="1200" dirty="0" smtClean="0">
+                <a:solidFill>
+                  <a:srgbClr val="0432FF"/>
+                </a:solidFill>
+                <a:latin typeface="Consolas" charset="0"/>
+                <a:ea typeface="Consolas" charset="0"/>
+                <a:cs typeface="Consolas" charset="0"/>
+              </a:rPr>
+              <a:t>0,1$]</a:t>
+            </a:r>
+            <a:endParaRPr lang="en-US" sz="1200" dirty="0">
+              <a:solidFill>
+                <a:srgbClr val="0432FF"/>
+              </a:solidFill>
+              <a:latin typeface="Consolas" charset="0"/>
+              <a:ea typeface="Consolas" charset="0"/>
+              <a:cs typeface="Consolas" charset="0"/>
+            </a:endParaRPr>
+          </a:p>
+          <a:p>
+            <a:pPr marL="0" indent="0" algn="just">
+              <a:buNone/>
+            </a:pPr>
+            <a:endParaRPr lang="en-US" sz="1200" dirty="0" smtClean="0">
+              <a:solidFill>
+                <a:srgbClr val="0432FF"/>
+              </a:solidFill>
+              <a:latin typeface="Consolas" charset="0"/>
+              <a:ea typeface="Consolas" charset="0"/>
+              <a:cs typeface="Consolas" charset="0"/>
+            </a:endParaRPr>
+          </a:p>
+        </p:txBody>
+      </p:sp>
+      <p:sp>
+        <p:nvSpPr>
+          <p:cNvPr id="44" name="Espace réservé du contenu 4"/>
+          <p:cNvSpPr txBox="1">
+            <a:spLocks/>
+          </p:cNvSpPr>
+          <p:nvPr/>
+        </p:nvSpPr>
+        <p:spPr>
+          <a:xfrm>
+            <a:off x="4380273" y="2178785"/>
+            <a:ext cx="4604281" cy="361641"/>
+          </a:xfrm>
+          <a:prstGeom prst="rect">
+            <a:avLst/>
+          </a:prstGeom>
+          <a:noFill/>
+          <a:ln>
+            <a:noFill/>
+          </a:ln>
+        </p:spPr>
+        <p:txBody>
+          <a:bodyPr>
+            <a:noAutofit/>
+          </a:bodyPr>
+          <a:lstStyle>
+            <a:lvl1pPr marL="68580" indent="-68580" algn="l" defTabSz="685800" rtl="0" eaLnBrk="1" latinLnBrk="0" hangingPunct="1">
+              <a:lnSpc>
+                <a:spcPct val="90000"/>
+              </a:lnSpc>
+              <a:spcBef>
+                <a:spcPts val="900"/>
+              </a:spcBef>
+              <a:spcAft>
+                <a:spcPts val="150"/>
+              </a:spcAft>
+              <a:buClr>
+                <a:schemeClr val="accent1"/>
+              </a:buClr>
+              <a:buSzPct val="100000"/>
+              <a:buFont typeface="Calibri" panose="020F0502020204030204" pitchFamily="34" charset="0"/>
+              <a:buChar char=" "/>
+              <a:defRPr sz="1500" kern="1200">
+                <a:solidFill>
+                  <a:schemeClr val="tx1">
+                    <a:lumMod val="75000"/>
+                    <a:lumOff val="25000"/>
+                  </a:schemeClr>
+                </a:solidFill>
+                <a:latin typeface="+mn-lt"/>
+                <a:ea typeface="+mn-ea"/>
+                <a:cs typeface="+mn-cs"/>
+              </a:defRPr>
+            </a:lvl1pPr>
+            <a:lvl2pPr marL="288036" indent="-137160" algn="l" defTabSz="685800" rtl="0" eaLnBrk="1" latinLnBrk="0" hangingPunct="1">
+              <a:lnSpc>
+                <a:spcPct val="90000"/>
+              </a:lnSpc>
+              <a:spcBef>
+                <a:spcPts val="150"/>
+              </a:spcBef>
+              <a:spcAft>
+                <a:spcPts val="300"/>
+              </a:spcAft>
+              <a:buClr>
+                <a:schemeClr val="accent1"/>
+              </a:buClr>
+              <a:buFont typeface="Calibri" pitchFamily="34" charset="0"/>
+              <a:buChar char="◦"/>
+              <a:defRPr sz="1350" kern="1200">
+                <a:solidFill>
+                  <a:schemeClr val="tx1">
+                    <a:lumMod val="75000"/>
+                    <a:lumOff val="25000"/>
+                  </a:schemeClr>
+                </a:solidFill>
+                <a:latin typeface="+mn-lt"/>
+                <a:ea typeface="+mn-ea"/>
+                <a:cs typeface="+mn-cs"/>
+              </a:defRPr>
+            </a:lvl2pPr>
+            <a:lvl3pPr marL="425196" indent="-137160" algn="l" defTabSz="685800" rtl="0" eaLnBrk="1" latinLnBrk="0" hangingPunct="1">
+              <a:lnSpc>
+                <a:spcPct val="90000"/>
+              </a:lnSpc>
+              <a:spcBef>
+                <a:spcPts val="150"/>
+              </a:spcBef>
+              <a:spcAft>
+                <a:spcPts val="300"/>
+              </a:spcAft>
+              <a:buClr>
+                <a:schemeClr val="accent1"/>
+              </a:buClr>
+              <a:buFont typeface="Calibri" pitchFamily="34" charset="0"/>
+              <a:buChar char="◦"/>
+              <a:defRPr sz="1050" kern="1200">
+                <a:solidFill>
+                  <a:schemeClr val="tx1">
+                    <a:lumMod val="75000"/>
+                    <a:lumOff val="25000"/>
+                  </a:schemeClr>
+                </a:solidFill>
+                <a:latin typeface="+mn-lt"/>
+                <a:ea typeface="+mn-ea"/>
+                <a:cs typeface="+mn-cs"/>
+              </a:defRPr>
+            </a:lvl3pPr>
+            <a:lvl4pPr marL="562356" indent="-137160" algn="l" defTabSz="685800" rtl="0" eaLnBrk="1" latinLnBrk="0" hangingPunct="1">
+              <a:lnSpc>
+                <a:spcPct val="90000"/>
+              </a:lnSpc>
+              <a:spcBef>
+                <a:spcPts val="150"/>
+              </a:spcBef>
+              <a:spcAft>
+                <a:spcPts val="300"/>
+              </a:spcAft>
+              <a:buClr>
+                <a:schemeClr val="accent1"/>
+              </a:buClr>
+              <a:buFont typeface="Calibri" pitchFamily="34" charset="0"/>
+              <a:buChar char="◦"/>
+              <a:defRPr sz="1050" kern="1200">
+                <a:solidFill>
+                  <a:schemeClr val="tx1">
+                    <a:lumMod val="75000"/>
+                    <a:lumOff val="25000"/>
+                  </a:schemeClr>
+                </a:solidFill>
+                <a:latin typeface="+mn-lt"/>
+                <a:ea typeface="+mn-ea"/>
+                <a:cs typeface="+mn-cs"/>
+              </a:defRPr>
+            </a:lvl4pPr>
+            <a:lvl5pPr marL="699516" indent="-137160" algn="l" defTabSz="685800" rtl="0" eaLnBrk="1" latinLnBrk="0" hangingPunct="1">
+              <a:lnSpc>
+                <a:spcPct val="90000"/>
+              </a:lnSpc>
+              <a:spcBef>
+                <a:spcPts val="150"/>
+              </a:spcBef>
+              <a:spcAft>
+                <a:spcPts val="300"/>
+              </a:spcAft>
+              <a:buClr>
+                <a:schemeClr val="accent1"/>
+              </a:buClr>
+              <a:buFont typeface="Calibri" pitchFamily="34" charset="0"/>
+              <a:buChar char="◦"/>
+              <a:defRPr sz="1050" kern="1200">
+                <a:solidFill>
+                  <a:schemeClr val="tx1">
+                    <a:lumMod val="75000"/>
+                    <a:lumOff val="25000"/>
+                  </a:schemeClr>
+                </a:solidFill>
+                <a:latin typeface="+mn-lt"/>
+                <a:ea typeface="+mn-ea"/>
+                <a:cs typeface="+mn-cs"/>
+              </a:defRPr>
+            </a:lvl5pPr>
+            <a:lvl6pPr marL="825000" indent="-171450" algn="l" defTabSz="685800" rtl="0" eaLnBrk="1" latinLnBrk="0" hangingPunct="1">
+              <a:lnSpc>
+                <a:spcPct val="90000"/>
+              </a:lnSpc>
+              <a:spcBef>
+                <a:spcPts val="150"/>
+              </a:spcBef>
+              <a:spcAft>
+                <a:spcPts val="300"/>
+              </a:spcAft>
+              <a:buClr>
+                <a:schemeClr val="accent1"/>
+              </a:buClr>
+              <a:buFont typeface="Calibri" pitchFamily="34" charset="0"/>
+              <a:buChar char="◦"/>
+              <a:defRPr sz="1050" kern="1200">
+                <a:solidFill>
+                  <a:schemeClr val="tx1">
+                    <a:lumMod val="75000"/>
+                    <a:lumOff val="25000"/>
+                  </a:schemeClr>
+                </a:solidFill>
+                <a:latin typeface="+mn-lt"/>
+                <a:ea typeface="+mn-ea"/>
+                <a:cs typeface="+mn-cs"/>
+              </a:defRPr>
+            </a:lvl6pPr>
+            <a:lvl7pPr marL="975000" indent="-171450" algn="l" defTabSz="685800" rtl="0" eaLnBrk="1" latinLnBrk="0" hangingPunct="1">
+              <a:lnSpc>
+                <a:spcPct val="90000"/>
+              </a:lnSpc>
+              <a:spcBef>
+                <a:spcPts val="150"/>
+              </a:spcBef>
+              <a:spcAft>
+                <a:spcPts val="300"/>
+              </a:spcAft>
+              <a:buClr>
+                <a:schemeClr val="accent1"/>
+              </a:buClr>
+              <a:buFont typeface="Calibri" pitchFamily="34" charset="0"/>
+              <a:buChar char="◦"/>
+              <a:defRPr sz="1050" kern="1200">
+                <a:solidFill>
+                  <a:schemeClr val="tx1">
+                    <a:lumMod val="75000"/>
+                    <a:lumOff val="25000"/>
+                  </a:schemeClr>
+                </a:solidFill>
+                <a:latin typeface="+mn-lt"/>
+                <a:ea typeface="+mn-ea"/>
+                <a:cs typeface="+mn-cs"/>
+              </a:defRPr>
+            </a:lvl7pPr>
+            <a:lvl8pPr marL="1125000" indent="-171450" algn="l" defTabSz="685800" rtl="0" eaLnBrk="1" latinLnBrk="0" hangingPunct="1">
+              <a:lnSpc>
+                <a:spcPct val="90000"/>
+              </a:lnSpc>
+              <a:spcBef>
+                <a:spcPts val="150"/>
+              </a:spcBef>
+              <a:spcAft>
+                <a:spcPts val="300"/>
+              </a:spcAft>
+              <a:buClr>
+                <a:schemeClr val="accent1"/>
+              </a:buClr>
+              <a:buFont typeface="Calibri" pitchFamily="34" charset="0"/>
+              <a:buChar char="◦"/>
+              <a:defRPr sz="1050" kern="1200">
+                <a:solidFill>
+                  <a:schemeClr val="tx1">
+                    <a:lumMod val="75000"/>
+                    <a:lumOff val="25000"/>
+                  </a:schemeClr>
+                </a:solidFill>
+                <a:latin typeface="+mn-lt"/>
+                <a:ea typeface="+mn-ea"/>
+                <a:cs typeface="+mn-cs"/>
+              </a:defRPr>
+            </a:lvl8pPr>
+            <a:lvl9pPr marL="1275000" indent="-171450" algn="l" defTabSz="685800" rtl="0" eaLnBrk="1" latinLnBrk="0" hangingPunct="1">
+              <a:lnSpc>
+                <a:spcPct val="90000"/>
+              </a:lnSpc>
+              <a:spcBef>
+                <a:spcPts val="150"/>
+              </a:spcBef>
+              <a:spcAft>
+                <a:spcPts val="300"/>
+              </a:spcAft>
+              <a:buClr>
+                <a:schemeClr val="accent1"/>
+              </a:buClr>
+              <a:buFont typeface="Calibri" pitchFamily="34" charset="0"/>
+              <a:buChar char="◦"/>
+              <a:defRPr sz="1050" kern="1200">
+                <a:solidFill>
+                  <a:schemeClr val="tx1">
+                    <a:lumMod val="75000"/>
+                    <a:lumOff val="25000"/>
+                  </a:schemeClr>
+                </a:solidFill>
+                <a:latin typeface="+mn-lt"/>
+                <a:ea typeface="+mn-ea"/>
+                <a:cs typeface="+mn-cs"/>
+              </a:defRPr>
+            </a:lvl9pPr>
+          </a:lstStyle>
+          <a:p>
+            <a:pPr marL="0" indent="0" algn="just">
+              <a:buNone/>
+            </a:pPr>
+            <a:r>
+              <a:rPr lang="en-US" sz="1200" b="1" dirty="0" smtClean="0">
+                <a:solidFill>
+                  <a:srgbClr val="0432FF"/>
+                </a:solidFill>
+                <a:latin typeface="Consolas" charset="0"/>
+                <a:ea typeface="Consolas" charset="0"/>
+                <a:cs typeface="Consolas" charset="0"/>
+              </a:rPr>
+              <a:t>S3</a:t>
+            </a:r>
+            <a:r>
+              <a:rPr lang="en-US" sz="1200" dirty="0" smtClean="0">
+                <a:solidFill>
+                  <a:srgbClr val="0432FF"/>
+                </a:solidFill>
+                <a:latin typeface="Consolas" charset="0"/>
+                <a:ea typeface="Consolas" charset="0"/>
+                <a:cs typeface="Consolas" charset="0"/>
+              </a:rPr>
+              <a:t> </a:t>
+            </a:r>
+            <a:r>
+              <a:rPr lang="en-US" sz="1200" dirty="0">
+                <a:solidFill>
+                  <a:srgbClr val="0432FF"/>
+                </a:solidFill>
+                <a:latin typeface="Consolas" charset="0"/>
+                <a:ea typeface="Consolas" charset="0"/>
+                <a:cs typeface="Consolas" charset="0"/>
+              </a:rPr>
+              <a:t>(a?; b!) := </a:t>
+            </a:r>
+            <a:r>
+              <a:rPr lang="en-US" sz="1200" dirty="0" smtClean="0">
+                <a:solidFill>
+                  <a:srgbClr val="0432FF"/>
+                </a:solidFill>
+                <a:latin typeface="Consolas" charset="0"/>
+                <a:ea typeface="Consolas" charset="0"/>
+                <a:cs typeface="Consolas" charset="0"/>
+              </a:rPr>
+              <a:t>A2 </a:t>
+            </a:r>
+            <a:r>
+              <a:rPr lang="en-US" sz="1200" dirty="0">
+                <a:solidFill>
+                  <a:srgbClr val="0432FF"/>
+                </a:solidFill>
+                <a:latin typeface="Consolas" charset="0"/>
+                <a:ea typeface="Consolas" charset="0"/>
+                <a:cs typeface="Consolas" charset="0"/>
+              </a:rPr>
+              <a:t>(a?; b!) [availability &gt; </a:t>
+            </a:r>
+            <a:r>
+              <a:rPr lang="en-US" sz="1200" dirty="0" smtClean="0">
+                <a:solidFill>
+                  <a:srgbClr val="0432FF"/>
+                </a:solidFill>
+                <a:latin typeface="Consolas" charset="0"/>
+                <a:ea typeface="Consolas" charset="0"/>
+                <a:cs typeface="Consolas" charset="0"/>
+              </a:rPr>
+              <a:t>99%, </a:t>
+            </a:r>
+            <a:r>
+              <a:rPr lang="en-US" sz="1200" dirty="0">
+                <a:solidFill>
+                  <a:srgbClr val="0432FF"/>
+                </a:solidFill>
+                <a:latin typeface="Consolas" charset="0"/>
+                <a:ea typeface="Consolas" charset="0"/>
+                <a:cs typeface="Consolas" charset="0"/>
+              </a:rPr>
+              <a:t>price per call = </a:t>
+            </a:r>
+            <a:r>
+              <a:rPr lang="en-US" sz="1200" dirty="0" smtClean="0">
+                <a:solidFill>
+                  <a:srgbClr val="0432FF"/>
+                </a:solidFill>
+                <a:latin typeface="Consolas" charset="0"/>
+                <a:ea typeface="Consolas" charset="0"/>
+                <a:cs typeface="Consolas" charset="0"/>
+              </a:rPr>
+              <a:t>0,1$]</a:t>
+            </a:r>
+            <a:endParaRPr lang="en-US" sz="1200" dirty="0">
+              <a:solidFill>
+                <a:srgbClr val="0432FF"/>
+              </a:solidFill>
+              <a:latin typeface="Consolas" charset="0"/>
+              <a:ea typeface="Consolas" charset="0"/>
+              <a:cs typeface="Consolas" charset="0"/>
+            </a:endParaRPr>
+          </a:p>
+          <a:p>
+            <a:pPr marL="0" indent="0" algn="just">
+              <a:buNone/>
+            </a:pPr>
+            <a:endParaRPr lang="en-US" sz="1200" dirty="0">
+              <a:solidFill>
+                <a:srgbClr val="0432FF"/>
+              </a:solidFill>
+              <a:latin typeface="Consolas" charset="0"/>
+              <a:ea typeface="Consolas" charset="0"/>
+              <a:cs typeface="Consolas" charset="0"/>
+            </a:endParaRPr>
+          </a:p>
+          <a:p>
+            <a:pPr marL="0" indent="0" algn="just">
+              <a:buNone/>
+            </a:pPr>
+            <a:endParaRPr lang="en-US" sz="1200" dirty="0" smtClean="0">
+              <a:solidFill>
+                <a:srgbClr val="0432FF"/>
+              </a:solidFill>
+              <a:latin typeface="Consolas" charset="0"/>
+              <a:ea typeface="Consolas" charset="0"/>
+              <a:cs typeface="Consolas" charset="0"/>
+            </a:endParaRPr>
+          </a:p>
+        </p:txBody>
+      </p:sp>
+      <p:sp>
+        <p:nvSpPr>
+          <p:cNvPr id="45" name="Espace réservé du contenu 4"/>
+          <p:cNvSpPr txBox="1">
+            <a:spLocks/>
+          </p:cNvSpPr>
+          <p:nvPr/>
+        </p:nvSpPr>
+        <p:spPr>
+          <a:xfrm>
+            <a:off x="4380272" y="2546794"/>
+            <a:ext cx="4604282" cy="554014"/>
+          </a:xfrm>
+          <a:prstGeom prst="rect">
+            <a:avLst/>
+          </a:prstGeom>
+          <a:noFill/>
+          <a:ln>
+            <a:noFill/>
+          </a:ln>
+        </p:spPr>
+        <p:txBody>
+          <a:bodyPr>
+            <a:noAutofit/>
+          </a:bodyPr>
+          <a:lstStyle>
+            <a:lvl1pPr marL="68580" indent="-68580" algn="l" defTabSz="685800" rtl="0" eaLnBrk="1" latinLnBrk="0" hangingPunct="1">
+              <a:lnSpc>
+                <a:spcPct val="90000"/>
+              </a:lnSpc>
+              <a:spcBef>
+                <a:spcPts val="900"/>
+              </a:spcBef>
+              <a:spcAft>
+                <a:spcPts val="150"/>
+              </a:spcAft>
+              <a:buClr>
+                <a:schemeClr val="accent1"/>
+              </a:buClr>
+              <a:buSzPct val="100000"/>
+              <a:buFont typeface="Calibri" panose="020F0502020204030204" pitchFamily="34" charset="0"/>
+              <a:buChar char=" "/>
+              <a:defRPr sz="1500" kern="1200">
+                <a:solidFill>
+                  <a:schemeClr val="tx1">
+                    <a:lumMod val="75000"/>
+                    <a:lumOff val="25000"/>
+                  </a:schemeClr>
+                </a:solidFill>
+                <a:latin typeface="+mn-lt"/>
+                <a:ea typeface="+mn-ea"/>
+                <a:cs typeface="+mn-cs"/>
+              </a:defRPr>
+            </a:lvl1pPr>
+            <a:lvl2pPr marL="288036" indent="-137160" algn="l" defTabSz="685800" rtl="0" eaLnBrk="1" latinLnBrk="0" hangingPunct="1">
+              <a:lnSpc>
+                <a:spcPct val="90000"/>
+              </a:lnSpc>
+              <a:spcBef>
+                <a:spcPts val="150"/>
+              </a:spcBef>
+              <a:spcAft>
+                <a:spcPts val="300"/>
+              </a:spcAft>
+              <a:buClr>
+                <a:schemeClr val="accent1"/>
+              </a:buClr>
+              <a:buFont typeface="Calibri" pitchFamily="34" charset="0"/>
+              <a:buChar char="◦"/>
+              <a:defRPr sz="1350" kern="1200">
+                <a:solidFill>
+                  <a:schemeClr val="tx1">
+                    <a:lumMod val="75000"/>
+                    <a:lumOff val="25000"/>
+                  </a:schemeClr>
+                </a:solidFill>
+                <a:latin typeface="+mn-lt"/>
+                <a:ea typeface="+mn-ea"/>
+                <a:cs typeface="+mn-cs"/>
+              </a:defRPr>
+            </a:lvl2pPr>
+            <a:lvl3pPr marL="425196" indent="-137160" algn="l" defTabSz="685800" rtl="0" eaLnBrk="1" latinLnBrk="0" hangingPunct="1">
+              <a:lnSpc>
+                <a:spcPct val="90000"/>
+              </a:lnSpc>
+              <a:spcBef>
+                <a:spcPts val="150"/>
+              </a:spcBef>
+              <a:spcAft>
+                <a:spcPts val="300"/>
+              </a:spcAft>
+              <a:buClr>
+                <a:schemeClr val="accent1"/>
+              </a:buClr>
+              <a:buFont typeface="Calibri" pitchFamily="34" charset="0"/>
+              <a:buChar char="◦"/>
+              <a:defRPr sz="1050" kern="1200">
+                <a:solidFill>
+                  <a:schemeClr val="tx1">
+                    <a:lumMod val="75000"/>
+                    <a:lumOff val="25000"/>
+                  </a:schemeClr>
+                </a:solidFill>
+                <a:latin typeface="+mn-lt"/>
+                <a:ea typeface="+mn-ea"/>
+                <a:cs typeface="+mn-cs"/>
+              </a:defRPr>
+            </a:lvl3pPr>
+            <a:lvl4pPr marL="562356" indent="-137160" algn="l" defTabSz="685800" rtl="0" eaLnBrk="1" latinLnBrk="0" hangingPunct="1">
+              <a:lnSpc>
+                <a:spcPct val="90000"/>
+              </a:lnSpc>
+              <a:spcBef>
+                <a:spcPts val="150"/>
+              </a:spcBef>
+              <a:spcAft>
+                <a:spcPts val="300"/>
+              </a:spcAft>
+              <a:buClr>
+                <a:schemeClr val="accent1"/>
+              </a:buClr>
+              <a:buFont typeface="Calibri" pitchFamily="34" charset="0"/>
+              <a:buChar char="◦"/>
+              <a:defRPr sz="1050" kern="1200">
+                <a:solidFill>
+                  <a:schemeClr val="tx1">
+                    <a:lumMod val="75000"/>
+                    <a:lumOff val="25000"/>
+                  </a:schemeClr>
+                </a:solidFill>
+                <a:latin typeface="+mn-lt"/>
+                <a:ea typeface="+mn-ea"/>
+                <a:cs typeface="+mn-cs"/>
+              </a:defRPr>
+            </a:lvl4pPr>
+            <a:lvl5pPr marL="699516" indent="-137160" algn="l" defTabSz="685800" rtl="0" eaLnBrk="1" latinLnBrk="0" hangingPunct="1">
+              <a:lnSpc>
+                <a:spcPct val="90000"/>
+              </a:lnSpc>
+              <a:spcBef>
+                <a:spcPts val="150"/>
+              </a:spcBef>
+              <a:spcAft>
+                <a:spcPts val="300"/>
+              </a:spcAft>
+              <a:buClr>
+                <a:schemeClr val="accent1"/>
+              </a:buClr>
+              <a:buFont typeface="Calibri" pitchFamily="34" charset="0"/>
+              <a:buChar char="◦"/>
+              <a:defRPr sz="1050" kern="1200">
+                <a:solidFill>
+                  <a:schemeClr val="tx1">
+                    <a:lumMod val="75000"/>
+                    <a:lumOff val="25000"/>
+                  </a:schemeClr>
+                </a:solidFill>
+                <a:latin typeface="+mn-lt"/>
+                <a:ea typeface="+mn-ea"/>
+                <a:cs typeface="+mn-cs"/>
+              </a:defRPr>
+            </a:lvl5pPr>
+            <a:lvl6pPr marL="825000" indent="-171450" algn="l" defTabSz="685800" rtl="0" eaLnBrk="1" latinLnBrk="0" hangingPunct="1">
+              <a:lnSpc>
+                <a:spcPct val="90000"/>
+              </a:lnSpc>
+              <a:spcBef>
+                <a:spcPts val="150"/>
+              </a:spcBef>
+              <a:spcAft>
+                <a:spcPts val="300"/>
+              </a:spcAft>
+              <a:buClr>
+                <a:schemeClr val="accent1"/>
+              </a:buClr>
+              <a:buFont typeface="Calibri" pitchFamily="34" charset="0"/>
+              <a:buChar char="◦"/>
+              <a:defRPr sz="1050" kern="1200">
+                <a:solidFill>
+                  <a:schemeClr val="tx1">
+                    <a:lumMod val="75000"/>
+                    <a:lumOff val="25000"/>
+                  </a:schemeClr>
+                </a:solidFill>
+                <a:latin typeface="+mn-lt"/>
+                <a:ea typeface="+mn-ea"/>
+                <a:cs typeface="+mn-cs"/>
+              </a:defRPr>
+            </a:lvl6pPr>
+            <a:lvl7pPr marL="975000" indent="-171450" algn="l" defTabSz="685800" rtl="0" eaLnBrk="1" latinLnBrk="0" hangingPunct="1">
+              <a:lnSpc>
+                <a:spcPct val="90000"/>
+              </a:lnSpc>
+              <a:spcBef>
+                <a:spcPts val="150"/>
+              </a:spcBef>
+              <a:spcAft>
+                <a:spcPts val="300"/>
+              </a:spcAft>
+              <a:buClr>
+                <a:schemeClr val="accent1"/>
+              </a:buClr>
+              <a:buFont typeface="Calibri" pitchFamily="34" charset="0"/>
+              <a:buChar char="◦"/>
+              <a:defRPr sz="1050" kern="1200">
+                <a:solidFill>
+                  <a:schemeClr val="tx1">
+                    <a:lumMod val="75000"/>
+                    <a:lumOff val="25000"/>
+                  </a:schemeClr>
+                </a:solidFill>
+                <a:latin typeface="+mn-lt"/>
+                <a:ea typeface="+mn-ea"/>
+                <a:cs typeface="+mn-cs"/>
+              </a:defRPr>
+            </a:lvl7pPr>
+            <a:lvl8pPr marL="1125000" indent="-171450" algn="l" defTabSz="685800" rtl="0" eaLnBrk="1" latinLnBrk="0" hangingPunct="1">
+              <a:lnSpc>
+                <a:spcPct val="90000"/>
+              </a:lnSpc>
+              <a:spcBef>
+                <a:spcPts val="150"/>
+              </a:spcBef>
+              <a:spcAft>
+                <a:spcPts val="300"/>
+              </a:spcAft>
+              <a:buClr>
+                <a:schemeClr val="accent1"/>
+              </a:buClr>
+              <a:buFont typeface="Calibri" pitchFamily="34" charset="0"/>
+              <a:buChar char="◦"/>
+              <a:defRPr sz="1050" kern="1200">
+                <a:solidFill>
+                  <a:schemeClr val="tx1">
+                    <a:lumMod val="75000"/>
+                    <a:lumOff val="25000"/>
+                  </a:schemeClr>
+                </a:solidFill>
+                <a:latin typeface="+mn-lt"/>
+                <a:ea typeface="+mn-ea"/>
+                <a:cs typeface="+mn-cs"/>
+              </a:defRPr>
+            </a:lvl8pPr>
+            <a:lvl9pPr marL="1275000" indent="-171450" algn="l" defTabSz="685800" rtl="0" eaLnBrk="1" latinLnBrk="0" hangingPunct="1">
+              <a:lnSpc>
+                <a:spcPct val="90000"/>
+              </a:lnSpc>
+              <a:spcBef>
+                <a:spcPts val="150"/>
+              </a:spcBef>
+              <a:spcAft>
+                <a:spcPts val="300"/>
+              </a:spcAft>
+              <a:buClr>
+                <a:schemeClr val="accent1"/>
+              </a:buClr>
+              <a:buFont typeface="Calibri" pitchFamily="34" charset="0"/>
+              <a:buChar char="◦"/>
+              <a:defRPr sz="1050" kern="1200">
+                <a:solidFill>
+                  <a:schemeClr val="tx1">
+                    <a:lumMod val="75000"/>
+                    <a:lumOff val="25000"/>
+                  </a:schemeClr>
+                </a:solidFill>
+                <a:latin typeface="+mn-lt"/>
+                <a:ea typeface="+mn-ea"/>
+                <a:cs typeface="+mn-cs"/>
+              </a:defRPr>
+            </a:lvl9pPr>
+          </a:lstStyle>
+          <a:p>
+            <a:pPr marL="0" indent="0" algn="just">
+              <a:buNone/>
+            </a:pPr>
+            <a:r>
+              <a:rPr lang="en-US" sz="1200" b="1" dirty="0" smtClean="0">
+                <a:solidFill>
+                  <a:srgbClr val="0432FF"/>
+                </a:solidFill>
+                <a:latin typeface="Consolas" charset="0"/>
+                <a:ea typeface="Consolas" charset="0"/>
+                <a:cs typeface="Consolas" charset="0"/>
+              </a:rPr>
+              <a:t>S4</a:t>
+            </a:r>
+            <a:r>
+              <a:rPr lang="en-US" sz="1200" dirty="0" smtClean="0">
+                <a:solidFill>
+                  <a:srgbClr val="0432FF"/>
+                </a:solidFill>
+                <a:latin typeface="Consolas" charset="0"/>
+                <a:ea typeface="Consolas" charset="0"/>
+                <a:cs typeface="Consolas" charset="0"/>
+              </a:rPr>
+              <a:t> </a:t>
+            </a:r>
+            <a:r>
+              <a:rPr lang="en-US" sz="1200" dirty="0">
+                <a:solidFill>
+                  <a:srgbClr val="0432FF"/>
+                </a:solidFill>
+                <a:latin typeface="Consolas" charset="0"/>
+                <a:ea typeface="Consolas" charset="0"/>
+                <a:cs typeface="Consolas" charset="0"/>
+              </a:rPr>
+              <a:t>(a?; b!) := A1 (a?; </a:t>
+            </a:r>
+            <a:r>
+              <a:rPr lang="en-US" sz="1200" dirty="0" smtClean="0">
+                <a:solidFill>
+                  <a:srgbClr val="0432FF"/>
+                </a:solidFill>
+                <a:latin typeface="Consolas" charset="0"/>
+                <a:ea typeface="Consolas" charset="0"/>
+                <a:cs typeface="Consolas" charset="0"/>
+              </a:rPr>
+              <a:t>p!), A2 (p?; b!) [</a:t>
+            </a:r>
+            <a:r>
+              <a:rPr lang="en-US" sz="1200" dirty="0">
+                <a:solidFill>
+                  <a:srgbClr val="0432FF"/>
+                </a:solidFill>
+                <a:latin typeface="Consolas" charset="0"/>
+                <a:ea typeface="Consolas" charset="0"/>
+                <a:cs typeface="Consolas" charset="0"/>
+              </a:rPr>
+              <a:t>availability &gt; 98%, price per call = </a:t>
+            </a:r>
+            <a:r>
+              <a:rPr lang="en-US" sz="1200" dirty="0" smtClean="0">
+                <a:solidFill>
+                  <a:srgbClr val="0432FF"/>
+                </a:solidFill>
+                <a:latin typeface="Consolas" charset="0"/>
+                <a:ea typeface="Consolas" charset="0"/>
+                <a:cs typeface="Consolas" charset="0"/>
+              </a:rPr>
+              <a:t>0,1$]</a:t>
+            </a:r>
+            <a:endParaRPr lang="en-US" sz="1200" dirty="0">
+              <a:solidFill>
+                <a:srgbClr val="0432FF"/>
+              </a:solidFill>
+              <a:latin typeface="Consolas" charset="0"/>
+              <a:ea typeface="Consolas" charset="0"/>
+              <a:cs typeface="Consolas" charset="0"/>
+            </a:endParaRPr>
+          </a:p>
+          <a:p>
+            <a:pPr marL="0" indent="0" algn="just">
+              <a:buNone/>
+            </a:pPr>
+            <a:endParaRPr lang="en-US" sz="1200" dirty="0">
+              <a:solidFill>
+                <a:srgbClr val="0432FF"/>
+              </a:solidFill>
+              <a:latin typeface="Consolas" charset="0"/>
+              <a:ea typeface="Consolas" charset="0"/>
+              <a:cs typeface="Consolas" charset="0"/>
+            </a:endParaRPr>
+          </a:p>
+          <a:p>
+            <a:pPr marL="0" indent="0" algn="just">
+              <a:buNone/>
+            </a:pPr>
+            <a:endParaRPr lang="en-US" sz="1200" dirty="0" smtClean="0">
+              <a:solidFill>
+                <a:srgbClr val="0432FF"/>
+              </a:solidFill>
+              <a:latin typeface="Consolas" charset="0"/>
+              <a:ea typeface="Consolas" charset="0"/>
+              <a:cs typeface="Consolas" charset="0"/>
+            </a:endParaRPr>
+          </a:p>
+        </p:txBody>
+      </p:sp>
+      <p:sp>
+        <p:nvSpPr>
+          <p:cNvPr id="51" name="Espace réservé du contenu 4"/>
+          <p:cNvSpPr txBox="1">
+            <a:spLocks/>
+          </p:cNvSpPr>
+          <p:nvPr/>
+        </p:nvSpPr>
+        <p:spPr>
+          <a:xfrm>
+            <a:off x="4380271" y="2965819"/>
+            <a:ext cx="4604283" cy="476424"/>
+          </a:xfrm>
+          <a:prstGeom prst="rect">
+            <a:avLst/>
+          </a:prstGeom>
+          <a:noFill/>
+          <a:ln>
+            <a:noFill/>
+          </a:ln>
+        </p:spPr>
+        <p:txBody>
+          <a:bodyPr>
+            <a:noAutofit/>
+          </a:bodyPr>
+          <a:lstStyle>
+            <a:lvl1pPr marL="68580" indent="-68580" algn="l" defTabSz="685800" rtl="0" eaLnBrk="1" latinLnBrk="0" hangingPunct="1">
+              <a:lnSpc>
+                <a:spcPct val="90000"/>
+              </a:lnSpc>
+              <a:spcBef>
+                <a:spcPts val="900"/>
+              </a:spcBef>
+              <a:spcAft>
+                <a:spcPts val="150"/>
+              </a:spcAft>
+              <a:buClr>
+                <a:schemeClr val="accent1"/>
+              </a:buClr>
+              <a:buSzPct val="100000"/>
+              <a:buFont typeface="Calibri" panose="020F0502020204030204" pitchFamily="34" charset="0"/>
+              <a:buChar char=" "/>
+              <a:defRPr sz="1500" kern="1200">
+                <a:solidFill>
+                  <a:schemeClr val="tx1">
+                    <a:lumMod val="75000"/>
+                    <a:lumOff val="25000"/>
+                  </a:schemeClr>
+                </a:solidFill>
+                <a:latin typeface="+mn-lt"/>
+                <a:ea typeface="+mn-ea"/>
+                <a:cs typeface="+mn-cs"/>
+              </a:defRPr>
+            </a:lvl1pPr>
+            <a:lvl2pPr marL="288036" indent="-137160" algn="l" defTabSz="685800" rtl="0" eaLnBrk="1" latinLnBrk="0" hangingPunct="1">
+              <a:lnSpc>
+                <a:spcPct val="90000"/>
+              </a:lnSpc>
+              <a:spcBef>
+                <a:spcPts val="150"/>
+              </a:spcBef>
+              <a:spcAft>
+                <a:spcPts val="300"/>
+              </a:spcAft>
+              <a:buClr>
+                <a:schemeClr val="accent1"/>
+              </a:buClr>
+              <a:buFont typeface="Calibri" pitchFamily="34" charset="0"/>
+              <a:buChar char="◦"/>
+              <a:defRPr sz="1350" kern="1200">
+                <a:solidFill>
+                  <a:schemeClr val="tx1">
+                    <a:lumMod val="75000"/>
+                    <a:lumOff val="25000"/>
+                  </a:schemeClr>
+                </a:solidFill>
+                <a:latin typeface="+mn-lt"/>
+                <a:ea typeface="+mn-ea"/>
+                <a:cs typeface="+mn-cs"/>
+              </a:defRPr>
+            </a:lvl2pPr>
+            <a:lvl3pPr marL="425196" indent="-137160" algn="l" defTabSz="685800" rtl="0" eaLnBrk="1" latinLnBrk="0" hangingPunct="1">
+              <a:lnSpc>
+                <a:spcPct val="90000"/>
+              </a:lnSpc>
+              <a:spcBef>
+                <a:spcPts val="150"/>
+              </a:spcBef>
+              <a:spcAft>
+                <a:spcPts val="300"/>
+              </a:spcAft>
+              <a:buClr>
+                <a:schemeClr val="accent1"/>
+              </a:buClr>
+              <a:buFont typeface="Calibri" pitchFamily="34" charset="0"/>
+              <a:buChar char="◦"/>
+              <a:defRPr sz="1050" kern="1200">
+                <a:solidFill>
+                  <a:schemeClr val="tx1">
+                    <a:lumMod val="75000"/>
+                    <a:lumOff val="25000"/>
+                  </a:schemeClr>
+                </a:solidFill>
+                <a:latin typeface="+mn-lt"/>
+                <a:ea typeface="+mn-ea"/>
+                <a:cs typeface="+mn-cs"/>
+              </a:defRPr>
+            </a:lvl3pPr>
+            <a:lvl4pPr marL="562356" indent="-137160" algn="l" defTabSz="685800" rtl="0" eaLnBrk="1" latinLnBrk="0" hangingPunct="1">
+              <a:lnSpc>
+                <a:spcPct val="90000"/>
+              </a:lnSpc>
+              <a:spcBef>
+                <a:spcPts val="150"/>
+              </a:spcBef>
+              <a:spcAft>
+                <a:spcPts val="300"/>
+              </a:spcAft>
+              <a:buClr>
+                <a:schemeClr val="accent1"/>
+              </a:buClr>
+              <a:buFont typeface="Calibri" pitchFamily="34" charset="0"/>
+              <a:buChar char="◦"/>
+              <a:defRPr sz="1050" kern="1200">
+                <a:solidFill>
+                  <a:schemeClr val="tx1">
+                    <a:lumMod val="75000"/>
+                    <a:lumOff val="25000"/>
+                  </a:schemeClr>
+                </a:solidFill>
+                <a:latin typeface="+mn-lt"/>
+                <a:ea typeface="+mn-ea"/>
+                <a:cs typeface="+mn-cs"/>
+              </a:defRPr>
+            </a:lvl4pPr>
+            <a:lvl5pPr marL="699516" indent="-137160" algn="l" defTabSz="685800" rtl="0" eaLnBrk="1" latinLnBrk="0" hangingPunct="1">
+              <a:lnSpc>
+                <a:spcPct val="90000"/>
+              </a:lnSpc>
+              <a:spcBef>
+                <a:spcPts val="150"/>
+              </a:spcBef>
+              <a:spcAft>
+                <a:spcPts val="300"/>
+              </a:spcAft>
+              <a:buClr>
+                <a:schemeClr val="accent1"/>
+              </a:buClr>
+              <a:buFont typeface="Calibri" pitchFamily="34" charset="0"/>
+              <a:buChar char="◦"/>
+              <a:defRPr sz="1050" kern="1200">
+                <a:solidFill>
+                  <a:schemeClr val="tx1">
+                    <a:lumMod val="75000"/>
+                    <a:lumOff val="25000"/>
+                  </a:schemeClr>
+                </a:solidFill>
+                <a:latin typeface="+mn-lt"/>
+                <a:ea typeface="+mn-ea"/>
+                <a:cs typeface="+mn-cs"/>
+              </a:defRPr>
+            </a:lvl5pPr>
+            <a:lvl6pPr marL="825000" indent="-171450" algn="l" defTabSz="685800" rtl="0" eaLnBrk="1" latinLnBrk="0" hangingPunct="1">
+              <a:lnSpc>
+                <a:spcPct val="90000"/>
+              </a:lnSpc>
+              <a:spcBef>
+                <a:spcPts val="150"/>
+              </a:spcBef>
+              <a:spcAft>
+                <a:spcPts val="300"/>
+              </a:spcAft>
+              <a:buClr>
+                <a:schemeClr val="accent1"/>
+              </a:buClr>
+              <a:buFont typeface="Calibri" pitchFamily="34" charset="0"/>
+              <a:buChar char="◦"/>
+              <a:defRPr sz="1050" kern="1200">
+                <a:solidFill>
+                  <a:schemeClr val="tx1">
+                    <a:lumMod val="75000"/>
+                    <a:lumOff val="25000"/>
+                  </a:schemeClr>
+                </a:solidFill>
+                <a:latin typeface="+mn-lt"/>
+                <a:ea typeface="+mn-ea"/>
+                <a:cs typeface="+mn-cs"/>
+              </a:defRPr>
+            </a:lvl6pPr>
+            <a:lvl7pPr marL="975000" indent="-171450" algn="l" defTabSz="685800" rtl="0" eaLnBrk="1" latinLnBrk="0" hangingPunct="1">
+              <a:lnSpc>
+                <a:spcPct val="90000"/>
+              </a:lnSpc>
+              <a:spcBef>
+                <a:spcPts val="150"/>
+              </a:spcBef>
+              <a:spcAft>
+                <a:spcPts val="300"/>
+              </a:spcAft>
+              <a:buClr>
+                <a:schemeClr val="accent1"/>
+              </a:buClr>
+              <a:buFont typeface="Calibri" pitchFamily="34" charset="0"/>
+              <a:buChar char="◦"/>
+              <a:defRPr sz="1050" kern="1200">
+                <a:solidFill>
+                  <a:schemeClr val="tx1">
+                    <a:lumMod val="75000"/>
+                    <a:lumOff val="25000"/>
+                  </a:schemeClr>
+                </a:solidFill>
+                <a:latin typeface="+mn-lt"/>
+                <a:ea typeface="+mn-ea"/>
+                <a:cs typeface="+mn-cs"/>
+              </a:defRPr>
+            </a:lvl7pPr>
+            <a:lvl8pPr marL="1125000" indent="-171450" algn="l" defTabSz="685800" rtl="0" eaLnBrk="1" latinLnBrk="0" hangingPunct="1">
+              <a:lnSpc>
+                <a:spcPct val="90000"/>
+              </a:lnSpc>
+              <a:spcBef>
+                <a:spcPts val="150"/>
+              </a:spcBef>
+              <a:spcAft>
+                <a:spcPts val="300"/>
+              </a:spcAft>
+              <a:buClr>
+                <a:schemeClr val="accent1"/>
+              </a:buClr>
+              <a:buFont typeface="Calibri" pitchFamily="34" charset="0"/>
+              <a:buChar char="◦"/>
+              <a:defRPr sz="1050" kern="1200">
+                <a:solidFill>
+                  <a:schemeClr val="tx1">
+                    <a:lumMod val="75000"/>
+                    <a:lumOff val="25000"/>
+                  </a:schemeClr>
+                </a:solidFill>
+                <a:latin typeface="+mn-lt"/>
+                <a:ea typeface="+mn-ea"/>
+                <a:cs typeface="+mn-cs"/>
+              </a:defRPr>
+            </a:lvl8pPr>
+            <a:lvl9pPr marL="1275000" indent="-171450" algn="l" defTabSz="685800" rtl="0" eaLnBrk="1" latinLnBrk="0" hangingPunct="1">
+              <a:lnSpc>
+                <a:spcPct val="90000"/>
+              </a:lnSpc>
+              <a:spcBef>
+                <a:spcPts val="150"/>
+              </a:spcBef>
+              <a:spcAft>
+                <a:spcPts val="300"/>
+              </a:spcAft>
+              <a:buClr>
+                <a:schemeClr val="accent1"/>
+              </a:buClr>
+              <a:buFont typeface="Calibri" pitchFamily="34" charset="0"/>
+              <a:buChar char="◦"/>
+              <a:defRPr sz="1050" kern="1200">
+                <a:solidFill>
+                  <a:schemeClr val="tx1">
+                    <a:lumMod val="75000"/>
+                    <a:lumOff val="25000"/>
+                  </a:schemeClr>
+                </a:solidFill>
+                <a:latin typeface="+mn-lt"/>
+                <a:ea typeface="+mn-ea"/>
+                <a:cs typeface="+mn-cs"/>
+              </a:defRPr>
+            </a:lvl9pPr>
+          </a:lstStyle>
+          <a:p>
+            <a:pPr marL="0" indent="0" algn="just">
+              <a:buNone/>
+            </a:pPr>
+            <a:r>
+              <a:rPr lang="en-US" sz="1200" b="1" dirty="0" smtClean="0">
+                <a:solidFill>
+                  <a:srgbClr val="0432FF"/>
+                </a:solidFill>
+                <a:latin typeface="Consolas" charset="0"/>
+                <a:ea typeface="Consolas" charset="0"/>
+                <a:cs typeface="Consolas" charset="0"/>
+              </a:rPr>
+              <a:t>S5</a:t>
+            </a:r>
+            <a:r>
+              <a:rPr lang="en-US" sz="1200" dirty="0" smtClean="0">
+                <a:solidFill>
+                  <a:srgbClr val="0432FF"/>
+                </a:solidFill>
+                <a:latin typeface="Consolas" charset="0"/>
+                <a:ea typeface="Consolas" charset="0"/>
+                <a:cs typeface="Consolas" charset="0"/>
+              </a:rPr>
+              <a:t> </a:t>
+            </a:r>
+            <a:r>
+              <a:rPr lang="en-US" sz="1200" dirty="0">
+                <a:solidFill>
+                  <a:srgbClr val="0432FF"/>
+                </a:solidFill>
+                <a:latin typeface="Consolas" charset="0"/>
+                <a:ea typeface="Consolas" charset="0"/>
+                <a:cs typeface="Consolas" charset="0"/>
+              </a:rPr>
+              <a:t>(a?; b!) := </a:t>
+            </a:r>
+            <a:r>
+              <a:rPr lang="en-US" sz="1200" dirty="0" smtClean="0">
+                <a:solidFill>
+                  <a:srgbClr val="0432FF"/>
+                </a:solidFill>
+                <a:latin typeface="Consolas" charset="0"/>
+                <a:ea typeface="Consolas" charset="0"/>
+                <a:cs typeface="Consolas" charset="0"/>
+              </a:rPr>
+              <a:t>A3 </a:t>
+            </a:r>
+            <a:r>
+              <a:rPr lang="en-US" sz="1200" dirty="0">
+                <a:solidFill>
+                  <a:srgbClr val="0432FF"/>
+                </a:solidFill>
+                <a:latin typeface="Consolas" charset="0"/>
+                <a:ea typeface="Consolas" charset="0"/>
+                <a:cs typeface="Consolas" charset="0"/>
+              </a:rPr>
+              <a:t>(a?; b!) [availability &gt; </a:t>
+            </a:r>
+            <a:r>
+              <a:rPr lang="en-US" sz="1200" dirty="0" smtClean="0">
+                <a:solidFill>
+                  <a:srgbClr val="0432FF"/>
+                </a:solidFill>
+                <a:latin typeface="Consolas" charset="0"/>
+                <a:ea typeface="Consolas" charset="0"/>
+                <a:cs typeface="Consolas" charset="0"/>
+              </a:rPr>
+              <a:t>98%, </a:t>
+            </a:r>
+            <a:r>
+              <a:rPr lang="en-US" sz="1200" dirty="0">
+                <a:solidFill>
+                  <a:srgbClr val="0432FF"/>
+                </a:solidFill>
+                <a:latin typeface="Consolas" charset="0"/>
+                <a:ea typeface="Consolas" charset="0"/>
+                <a:cs typeface="Consolas" charset="0"/>
+              </a:rPr>
+              <a:t>price per call = </a:t>
+            </a:r>
+            <a:r>
+              <a:rPr lang="en-US" sz="1200" dirty="0" smtClean="0">
+                <a:solidFill>
+                  <a:srgbClr val="0432FF"/>
+                </a:solidFill>
+                <a:latin typeface="Consolas" charset="0"/>
+                <a:ea typeface="Consolas" charset="0"/>
+                <a:cs typeface="Consolas" charset="0"/>
+              </a:rPr>
+              <a:t>0,0$]</a:t>
+            </a:r>
+            <a:endParaRPr lang="en-US" sz="1200" dirty="0">
+              <a:solidFill>
+                <a:srgbClr val="0432FF"/>
+              </a:solidFill>
+              <a:latin typeface="Consolas" charset="0"/>
+              <a:ea typeface="Consolas" charset="0"/>
+              <a:cs typeface="Consolas" charset="0"/>
+            </a:endParaRPr>
+          </a:p>
+          <a:p>
+            <a:pPr marL="0" indent="0" algn="just">
+              <a:buNone/>
+            </a:pPr>
+            <a:endParaRPr lang="en-US" sz="1200" dirty="0">
+              <a:solidFill>
+                <a:srgbClr val="0432FF"/>
+              </a:solidFill>
+              <a:latin typeface="Consolas" charset="0"/>
+              <a:ea typeface="Consolas" charset="0"/>
+              <a:cs typeface="Consolas" charset="0"/>
+            </a:endParaRPr>
+          </a:p>
+          <a:p>
+            <a:pPr marL="0" indent="0" algn="just">
+              <a:buNone/>
+            </a:pPr>
+            <a:endParaRPr lang="en-US" sz="1200" dirty="0" smtClean="0">
+              <a:solidFill>
+                <a:srgbClr val="0432FF"/>
+              </a:solidFill>
+              <a:latin typeface="Consolas" charset="0"/>
+              <a:ea typeface="Consolas" charset="0"/>
+              <a:cs typeface="Consolas" charset="0"/>
+            </a:endParaRPr>
+          </a:p>
+        </p:txBody>
+      </p:sp>
+      <p:sp>
+        <p:nvSpPr>
+          <p:cNvPr id="55" name="Espace réservé du numéro de diapositive 2"/>
+          <p:cNvSpPr txBox="1">
+            <a:spLocks/>
+          </p:cNvSpPr>
+          <p:nvPr/>
+        </p:nvSpPr>
+        <p:spPr>
+          <a:xfrm>
+            <a:off x="7425344" y="4844839"/>
+            <a:ext cx="984019" cy="273844"/>
+          </a:xfrm>
+          <a:prstGeom prst="rect">
+            <a:avLst/>
+          </a:prstGeom>
+        </p:spPr>
+        <p:txBody>
+          <a:bodyPr vert="horz" lIns="91440" tIns="45720" rIns="91440" bIns="45720" rtlCol="0" anchor="ctr"/>
+          <a:lstStyle>
+            <a:defPPr>
+              <a:defRPr lang="en-US"/>
+            </a:defPPr>
+            <a:lvl1pPr marL="0" algn="r" defTabSz="457200" rtl="0" eaLnBrk="1" latinLnBrk="0" hangingPunct="1">
+              <a:defRPr sz="788" kern="1200">
+                <a:solidFill>
+                  <a:srgbClr val="FFFFFF"/>
+                </a:solidFill>
+                <a:latin typeface="+mn-lt"/>
+                <a:ea typeface="+mn-ea"/>
+                <a:cs typeface="+mn-cs"/>
+              </a:defRPr>
+            </a:lvl1pPr>
+            <a:lvl2pPr marL="457200" algn="l" defTabSz="457200" rtl="0" eaLnBrk="1" latinLnBrk="0" hangingPunct="1">
+              <a:defRPr sz="1800" kern="1200">
+                <a:solidFill>
+                  <a:schemeClr val="tx1"/>
+                </a:solidFill>
+                <a:latin typeface="+mn-lt"/>
+                <a:ea typeface="+mn-ea"/>
+                <a:cs typeface="+mn-cs"/>
+              </a:defRPr>
+            </a:lvl2pPr>
+            <a:lvl3pPr marL="914400" algn="l" defTabSz="457200" rtl="0" eaLnBrk="1" latinLnBrk="0" hangingPunct="1">
+              <a:defRPr sz="1800" kern="1200">
+                <a:solidFill>
+                  <a:schemeClr val="tx1"/>
+                </a:solidFill>
+                <a:latin typeface="+mn-lt"/>
+                <a:ea typeface="+mn-ea"/>
+                <a:cs typeface="+mn-cs"/>
+              </a:defRPr>
+            </a:lvl3pPr>
+            <a:lvl4pPr marL="1371600" algn="l" defTabSz="457200" rtl="0" eaLnBrk="1" latinLnBrk="0" hangingPunct="1">
+              <a:defRPr sz="1800" kern="1200">
+                <a:solidFill>
+                  <a:schemeClr val="tx1"/>
+                </a:solidFill>
+                <a:latin typeface="+mn-lt"/>
+                <a:ea typeface="+mn-ea"/>
+                <a:cs typeface="+mn-cs"/>
+              </a:defRPr>
+            </a:lvl4pPr>
+            <a:lvl5pPr marL="1828800" algn="l" defTabSz="457200" rtl="0" eaLnBrk="1" latinLnBrk="0" hangingPunct="1">
+              <a:defRPr sz="1800" kern="1200">
+                <a:solidFill>
+                  <a:schemeClr val="tx1"/>
+                </a:solidFill>
+                <a:latin typeface="+mn-lt"/>
+                <a:ea typeface="+mn-ea"/>
+                <a:cs typeface="+mn-cs"/>
+              </a:defRPr>
+            </a:lvl5pPr>
+            <a:lvl6pPr marL="2286000" algn="l" defTabSz="457200" rtl="0" eaLnBrk="1" latinLnBrk="0" hangingPunct="1">
+              <a:defRPr sz="1800" kern="1200">
+                <a:solidFill>
+                  <a:schemeClr val="tx1"/>
+                </a:solidFill>
+                <a:latin typeface="+mn-lt"/>
+                <a:ea typeface="+mn-ea"/>
+                <a:cs typeface="+mn-cs"/>
+              </a:defRPr>
+            </a:lvl6pPr>
+            <a:lvl7pPr marL="2743200" algn="l" defTabSz="457200" rtl="0" eaLnBrk="1" latinLnBrk="0" hangingPunct="1">
+              <a:defRPr sz="1800" kern="1200">
+                <a:solidFill>
+                  <a:schemeClr val="tx1"/>
+                </a:solidFill>
+                <a:latin typeface="+mn-lt"/>
+                <a:ea typeface="+mn-ea"/>
+                <a:cs typeface="+mn-cs"/>
+              </a:defRPr>
+            </a:lvl7pPr>
+            <a:lvl8pPr marL="3200400" algn="l" defTabSz="457200" rtl="0" eaLnBrk="1" latinLnBrk="0" hangingPunct="1">
+              <a:defRPr sz="1800" kern="1200">
+                <a:solidFill>
+                  <a:schemeClr val="tx1"/>
+                </a:solidFill>
+                <a:latin typeface="+mn-lt"/>
+                <a:ea typeface="+mn-ea"/>
+                <a:cs typeface="+mn-cs"/>
+              </a:defRPr>
+            </a:lvl8pPr>
+            <a:lvl9pPr marL="3657600" algn="l" defTabSz="457200" rtl="0" eaLnBrk="1" latinLnBrk="0" hangingPunct="1">
+              <a:defRPr sz="1800" kern="1200">
+                <a:solidFill>
+                  <a:schemeClr val="tx1"/>
+                </a:solidFill>
+                <a:latin typeface="+mn-lt"/>
+                <a:ea typeface="+mn-ea"/>
+                <a:cs typeface="+mn-cs"/>
+              </a:defRPr>
+            </a:lvl9pPr>
+          </a:lstStyle>
+          <a:p>
+            <a:fld id="{66E10180-7C22-9345-A16D-C53871315580}" type="slidenum">
+              <a:rPr lang="en-GB" smtClean="0"/>
+              <a:pPr/>
+              <a:t>21</a:t>
+            </a:fld>
+            <a:endParaRPr lang="en-GB" dirty="0"/>
+          </a:p>
+        </p:txBody>
+      </p:sp>
+      <p:sp>
+        <p:nvSpPr>
+          <p:cNvPr id="57" name="Espace réservé du contenu 4"/>
+          <p:cNvSpPr txBox="1">
+            <a:spLocks/>
+          </p:cNvSpPr>
+          <p:nvPr/>
+        </p:nvSpPr>
+        <p:spPr>
+          <a:xfrm>
+            <a:off x="4384171" y="3595084"/>
+            <a:ext cx="4759829" cy="1168522"/>
+          </a:xfrm>
+          <a:prstGeom prst="rect">
+            <a:avLst/>
+          </a:prstGeom>
+          <a:ln>
+            <a:noFill/>
+          </a:ln>
+        </p:spPr>
+        <p:txBody>
+          <a:bodyPr>
+            <a:noAutofit/>
+          </a:bodyPr>
+          <a:lstStyle>
+            <a:lvl1pPr marL="68580" indent="-68580" algn="l" defTabSz="685800" rtl="0" eaLnBrk="1" latinLnBrk="0" hangingPunct="1">
+              <a:lnSpc>
+                <a:spcPct val="90000"/>
+              </a:lnSpc>
+              <a:spcBef>
+                <a:spcPts val="900"/>
+              </a:spcBef>
+              <a:spcAft>
+                <a:spcPts val="150"/>
+              </a:spcAft>
+              <a:buClr>
+                <a:schemeClr val="accent1"/>
+              </a:buClr>
+              <a:buSzPct val="100000"/>
+              <a:buFont typeface="Calibri" panose="020F0502020204030204" pitchFamily="34" charset="0"/>
+              <a:buChar char=" "/>
+              <a:defRPr sz="1500" kern="1200">
+                <a:solidFill>
+                  <a:schemeClr val="tx1">
+                    <a:lumMod val="75000"/>
+                    <a:lumOff val="25000"/>
+                  </a:schemeClr>
+                </a:solidFill>
+                <a:latin typeface="+mn-lt"/>
+                <a:ea typeface="+mn-ea"/>
+                <a:cs typeface="+mn-cs"/>
+              </a:defRPr>
+            </a:lvl1pPr>
+            <a:lvl2pPr marL="288036" indent="-137160" algn="l" defTabSz="685800" rtl="0" eaLnBrk="1" latinLnBrk="0" hangingPunct="1">
+              <a:lnSpc>
+                <a:spcPct val="90000"/>
+              </a:lnSpc>
+              <a:spcBef>
+                <a:spcPts val="150"/>
+              </a:spcBef>
+              <a:spcAft>
+                <a:spcPts val="300"/>
+              </a:spcAft>
+              <a:buClr>
+                <a:schemeClr val="accent1"/>
+              </a:buClr>
+              <a:buFont typeface="Calibri" pitchFamily="34" charset="0"/>
+              <a:buChar char="◦"/>
+              <a:defRPr sz="1350" kern="1200">
+                <a:solidFill>
+                  <a:schemeClr val="tx1">
+                    <a:lumMod val="75000"/>
+                    <a:lumOff val="25000"/>
+                  </a:schemeClr>
+                </a:solidFill>
+                <a:latin typeface="+mn-lt"/>
+                <a:ea typeface="+mn-ea"/>
+                <a:cs typeface="+mn-cs"/>
+              </a:defRPr>
+            </a:lvl2pPr>
+            <a:lvl3pPr marL="425196" indent="-137160" algn="l" defTabSz="685800" rtl="0" eaLnBrk="1" latinLnBrk="0" hangingPunct="1">
+              <a:lnSpc>
+                <a:spcPct val="90000"/>
+              </a:lnSpc>
+              <a:spcBef>
+                <a:spcPts val="150"/>
+              </a:spcBef>
+              <a:spcAft>
+                <a:spcPts val="300"/>
+              </a:spcAft>
+              <a:buClr>
+                <a:schemeClr val="accent1"/>
+              </a:buClr>
+              <a:buFont typeface="Calibri" pitchFamily="34" charset="0"/>
+              <a:buChar char="◦"/>
+              <a:defRPr sz="1050" kern="1200">
+                <a:solidFill>
+                  <a:schemeClr val="tx1">
+                    <a:lumMod val="75000"/>
+                    <a:lumOff val="25000"/>
+                  </a:schemeClr>
+                </a:solidFill>
+                <a:latin typeface="+mn-lt"/>
+                <a:ea typeface="+mn-ea"/>
+                <a:cs typeface="+mn-cs"/>
+              </a:defRPr>
+            </a:lvl3pPr>
+            <a:lvl4pPr marL="562356" indent="-137160" algn="l" defTabSz="685800" rtl="0" eaLnBrk="1" latinLnBrk="0" hangingPunct="1">
+              <a:lnSpc>
+                <a:spcPct val="90000"/>
+              </a:lnSpc>
+              <a:spcBef>
+                <a:spcPts val="150"/>
+              </a:spcBef>
+              <a:spcAft>
+                <a:spcPts val="300"/>
+              </a:spcAft>
+              <a:buClr>
+                <a:schemeClr val="accent1"/>
+              </a:buClr>
+              <a:buFont typeface="Calibri" pitchFamily="34" charset="0"/>
+              <a:buChar char="◦"/>
+              <a:defRPr sz="1050" kern="1200">
+                <a:solidFill>
+                  <a:schemeClr val="tx1">
+                    <a:lumMod val="75000"/>
+                    <a:lumOff val="25000"/>
+                  </a:schemeClr>
+                </a:solidFill>
+                <a:latin typeface="+mn-lt"/>
+                <a:ea typeface="+mn-ea"/>
+                <a:cs typeface="+mn-cs"/>
+              </a:defRPr>
+            </a:lvl4pPr>
+            <a:lvl5pPr marL="699516" indent="-137160" algn="l" defTabSz="685800" rtl="0" eaLnBrk="1" latinLnBrk="0" hangingPunct="1">
+              <a:lnSpc>
+                <a:spcPct val="90000"/>
+              </a:lnSpc>
+              <a:spcBef>
+                <a:spcPts val="150"/>
+              </a:spcBef>
+              <a:spcAft>
+                <a:spcPts val="300"/>
+              </a:spcAft>
+              <a:buClr>
+                <a:schemeClr val="accent1"/>
+              </a:buClr>
+              <a:buFont typeface="Calibri" pitchFamily="34" charset="0"/>
+              <a:buChar char="◦"/>
+              <a:defRPr sz="1050" kern="1200">
+                <a:solidFill>
+                  <a:schemeClr val="tx1">
+                    <a:lumMod val="75000"/>
+                    <a:lumOff val="25000"/>
+                  </a:schemeClr>
+                </a:solidFill>
+                <a:latin typeface="+mn-lt"/>
+                <a:ea typeface="+mn-ea"/>
+                <a:cs typeface="+mn-cs"/>
+              </a:defRPr>
+            </a:lvl5pPr>
+            <a:lvl6pPr marL="825000" indent="-171450" algn="l" defTabSz="685800" rtl="0" eaLnBrk="1" latinLnBrk="0" hangingPunct="1">
+              <a:lnSpc>
+                <a:spcPct val="90000"/>
+              </a:lnSpc>
+              <a:spcBef>
+                <a:spcPts val="150"/>
+              </a:spcBef>
+              <a:spcAft>
+                <a:spcPts val="300"/>
+              </a:spcAft>
+              <a:buClr>
+                <a:schemeClr val="accent1"/>
+              </a:buClr>
+              <a:buFont typeface="Calibri" pitchFamily="34" charset="0"/>
+              <a:buChar char="◦"/>
+              <a:defRPr sz="1050" kern="1200">
+                <a:solidFill>
+                  <a:schemeClr val="tx1">
+                    <a:lumMod val="75000"/>
+                    <a:lumOff val="25000"/>
+                  </a:schemeClr>
+                </a:solidFill>
+                <a:latin typeface="+mn-lt"/>
+                <a:ea typeface="+mn-ea"/>
+                <a:cs typeface="+mn-cs"/>
+              </a:defRPr>
+            </a:lvl6pPr>
+            <a:lvl7pPr marL="975000" indent="-171450" algn="l" defTabSz="685800" rtl="0" eaLnBrk="1" latinLnBrk="0" hangingPunct="1">
+              <a:lnSpc>
+                <a:spcPct val="90000"/>
+              </a:lnSpc>
+              <a:spcBef>
+                <a:spcPts val="150"/>
+              </a:spcBef>
+              <a:spcAft>
+                <a:spcPts val="300"/>
+              </a:spcAft>
+              <a:buClr>
+                <a:schemeClr val="accent1"/>
+              </a:buClr>
+              <a:buFont typeface="Calibri" pitchFamily="34" charset="0"/>
+              <a:buChar char="◦"/>
+              <a:defRPr sz="1050" kern="1200">
+                <a:solidFill>
+                  <a:schemeClr val="tx1">
+                    <a:lumMod val="75000"/>
+                    <a:lumOff val="25000"/>
+                  </a:schemeClr>
+                </a:solidFill>
+                <a:latin typeface="+mn-lt"/>
+                <a:ea typeface="+mn-ea"/>
+                <a:cs typeface="+mn-cs"/>
+              </a:defRPr>
+            </a:lvl7pPr>
+            <a:lvl8pPr marL="1125000" indent="-171450" algn="l" defTabSz="685800" rtl="0" eaLnBrk="1" latinLnBrk="0" hangingPunct="1">
+              <a:lnSpc>
+                <a:spcPct val="90000"/>
+              </a:lnSpc>
+              <a:spcBef>
+                <a:spcPts val="150"/>
+              </a:spcBef>
+              <a:spcAft>
+                <a:spcPts val="300"/>
+              </a:spcAft>
+              <a:buClr>
+                <a:schemeClr val="accent1"/>
+              </a:buClr>
+              <a:buFont typeface="Calibri" pitchFamily="34" charset="0"/>
+              <a:buChar char="◦"/>
+              <a:defRPr sz="1050" kern="1200">
+                <a:solidFill>
+                  <a:schemeClr val="tx1">
+                    <a:lumMod val="75000"/>
+                    <a:lumOff val="25000"/>
+                  </a:schemeClr>
+                </a:solidFill>
+                <a:latin typeface="+mn-lt"/>
+                <a:ea typeface="+mn-ea"/>
+                <a:cs typeface="+mn-cs"/>
+              </a:defRPr>
+            </a:lvl8pPr>
+            <a:lvl9pPr marL="1275000" indent="-171450" algn="l" defTabSz="685800" rtl="0" eaLnBrk="1" latinLnBrk="0" hangingPunct="1">
+              <a:lnSpc>
+                <a:spcPct val="90000"/>
+              </a:lnSpc>
+              <a:spcBef>
+                <a:spcPts val="150"/>
+              </a:spcBef>
+              <a:spcAft>
+                <a:spcPts val="300"/>
+              </a:spcAft>
+              <a:buClr>
+                <a:schemeClr val="accent1"/>
+              </a:buClr>
+              <a:buFont typeface="Calibri" pitchFamily="34" charset="0"/>
+              <a:buChar char="◦"/>
+              <a:defRPr sz="1050" kern="1200">
+                <a:solidFill>
+                  <a:schemeClr val="tx1">
+                    <a:lumMod val="75000"/>
+                    <a:lumOff val="25000"/>
+                  </a:schemeClr>
+                </a:solidFill>
+                <a:latin typeface="+mn-lt"/>
+                <a:ea typeface="+mn-ea"/>
+                <a:cs typeface="+mn-cs"/>
+              </a:defRPr>
+            </a:lvl9pPr>
+          </a:lstStyle>
+          <a:p>
+            <a:pPr marL="0" indent="0">
+              <a:lnSpc>
+                <a:spcPct val="50000"/>
+              </a:lnSpc>
+              <a:spcBef>
+                <a:spcPts val="300"/>
+              </a:spcBef>
+              <a:buNone/>
+            </a:pPr>
+            <a:endParaRPr lang="en-US" sz="1400" dirty="0" smtClean="0">
+              <a:solidFill>
+                <a:srgbClr val="0070C0"/>
+              </a:solidFill>
+              <a:latin typeface="Consolas" charset="0"/>
+              <a:ea typeface="Consolas" charset="0"/>
+              <a:cs typeface="Consolas" charset="0"/>
+            </a:endParaRPr>
+          </a:p>
+          <a:p>
+            <a:pPr marL="0" indent="0">
+              <a:lnSpc>
+                <a:spcPct val="50000"/>
+              </a:lnSpc>
+              <a:spcBef>
+                <a:spcPts val="300"/>
+              </a:spcBef>
+              <a:buNone/>
+            </a:pPr>
+            <a:r>
+              <a:rPr lang="en-US" sz="1400" dirty="0" smtClean="0">
+                <a:solidFill>
+                  <a:srgbClr val="0070C0"/>
+                </a:solidFill>
+                <a:latin typeface="Consolas" charset="0"/>
+                <a:ea typeface="Consolas" charset="0"/>
+                <a:cs typeface="Consolas" charset="0"/>
+              </a:rPr>
+              <a:t>A1 (dis?; p!), A2 (p?; dna!), A3 (p?; info!),</a:t>
+            </a:r>
+          </a:p>
+          <a:p>
+            <a:pPr marL="0" indent="0">
+              <a:lnSpc>
+                <a:spcPct val="100000"/>
+              </a:lnSpc>
+              <a:spcBef>
+                <a:spcPts val="300"/>
+              </a:spcBef>
+              <a:buNone/>
+            </a:pPr>
+            <a:r>
+              <a:rPr lang="en-US" sz="1400" dirty="0" smtClean="0">
+                <a:solidFill>
+                  <a:srgbClr val="0070C0"/>
+                </a:solidFill>
+                <a:latin typeface="Consolas" charset="0"/>
+                <a:ea typeface="Consolas" charset="0"/>
+                <a:cs typeface="Consolas" charset="0"/>
+              </a:rPr>
+              <a:t>dis= </a:t>
+            </a:r>
+            <a:r>
+              <a:rPr lang="en-US" sz="1400" dirty="0" smtClean="0">
+                <a:solidFill>
+                  <a:srgbClr val="0070C0"/>
+                </a:solidFill>
+                <a:latin typeface="Consolas" charset="0"/>
+                <a:ea typeface="Consolas" charset="0"/>
+                <a:cs typeface="Consolas" charset="0"/>
+              </a:rPr>
+              <a:t>“flu”,  [ 	availability &gt; 98%, </a:t>
+            </a:r>
+          </a:p>
+          <a:p>
+            <a:pPr marL="0" indent="0">
+              <a:lnSpc>
+                <a:spcPct val="100000"/>
+              </a:lnSpc>
+              <a:spcBef>
+                <a:spcPts val="300"/>
+              </a:spcBef>
+              <a:buNone/>
+            </a:pPr>
+            <a:r>
+              <a:rPr lang="en-US" sz="1400" dirty="0" smtClean="0">
+                <a:solidFill>
+                  <a:srgbClr val="0070C0"/>
+                </a:solidFill>
+                <a:latin typeface="Consolas" charset="0"/>
+                <a:ea typeface="Consolas" charset="0"/>
+                <a:cs typeface="Consolas" charset="0"/>
+              </a:rPr>
+              <a:t>		price per call &lt; 0,2$, </a:t>
+            </a:r>
+          </a:p>
+          <a:p>
+            <a:pPr marL="0" indent="0">
+              <a:lnSpc>
+                <a:spcPct val="100000"/>
+              </a:lnSpc>
+              <a:spcBef>
+                <a:spcPts val="300"/>
+              </a:spcBef>
+              <a:buNone/>
+            </a:pPr>
+            <a:r>
+              <a:rPr lang="en-US" sz="1400" dirty="0">
+                <a:solidFill>
+                  <a:srgbClr val="0070C0"/>
+                </a:solidFill>
+                <a:latin typeface="Consolas" charset="0"/>
+                <a:ea typeface="Consolas" charset="0"/>
+                <a:cs typeface="Consolas" charset="0"/>
+              </a:rPr>
+              <a:t>	</a:t>
+            </a:r>
+            <a:r>
+              <a:rPr lang="en-US" sz="1400" dirty="0" smtClean="0">
+                <a:solidFill>
+                  <a:srgbClr val="0070C0"/>
+                </a:solidFill>
+                <a:latin typeface="Consolas" charset="0"/>
+                <a:ea typeface="Consolas" charset="0"/>
+                <a:cs typeface="Consolas" charset="0"/>
+              </a:rPr>
+              <a:t>	total cost &lt; 5$]</a:t>
+            </a:r>
+          </a:p>
+          <a:p>
+            <a:pPr marL="0" indent="0">
+              <a:lnSpc>
+                <a:spcPct val="50000"/>
+              </a:lnSpc>
+              <a:spcBef>
+                <a:spcPts val="300"/>
+              </a:spcBef>
+              <a:buNone/>
+            </a:pPr>
+            <a:endParaRPr lang="en-US" sz="1400" dirty="0">
+              <a:solidFill>
+                <a:srgbClr val="0070C0"/>
+              </a:solidFill>
+              <a:latin typeface="Consolas" charset="0"/>
+              <a:ea typeface="Consolas" charset="0"/>
+              <a:cs typeface="Consolas" charset="0"/>
+            </a:endParaRPr>
+          </a:p>
+          <a:p>
+            <a:pPr marL="0" indent="0">
+              <a:lnSpc>
+                <a:spcPct val="50000"/>
+              </a:lnSpc>
+              <a:spcBef>
+                <a:spcPts val="300"/>
+              </a:spcBef>
+              <a:buNone/>
+            </a:pPr>
+            <a:endParaRPr lang="en-US" sz="1400" dirty="0">
+              <a:solidFill>
+                <a:srgbClr val="0070C0"/>
+              </a:solidFill>
+              <a:latin typeface="Consolas" charset="0"/>
+              <a:ea typeface="Consolas" charset="0"/>
+              <a:cs typeface="Consolas" charset="0"/>
+            </a:endParaRPr>
+          </a:p>
+          <a:p>
+            <a:pPr marL="0" indent="0">
+              <a:lnSpc>
+                <a:spcPct val="50000"/>
+              </a:lnSpc>
+              <a:spcBef>
+                <a:spcPts val="300"/>
+              </a:spcBef>
+              <a:buNone/>
+            </a:pPr>
+            <a:endParaRPr lang="en-US" sz="1400" dirty="0" smtClean="0">
+              <a:solidFill>
+                <a:srgbClr val="0070C0"/>
+              </a:solidFill>
+              <a:latin typeface="Consolas" charset="0"/>
+              <a:ea typeface="Consolas" charset="0"/>
+              <a:cs typeface="Consolas" charset="0"/>
+            </a:endParaRPr>
+          </a:p>
+        </p:txBody>
+      </p:sp>
+      <p:sp>
+        <p:nvSpPr>
+          <p:cNvPr id="58" name="Rectangle 57"/>
+          <p:cNvSpPr/>
+          <p:nvPr/>
+        </p:nvSpPr>
+        <p:spPr>
+          <a:xfrm>
+            <a:off x="4380271" y="3441196"/>
+            <a:ext cx="2569934" cy="307777"/>
+          </a:xfrm>
+          <a:prstGeom prst="rect">
+            <a:avLst/>
+          </a:prstGeom>
+        </p:spPr>
+        <p:txBody>
+          <a:bodyPr wrap="none">
+            <a:spAutoFit/>
+          </a:bodyPr>
+          <a:lstStyle/>
+          <a:p>
+            <a:r>
+              <a:rPr lang="en-US" sz="1400" dirty="0">
+                <a:solidFill>
+                  <a:srgbClr val="0070C0"/>
+                </a:solidFill>
+                <a:latin typeface="Consolas" charset="0"/>
+                <a:ea typeface="Consolas" charset="0"/>
+                <a:cs typeface="Consolas" charset="0"/>
+              </a:rPr>
+              <a:t>Q(dis?; </a:t>
+            </a:r>
+            <a:r>
+              <a:rPr lang="en-US" sz="1400" dirty="0" err="1">
+                <a:solidFill>
+                  <a:srgbClr val="0070C0"/>
+                </a:solidFill>
+                <a:latin typeface="Consolas" charset="0"/>
+                <a:ea typeface="Consolas" charset="0"/>
+                <a:cs typeface="Consolas" charset="0"/>
+              </a:rPr>
+              <a:t>dna</a:t>
+            </a:r>
+            <a:r>
+              <a:rPr lang="en-US" sz="1400" dirty="0">
+                <a:solidFill>
+                  <a:srgbClr val="0070C0"/>
+                </a:solidFill>
+                <a:latin typeface="Consolas" charset="0"/>
+                <a:ea typeface="Consolas" charset="0"/>
+                <a:cs typeface="Consolas" charset="0"/>
+              </a:rPr>
+              <a:t>!, info!) := </a:t>
+            </a:r>
+            <a:endParaRPr lang="en-GB" sz="1400" dirty="0"/>
+          </a:p>
+        </p:txBody>
+      </p:sp>
+      <p:grpSp>
+        <p:nvGrpSpPr>
+          <p:cNvPr id="6" name="Grouper 5"/>
+          <p:cNvGrpSpPr/>
+          <p:nvPr/>
+        </p:nvGrpSpPr>
+        <p:grpSpPr>
+          <a:xfrm>
+            <a:off x="4326797" y="2147043"/>
+            <a:ext cx="4657757" cy="416134"/>
+            <a:chOff x="4326797" y="2116869"/>
+            <a:chExt cx="4657757" cy="416134"/>
+          </a:xfrm>
+        </p:grpSpPr>
+        <p:sp>
+          <p:nvSpPr>
+            <p:cNvPr id="60" name="Rectangle 59"/>
+            <p:cNvSpPr/>
+            <p:nvPr/>
+          </p:nvSpPr>
+          <p:spPr>
+            <a:xfrm>
+              <a:off x="4380271" y="2198709"/>
+              <a:ext cx="4604283" cy="334294"/>
+            </a:xfrm>
+            <a:prstGeom prst="rect">
+              <a:avLst/>
+            </a:prstGeom>
+            <a:solidFill>
+              <a:schemeClr val="accent6">
+                <a:lumMod val="60000"/>
+                <a:lumOff val="40000"/>
+                <a:alpha val="81000"/>
+              </a:schemeClr>
+            </a:solidFill>
+            <a:ln>
+              <a:noFill/>
+            </a:ln>
+          </p:spPr>
+          <p:style>
+            <a:lnRef idx="2">
+              <a:schemeClr val="accent1">
+                <a:shade val="50000"/>
+              </a:schemeClr>
+            </a:lnRef>
+            <a:fillRef idx="1">
+              <a:schemeClr val="accent1"/>
+            </a:fillRef>
+            <a:effectRef idx="0">
+              <a:schemeClr val="accent1"/>
+            </a:effectRef>
+            <a:fontRef idx="minor">
+              <a:schemeClr val="lt1"/>
+            </a:fontRef>
+          </p:style>
+          <p:txBody>
+            <a:bodyPr rtlCol="0" anchor="ctr"/>
+            <a:lstStyle/>
+            <a:p>
+              <a:pPr algn="ctr"/>
+              <a:endParaRPr lang="en-GB"/>
+            </a:p>
+          </p:txBody>
+        </p:sp>
+        <p:sp>
+          <p:nvSpPr>
+            <p:cNvPr id="16" name="Titre 4"/>
+            <p:cNvSpPr txBox="1">
+              <a:spLocks/>
+            </p:cNvSpPr>
+            <p:nvPr/>
+          </p:nvSpPr>
+          <p:spPr>
+            <a:xfrm>
+              <a:off x="4326797" y="2116869"/>
+              <a:ext cx="651644" cy="375371"/>
+            </a:xfrm>
+            <a:prstGeom prst="rect">
+              <a:avLst/>
+            </a:prstGeom>
+          </p:spPr>
+          <p:txBody>
+            <a:bodyPr vert="horz" lIns="91440" tIns="45720" rIns="91440" bIns="45720" rtlCol="0" anchor="b">
+              <a:normAutofit/>
+            </a:bodyPr>
+            <a:lstStyle>
+              <a:lvl1pPr algn="l" defTabSz="685800" rtl="0" eaLnBrk="1" latinLnBrk="0" hangingPunct="1">
+                <a:lnSpc>
+                  <a:spcPct val="85000"/>
+                </a:lnSpc>
+                <a:spcBef>
+                  <a:spcPct val="0"/>
+                </a:spcBef>
+                <a:buNone/>
+                <a:defRPr sz="3600" kern="1200" spc="-38" baseline="0">
+                  <a:solidFill>
+                    <a:schemeClr val="tx1">
+                      <a:lumMod val="75000"/>
+                      <a:lumOff val="25000"/>
+                    </a:schemeClr>
+                  </a:solidFill>
+                  <a:latin typeface="+mj-lt"/>
+                  <a:ea typeface="+mj-ea"/>
+                  <a:cs typeface="+mj-cs"/>
+                </a:defRPr>
+              </a:lvl1pPr>
+            </a:lstStyle>
+            <a:p>
+              <a:r>
+                <a:rPr lang="en-GB" sz="1800" b="1" i="1" dirty="0" smtClean="0">
+                  <a:solidFill>
+                    <a:schemeClr val="accent6">
+                      <a:lumMod val="50000"/>
+                    </a:schemeClr>
+                  </a:solidFill>
+                  <a:latin typeface="Consolas" charset="0"/>
+                  <a:ea typeface="Consolas" charset="0"/>
+                  <a:cs typeface="Consolas" charset="0"/>
+                </a:rPr>
+                <a:t>CSD</a:t>
+              </a:r>
+              <a:r>
+                <a:rPr lang="en-GB" sz="1800" b="1" i="1" baseline="-25000" dirty="0" smtClean="0">
+                  <a:solidFill>
+                    <a:schemeClr val="accent6">
+                      <a:lumMod val="50000"/>
+                    </a:schemeClr>
+                  </a:solidFill>
+                  <a:latin typeface="Consolas" charset="0"/>
+                  <a:ea typeface="Consolas" charset="0"/>
+                  <a:cs typeface="Consolas" charset="0"/>
+                </a:rPr>
+                <a:t>3</a:t>
+              </a:r>
+              <a:endParaRPr lang="en-GB" sz="1800" b="1" dirty="0">
+                <a:solidFill>
+                  <a:schemeClr val="accent6">
+                    <a:lumMod val="50000"/>
+                  </a:schemeClr>
+                </a:solidFill>
+                <a:latin typeface="Consolas" charset="0"/>
+                <a:ea typeface="Consolas" charset="0"/>
+                <a:cs typeface="Consolas" charset="0"/>
+              </a:endParaRPr>
+            </a:p>
+          </p:txBody>
+        </p:sp>
+      </p:grpSp>
+      <p:grpSp>
+        <p:nvGrpSpPr>
+          <p:cNvPr id="5" name="Grouper 4"/>
+          <p:cNvGrpSpPr/>
+          <p:nvPr/>
+        </p:nvGrpSpPr>
+        <p:grpSpPr>
+          <a:xfrm>
+            <a:off x="4326793" y="1719278"/>
+            <a:ext cx="4657761" cy="459507"/>
+            <a:chOff x="4326793" y="1719278"/>
+            <a:chExt cx="4657761" cy="459507"/>
+          </a:xfrm>
+        </p:grpSpPr>
+        <p:sp>
+          <p:nvSpPr>
+            <p:cNvPr id="4" name="Rectangle 3"/>
+            <p:cNvSpPr/>
+            <p:nvPr/>
+          </p:nvSpPr>
+          <p:spPr>
+            <a:xfrm>
+              <a:off x="4380271" y="1780840"/>
+              <a:ext cx="4604283" cy="397945"/>
+            </a:xfrm>
+            <a:prstGeom prst="rect">
+              <a:avLst/>
+            </a:prstGeom>
+            <a:solidFill>
+              <a:schemeClr val="accent6">
+                <a:lumMod val="60000"/>
+                <a:lumOff val="40000"/>
+                <a:alpha val="83000"/>
+              </a:schemeClr>
+            </a:solidFill>
+            <a:ln>
+              <a:noFill/>
+            </a:ln>
+          </p:spPr>
+          <p:style>
+            <a:lnRef idx="2">
+              <a:schemeClr val="accent1">
+                <a:shade val="50000"/>
+              </a:schemeClr>
+            </a:lnRef>
+            <a:fillRef idx="1">
+              <a:schemeClr val="accent1"/>
+            </a:fillRef>
+            <a:effectRef idx="0">
+              <a:schemeClr val="accent1"/>
+            </a:effectRef>
+            <a:fontRef idx="minor">
+              <a:schemeClr val="lt1"/>
+            </a:fontRef>
+          </p:style>
+          <p:txBody>
+            <a:bodyPr rtlCol="0" anchor="ctr"/>
+            <a:lstStyle/>
+            <a:p>
+              <a:pPr algn="ctr"/>
+              <a:endParaRPr lang="en-GB"/>
+            </a:p>
+          </p:txBody>
+        </p:sp>
+        <p:sp>
+          <p:nvSpPr>
+            <p:cNvPr id="49" name="Titre 4"/>
+            <p:cNvSpPr txBox="1">
+              <a:spLocks/>
+            </p:cNvSpPr>
+            <p:nvPr/>
+          </p:nvSpPr>
+          <p:spPr>
+            <a:xfrm>
+              <a:off x="4326793" y="1719278"/>
+              <a:ext cx="651644" cy="375371"/>
+            </a:xfrm>
+            <a:prstGeom prst="rect">
+              <a:avLst/>
+            </a:prstGeom>
+          </p:spPr>
+          <p:txBody>
+            <a:bodyPr vert="horz" lIns="91440" tIns="45720" rIns="91440" bIns="45720" rtlCol="0" anchor="b">
+              <a:normAutofit/>
+            </a:bodyPr>
+            <a:lstStyle>
+              <a:lvl1pPr algn="l" defTabSz="685800" rtl="0" eaLnBrk="1" latinLnBrk="0" hangingPunct="1">
+                <a:lnSpc>
+                  <a:spcPct val="85000"/>
+                </a:lnSpc>
+                <a:spcBef>
+                  <a:spcPct val="0"/>
+                </a:spcBef>
+                <a:buNone/>
+                <a:defRPr sz="3600" kern="1200" spc="-38" baseline="0">
+                  <a:solidFill>
+                    <a:schemeClr val="tx1">
+                      <a:lumMod val="75000"/>
+                      <a:lumOff val="25000"/>
+                    </a:schemeClr>
+                  </a:solidFill>
+                  <a:latin typeface="+mj-lt"/>
+                  <a:ea typeface="+mj-ea"/>
+                  <a:cs typeface="+mj-cs"/>
+                </a:defRPr>
+              </a:lvl1pPr>
+            </a:lstStyle>
+            <a:p>
+              <a:r>
+                <a:rPr lang="en-GB" sz="1800" b="1" i="1" dirty="0" smtClean="0">
+                  <a:solidFill>
+                    <a:schemeClr val="accent6">
+                      <a:lumMod val="50000"/>
+                    </a:schemeClr>
+                  </a:solidFill>
+                  <a:latin typeface="Consolas" charset="0"/>
+                  <a:ea typeface="Consolas" charset="0"/>
+                  <a:cs typeface="Consolas" charset="0"/>
+                </a:rPr>
+                <a:t>CSD</a:t>
+              </a:r>
+              <a:r>
+                <a:rPr lang="en-GB" sz="1800" b="1" i="1" baseline="-25000" dirty="0" smtClean="0">
+                  <a:solidFill>
+                    <a:schemeClr val="accent6">
+                      <a:lumMod val="50000"/>
+                    </a:schemeClr>
+                  </a:solidFill>
+                  <a:latin typeface="Consolas" charset="0"/>
+                  <a:ea typeface="Consolas" charset="0"/>
+                  <a:cs typeface="Consolas" charset="0"/>
+                </a:rPr>
+                <a:t>2</a:t>
+              </a:r>
+              <a:endParaRPr lang="en-GB" sz="1800" b="1" dirty="0">
+                <a:solidFill>
+                  <a:schemeClr val="accent6">
+                    <a:lumMod val="50000"/>
+                  </a:schemeClr>
+                </a:solidFill>
+                <a:latin typeface="Consolas" charset="0"/>
+                <a:ea typeface="Consolas" charset="0"/>
+                <a:cs typeface="Consolas" charset="0"/>
+              </a:endParaRPr>
+            </a:p>
+          </p:txBody>
+        </p:sp>
+      </p:grpSp>
+      <p:grpSp>
+        <p:nvGrpSpPr>
+          <p:cNvPr id="7" name="Grouper 6"/>
+          <p:cNvGrpSpPr/>
+          <p:nvPr/>
+        </p:nvGrpSpPr>
+        <p:grpSpPr>
+          <a:xfrm>
+            <a:off x="4343400" y="2939676"/>
+            <a:ext cx="4663276" cy="473590"/>
+            <a:chOff x="4345970" y="2908298"/>
+            <a:chExt cx="4663276" cy="473590"/>
+          </a:xfrm>
+        </p:grpSpPr>
+        <p:sp>
+          <p:nvSpPr>
+            <p:cNvPr id="61" name="Rectangle 60"/>
+            <p:cNvSpPr/>
+            <p:nvPr/>
+          </p:nvSpPr>
+          <p:spPr>
+            <a:xfrm>
+              <a:off x="4404963" y="2983943"/>
+              <a:ext cx="4604283" cy="397945"/>
+            </a:xfrm>
+            <a:prstGeom prst="rect">
+              <a:avLst/>
+            </a:prstGeom>
+            <a:solidFill>
+              <a:schemeClr val="accent6">
+                <a:lumMod val="60000"/>
+                <a:lumOff val="40000"/>
+                <a:alpha val="81000"/>
+              </a:schemeClr>
+            </a:solidFill>
+            <a:ln>
+              <a:noFill/>
+            </a:ln>
+          </p:spPr>
+          <p:style>
+            <a:lnRef idx="2">
+              <a:schemeClr val="accent1">
+                <a:shade val="50000"/>
+              </a:schemeClr>
+            </a:lnRef>
+            <a:fillRef idx="1">
+              <a:schemeClr val="accent1"/>
+            </a:fillRef>
+            <a:effectRef idx="0">
+              <a:schemeClr val="accent1"/>
+            </a:effectRef>
+            <a:fontRef idx="minor">
+              <a:schemeClr val="lt1"/>
+            </a:fontRef>
+          </p:style>
+          <p:txBody>
+            <a:bodyPr rtlCol="0" anchor="ctr"/>
+            <a:lstStyle/>
+            <a:p>
+              <a:pPr algn="ctr"/>
+              <a:endParaRPr lang="en-GB"/>
+            </a:p>
+          </p:txBody>
+        </p:sp>
+        <p:sp>
+          <p:nvSpPr>
+            <p:cNvPr id="17" name="Titre 4"/>
+            <p:cNvSpPr txBox="1">
+              <a:spLocks/>
+            </p:cNvSpPr>
+            <p:nvPr/>
+          </p:nvSpPr>
+          <p:spPr>
+            <a:xfrm>
+              <a:off x="4345970" y="2908298"/>
+              <a:ext cx="651644" cy="375371"/>
+            </a:xfrm>
+            <a:prstGeom prst="rect">
+              <a:avLst/>
+            </a:prstGeom>
+          </p:spPr>
+          <p:txBody>
+            <a:bodyPr vert="horz" lIns="91440" tIns="45720" rIns="91440" bIns="45720" rtlCol="0" anchor="b">
+              <a:normAutofit/>
+            </a:bodyPr>
+            <a:lstStyle>
+              <a:lvl1pPr algn="l" defTabSz="685800" rtl="0" eaLnBrk="1" latinLnBrk="0" hangingPunct="1">
+                <a:lnSpc>
+                  <a:spcPct val="85000"/>
+                </a:lnSpc>
+                <a:spcBef>
+                  <a:spcPct val="0"/>
+                </a:spcBef>
+                <a:buNone/>
+                <a:defRPr sz="3600" kern="1200" spc="-38" baseline="0">
+                  <a:solidFill>
+                    <a:schemeClr val="tx1">
+                      <a:lumMod val="75000"/>
+                      <a:lumOff val="25000"/>
+                    </a:schemeClr>
+                  </a:solidFill>
+                  <a:latin typeface="+mj-lt"/>
+                  <a:ea typeface="+mj-ea"/>
+                  <a:cs typeface="+mj-cs"/>
+                </a:defRPr>
+              </a:lvl1pPr>
+            </a:lstStyle>
+            <a:p>
+              <a:r>
+                <a:rPr lang="en-GB" sz="1800" b="1" i="1" dirty="0" smtClean="0">
+                  <a:solidFill>
+                    <a:schemeClr val="accent6">
+                      <a:lumMod val="50000"/>
+                    </a:schemeClr>
+                  </a:solidFill>
+                  <a:latin typeface="Consolas" charset="0"/>
+                  <a:ea typeface="Consolas" charset="0"/>
+                  <a:cs typeface="Consolas" charset="0"/>
+                </a:rPr>
+                <a:t>CSD</a:t>
+              </a:r>
+              <a:r>
+                <a:rPr lang="en-GB" sz="1800" b="1" i="1" baseline="-25000" dirty="0" smtClean="0">
+                  <a:solidFill>
+                    <a:schemeClr val="accent6">
+                      <a:lumMod val="50000"/>
+                    </a:schemeClr>
+                  </a:solidFill>
+                  <a:latin typeface="Consolas" charset="0"/>
+                  <a:ea typeface="Consolas" charset="0"/>
+                  <a:cs typeface="Consolas" charset="0"/>
+                </a:rPr>
+                <a:t>5</a:t>
+              </a:r>
+              <a:endParaRPr lang="en-GB" sz="1800" b="1" dirty="0">
+                <a:solidFill>
+                  <a:schemeClr val="accent6">
+                    <a:lumMod val="50000"/>
+                  </a:schemeClr>
+                </a:solidFill>
+                <a:latin typeface="Consolas" charset="0"/>
+                <a:ea typeface="Consolas" charset="0"/>
+                <a:cs typeface="Consolas" charset="0"/>
+              </a:endParaRPr>
+            </a:p>
+          </p:txBody>
+        </p:sp>
+      </p:grpSp>
+    </p:spTree>
+    <p:extLst>
+      <p:ext uri="{BB962C8B-B14F-4D97-AF65-F5344CB8AC3E}">
+        <p14:creationId xmlns:p14="http://schemas.microsoft.com/office/powerpoint/2010/main" val="627301603"/>
+      </p:ext>
+    </p:extLst>
+  </p:cSld>
+  <p:clrMapOvr>
+    <a:masterClrMapping/>
+  </p:clrMapOvr>
+  <p:timing>
+    <p:tnLst>
+      <p:par>
+        <p:cTn id="1" dur="indefinite" restart="never" nodeType="tmRoot">
+          <p:childTnLst>
+            <p:seq concurrent="1" nextAc="seek">
+              <p:cTn id="2" dur="indefinite" nodeType="mainSeq">
+                <p:childTnLst>
+                  <p:par>
+                    <p:cTn id="3" fill="hold">
+                      <p:stCondLst>
+                        <p:cond delay="indefinite"/>
+                      </p:stCondLst>
+                      <p:childTnLst>
+                        <p:par>
+                          <p:cTn id="4" fill="hold">
+                            <p:stCondLst>
+                              <p:cond delay="0"/>
+                            </p:stCondLst>
+                            <p:childTnLst>
+                              <p:par>
+                                <p:cTn id="5" presetID="18" presetClass="emph" presetSubtype="0" fill="hold" nodeType="clickEffect">
+                                  <p:stCondLst>
+                                    <p:cond delay="0"/>
+                                  </p:stCondLst>
+                                  <p:iterate type="lt">
+                                    <p:tmPct val="4000"/>
+                                  </p:iterate>
+                                  <p:childTnLst>
+                                    <p:set>
+                                      <p:cBhvr override="childStyle">
+                                        <p:cTn id="6" dur="500" fill="hold"/>
+                                        <p:tgtEl>
+                                          <p:spTgt spid="24">
+                                            <p:txEl>
+                                              <p:pRg st="4" end="4"/>
+                                            </p:txEl>
+                                          </p:spTgt>
+                                        </p:tgtEl>
+                                        <p:attrNameLst>
+                                          <p:attrName>style.textDecorationUnderline</p:attrName>
+                                        </p:attrNameLst>
+                                      </p:cBhvr>
+                                      <p:to>
+                                        <p:strVal val="true"/>
+                                      </p:to>
+                                    </p:set>
+                                  </p:childTnLst>
+                                </p:cTn>
+                              </p:par>
+                            </p:childTnLst>
+                          </p:cTn>
+                        </p:par>
+                      </p:childTnLst>
+                    </p:cTn>
+                  </p:par>
+                </p:childTnLst>
+              </p:cTn>
+              <p:prevCondLst>
+                <p:cond evt="onPrev" delay="0">
+                  <p:tgtEl>
+                    <p:sldTgt/>
+                  </p:tgtEl>
+                </p:cond>
+              </p:prevCondLst>
+              <p:nextCondLst>
+                <p:cond evt="onNext" delay="0">
+                  <p:tgtEl>
+                    <p:sldTgt/>
+                  </p:tgtEl>
+                </p:cond>
+              </p:nextCondLst>
+            </p:seq>
+          </p:childTnLst>
+        </p:cTn>
+      </p:par>
+    </p:tnLst>
+  </p:timing>
+</p:sld>
+</file>
+
+<file path=ppt/slides/slide22.xml><?xml version="1.0" encoding="utf-8"?>
+<p:sld xmlns:a="http://schemas.openxmlformats.org/drawingml/2006/main" xmlns:r="http://schemas.openxmlformats.org/officeDocument/2006/relationships" xmlns:p="http://schemas.openxmlformats.org/presentationml/2006/main">
+  <p:cSld>
+    <p:spTree>
+      <p:nvGrpSpPr>
+        <p:cNvPr id="1" name=""/>
+        <p:cNvGrpSpPr/>
+        <p:nvPr/>
+      </p:nvGrpSpPr>
+      <p:grpSpPr>
+        <a:xfrm>
+          <a:off x="0" y="0"/>
+          <a:ext cx="0" cy="0"/>
+          <a:chOff x="0" y="0"/>
+          <a:chExt cx="0" cy="0"/>
+        </a:xfrm>
+      </p:grpSpPr>
+      <p:sp>
+        <p:nvSpPr>
+          <p:cNvPr id="2" name="Titre 1"/>
+          <p:cNvSpPr>
+            <a:spLocks noGrp="1"/>
+          </p:cNvSpPr>
+          <p:nvPr>
+            <p:ph type="title"/>
+          </p:nvPr>
+        </p:nvSpPr>
+        <p:spPr/>
+        <p:txBody>
           <a:bodyPr/>
           <a:lstStyle/>
           <a:p>
@@ -32666,7 +35595,7 @@
 </p:sld>
 </file>
 
-<file path=ppt/slides/slide22.xml><?xml version="1.0" encoding="utf-8"?>
+<file path=ppt/slides/slide23.xml><?xml version="1.0" encoding="utf-8"?>
 <p:sld xmlns:a="http://schemas.openxmlformats.org/drawingml/2006/main" xmlns:r="http://schemas.openxmlformats.org/officeDocument/2006/relationships" xmlns:p="http://schemas.openxmlformats.org/presentationml/2006/main">
   <p:cSld>
     <p:spTree>
@@ -33095,7 +36024,7 @@
 </p:sld>
 </file>
 
-<file path=ppt/slides/slide23.xml><?xml version="1.0" encoding="utf-8"?>
+<file path=ppt/slides/slide24.xml><?xml version="1.0" encoding="utf-8"?>
 <p:sld xmlns:a="http://schemas.openxmlformats.org/drawingml/2006/main" xmlns:r="http://schemas.openxmlformats.org/officeDocument/2006/relationships" xmlns:p="http://schemas.openxmlformats.org/presentationml/2006/main">
   <p:cSld>
     <p:spTree>
@@ -33625,7 +36554,7 @@
 </p:sld>
 </file>
 
-<file path=ppt/slides/slide24.xml><?xml version="1.0" encoding="utf-8"?>
+<file path=ppt/slides/slide25.xml><?xml version="1.0" encoding="utf-8"?>
 <p:sld xmlns:a="http://schemas.openxmlformats.org/drawingml/2006/main" xmlns:r="http://schemas.openxmlformats.org/officeDocument/2006/relationships" xmlns:p="http://schemas.openxmlformats.org/presentationml/2006/main">
   <p:cSld>
     <p:spTree>
@@ -36604,14 +39533,14 @@
               </a:ln>
               <a:extLst>
                 <a:ext uri="{909E8E84-426E-40dd-AFC4-6F175D3DCCD1}">
-                  <a14:hiddenFill xmlns:a14="http://schemas.microsoft.com/office/drawing/2010/main" xmlns="">
+                  <a14:hiddenFill xmlns="" xmlns:a14="http://schemas.microsoft.com/office/drawing/2010/main">
                     <a:solidFill>
                       <a:srgbClr val="FFFFFF"/>
                     </a:solidFill>
                   </a14:hiddenFill>
                 </a:ext>
                 <a:ext uri="{91240B29-F687-4f45-9708-019B960494DF}">
-                  <a14:hiddenLine xmlns:a14="http://schemas.microsoft.com/office/drawing/2010/main" xmlns="" w="9525">
+                  <a14:hiddenLine xmlns="" xmlns:a14="http://schemas.microsoft.com/office/drawing/2010/main" w="9525">
                     <a:solidFill>
                       <a:srgbClr val="000000"/>
                     </a:solidFill>
@@ -36665,14 +39594,14 @@
               </a:ln>
               <a:extLst>
                 <a:ext uri="{909E8E84-426E-40dd-AFC4-6F175D3DCCD1}">
-                  <a14:hiddenFill xmlns:a14="http://schemas.microsoft.com/office/drawing/2010/main" xmlns="">
+                  <a14:hiddenFill xmlns="" xmlns:a14="http://schemas.microsoft.com/office/drawing/2010/main">
                     <a:solidFill>
                       <a:srgbClr val="FFFFFF"/>
                     </a:solidFill>
                   </a14:hiddenFill>
                 </a:ext>
                 <a:ext uri="{91240B29-F687-4f45-9708-019B960494DF}">
-                  <a14:hiddenLine xmlns:a14="http://schemas.microsoft.com/office/drawing/2010/main" xmlns="" w="9525">
+                  <a14:hiddenLine xmlns="" xmlns:a14="http://schemas.microsoft.com/office/drawing/2010/main" w="9525">
                     <a:solidFill>
                       <a:srgbClr val="000000"/>
                     </a:solidFill>
@@ -36726,14 +39655,14 @@
               </a:ln>
               <a:extLst>
                 <a:ext uri="{909E8E84-426E-40dd-AFC4-6F175D3DCCD1}">
-                  <a14:hiddenFill xmlns:a14="http://schemas.microsoft.com/office/drawing/2010/main" xmlns="">
+                  <a14:hiddenFill xmlns="" xmlns:a14="http://schemas.microsoft.com/office/drawing/2010/main">
                     <a:solidFill>
                       <a:srgbClr val="FFFFFF"/>
                     </a:solidFill>
                   </a14:hiddenFill>
                 </a:ext>
                 <a:ext uri="{91240B29-F687-4f45-9708-019B960494DF}">
-                  <a14:hiddenLine xmlns:a14="http://schemas.microsoft.com/office/drawing/2010/main" xmlns="" w="9525">
+                  <a14:hiddenLine xmlns="" xmlns:a14="http://schemas.microsoft.com/office/drawing/2010/main" w="9525">
                     <a:solidFill>
                       <a:srgbClr val="000000"/>
                     </a:solidFill>
@@ -36767,14 +39696,14 @@
               </a:ln>
               <a:extLst>
                 <a:ext uri="{909E8E84-426E-40dd-AFC4-6F175D3DCCD1}">
-                  <a14:hiddenFill xmlns:a14="http://schemas.microsoft.com/office/drawing/2010/main" xmlns="">
+                  <a14:hiddenFill xmlns="" xmlns:a14="http://schemas.microsoft.com/office/drawing/2010/main">
                     <a:solidFill>
                       <a:srgbClr val="FFFFFF"/>
                     </a:solidFill>
                   </a14:hiddenFill>
                 </a:ext>
                 <a:ext uri="{91240B29-F687-4f45-9708-019B960494DF}">
-                  <a14:hiddenLine xmlns:a14="http://schemas.microsoft.com/office/drawing/2010/main" xmlns="" w="9525">
+                  <a14:hiddenLine xmlns="" xmlns:a14="http://schemas.microsoft.com/office/drawing/2010/main" w="9525">
                     <a:solidFill>
                       <a:srgbClr val="000000"/>
                     </a:solidFill>
@@ -47676,7 +50605,7 @@
                 <a:ea typeface="Consolas" charset="0"/>
                 <a:cs typeface="Consolas" charset="0"/>
               </a:rPr>
-              <a:t>d</a:t>
+              <a:t>dis= </a:t>
             </a:r>
             <a:r>
               <a:rPr lang="en-US" sz="1600" i="1" dirty="0">
@@ -47687,7 +50616,29 @@
                 <a:ea typeface="Consolas" charset="0"/>
                 <a:cs typeface="Consolas" charset="0"/>
               </a:rPr>
-              <a:t>= “flu , </a:t>
+              <a:t>“</a:t>
+            </a:r>
+            <a:r>
+              <a:rPr lang="en-US" sz="1600" i="1" dirty="0" smtClean="0">
+                <a:solidFill>
+                  <a:schemeClr val="bg1"/>
+                </a:solidFill>
+                <a:latin typeface="Consolas" charset="0"/>
+                <a:ea typeface="Consolas" charset="0"/>
+                <a:cs typeface="Consolas" charset="0"/>
+              </a:rPr>
+              <a:t>flu” </a:t>
+            </a:r>
+            <a:r>
+              <a:rPr lang="en-US" sz="1600" i="1" dirty="0">
+                <a:solidFill>
+                  <a:schemeClr val="bg1"/>
+                </a:solidFill>
+                <a:latin typeface="Consolas" charset="0"/>
+                <a:ea typeface="Consolas" charset="0"/>
+                <a:cs typeface="Consolas" charset="0"/>
+              </a:rPr>
+              <a:t>, </a:t>
             </a:r>
             <a:r>
               <a:rPr lang="en-US" sz="1600" b="1" i="1" dirty="0" smtClean="0">
@@ -51984,21 +54935,21 @@
 </file>
 
 <file path=customXml/item1.xml><?xml version="1.0" encoding="utf-8"?>
+<?mso-contentType ?>
+<FormTemplates xmlns="http://schemas.microsoft.com/sharepoint/v3/contenttype/forms">
+  <Display>DocumentLibraryForm</Display>
+  <Edit>DocumentLibraryForm</Edit>
+  <New>DocumentLibraryForm</New>
+</FormTemplates>
+</file>
+
+<file path=customXml/item2.xml><?xml version="1.0" encoding="utf-8"?>
 <p:properties xmlns:p="http://schemas.microsoft.com/office/2006/metadata/properties" xmlns:xsi="http://www.w3.org/2001/XMLSchema-instance" xmlns:pc="http://schemas.microsoft.com/office/infopath/2007/PartnerControls">
   <documentManagement>
     <_Version xmlns="http://schemas.microsoft.com/sharepoint/v3/fields" xsi:nil="true"/>
     <_Status xmlns="http://schemas.microsoft.com/sharepoint/v3/fields">Not Started</_Status>
   </documentManagement>
 </p:properties>
-</file>
-
-<file path=customXml/item2.xml><?xml version="1.0" encoding="utf-8"?>
-<?mso-contentType ?>
-<FormTemplates xmlns="http://schemas.microsoft.com/sharepoint/v3/contenttype/forms">
-  <Display>DocumentLibraryForm</Display>
-  <Edit>DocumentLibraryForm</Edit>
-  <New>DocumentLibraryForm</New>
-</FormTemplates>
 </file>
 
 <file path=customXml/item3.xml><?xml version="1.0" encoding="utf-8"?>
@@ -52146,6 +55097,14 @@
 </file>
 
 <file path=customXml/itemProps1.xml><?xml version="1.0" encoding="utf-8"?>
+<ds:datastoreItem xmlns:ds="http://schemas.openxmlformats.org/officeDocument/2006/customXml" ds:itemID="{87D2A1B0-FF3E-4009-940D-AED0EB70AA20}">
+  <ds:schemaRefs>
+    <ds:schemaRef ds:uri="http://schemas.microsoft.com/sharepoint/v3/contenttype/forms"/>
+  </ds:schemaRefs>
+</ds:datastoreItem>
+</file>
+
+<file path=customXml/itemProps2.xml><?xml version="1.0" encoding="utf-8"?>
 <ds:datastoreItem xmlns:ds="http://schemas.openxmlformats.org/officeDocument/2006/customXml" ds:itemID="{7B6F2769-7194-4217-93D3-3AF3A4742282}">
   <ds:schemaRefs>
     <ds:schemaRef ds:uri="http://purl.org/dc/terms/"/>
@@ -52157,14 +55116,6 @@
     <ds:schemaRef ds:uri="http://schemas.microsoft.com/sharepoint/v3/fields"/>
     <ds:schemaRef ds:uri="http://schemas.microsoft.com/office/2006/metadata/properties"/>
     <ds:schemaRef ds:uri="http://www.w3.org/XML/1998/namespace"/>
-  </ds:schemaRefs>
-</ds:datastoreItem>
-</file>
-
-<file path=customXml/itemProps2.xml><?xml version="1.0" encoding="utf-8"?>
-<ds:datastoreItem xmlns:ds="http://schemas.openxmlformats.org/officeDocument/2006/customXml" ds:itemID="{87D2A1B0-FF3E-4009-940D-AED0EB70AA20}">
-  <ds:schemaRefs>
-    <ds:schemaRef ds:uri="http://schemas.microsoft.com/sharepoint/v3/contenttype/forms"/>
   </ds:schemaRefs>
 </ds:datastoreItem>
 </file>

--- a/Presentations/ADBIS 2016/Presentation_ADBIS 2016.pptx
+++ b/Presentations/ADBIS 2016/Presentation_ADBIS 2016.pptx
@@ -235,7 +235,7 @@
           <a:p>
             <a:fld id="{652FA383-9D4B-AD42-9BF3-88FCA749BE0E}" type="datetimeFigureOut">
               <a:rPr lang="en-US" smtClean="0"/>
-              <a:t>8/24/2016</a:t>
+              <a:t>8/30/2016</a:t>
             </a:fld>
             <a:endParaRPr lang="pt-BR"/>
           </a:p>
@@ -400,7 +400,7 @@
           <a:p>
             <a:fld id="{C888862E-4053-6841-80C1-EE02861216A5}" type="datetimeFigureOut">
               <a:rPr lang="en-US" smtClean="0"/>
-              <a:t>8/24/2016</a:t>
+              <a:t>8/30/2016</a:t>
             </a:fld>
             <a:endParaRPr lang="pt-BR"/>
           </a:p>
@@ -1756,39 +1756,15 @@
               <a:rPr lang="fr-FR" baseline="0" dirty="0" smtClean="0">
                 <a:latin typeface="Calibri"/>
               </a:rPr>
-              <a:t>Our algorithm </a:t>
-            </a:r>
+              <a:t>Our algorithm customizes:</a:t>
+            </a:r>
+          </a:p>
+          <a:p>
             <a:r>
               <a:rPr lang="fr-FR" baseline="0" dirty="0" smtClean="0">
                 <a:latin typeface="Calibri"/>
               </a:rPr>
-              <a:t>customizes:</a:t>
-            </a:r>
-          </a:p>
-          <a:p>
-            <a:r>
-              <a:rPr lang="fr-FR" baseline="0" dirty="0" smtClean="0">
-                <a:latin typeface="Calibri"/>
-              </a:rPr>
-              <a:t>The </a:t>
-            </a:r>
-            <a:r>
-              <a:rPr lang="fr-FR" baseline="0" dirty="0" smtClean="0">
-                <a:latin typeface="Calibri"/>
-              </a:rPr>
-              <a:t>data providers services look up</a:t>
-            </a:r>
-            <a:r>
-              <a:rPr lang="fr-FR" baseline="0" dirty="0" smtClean="0">
-                <a:latin typeface="Calibri"/>
-              </a:rPr>
-              <a:t>. The data </a:t>
-            </a:r>
-            <a:r>
-              <a:rPr lang="fr-FR" baseline="0" dirty="0" smtClean="0">
-                <a:latin typeface="Calibri"/>
-              </a:rPr>
-              <a:t>integration </a:t>
+              <a:t>The data providers services look up. The data integration </a:t>
             </a:r>
             <a:r>
               <a:rPr lang="en-US" sz="1200" dirty="0" smtClean="0">
@@ -2019,25 +1995,7 @@
               <a:rPr lang="fr-FR" baseline="0" dirty="0" smtClean="0">
                 <a:latin typeface="Calibri"/>
               </a:rPr>
-              <a:t> the first step </a:t>
-            </a:r>
-            <a:r>
-              <a:rPr lang="fr-FR" baseline="0" dirty="0" smtClean="0">
-                <a:latin typeface="Calibri"/>
-              </a:rPr>
-              <a:t>candidate concrete services </a:t>
-            </a:r>
-            <a:r>
-              <a:rPr lang="fr-FR" baseline="0" dirty="0" smtClean="0">
-                <a:latin typeface="Calibri"/>
-              </a:rPr>
-              <a:t>are </a:t>
-            </a:r>
-            <a:r>
-              <a:rPr lang="fr-FR" baseline="0" dirty="0" smtClean="0">
-                <a:latin typeface="Calibri"/>
-              </a:rPr>
-              <a:t>selected.</a:t>
+              <a:t> the first step candidate concrete services are selected.</a:t>
             </a:r>
           </a:p>
           <a:p>
@@ -2171,31 +2129,23 @@
               <a:rPr lang="fr-FR" baseline="0" dirty="0" smtClean="0">
                 <a:latin typeface="Calibri"/>
               </a:rPr>
-              <a:t> instance, in this step considering a </a:t>
-            </a:r>
-            <a:r>
-              <a:rPr lang="fr-FR" baseline="0" dirty="0" smtClean="0">
-                <a:latin typeface="Calibri"/>
-              </a:rPr>
-              <a:t>query with preferences and a </a:t>
-            </a:r>
-            <a:r>
-              <a:rPr lang="fr-FR" baseline="0" dirty="0" smtClean="0">
-                <a:latin typeface="Calibri"/>
-              </a:rPr>
-              <a:t>set of concrete services</a:t>
-            </a:r>
-            <a:r>
-              <a:rPr lang="fr-FR" baseline="0" dirty="0" smtClean="0">
-                <a:latin typeface="Calibri"/>
-              </a:rPr>
-              <a:t>.</a:t>
-            </a:r>
+              <a:t> instance, in this step considering a query with preferences and a set of concrete services.</a:t>
+            </a:r>
+          </a:p>
+          <a:p>
             <a:endParaRPr lang="fr-FR" baseline="0" dirty="0" smtClean="0">
               <a:latin typeface="Calibri"/>
             </a:endParaRPr>
           </a:p>
           <a:p>
+            <a:r>
+              <a:rPr lang="fr-FR" baseline="0" dirty="0" smtClean="0">
+                <a:latin typeface="Calibri"/>
+              </a:rPr>
+              <a:t>We have to choose those services that match data required with data produced.</a:t>
+            </a:r>
+          </a:p>
+          <a:p>
             <a:endParaRPr lang="fr-FR" baseline="0" dirty="0" smtClean="0">
               <a:latin typeface="Calibri"/>
             </a:endParaRPr>
@@ -2205,19 +2155,23 @@
               <a:rPr lang="fr-FR" baseline="0" dirty="0" smtClean="0">
                 <a:latin typeface="Calibri"/>
               </a:rPr>
-              <a:t>We have to choose those </a:t>
-            </a:r>
-            <a:r>
-              <a:rPr lang="fr-FR" baseline="0" dirty="0" smtClean="0">
-                <a:latin typeface="Calibri"/>
-              </a:rPr>
-              <a:t>services that match data required with data produced.</a:t>
-            </a:r>
+              <a:t>Click</a:t>
+            </a:r>
+          </a:p>
+          <a:p>
             <a:endParaRPr lang="fr-FR" baseline="0" dirty="0" smtClean="0">
               <a:latin typeface="Calibri"/>
             </a:endParaRPr>
           </a:p>
           <a:p>
+            <a:r>
+              <a:rPr lang="fr-FR" baseline="0" dirty="0" smtClean="0">
+                <a:latin typeface="Calibri"/>
+              </a:rPr>
+              <a:t>As you can see we select services that can produce a result for the user query.</a:t>
+            </a:r>
+          </a:p>
+          <a:p>
             <a:endParaRPr lang="fr-FR" baseline="0" dirty="0" smtClean="0">
               <a:latin typeface="Calibri"/>
             </a:endParaRPr>
@@ -2227,54 +2181,7 @@
               <a:rPr lang="fr-FR" baseline="0" dirty="0" smtClean="0">
                 <a:latin typeface="Calibri"/>
               </a:rPr>
-              <a:t>Click</a:t>
-            </a:r>
-          </a:p>
-          <a:p>
-            <a:endParaRPr lang="fr-FR" baseline="0" dirty="0" smtClean="0">
-              <a:latin typeface="Calibri"/>
-            </a:endParaRPr>
-          </a:p>
-          <a:p>
-            <a:r>
-              <a:rPr lang="fr-FR" baseline="0" dirty="0" smtClean="0">
-                <a:latin typeface="Calibri"/>
-              </a:rPr>
-              <a:t>As you can see we select services that can produce a result for the user query</a:t>
-            </a:r>
-            <a:r>
-              <a:rPr lang="fr-FR" baseline="0" dirty="0" smtClean="0">
-                <a:latin typeface="Calibri"/>
-              </a:rPr>
-              <a:t>.</a:t>
-            </a:r>
-            <a:endParaRPr lang="fr-FR" baseline="0" dirty="0" smtClean="0">
-              <a:latin typeface="Calibri"/>
-            </a:endParaRPr>
-          </a:p>
-          <a:p>
-            <a:endParaRPr lang="fr-FR" baseline="0" dirty="0" smtClean="0">
-              <a:latin typeface="Calibri"/>
-            </a:endParaRPr>
-          </a:p>
-          <a:p>
-            <a:r>
-              <a:rPr lang="fr-FR" baseline="0" dirty="0" smtClean="0">
-                <a:latin typeface="Calibri"/>
-              </a:rPr>
-              <a:t>And, consequently</a:t>
-            </a:r>
-            <a:r>
-              <a:rPr lang="fr-FR" baseline="0" dirty="0" smtClean="0">
-                <a:latin typeface="Calibri"/>
-              </a:rPr>
-              <a:t>, the service S7 is discarded once it can not produce a result to the </a:t>
-            </a:r>
-            <a:r>
-              <a:rPr lang="fr-FR" baseline="0" dirty="0" smtClean="0">
-                <a:latin typeface="Calibri"/>
-              </a:rPr>
-              <a:t>query.</a:t>
+              <a:t>And, consequently, the service S7 is discarded once it can not produce a result to the query.</a:t>
             </a:r>
           </a:p>
           <a:p>
@@ -2572,11 +2479,7 @@
             </a:r>
             <a:r>
               <a:rPr lang="es-ES_tradnl" baseline="0" dirty="0" smtClean="0"/>
-              <a:t> S1 and </a:t>
-            </a:r>
-            <a:r>
-              <a:rPr lang="es-ES_tradnl" baseline="0" dirty="0" smtClean="0"/>
-              <a:t>S6 do </a:t>
+              <a:t> S1 and S6 do </a:t>
             </a:r>
             <a:r>
               <a:rPr lang="es-ES_tradnl" baseline="0" dirty="0" err="1" smtClean="0"/>
@@ -2632,11 +2535,7 @@
             </a:r>
             <a:r>
               <a:rPr lang="es-ES_tradnl" baseline="0" dirty="0" smtClean="0"/>
-              <a:t> </a:t>
-            </a:r>
-            <a:r>
-              <a:rPr lang="es-ES_tradnl" baseline="0" dirty="0" smtClean="0"/>
-              <a:t>are </a:t>
+              <a:t> are </a:t>
             </a:r>
             <a:r>
               <a:rPr lang="es-ES_tradnl" baseline="0" dirty="0" err="1" smtClean="0"/>
@@ -2646,7 +2545,6 @@
               <a:rPr lang="es-ES_tradnl" baseline="0" dirty="0" smtClean="0"/>
               <a:t>.</a:t>
             </a:r>
-            <a:endParaRPr lang="es-ES_tradnl" baseline="0" dirty="0" smtClean="0"/>
           </a:p>
           <a:p>
             <a:endParaRPr lang="es-ES_tradnl" baseline="0" dirty="0" smtClean="0"/>
@@ -2982,7 +2880,6 @@
               <a:rPr lang="es-ES_tradnl" baseline="0" dirty="0" smtClean="0"/>
               <a:t> CSD).</a:t>
             </a:r>
-            <a:endParaRPr lang="es-ES_tradnl" baseline="0" dirty="0" smtClean="0"/>
           </a:p>
           <a:p>
             <a:endParaRPr lang="es-ES_tradnl" baseline="0" dirty="0" smtClean="0"/>
@@ -3555,13 +3452,7 @@
               <a:rPr lang="fr-FR" baseline="0" dirty="0" smtClean="0">
                 <a:latin typeface="Calibri"/>
               </a:rPr>
-              <a:t>A CSD for S4 cannot be created once </a:t>
-            </a:r>
-            <a:r>
-              <a:rPr lang="fr-FR" baseline="0" dirty="0" smtClean="0">
-                <a:latin typeface="Calibri"/>
-              </a:rPr>
-              <a:t>the variables mapping is not possible. </a:t>
+              <a:t>A CSD for S4 cannot be created once the variables mapping is not possible. </a:t>
             </a:r>
           </a:p>
           <a:p>
@@ -3587,17 +3478,8 @@
               <a:rPr lang="fr-FR" baseline="0" dirty="0" smtClean="0">
                 <a:latin typeface="Calibri"/>
               </a:rPr>
-              <a:t>Given these 3 CSDs the combinations are produced taking into account the part of the query that it covers. In this case, 3 combiantions are </a:t>
-            </a:r>
-            <a:r>
-              <a:rPr lang="fr-FR" baseline="0" dirty="0" smtClean="0">
-                <a:latin typeface="Calibri"/>
-              </a:rPr>
-              <a:t>generated.</a:t>
-            </a:r>
-            <a:endParaRPr lang="fr-FR" baseline="0" dirty="0" smtClean="0">
-              <a:latin typeface="Calibri"/>
-            </a:endParaRPr>
+              <a:t>Given these 3 CSDs the combinations are produced taking into account the part of the query that it covers. In this case, 3 combiantions are generated.</a:t>
+            </a:r>
           </a:p>
         </p:txBody>
       </p:sp>
@@ -3738,11 +3620,11 @@
             </a:r>
             <a:r>
               <a:rPr lang="en-US" baseline="0" dirty="0" smtClean="0"/>
-              <a:t> our algorithm</a:t>
+              <a:t> our </a:t>
             </a:r>
             <a:r>
               <a:rPr lang="en-US" dirty="0" smtClean="0"/>
-              <a:t>  query</a:t>
+              <a:t>query</a:t>
             </a:r>
             <a:r>
               <a:rPr lang="en-US" baseline="0" dirty="0" smtClean="0"/>
@@ -3878,13 +3760,7 @@
               <a:rPr lang="fr-FR" dirty="0" smtClean="0">
                 <a:latin typeface="Calibri"/>
               </a:rPr>
-              <a:t>The last step ‘producing rewriting’ </a:t>
-            </a:r>
-            <a:r>
-              <a:rPr lang="fr-FR" dirty="0" smtClean="0">
-                <a:latin typeface="Calibri"/>
-              </a:rPr>
-              <a:t>in which we</a:t>
+              <a:t>The last step ‘producing rewriting’ in which we</a:t>
             </a:r>
             <a:r>
               <a:rPr lang="fr-FR" baseline="0" dirty="0" smtClean="0">
@@ -4009,32 +3885,26 @@
               </a:rPr>
               <a:t> to the combination produced. We have to verify if they cover the entire query and exactly what the user expects.  </a:t>
             </a:r>
+          </a:p>
+          <a:p>
             <a:endParaRPr lang="fr-FR" baseline="0" dirty="0" smtClean="0">
               <a:latin typeface="Calibri"/>
             </a:endParaRPr>
           </a:p>
           <a:p>
-            <a:endParaRPr lang="fr-FR" baseline="0" dirty="0" smtClean="0">
-              <a:latin typeface="Calibri"/>
-            </a:endParaRPr>
-          </a:p>
-          <a:p>
             <a:r>
               <a:rPr lang="fr-FR" baseline="0" dirty="0" smtClean="0">
                 <a:latin typeface="Calibri"/>
               </a:rPr>
               <a:t>Click</a:t>
             </a:r>
-            <a:endParaRPr lang="fr-FR" baseline="0" dirty="0" smtClean="0">
-              <a:latin typeface="Calibri"/>
-            </a:endParaRPr>
           </a:p>
           <a:p>
             <a:r>
               <a:rPr lang="fr-FR" baseline="0" dirty="0" smtClean="0">
                 <a:latin typeface="Calibri"/>
               </a:rPr>
-              <a:t>In this sense, only p3 is a valid rewrite of the query. </a:t>
+              <a:t>In this sense, only p3 is a valid rewrite of the query. Why?</a:t>
             </a:r>
             <a:endParaRPr lang="fr-FR" dirty="0">
               <a:latin typeface="Calibri"/>
@@ -4159,39 +4029,22 @@
             </a:pPr>
             <a:r>
               <a:rPr lang="en-US" baseline="0" noProof="0" dirty="0" smtClean="0"/>
-              <a:t>The </a:t>
-            </a:r>
+              <a:t>The idea behind the experiments is to evaluate the </a:t>
+            </a:r>
+            <a:r>
+              <a:rPr lang="en-US" sz="1200" dirty="0" smtClean="0">
+                <a:solidFill>
+                  <a:schemeClr val="tx1"/>
+                </a:solidFill>
+              </a:rPr>
+              <a:t>algorithm’s behavior.</a:t>
+            </a:r>
+          </a:p>
+          <a:p>
             <a:r>
               <a:rPr lang="en-US" baseline="0" noProof="0" dirty="0" smtClean="0"/>
-              <a:t>idea behind the experiments is to </a:t>
-            </a:r>
-            <a:r>
-              <a:rPr lang="en-US" baseline="0" noProof="0" dirty="0" smtClean="0"/>
-              <a:t>evaluate the </a:t>
-            </a:r>
-            <a:r>
-              <a:rPr lang="en-US" sz="1200" dirty="0" smtClean="0">
-                <a:solidFill>
-                  <a:schemeClr val="tx1"/>
-                </a:solidFill>
-              </a:rPr>
-              <a:t>algorithm’s behavior.</a:t>
-            </a:r>
-          </a:p>
-          <a:p>
-            <a:r>
-              <a:rPr lang="en-US" baseline="0" noProof="0" dirty="0" smtClean="0"/>
-              <a:t>To do so, the </a:t>
-            </a:r>
-            <a:r>
-              <a:rPr lang="en-US" baseline="0" noProof="0" dirty="0" smtClean="0"/>
-              <a:t>experiments were executed in a local </a:t>
-            </a:r>
-            <a:r>
-              <a:rPr lang="en-US" baseline="0" noProof="0" dirty="0" smtClean="0"/>
-              <a:t>environment including a service registry of 100 concrete services.</a:t>
-            </a:r>
-            <a:endParaRPr lang="en-US" baseline="0" noProof="0" dirty="0" smtClean="0"/>
+              <a:t>To do so, the experiments were executed in a local environment including a service registry of 100 concrete services.</a:t>
+            </a:r>
           </a:p>
           <a:p>
             <a:r>
@@ -4299,21 +4152,8 @@
           <a:p>
             <a:r>
               <a:rPr lang="fr-FR" baseline="0" dirty="0" smtClean="0"/>
-              <a:t>We can see the complexity of the different  </a:t>
-            </a:r>
-            <a:r>
-              <a:rPr lang="fr-FR" baseline="0" dirty="0" smtClean="0"/>
-              <a:t>phases. As </a:t>
-            </a:r>
-            <a:r>
-              <a:rPr lang="fr-FR" baseline="0" dirty="0" smtClean="0"/>
-              <a:t>in the other algorithms, the most expensive step is the combination. It depends on the size of the query and the number of concrete service that could be mapped to the </a:t>
-            </a:r>
-            <a:r>
-              <a:rPr lang="fr-FR" baseline="0" dirty="0" smtClean="0"/>
-              <a:t>query.</a:t>
-            </a:r>
-            <a:endParaRPr lang="fr-FR" baseline="0" dirty="0" smtClean="0"/>
+              <a:t>We can see the complexity of the different  phases. As in the other algorithms, the most expensive step is the combination. It depends on the size of the query and the number of concrete service that could be mapped to the query.</a:t>
+            </a:r>
           </a:p>
           <a:p>
             <a:endParaRPr lang="fr-FR" baseline="0" dirty="0" smtClean="0"/>
@@ -4331,11 +4171,7 @@
             </a:pPr>
             <a:r>
               <a:rPr lang="fr-FR" baseline="0" dirty="0" smtClean="0"/>
-              <a:t>The performance increased </a:t>
-            </a:r>
-            <a:r>
-              <a:rPr lang="fr-FR" baseline="0" dirty="0" smtClean="0"/>
-              <a:t>by </a:t>
+              <a:t>The performance increased by </a:t>
             </a:r>
             <a:r>
               <a:rPr lang="en-GB" dirty="0" smtClean="0"/>
@@ -4347,42 +4183,13 @@
             </a:r>
             <a:r>
               <a:rPr lang="fr-FR" baseline="0" dirty="0" smtClean="0"/>
-              <a:t>As </a:t>
-            </a:r>
+              <a:t>As we can see in the chart on the left.</a:t>
+            </a:r>
+          </a:p>
+          <a:p>
             <a:r>
               <a:rPr lang="fr-FR" baseline="0" dirty="0" smtClean="0"/>
-              <a:t>we can see in the chart on the </a:t>
-            </a:r>
-            <a:r>
-              <a:rPr lang="fr-FR" baseline="0" dirty="0" smtClean="0"/>
-              <a:t>left.</a:t>
-            </a:r>
-            <a:endParaRPr lang="fr-FR" baseline="0" dirty="0" smtClean="0"/>
-          </a:p>
-          <a:p>
-            <a:r>
-              <a:rPr lang="fr-FR" baseline="0" dirty="0" smtClean="0"/>
-              <a:t>Rewritring solutions </a:t>
-            </a:r>
-            <a:r>
-              <a:rPr lang="fr-FR" baseline="0" dirty="0" smtClean="0"/>
-              <a:t>quality enhanced and the integration </a:t>
-            </a:r>
-            <a:r>
-              <a:rPr lang="fr-FR" baseline="0" dirty="0" smtClean="0"/>
-              <a:t>economic </a:t>
-            </a:r>
-            <a:r>
-              <a:rPr lang="fr-FR" baseline="0" dirty="0" smtClean="0"/>
-              <a:t>cost is reduced once only rewriting that satisfies the user preferences are produced. As </a:t>
-            </a:r>
-            <a:r>
-              <a:rPr lang="fr-FR" baseline="0" dirty="0" smtClean="0"/>
-              <a:t>we can see in the chart on the </a:t>
-            </a:r>
-            <a:r>
-              <a:rPr lang="fr-FR" baseline="0" dirty="0" smtClean="0"/>
-              <a:t>right.</a:t>
+              <a:t>Rewritring solutions quality enhanced and the integration economic cost is reduced once only rewriting that satisfies the user preferences are produced. As we can see in the chart on the right.</a:t>
             </a:r>
           </a:p>
           <a:p>
@@ -4795,23 +4602,6 @@
           <a:p>
             <a:pPr lvl="1" algn="l"/>
             <a:r>
-              <a:rPr lang="en-US" b="1" dirty="0">
-                <a:solidFill>
-                  <a:schemeClr val="tx1"/>
-                </a:solidFill>
-                <a:latin typeface="Calibri"/>
-              </a:rPr>
-              <a:t/>
-            </a:r>
-            <a:br>
-              <a:rPr lang="en-US" b="1" dirty="0">
-                <a:solidFill>
-                  <a:schemeClr val="tx1"/>
-                </a:solidFill>
-                <a:latin typeface="Calibri"/>
-              </a:rPr>
-            </a:br>
-            <a:r>
               <a:rPr lang="en-US" b="1" dirty="0" smtClean="0">
                 <a:solidFill>
                   <a:schemeClr val="tx1"/>
@@ -4881,17 +4671,6 @@
             </a:r>
           </a:p>
           <a:p>
-            <a:pPr marL="685800" lvl="1" indent="-228600" algn="l">
-              <a:buAutoNum type="arabicPeriod"/>
-            </a:pPr>
-            <a:endParaRPr lang="en-US" b="1" baseline="0" dirty="0" smtClean="0">
-              <a:solidFill>
-                <a:schemeClr val="tx1"/>
-              </a:solidFill>
-              <a:latin typeface="Calibri"/>
-            </a:endParaRPr>
-          </a:p>
-          <a:p>
             <a:pPr lvl="1" algn="l"/>
             <a:r>
               <a:rPr lang="en-US" b="1" baseline="0" dirty="0" smtClean="0">
@@ -4905,15 +4684,6 @@
           </a:p>
           <a:p>
             <a:pPr lvl="1" algn="l"/>
-            <a:endParaRPr lang="en-US" b="1" baseline="0" dirty="0" smtClean="0">
-              <a:solidFill>
-                <a:schemeClr val="tx1"/>
-              </a:solidFill>
-              <a:latin typeface="Calibri"/>
-            </a:endParaRPr>
-          </a:p>
-          <a:p>
-            <a:pPr lvl="1" algn="l"/>
             <a:r>
               <a:rPr lang="en-US" b="1" baseline="0" dirty="0" smtClean="0">
                 <a:solidFill>
@@ -4921,7 +4691,7 @@
                 </a:solidFill>
                 <a:latin typeface="Calibri"/>
               </a:rPr>
-              <a:t> 3. The case where only a pivot model and language exist and queries must explicitly express which data from which sources to retrieve.</a:t>
+              <a:t>3. The case where only a pivot model and language exist and queries must explicitly express which data from which sources to retrieve.</a:t>
             </a:r>
           </a:p>
           <a:p>
@@ -5091,11 +4861,47 @@
                 </a:solidFill>
                 <a:latin typeface="Calibri"/>
               </a:rPr>
-              <a:t> emergence of data services changed the data integration problem. Particularly, the hypothesis that assumed that data sources were known in advance.</a:t>
+              <a:t> emergence of data services changed the data integration problem. </a:t>
+            </a:r>
+            <a:r>
+              <a:rPr lang="en-US" b="0" baseline="0" dirty="0" smtClean="0">
+                <a:solidFill>
+                  <a:schemeClr val="tx1"/>
+                </a:solidFill>
+                <a:latin typeface="Calibri"/>
+              </a:rPr>
+              <a:t>Particularly, the hypothesis that assumed that data sources were </a:t>
+            </a:r>
+            <a:r>
+              <a:rPr lang="en-US" b="1" baseline="0" dirty="0" smtClean="0">
+                <a:solidFill>
+                  <a:schemeClr val="tx1"/>
+                </a:solidFill>
+                <a:latin typeface="Calibri"/>
+              </a:rPr>
+              <a:t>known in advance</a:t>
+            </a:r>
+            <a:r>
+              <a:rPr lang="en-US" b="0" baseline="0" dirty="0" smtClean="0">
+                <a:solidFill>
+                  <a:schemeClr val="tx1"/>
+                </a:solidFill>
+                <a:latin typeface="Calibri"/>
+              </a:rPr>
+              <a:t>.</a:t>
             </a:r>
           </a:p>
           <a:p>
             <a:pPr lvl="1" algn="just"/>
+            <a:endParaRPr lang="en-US" b="0" baseline="0" dirty="0" smtClean="0">
+              <a:solidFill>
+                <a:schemeClr val="tx1"/>
+              </a:solidFill>
+              <a:latin typeface="Calibri"/>
+            </a:endParaRPr>
+          </a:p>
+          <a:p>
+            <a:pPr lvl="1" algn="just"/>
             <a:r>
               <a:rPr lang="en-US" b="1" baseline="0" dirty="0" smtClean="0">
                 <a:solidFill>
@@ -5103,7 +4909,16 @@
                 </a:solidFill>
                 <a:latin typeface="Calibri"/>
               </a:rPr>
-              <a:t>The data integration problem in the presence of services as data providers redefined the problem as follows: Given a query expressing data requirements, look up data services that can fulfill those requirements. The assumptions were that services exported their API and that they can export data under a pivot model that can be used for integrating results.</a:t>
+              <a:t>The data integration problem in the presence of services as data providers redefined the problem as follows: Given a query expressing data requirements, look up data services that can fulfill those requirements. </a:t>
+            </a:r>
+            <a:r>
+              <a:rPr lang="en-US" b="0" baseline="0" dirty="0" smtClean="0">
+                <a:solidFill>
+                  <a:schemeClr val="tx1"/>
+                </a:solidFill>
+                <a:latin typeface="Calibri"/>
+              </a:rPr>
+              <a:t>The assumptions were that services exported their API and that they can export data under a pivot model that can be used for integrating results.</a:t>
             </a:r>
           </a:p>
           <a:p>
@@ -5124,7 +4939,7 @@
                 </a:solidFill>
                 <a:latin typeface="Calibri"/>
               </a:rPr>
-              <a:t>Click</a:t>
+              <a:t>Click 2x</a:t>
             </a:r>
           </a:p>
           <a:p>
@@ -5139,33 +4954,33 @@
           <a:p>
             <a:pPr lvl="1" algn="just"/>
             <a:r>
+              <a:rPr lang="en-US" b="0" baseline="0" dirty="0" smtClean="0">
+                <a:solidFill>
+                  <a:schemeClr val="tx1"/>
+                </a:solidFill>
+                <a:latin typeface="Calibri"/>
+              </a:rPr>
+              <a:t>The query rewriting problem was redefined as </a:t>
+            </a:r>
+            <a:r>
               <a:rPr lang="en-US" b="1" baseline="0" dirty="0" smtClean="0">
                 <a:solidFill>
                   <a:schemeClr val="tx1"/>
                 </a:solidFill>
                 <a:latin typeface="Calibri"/>
               </a:rPr>
-              <a:t>The query rewriting problem was redefined as a matching and a service composition problem and has led to fruitful results on query rewriting and service </a:t>
-            </a:r>
-            <a:r>
-              <a:rPr lang="en-US" b="1" baseline="0" dirty="0" err="1" smtClean="0">
+              <a:t>a matching and a service composition problem </a:t>
+            </a:r>
+            <a:r>
+              <a:rPr lang="en-US" b="0" baseline="0" dirty="0" smtClean="0">
                 <a:solidFill>
                   <a:schemeClr val="tx1"/>
                 </a:solidFill>
                 <a:latin typeface="Calibri"/>
               </a:rPr>
-              <a:t>mathcing</a:t>
-            </a:r>
-            <a:r>
-              <a:rPr lang="en-US" b="1" baseline="0" dirty="0" smtClean="0">
-                <a:solidFill>
-                  <a:schemeClr val="tx1"/>
-                </a:solidFill>
-                <a:latin typeface="Calibri"/>
-              </a:rPr>
-              <a:t>.</a:t>
-            </a:r>
-            <a:endParaRPr lang="en-US" b="1" dirty="0">
+              <a:t>and has led to fruitful results on query rewriting and service matching.</a:t>
+            </a:r>
+            <a:endParaRPr lang="en-US" b="0" dirty="0">
               <a:solidFill>
                 <a:schemeClr val="tx1"/>
               </a:solidFill>
@@ -5973,6 +5788,12 @@
           </a:p>
           <a:p>
             <a:r>
+              <a:rPr lang="en-US" dirty="0" smtClean="0">
+                <a:latin typeface="Calibri"/>
+              </a:rPr>
+              <a:t> A4??</a:t>
+            </a:r>
+            <a:r>
               <a:rPr lang="en-US" dirty="0">
                 <a:latin typeface="Calibri"/>
               </a:rPr>
@@ -6191,22 +6012,22 @@
           <a:lstStyle/>
           <a:p>
             <a:r>
-              <a:rPr lang="fr-FR" dirty="0" smtClean="0">
+              <a:rPr lang="fr-FR" b="1" dirty="0" smtClean="0">
                 <a:latin typeface="Calibri"/>
               </a:rPr>
               <a:t>Given the query</a:t>
+            </a:r>
+            <a:r>
+              <a:rPr lang="fr-FR" b="1" baseline="0" dirty="0" smtClean="0">
+                <a:latin typeface="Calibri"/>
+              </a:rPr>
+              <a:t>, the different concrete services can be combined in order to produce results</a:t>
             </a:r>
             <a:r>
               <a:rPr lang="fr-FR" baseline="0" dirty="0" smtClean="0">
                 <a:latin typeface="Calibri"/>
               </a:rPr>
-              <a:t>, the different concrete services can be combined in order to produce results. </a:t>
-            </a:r>
-            <a:r>
-              <a:rPr lang="fr-FR" baseline="0" dirty="0" smtClean="0">
-                <a:latin typeface="Calibri"/>
-              </a:rPr>
-              <a:t>Such as composing:</a:t>
+              <a:t>. Such as composing:</a:t>
             </a:r>
           </a:p>
           <a:p>
@@ -6524,7 +6345,7 @@
           <a:p>
             <a:fld id="{68C2560D-EC28-3B41-86E8-18F1CE0113B4}" type="datetimeFigureOut">
               <a:rPr lang="en-US" smtClean="0"/>
-              <a:t>8/24/2016</a:t>
+              <a:t>8/30/2016</a:t>
             </a:fld>
             <a:endParaRPr lang="en-US"/>
           </a:p>
@@ -6732,7 +6553,7 @@
           <a:p>
             <a:fld id="{68C2560D-EC28-3B41-86E8-18F1CE0113B4}" type="datetimeFigureOut">
               <a:rPr lang="en-US" smtClean="0"/>
-              <a:t>8/24/2016</a:t>
+              <a:t>8/30/2016</a:t>
             </a:fld>
             <a:endParaRPr lang="en-US"/>
           </a:p>
@@ -6988,7 +6809,7 @@
           <a:p>
             <a:fld id="{68C2560D-EC28-3B41-86E8-18F1CE0113B4}" type="datetimeFigureOut">
               <a:rPr lang="en-US" smtClean="0"/>
-              <a:t>8/24/2016</a:t>
+              <a:t>8/30/2016</a:t>
             </a:fld>
             <a:endParaRPr lang="en-US"/>
           </a:p>
@@ -7162,7 +6983,7 @@
           <a:p>
             <a:fld id="{68C2560D-EC28-3B41-86E8-18F1CE0113B4}" type="datetimeFigureOut">
               <a:rPr lang="en-US" smtClean="0"/>
-              <a:t>8/24/2016</a:t>
+              <a:t>8/30/2016</a:t>
             </a:fld>
             <a:endParaRPr lang="en-US"/>
           </a:p>
@@ -7505,7 +7326,7 @@
           <a:p>
             <a:fld id="{68C2560D-EC28-3B41-86E8-18F1CE0113B4}" type="datetimeFigureOut">
               <a:rPr lang="en-US" smtClean="0"/>
-              <a:t>8/24/2016</a:t>
+              <a:t>8/30/2016</a:t>
             </a:fld>
             <a:endParaRPr lang="en-US"/>
           </a:p>
@@ -7780,7 +7601,7 @@
           <a:p>
             <a:fld id="{68C2560D-EC28-3B41-86E8-18F1CE0113B4}" type="datetimeFigureOut">
               <a:rPr lang="en-US" smtClean="0"/>
-              <a:t>8/24/2016</a:t>
+              <a:t>8/30/2016</a:t>
             </a:fld>
             <a:endParaRPr lang="en-US"/>
           </a:p>
@@ -8159,7 +7980,7 @@
           <a:p>
             <a:fld id="{68C2560D-EC28-3B41-86E8-18F1CE0113B4}" type="datetimeFigureOut">
               <a:rPr lang="en-US" smtClean="0"/>
-              <a:t>8/24/2016</a:t>
+              <a:t>8/30/2016</a:t>
             </a:fld>
             <a:endParaRPr lang="en-US"/>
           </a:p>
@@ -8277,7 +8098,7 @@
           <a:p>
             <a:fld id="{68C2560D-EC28-3B41-86E8-18F1CE0113B4}" type="datetimeFigureOut">
               <a:rPr lang="en-US" smtClean="0"/>
-              <a:t>8/24/2016</a:t>
+              <a:t>8/30/2016</a:t>
             </a:fld>
             <a:endParaRPr lang="en-US"/>
           </a:p>
@@ -8448,7 +8269,7 @@
           <a:p>
             <a:fld id="{68C2560D-EC28-3B41-86E8-18F1CE0113B4}" type="datetimeFigureOut">
               <a:rPr lang="en-US" smtClean="0"/>
-              <a:t>8/24/2016</a:t>
+              <a:t>8/30/2016</a:t>
             </a:fld>
             <a:endParaRPr lang="en-US"/>
           </a:p>
@@ -8802,7 +8623,7 @@
           <a:p>
             <a:fld id="{68C2560D-EC28-3B41-86E8-18F1CE0113B4}" type="datetimeFigureOut">
               <a:rPr lang="en-US" smtClean="0"/>
-              <a:t>8/24/2016</a:t>
+              <a:t>8/30/2016</a:t>
             </a:fld>
             <a:endParaRPr lang="en-US"/>
           </a:p>
@@ -9184,7 +9005,7 @@
           <a:p>
             <a:fld id="{68C2560D-EC28-3B41-86E8-18F1CE0113B4}" type="datetimeFigureOut">
               <a:rPr lang="en-US" smtClean="0"/>
-              <a:t>8/24/2016</a:t>
+              <a:t>8/30/2016</a:t>
             </a:fld>
             <a:endParaRPr lang="en-US"/>
           </a:p>
@@ -9471,7 +9292,7 @@
           <a:p>
             <a:fld id="{68C2560D-EC28-3B41-86E8-18F1CE0113B4}" type="datetimeFigureOut">
               <a:rPr lang="en-US" smtClean="0"/>
-              <a:t>8/24/2016</a:t>
+              <a:t>8/30/2016</a:t>
             </a:fld>
             <a:endParaRPr lang="en-US"/>
           </a:p>
@@ -29641,18 +29462,7 @@
                 <a:ea typeface="Consolas" charset="0"/>
                 <a:cs typeface="Consolas" charset="0"/>
               </a:rPr>
-              <a:t>dis= </a:t>
-            </a:r>
-            <a:r>
-              <a:rPr lang="en-US" sz="1400" dirty="0" smtClean="0">
-                <a:solidFill>
-                  <a:srgbClr val="0070C0"/>
-                </a:solidFill>
-                <a:latin typeface="Consolas" charset="0"/>
-                <a:ea typeface="Consolas" charset="0"/>
-                <a:cs typeface="Consolas" charset="0"/>
-              </a:rPr>
-              <a:t>“flu”,  [ 	availability &gt; 98%, </a:t>
+              <a:t>dis= “flu”,  [ 	availability &gt; 98%, </a:t>
             </a:r>
           </a:p>
           <a:p>
@@ -34642,18 +34452,7 @@
                 <a:ea typeface="Consolas" charset="0"/>
                 <a:cs typeface="Consolas" charset="0"/>
               </a:rPr>
-              <a:t>dis= </a:t>
-            </a:r>
-            <a:r>
-              <a:rPr lang="en-US" sz="1400" dirty="0" smtClean="0">
-                <a:solidFill>
-                  <a:srgbClr val="0070C0"/>
-                </a:solidFill>
-                <a:latin typeface="Consolas" charset="0"/>
-                <a:ea typeface="Consolas" charset="0"/>
-                <a:cs typeface="Consolas" charset="0"/>
-              </a:rPr>
-              <a:t>“flu”,  [ 	availability &gt; 98%, </a:t>
+              <a:t>dis= “flu”,  [ 	availability &gt; 98%, </a:t>
             </a:r>
           </a:p>
           <a:p>
@@ -40472,7 +40271,7 @@
                             </p:stCondLst>
                             <p:childTnLst>
                               <p:par>
-                                <p:cTn id="5" presetID="1" presetClass="entr" presetSubtype="0" fill="hold" nodeType="clickEffect">
+                                <p:cTn id="5" presetID="10" presetClass="entr" presetSubtype="0" fill="hold" nodeType="clickEffect">
                                   <p:stCondLst>
                                     <p:cond delay="0"/>
                                   </p:stCondLst>
@@ -40480,6 +40279,59 @@
                                     <p:set>
                                       <p:cBhvr>
                                         <p:cTn id="6" dur="1" fill="hold">
+                                          <p:stCondLst>
+                                            <p:cond delay="0"/>
+                                          </p:stCondLst>
+                                        </p:cTn>
+                                        <p:tgtEl>
+                                          <p:spTgt spid="31"/>
+                                        </p:tgtEl>
+                                        <p:attrNameLst>
+                                          <p:attrName>style.visibility</p:attrName>
+                                        </p:attrNameLst>
+                                      </p:cBhvr>
+                                      <p:to>
+                                        <p:strVal val="visible"/>
+                                      </p:to>
+                                    </p:set>
+                                    <p:animEffect transition="in" filter="fade">
+                                      <p:cBhvr>
+                                        <p:cTn id="7" dur="500"/>
+                                        <p:tgtEl>
+                                          <p:spTgt spid="31"/>
+                                        </p:tgtEl>
+                                      </p:cBhvr>
+                                    </p:animEffect>
+                                  </p:childTnLst>
+                                </p:cTn>
+                              </p:par>
+                            </p:childTnLst>
+                          </p:cTn>
+                        </p:par>
+                      </p:childTnLst>
+                    </p:cTn>
+                  </p:par>
+                  <p:par>
+                    <p:cTn id="8" fill="hold">
+                      <p:stCondLst>
+                        <p:cond delay="indefinite"/>
+                      </p:stCondLst>
+                      <p:childTnLst>
+                        <p:par>
+                          <p:cTn id="9" fill="hold">
+                            <p:stCondLst>
+                              <p:cond delay="0"/>
+                            </p:stCondLst>
+                            <p:childTnLst>
+                              <p:par>
+                                <p:cTn id="10" presetID="10" presetClass="entr" presetSubtype="0" fill="hold" nodeType="clickEffect">
+                                  <p:stCondLst>
+                                    <p:cond delay="0"/>
+                                  </p:stCondLst>
+                                  <p:childTnLst>
+                                    <p:set>
+                                      <p:cBhvr>
+                                        <p:cTn id="11" dur="1" fill="hold">
                                           <p:stCondLst>
                                             <p:cond delay="0"/>
                                           </p:stCondLst>
@@ -40495,51 +40347,14 @@
                                         <p:strVal val="visible"/>
                                       </p:to>
                                     </p:set>
-                                  </p:childTnLst>
-                                </p:cTn>
-                              </p:par>
-                            </p:childTnLst>
-                          </p:cTn>
-                        </p:par>
-                      </p:childTnLst>
-                    </p:cTn>
-                  </p:par>
-                  <p:par>
-                    <p:cTn id="7" fill="hold">
-                      <p:stCondLst>
-                        <p:cond delay="indefinite"/>
-                      </p:stCondLst>
-                      <p:childTnLst>
-                        <p:par>
-                          <p:cTn id="8" fill="hold">
-                            <p:stCondLst>
-                              <p:cond delay="0"/>
-                            </p:stCondLst>
-                            <p:childTnLst>
-                              <p:par>
-                                <p:cTn id="9" presetID="1" presetClass="entr" presetSubtype="0" fill="hold" nodeType="clickEffect">
-                                  <p:stCondLst>
-                                    <p:cond delay="0"/>
-                                  </p:stCondLst>
-                                  <p:childTnLst>
-                                    <p:set>
+                                    <p:animEffect transition="in" filter="fade">
                                       <p:cBhvr>
-                                        <p:cTn id="10" dur="1" fill="hold">
-                                          <p:stCondLst>
-                                            <p:cond delay="0"/>
-                                          </p:stCondLst>
-                                        </p:cTn>
+                                        <p:cTn id="12" dur="500"/>
                                         <p:tgtEl>
-                                          <p:spTgt spid="31"/>
+                                          <p:spTgt spid="26"/>
                                         </p:tgtEl>
-                                        <p:attrNameLst>
-                                          <p:attrName>style.visibility</p:attrName>
-                                        </p:attrNameLst>
                                       </p:cBhvr>
-                                      <p:to>
-                                        <p:strVal val="visible"/>
-                                      </p:to>
-                                    </p:set>
+                                    </p:animEffect>
                                   </p:childTnLst>
                                 </p:cTn>
                               </p:par>
@@ -46770,45 +46585,6 @@
       </p:sp>
       <p:sp>
         <p:nvSpPr>
-          <p:cNvPr id="67" name="ZoneTexte 23"/>
-          <p:cNvSpPr txBox="1"/>
-          <p:nvPr/>
-        </p:nvSpPr>
-        <p:spPr>
-          <a:xfrm>
-            <a:off x="561352" y="3914557"/>
-            <a:ext cx="2770057" cy="523220"/>
-          </a:xfrm>
-          <a:prstGeom prst="rect">
-            <a:avLst/>
-          </a:prstGeom>
-          <a:noFill/>
-        </p:spPr>
-        <p:txBody>
-          <a:bodyPr wrap="square" rtlCol="0">
-            <a:spAutoFit/>
-          </a:bodyPr>
-          <a:lstStyle/>
-          <a:p>
-            <a:r>
-              <a:rPr lang="fr-FR" sz="1400" dirty="0" smtClean="0">
-                <a:latin typeface="+mj-lt"/>
-              </a:rPr>
-              <a:t>Availabity &gt; 97%</a:t>
-            </a:r>
-          </a:p>
-          <a:p>
-            <a:r>
-              <a:rPr lang="fr-FR" sz="1400" dirty="0" smtClean="0">
-                <a:latin typeface="+mj-lt"/>
-              </a:rPr>
-              <a:t>Price per call = 0,1$</a:t>
-            </a:r>
-          </a:p>
-        </p:txBody>
-      </p:sp>
-      <p:sp>
-        <p:nvSpPr>
           <p:cNvPr id="68" name="Parchemin vertical 77"/>
           <p:cNvSpPr/>
           <p:nvPr/>
@@ -46865,97 +46641,6 @@
                 <a:schemeClr val="tx1"/>
               </a:solidFill>
               <a:latin typeface="+mj-lt"/>
-            </a:endParaRPr>
-          </a:p>
-        </p:txBody>
-      </p:sp>
-      <p:cxnSp>
-        <p:nvCxnSpPr>
-          <p:cNvPr id="25" name="Conector angulado 24"/>
-          <p:cNvCxnSpPr>
-            <a:stCxn id="68" idx="1"/>
-            <a:endCxn id="27" idx="1"/>
-          </p:cNvCxnSpPr>
-          <p:nvPr/>
-        </p:nvCxnSpPr>
-        <p:spPr>
-          <a:xfrm flipH="1">
-            <a:off x="520714" y="2159415"/>
-            <a:ext cx="543643" cy="2016752"/>
-          </a:xfrm>
-          <a:prstGeom prst="bentConnector5">
-            <a:avLst>
-              <a:gd name="adj1" fmla="val 142501"/>
-              <a:gd name="adj2" fmla="val 47699"/>
-              <a:gd name="adj3" fmla="val 142050"/>
-            </a:avLst>
-          </a:prstGeom>
-          <a:ln>
-            <a:solidFill>
-              <a:srgbClr val="FF0000"/>
-            </a:solidFill>
-            <a:prstDash val="dashDot"/>
-            <a:tailEnd type="triangle"/>
-          </a:ln>
-        </p:spPr>
-        <p:style>
-          <a:lnRef idx="2">
-            <a:schemeClr val="accent2"/>
-          </a:lnRef>
-          <a:fillRef idx="0">
-            <a:schemeClr val="accent2"/>
-          </a:fillRef>
-          <a:effectRef idx="1">
-            <a:schemeClr val="accent2"/>
-          </a:effectRef>
-          <a:fontRef idx="minor">
-            <a:schemeClr val="tx1"/>
-          </a:fontRef>
-        </p:style>
-      </p:cxnSp>
-      <p:sp>
-        <p:nvSpPr>
-          <p:cNvPr id="27" name="Chave esquerda 26"/>
-          <p:cNvSpPr/>
-          <p:nvPr/>
-        </p:nvSpPr>
-        <p:spPr>
-          <a:xfrm>
-            <a:off x="520714" y="3914557"/>
-            <a:ext cx="143802" cy="523220"/>
-          </a:xfrm>
-          <a:prstGeom prst="leftBrace">
-            <a:avLst/>
-          </a:prstGeom>
-          <a:ln>
-            <a:solidFill>
-              <a:srgbClr val="FF0000"/>
-            </a:solidFill>
-          </a:ln>
-        </p:spPr>
-        <p:style>
-          <a:lnRef idx="2">
-            <a:schemeClr val="accent2"/>
-          </a:lnRef>
-          <a:fillRef idx="0">
-            <a:schemeClr val="accent2"/>
-          </a:fillRef>
-          <a:effectRef idx="1">
-            <a:schemeClr val="accent2"/>
-          </a:effectRef>
-          <a:fontRef idx="minor">
-            <a:schemeClr val="tx1"/>
-          </a:fontRef>
-        </p:style>
-        <p:txBody>
-          <a:bodyPr rtlCol="0" anchor="ctr"/>
-          <a:lstStyle/>
-          <a:p>
-            <a:pPr algn="ctr"/>
-            <a:endParaRPr lang="fr-FR">
-              <a:solidFill>
-                <a:srgbClr val="FF0000"/>
-              </a:solidFill>
             </a:endParaRPr>
           </a:p>
         </p:txBody>
@@ -47084,266 +46769,6 @@
           </a:p>
         </p:txBody>
       </p:sp>
-      <p:sp>
-        <p:nvSpPr>
-          <p:cNvPr id="82" name="ZoneTexte 23"/>
-          <p:cNvSpPr txBox="1"/>
-          <p:nvPr/>
-        </p:nvSpPr>
-        <p:spPr>
-          <a:xfrm>
-            <a:off x="6179150" y="4008858"/>
-            <a:ext cx="2770057" cy="523220"/>
-          </a:xfrm>
-          <a:prstGeom prst="rect">
-            <a:avLst/>
-          </a:prstGeom>
-          <a:noFill/>
-        </p:spPr>
-        <p:txBody>
-          <a:bodyPr wrap="square" rtlCol="0">
-            <a:spAutoFit/>
-          </a:bodyPr>
-          <a:lstStyle/>
-          <a:p>
-            <a:r>
-              <a:rPr lang="fr-FR" sz="1400" dirty="0" smtClean="0">
-                <a:latin typeface="+mj-lt"/>
-              </a:rPr>
-              <a:t>Availabity &gt; 98%</a:t>
-            </a:r>
-          </a:p>
-          <a:p>
-            <a:r>
-              <a:rPr lang="fr-FR" sz="1400" dirty="0" smtClean="0">
-                <a:latin typeface="+mj-lt"/>
-              </a:rPr>
-              <a:t>Price per call = 0,3$</a:t>
-            </a:r>
-          </a:p>
-        </p:txBody>
-      </p:sp>
-      <p:sp>
-        <p:nvSpPr>
-          <p:cNvPr id="83" name="Chave esquerda 82"/>
-          <p:cNvSpPr/>
-          <p:nvPr/>
-        </p:nvSpPr>
-        <p:spPr>
-          <a:xfrm>
-            <a:off x="6138512" y="4008858"/>
-            <a:ext cx="143802" cy="523220"/>
-          </a:xfrm>
-          <a:prstGeom prst="leftBrace">
-            <a:avLst/>
-          </a:prstGeom>
-          <a:ln>
-            <a:solidFill>
-              <a:srgbClr val="FF0000"/>
-            </a:solidFill>
-          </a:ln>
-        </p:spPr>
-        <p:style>
-          <a:lnRef idx="2">
-            <a:schemeClr val="accent2"/>
-          </a:lnRef>
-          <a:fillRef idx="0">
-            <a:schemeClr val="accent2"/>
-          </a:fillRef>
-          <a:effectRef idx="1">
-            <a:schemeClr val="accent2"/>
-          </a:effectRef>
-          <a:fontRef idx="minor">
-            <a:schemeClr val="tx1"/>
-          </a:fontRef>
-        </p:style>
-        <p:txBody>
-          <a:bodyPr rtlCol="0" anchor="ctr"/>
-          <a:lstStyle/>
-          <a:p>
-            <a:pPr algn="ctr"/>
-            <a:endParaRPr lang="fr-FR">
-              <a:solidFill>
-                <a:srgbClr val="FF0000"/>
-              </a:solidFill>
-            </a:endParaRPr>
-          </a:p>
-        </p:txBody>
-      </p:sp>
-      <p:cxnSp>
-        <p:nvCxnSpPr>
-          <p:cNvPr id="35" name="Conector angulado 34"/>
-          <p:cNvCxnSpPr>
-            <a:stCxn id="80" idx="1"/>
-            <a:endCxn id="83" idx="1"/>
-          </p:cNvCxnSpPr>
-          <p:nvPr/>
-        </p:nvCxnSpPr>
-        <p:spPr>
-          <a:xfrm flipH="1">
-            <a:off x="6138512" y="2143592"/>
-            <a:ext cx="753253" cy="2126876"/>
-          </a:xfrm>
-          <a:prstGeom prst="bentConnector5">
-            <a:avLst>
-              <a:gd name="adj1" fmla="val 130245"/>
-              <a:gd name="adj2" fmla="val 47818"/>
-              <a:gd name="adj3" fmla="val 130348"/>
-            </a:avLst>
-          </a:prstGeom>
-          <a:ln>
-            <a:solidFill>
-              <a:srgbClr val="FF0000"/>
-            </a:solidFill>
-            <a:prstDash val="dashDot"/>
-            <a:tailEnd type="triangle"/>
-          </a:ln>
-        </p:spPr>
-        <p:style>
-          <a:lnRef idx="2">
-            <a:schemeClr val="accent2"/>
-          </a:lnRef>
-          <a:fillRef idx="0">
-            <a:schemeClr val="accent2"/>
-          </a:fillRef>
-          <a:effectRef idx="1">
-            <a:schemeClr val="accent2"/>
-          </a:effectRef>
-          <a:fontRef idx="minor">
-            <a:schemeClr val="tx1"/>
-          </a:fontRef>
-        </p:style>
-      </p:cxnSp>
-      <p:sp>
-        <p:nvSpPr>
-          <p:cNvPr id="86" name="ZoneTexte 23"/>
-          <p:cNvSpPr txBox="1"/>
-          <p:nvPr/>
-        </p:nvSpPr>
-        <p:spPr>
-          <a:xfrm>
-            <a:off x="3512257" y="2131178"/>
-            <a:ext cx="2770057" cy="523220"/>
-          </a:xfrm>
-          <a:prstGeom prst="rect">
-            <a:avLst/>
-          </a:prstGeom>
-          <a:noFill/>
-        </p:spPr>
-        <p:txBody>
-          <a:bodyPr wrap="square" rtlCol="0">
-            <a:spAutoFit/>
-          </a:bodyPr>
-          <a:lstStyle/>
-          <a:p>
-            <a:r>
-              <a:rPr lang="fr-FR" sz="1400" dirty="0" smtClean="0">
-                <a:latin typeface="+mj-lt"/>
-              </a:rPr>
-              <a:t>Availabity &gt; 99,9%</a:t>
-            </a:r>
-          </a:p>
-          <a:p>
-            <a:r>
-              <a:rPr lang="fr-FR" sz="1400" dirty="0" smtClean="0">
-                <a:latin typeface="+mj-lt"/>
-              </a:rPr>
-              <a:t>Price per call = 0,5$</a:t>
-            </a:r>
-          </a:p>
-        </p:txBody>
-      </p:sp>
-      <p:sp>
-        <p:nvSpPr>
-          <p:cNvPr id="87" name="Chave esquerda 86"/>
-          <p:cNvSpPr/>
-          <p:nvPr/>
-        </p:nvSpPr>
-        <p:spPr>
-          <a:xfrm>
-            <a:off x="3471619" y="2131178"/>
-            <a:ext cx="143802" cy="523220"/>
-          </a:xfrm>
-          <a:prstGeom prst="leftBrace">
-            <a:avLst/>
-          </a:prstGeom>
-          <a:ln>
-            <a:solidFill>
-              <a:srgbClr val="FF0000"/>
-            </a:solidFill>
-          </a:ln>
-        </p:spPr>
-        <p:style>
-          <a:lnRef idx="2">
-            <a:schemeClr val="accent2"/>
-          </a:lnRef>
-          <a:fillRef idx="0">
-            <a:schemeClr val="accent2"/>
-          </a:fillRef>
-          <a:effectRef idx="1">
-            <a:schemeClr val="accent2"/>
-          </a:effectRef>
-          <a:fontRef idx="minor">
-            <a:schemeClr val="tx1"/>
-          </a:fontRef>
-        </p:style>
-        <p:txBody>
-          <a:bodyPr rtlCol="0" anchor="ctr"/>
-          <a:lstStyle/>
-          <a:p>
-            <a:pPr algn="ctr"/>
-            <a:endParaRPr lang="fr-FR">
-              <a:solidFill>
-                <a:srgbClr val="FF0000"/>
-              </a:solidFill>
-            </a:endParaRPr>
-          </a:p>
-        </p:txBody>
-      </p:sp>
-      <p:cxnSp>
-        <p:nvCxnSpPr>
-          <p:cNvPr id="38" name="Conector angulado 37"/>
-          <p:cNvCxnSpPr>
-            <a:stCxn id="79" idx="1"/>
-            <a:endCxn id="87" idx="1"/>
-          </p:cNvCxnSpPr>
-          <p:nvPr/>
-        </p:nvCxnSpPr>
-        <p:spPr>
-          <a:xfrm flipH="1" flipV="1">
-            <a:off x="3471619" y="2392788"/>
-            <a:ext cx="507754" cy="1040621"/>
-          </a:xfrm>
-          <a:prstGeom prst="bentConnector5">
-            <a:avLst>
-              <a:gd name="adj1" fmla="val 144445"/>
-              <a:gd name="adj2" fmla="val 45541"/>
-              <a:gd name="adj3" fmla="val 145022"/>
-            </a:avLst>
-          </a:prstGeom>
-          <a:ln>
-            <a:solidFill>
-              <a:srgbClr val="FF0000"/>
-            </a:solidFill>
-            <a:prstDash val="dashDot"/>
-            <a:tailEnd type="triangle"/>
-          </a:ln>
-        </p:spPr>
-        <p:style>
-          <a:lnRef idx="2">
-            <a:schemeClr val="accent2"/>
-          </a:lnRef>
-          <a:fillRef idx="0">
-            <a:schemeClr val="accent2"/>
-          </a:fillRef>
-          <a:effectRef idx="1">
-            <a:schemeClr val="accent2"/>
-          </a:effectRef>
-          <a:fontRef idx="minor">
-            <a:schemeClr val="tx1"/>
-          </a:fontRef>
-        </p:style>
-      </p:cxnSp>
       <p:pic>
         <p:nvPicPr>
           <p:cNvPr id="2050" name="Picture 2" descr="https://salesdatalist.com/wp-content/uploads/2012/04/consumers-list-icon.png"/>
@@ -47427,7 +46852,7 @@
         </p:nvSpPr>
         <p:spPr>
           <a:xfrm>
-            <a:off x="272656" y="2274936"/>
+            <a:off x="272656" y="2203220"/>
             <a:ext cx="8644407" cy="1511389"/>
           </a:xfrm>
           <a:prstGeom prst="rect">
@@ -47464,7 +46889,7 @@
           <a:p>
             <a:pPr algn="just"/>
             <a:r>
-              <a:rPr lang="en-US" sz="1200" smtClean="0">
+              <a:rPr lang="en-US" sz="1200" dirty="0" smtClean="0">
                 <a:latin typeface="Consolas" charset="0"/>
                 <a:ea typeface="Consolas" charset="0"/>
                 <a:cs typeface="Consolas" charset="0"/>
@@ -47655,7 +47080,7 @@
                             </p:stCondLst>
                             <p:childTnLst>
                               <p:par>
-                                <p:cTn id="5" presetID="10" presetClass="entr" presetSubtype="0" fill="hold" nodeType="clickEffect">
+                                <p:cTn id="5" presetID="10" presetClass="entr" presetSubtype="0" fill="hold" grpId="0" nodeType="clickEffect">
                                   <p:stCondLst>
                                     <p:cond delay="0"/>
                                   </p:stCondLst>
@@ -47668,11 +47093,7 @@
                                           </p:stCondLst>
                                         </p:cTn>
                                         <p:tgtEl>
-                                          <p:spTgt spid="2">
-                                            <p:txEl>
-                                              <p:pRg st="0" end="0"/>
-                                            </p:txEl>
-                                          </p:spTgt>
+                                          <p:spTgt spid="2"/>
                                         </p:tgtEl>
                                         <p:attrNameLst>
                                           <p:attrName>style.visibility</p:attrName>
@@ -47686,269 +47107,7 @@
                                       <p:cBhvr>
                                         <p:cTn id="7" dur="500"/>
                                         <p:tgtEl>
-                                          <p:spTgt spid="2">
-                                            <p:txEl>
-                                              <p:pRg st="0" end="0"/>
-                                            </p:txEl>
-                                          </p:spTgt>
-                                        </p:tgtEl>
-                                      </p:cBhvr>
-                                    </p:animEffect>
-                                  </p:childTnLst>
-                                </p:cTn>
-                              </p:par>
-                              <p:par>
-                                <p:cTn id="8" presetID="10" presetClass="entr" presetSubtype="0" fill="hold" nodeType="withEffect">
-                                  <p:stCondLst>
-                                    <p:cond delay="0"/>
-                                  </p:stCondLst>
-                                  <p:childTnLst>
-                                    <p:set>
-                                      <p:cBhvr>
-                                        <p:cTn id="9" dur="1" fill="hold">
-                                          <p:stCondLst>
-                                            <p:cond delay="0"/>
-                                          </p:stCondLst>
-                                        </p:cTn>
-                                        <p:tgtEl>
-                                          <p:spTgt spid="2">
-                                            <p:txEl>
-                                              <p:pRg st="1" end="1"/>
-                                            </p:txEl>
-                                          </p:spTgt>
-                                        </p:tgtEl>
-                                        <p:attrNameLst>
-                                          <p:attrName>style.visibility</p:attrName>
-                                        </p:attrNameLst>
-                                      </p:cBhvr>
-                                      <p:to>
-                                        <p:strVal val="visible"/>
-                                      </p:to>
-                                    </p:set>
-                                    <p:animEffect transition="in" filter="fade">
-                                      <p:cBhvr>
-                                        <p:cTn id="10" dur="500"/>
-                                        <p:tgtEl>
-                                          <p:spTgt spid="2">
-                                            <p:txEl>
-                                              <p:pRg st="1" end="1"/>
-                                            </p:txEl>
-                                          </p:spTgt>
-                                        </p:tgtEl>
-                                      </p:cBhvr>
-                                    </p:animEffect>
-                                  </p:childTnLst>
-                                </p:cTn>
-                              </p:par>
-                              <p:par>
-                                <p:cTn id="11" presetID="10" presetClass="entr" presetSubtype="0" fill="hold" nodeType="withEffect">
-                                  <p:stCondLst>
-                                    <p:cond delay="0"/>
-                                  </p:stCondLst>
-                                  <p:childTnLst>
-                                    <p:set>
-                                      <p:cBhvr>
-                                        <p:cTn id="12" dur="1" fill="hold">
-                                          <p:stCondLst>
-                                            <p:cond delay="0"/>
-                                          </p:stCondLst>
-                                        </p:cTn>
-                                        <p:tgtEl>
-                                          <p:spTgt spid="2">
-                                            <p:txEl>
-                                              <p:pRg st="2" end="2"/>
-                                            </p:txEl>
-                                          </p:spTgt>
-                                        </p:tgtEl>
-                                        <p:attrNameLst>
-                                          <p:attrName>style.visibility</p:attrName>
-                                        </p:attrNameLst>
-                                      </p:cBhvr>
-                                      <p:to>
-                                        <p:strVal val="visible"/>
-                                      </p:to>
-                                    </p:set>
-                                    <p:animEffect transition="in" filter="fade">
-                                      <p:cBhvr>
-                                        <p:cTn id="13" dur="500"/>
-                                        <p:tgtEl>
-                                          <p:spTgt spid="2">
-                                            <p:txEl>
-                                              <p:pRg st="2" end="2"/>
-                                            </p:txEl>
-                                          </p:spTgt>
-                                        </p:tgtEl>
-                                      </p:cBhvr>
-                                    </p:animEffect>
-                                  </p:childTnLst>
-                                </p:cTn>
-                              </p:par>
-                              <p:par>
-                                <p:cTn id="14" presetID="10" presetClass="entr" presetSubtype="0" fill="hold" nodeType="withEffect">
-                                  <p:stCondLst>
-                                    <p:cond delay="0"/>
-                                  </p:stCondLst>
-                                  <p:childTnLst>
-                                    <p:set>
-                                      <p:cBhvr>
-                                        <p:cTn id="15" dur="1" fill="hold">
-                                          <p:stCondLst>
-                                            <p:cond delay="0"/>
-                                          </p:stCondLst>
-                                        </p:cTn>
-                                        <p:tgtEl>
-                                          <p:spTgt spid="2">
-                                            <p:txEl>
-                                              <p:pRg st="3" end="3"/>
-                                            </p:txEl>
-                                          </p:spTgt>
-                                        </p:tgtEl>
-                                        <p:attrNameLst>
-                                          <p:attrName>style.visibility</p:attrName>
-                                        </p:attrNameLst>
-                                      </p:cBhvr>
-                                      <p:to>
-                                        <p:strVal val="visible"/>
-                                      </p:to>
-                                    </p:set>
-                                    <p:animEffect transition="in" filter="fade">
-                                      <p:cBhvr>
-                                        <p:cTn id="16" dur="500"/>
-                                        <p:tgtEl>
-                                          <p:spTgt spid="2">
-                                            <p:txEl>
-                                              <p:pRg st="3" end="3"/>
-                                            </p:txEl>
-                                          </p:spTgt>
-                                        </p:tgtEl>
-                                      </p:cBhvr>
-                                    </p:animEffect>
-                                  </p:childTnLst>
-                                </p:cTn>
-                              </p:par>
-                              <p:par>
-                                <p:cTn id="17" presetID="10" presetClass="entr" presetSubtype="0" fill="hold" nodeType="withEffect">
-                                  <p:stCondLst>
-                                    <p:cond delay="0"/>
-                                  </p:stCondLst>
-                                  <p:childTnLst>
-                                    <p:set>
-                                      <p:cBhvr>
-                                        <p:cTn id="18" dur="1" fill="hold">
-                                          <p:stCondLst>
-                                            <p:cond delay="0"/>
-                                          </p:stCondLst>
-                                        </p:cTn>
-                                        <p:tgtEl>
-                                          <p:spTgt spid="2">
-                                            <p:txEl>
-                                              <p:pRg st="4" end="4"/>
-                                            </p:txEl>
-                                          </p:spTgt>
-                                        </p:tgtEl>
-                                        <p:attrNameLst>
-                                          <p:attrName>style.visibility</p:attrName>
-                                        </p:attrNameLst>
-                                      </p:cBhvr>
-                                      <p:to>
-                                        <p:strVal val="visible"/>
-                                      </p:to>
-                                    </p:set>
-                                    <p:animEffect transition="in" filter="fade">
-                                      <p:cBhvr>
-                                        <p:cTn id="19" dur="500"/>
-                                        <p:tgtEl>
-                                          <p:spTgt spid="2">
-                                            <p:txEl>
-                                              <p:pRg st="4" end="4"/>
-                                            </p:txEl>
-                                          </p:spTgt>
-                                        </p:tgtEl>
-                                      </p:cBhvr>
-                                    </p:animEffect>
-                                  </p:childTnLst>
-                                </p:cTn>
-                              </p:par>
-                              <p:par>
-                                <p:cTn id="20" presetID="10" presetClass="entr" presetSubtype="0" fill="hold" nodeType="withEffect">
-                                  <p:stCondLst>
-                                    <p:cond delay="0"/>
-                                  </p:stCondLst>
-                                  <p:childTnLst>
-                                    <p:set>
-                                      <p:cBhvr>
-                                        <p:cTn id="21" dur="1" fill="hold">
-                                          <p:stCondLst>
-                                            <p:cond delay="0"/>
-                                          </p:stCondLst>
-                                        </p:cTn>
-                                        <p:tgtEl>
-                                          <p:spTgt spid="2">
-                                            <p:txEl>
-                                              <p:pRg st="5" end="5"/>
-                                            </p:txEl>
-                                          </p:spTgt>
-                                        </p:tgtEl>
-                                        <p:attrNameLst>
-                                          <p:attrName>style.visibility</p:attrName>
-                                        </p:attrNameLst>
-                                      </p:cBhvr>
-                                      <p:to>
-                                        <p:strVal val="visible"/>
-                                      </p:to>
-                                    </p:set>
-                                    <p:animEffect transition="in" filter="fade">
-                                      <p:cBhvr>
-                                        <p:cTn id="22" dur="500"/>
-                                        <p:tgtEl>
-                                          <p:spTgt spid="2">
-                                            <p:txEl>
-                                              <p:pRg st="5" end="5"/>
-                                            </p:txEl>
-                                          </p:spTgt>
-                                        </p:tgtEl>
-                                      </p:cBhvr>
-                                    </p:animEffect>
-                                  </p:childTnLst>
-                                </p:cTn>
-                              </p:par>
-                              <p:par>
-                                <p:cTn id="23" presetID="10" presetClass="entr" presetSubtype="0" fill="hold" nodeType="withEffect">
-                                  <p:stCondLst>
-                                    <p:cond delay="0"/>
-                                  </p:stCondLst>
-                                  <p:childTnLst>
-                                    <p:set>
-                                      <p:cBhvr>
-                                        <p:cTn id="24" dur="1" fill="hold">
-                                          <p:stCondLst>
-                                            <p:cond delay="0"/>
-                                          </p:stCondLst>
-                                        </p:cTn>
-                                        <p:tgtEl>
-                                          <p:spTgt spid="2">
-                                            <p:txEl>
-                                              <p:pRg st="6" end="6"/>
-                                            </p:txEl>
-                                          </p:spTgt>
-                                        </p:tgtEl>
-                                        <p:attrNameLst>
-                                          <p:attrName>style.visibility</p:attrName>
-                                        </p:attrNameLst>
-                                      </p:cBhvr>
-                                      <p:to>
-                                        <p:strVal val="visible"/>
-                                      </p:to>
-                                    </p:set>
-                                    <p:animEffect transition="in" filter="fade">
-                                      <p:cBhvr>
-                                        <p:cTn id="25" dur="500"/>
-                                        <p:tgtEl>
-                                          <p:spTgt spid="2">
-                                            <p:txEl>
-                                              <p:pRg st="6" end="6"/>
-                                            </p:txEl>
-                                          </p:spTgt>
+                                          <p:spTgt spid="2"/>
                                         </p:tgtEl>
                                       </p:cBhvr>
                                     </p:animEffect>
@@ -47982,6 +47141,9 @@
         </p:cTn>
       </p:par>
     </p:tnLst>
+    <p:bldLst>
+      <p:bldP spid="2" grpId="0" animBg="1"/>
+    </p:bldLst>
   </p:timing>
 </p:sld>
 </file>
@@ -48956,7 +48118,7 @@
         </p:blipFill>
         <p:spPr bwMode="auto">
           <a:xfrm>
-            <a:off x="4204350" y="1344226"/>
+            <a:off x="4204350" y="1272510"/>
             <a:ext cx="726660" cy="726660"/>
           </a:xfrm>
           <a:prstGeom prst="rect">
